--- a/Obrada upita kod PostgreSQL baze podataka.pptx
+++ b/Obrada upita kod PostgreSQL baze podataka.pptx
@@ -1980,33 +1980,33 @@
     </dgm:pt>
   </dgm:ptLst>
   <dgm:cxnLst>
+    <dgm:cxn modelId="{8956F9BC-E05C-4EA1-9929-86BCCF751BB7}" srcId="{38E2FA88-186C-403E-BAED-D15370A67C4B}" destId="{5712CA28-1CFD-403D-BD5F-61C1100180E0}" srcOrd="0" destOrd="0" parTransId="{00635322-5456-4E36-85FF-DD13787E7CEF}" sibTransId="{04D7095F-669E-4E5C-B447-1CC6CE859B41}"/>
+    <dgm:cxn modelId="{019DE613-FB6D-4B07-A7A6-D96D8F7354EE}" type="presOf" srcId="{79E102AF-0E5E-4372-AAA4-456C5E81C1FC}" destId="{11209217-7506-44AF-A530-A882472310A0}" srcOrd="0" destOrd="0" presId="urn:microsoft.com/office/officeart/2005/8/layout/hList2"/>
+    <dgm:cxn modelId="{CC66380C-B58F-4317-BDC1-68F7835FC42C}" srcId="{1D0F9554-BEE4-4E67-8D3D-F6054757673C}" destId="{9B72DDB4-CBFE-4D1E-B619-51E0ADDCFEA8}" srcOrd="0" destOrd="0" parTransId="{083E22E7-E0D7-4874-A440-3FC31546273A}" sibTransId="{A83C7347-C2E6-4401-863F-3EE2ED122D06}"/>
+    <dgm:cxn modelId="{A48A3F4F-2D2B-4090-8DAE-B3748ED52E72}" srcId="{5712CA28-1CFD-403D-BD5F-61C1100180E0}" destId="{93DB4C28-A738-4F7D-8363-851A863C24A0}" srcOrd="1" destOrd="0" parTransId="{D2F487E3-EDB5-42C5-B819-134B3E3895C4}" sibTransId="{AC1CBE6E-188A-45D8-8814-8D635709EC48}"/>
+    <dgm:cxn modelId="{3DD32474-460A-4363-AA63-1C581D1A0969}" type="presOf" srcId="{1D0F9554-BEE4-4E67-8D3D-F6054757673C}" destId="{00F6B1FB-D5B7-4304-B517-F4F34AF352D6}" srcOrd="0" destOrd="0" presId="urn:microsoft.com/office/officeart/2005/8/layout/hList2"/>
+    <dgm:cxn modelId="{192F4EFF-311F-47EA-8773-3566756925D8}" type="presOf" srcId="{31D452D9-8A41-408D-9ED8-828DD1FA91CC}" destId="{211E1112-2E96-42C5-8907-9FD014DDF905}" srcOrd="0" destOrd="0" presId="urn:microsoft.com/office/officeart/2005/8/layout/hList2"/>
     <dgm:cxn modelId="{A3CB0B85-29FD-414D-A5CF-77372224EC69}" type="presOf" srcId="{93DB4C28-A738-4F7D-8363-851A863C24A0}" destId="{F653438E-0FA6-4DA7-B2F1-24FBB8435511}" srcOrd="0" destOrd="1" presId="urn:microsoft.com/office/officeart/2005/8/layout/hList2"/>
+    <dgm:cxn modelId="{5BA92637-00A7-4FB0-A050-CC2975A98398}" type="presOf" srcId="{5712CA28-1CFD-403D-BD5F-61C1100180E0}" destId="{0EEF8EC5-7964-4E0E-BD7B-C1C53D645835}" srcOrd="0" destOrd="0" presId="urn:microsoft.com/office/officeart/2005/8/layout/hList2"/>
+    <dgm:cxn modelId="{D94B8DB0-7831-42A1-AC81-4C27B94E094D}" type="presOf" srcId="{5E652DE3-A867-41E8-AE56-8807BAF04198}" destId="{E5A601D7-3BE1-49B1-B9B3-4CBAE603BB8A}" srcOrd="0" destOrd="1" presId="urn:microsoft.com/office/officeart/2005/8/layout/hList2"/>
+    <dgm:cxn modelId="{92AB1F4C-0A91-4896-8C4A-430327B478E8}" type="presOf" srcId="{FBC77BE6-5C83-48F3-9EDF-ED67FE8DD5AC}" destId="{46163D27-828A-4962-927E-38FC7B508791}" srcOrd="0" destOrd="0" presId="urn:microsoft.com/office/officeart/2005/8/layout/hList2"/>
+    <dgm:cxn modelId="{DB3C8A18-46AF-4A7F-AEB0-D7CE47FF96A6}" srcId="{5712CA28-1CFD-403D-BD5F-61C1100180E0}" destId="{D7FA0168-223F-4513-80D4-56F3B081D541}" srcOrd="0" destOrd="0" parTransId="{F725B0D9-DFD9-4A52-93E7-5D705836FE28}" sibTransId="{7F1F4F99-2C6A-4F2C-AB2D-6EED79CA474A}"/>
+    <dgm:cxn modelId="{B497FA28-EC82-4EFC-8A6C-63C525EBDE45}" srcId="{FBC77BE6-5C83-48F3-9EDF-ED67FE8DD5AC}" destId="{F3DEFC4D-41A2-48C9-8674-8AE5CD02FDE1}" srcOrd="0" destOrd="0" parTransId="{AB284C30-0E45-4DFC-A30A-2A6492E40A12}" sibTransId="{1B97DB0B-1013-4893-8D57-317FF86BCE47}"/>
     <dgm:cxn modelId="{24B46C01-36EE-4BE3-B7C9-6B0A6217E737}" srcId="{31D452D9-8A41-408D-9ED8-828DD1FA91CC}" destId="{1034AD6B-E3B7-41EC-B2A2-52C2F6653322}" srcOrd="1" destOrd="0" parTransId="{49C0B4BB-733D-4A9D-B26F-6917E93735B4}" sibTransId="{26A581CF-D059-4AAC-AE50-B24B25E066A6}"/>
+    <dgm:cxn modelId="{B60C5771-A9C6-47AD-808D-E5906309E6AF}" srcId="{FBC77BE6-5C83-48F3-9EDF-ED67FE8DD5AC}" destId="{5E652DE3-A867-41E8-AE56-8807BAF04198}" srcOrd="1" destOrd="0" parTransId="{6F9EA44E-06E7-4096-AD54-2342480609F1}" sibTransId="{6A47C694-5E12-4CC4-9B20-4B90CA6883BE}"/>
+    <dgm:cxn modelId="{F31508E8-3936-4BCA-AB98-3CD20816ED41}" type="presOf" srcId="{38E2FA88-186C-403E-BAED-D15370A67C4B}" destId="{8A35C4DA-1ACA-411E-BF33-FA64454AE01A}" srcOrd="0" destOrd="0" presId="urn:microsoft.com/office/officeart/2005/8/layout/hList2"/>
+    <dgm:cxn modelId="{E319FA73-6A6B-4E90-8689-51E76885B6C9}" srcId="{31D452D9-8A41-408D-9ED8-828DD1FA91CC}" destId="{DA51A157-F484-4580-AEE9-58890F1B0F70}" srcOrd="0" destOrd="0" parTransId="{E9EFEE5F-B047-409F-BB62-04C85AD94758}" sibTransId="{677A0C01-BA08-4B27-A078-26574C2D1211}"/>
+    <dgm:cxn modelId="{6195A2CD-B2DC-43BC-B3C0-E6FA6CF11526}" srcId="{38E2FA88-186C-403E-BAED-D15370A67C4B}" destId="{A13C3BC0-21BA-4E3D-ADFC-E3B3A66514CC}" srcOrd="3" destOrd="0" parTransId="{AFBCA951-7E3D-460F-93E4-704809E36A73}" sibTransId="{E80025AA-2A2E-40A5-9A42-048611B33F33}"/>
+    <dgm:cxn modelId="{3062774F-0D30-440D-951F-8B1BA366346E}" type="presOf" srcId="{A13C3BC0-21BA-4E3D-ADFC-E3B3A66514CC}" destId="{A8306976-DCA6-4952-88DE-06F3FFBF0A72}" srcOrd="0" destOrd="0" presId="urn:microsoft.com/office/officeart/2005/8/layout/hList2"/>
+    <dgm:cxn modelId="{4C47BF45-3B04-40FE-A7A7-6CFF6F1DF469}" type="presOf" srcId="{DA51A157-F484-4580-AEE9-58890F1B0F70}" destId="{2A48E52D-407B-40CC-ADD7-BBBB24A10A36}" srcOrd="0" destOrd="0" presId="urn:microsoft.com/office/officeart/2005/8/layout/hList2"/>
+    <dgm:cxn modelId="{7F70BF2A-834F-4AFD-9CE1-4CABDAEAF3E1}" srcId="{38E2FA88-186C-403E-BAED-D15370A67C4B}" destId="{FBC77BE6-5C83-48F3-9EDF-ED67FE8DD5AC}" srcOrd="2" destOrd="0" parTransId="{642AC365-9BDF-466B-8A4C-A0146898359B}" sibTransId="{00680EC5-E51B-49BF-B85F-B4304BD9DE03}"/>
     <dgm:cxn modelId="{07431025-C853-4230-A0D5-B2457DF6E952}" srcId="{38E2FA88-186C-403E-BAED-D15370A67C4B}" destId="{1D0F9554-BEE4-4E67-8D3D-F6054757673C}" srcOrd="4" destOrd="0" parTransId="{671584EE-0BCB-4B00-8C43-22D10915F607}" sibTransId="{6871458D-B41F-4702-AF27-258308C75D33}"/>
-    <dgm:cxn modelId="{6195A2CD-B2DC-43BC-B3C0-E6FA6CF11526}" srcId="{38E2FA88-186C-403E-BAED-D15370A67C4B}" destId="{A13C3BC0-21BA-4E3D-ADFC-E3B3A66514CC}" srcOrd="3" destOrd="0" parTransId="{AFBCA951-7E3D-460F-93E4-704809E36A73}" sibTransId="{E80025AA-2A2E-40A5-9A42-048611B33F33}"/>
+    <dgm:cxn modelId="{1E09AEFC-2BFB-40CC-A49F-CF6EC4A33AEE}" type="presOf" srcId="{F3DEFC4D-41A2-48C9-8674-8AE5CD02FDE1}" destId="{E5A601D7-3BE1-49B1-B9B3-4CBAE603BB8A}" srcOrd="0" destOrd="0" presId="urn:microsoft.com/office/officeart/2005/8/layout/hList2"/>
+    <dgm:cxn modelId="{F3AEF4E3-EFEC-46B5-B844-2FFE538EA03C}" type="presOf" srcId="{9B72DDB4-CBFE-4D1E-B619-51E0ADDCFEA8}" destId="{B716580A-0D31-4EEE-8B1F-A560443866CF}" srcOrd="0" destOrd="0" presId="urn:microsoft.com/office/officeart/2005/8/layout/hList2"/>
     <dgm:cxn modelId="{9ED4485D-494E-48ED-9AD6-30D5EC00978E}" type="presOf" srcId="{D7FA0168-223F-4513-80D4-56F3B081D541}" destId="{F653438E-0FA6-4DA7-B2F1-24FBB8435511}" srcOrd="0" destOrd="0" presId="urn:microsoft.com/office/officeart/2005/8/layout/hList2"/>
-    <dgm:cxn modelId="{192F4EFF-311F-47EA-8773-3566756925D8}" type="presOf" srcId="{31D452D9-8A41-408D-9ED8-828DD1FA91CC}" destId="{211E1112-2E96-42C5-8907-9FD014DDF905}" srcOrd="0" destOrd="0" presId="urn:microsoft.com/office/officeart/2005/8/layout/hList2"/>
+    <dgm:cxn modelId="{875734B1-FABE-4F7D-8032-A399574F16E6}" srcId="{A13C3BC0-21BA-4E3D-ADFC-E3B3A66514CC}" destId="{79E102AF-0E5E-4372-AAA4-456C5E81C1FC}" srcOrd="0" destOrd="0" parTransId="{99548DB3-F13F-45B3-927A-8F6EFFD6D18E}" sibTransId="{31DE9861-D8D1-4F50-A5EF-F1212200F5DF}"/>
+    <dgm:cxn modelId="{C0803E0C-266C-45D4-A65B-9B2D98FC0D83}" srcId="{38E2FA88-186C-403E-BAED-D15370A67C4B}" destId="{31D452D9-8A41-408D-9ED8-828DD1FA91CC}" srcOrd="1" destOrd="0" parTransId="{559918AD-86F0-4FCA-9300-12272943088B}" sibTransId="{975094DF-6EAA-496D-B659-C010C21C7225}"/>
     <dgm:cxn modelId="{CA9A7E0B-14A8-4D0F-827E-3EE58B3772C1}" type="presOf" srcId="{1034AD6B-E3B7-41EC-B2A2-52C2F6653322}" destId="{2A48E52D-407B-40CC-ADD7-BBBB24A10A36}" srcOrd="0" destOrd="1" presId="urn:microsoft.com/office/officeart/2005/8/layout/hList2"/>
-    <dgm:cxn modelId="{875734B1-FABE-4F7D-8032-A399574F16E6}" srcId="{A13C3BC0-21BA-4E3D-ADFC-E3B3A66514CC}" destId="{79E102AF-0E5E-4372-AAA4-456C5E81C1FC}" srcOrd="0" destOrd="0" parTransId="{99548DB3-F13F-45B3-927A-8F6EFFD6D18E}" sibTransId="{31DE9861-D8D1-4F50-A5EF-F1212200F5DF}"/>
-    <dgm:cxn modelId="{D94B8DB0-7831-42A1-AC81-4C27B94E094D}" type="presOf" srcId="{5E652DE3-A867-41E8-AE56-8807BAF04198}" destId="{E5A601D7-3BE1-49B1-B9B3-4CBAE603BB8A}" srcOrd="0" destOrd="1" presId="urn:microsoft.com/office/officeart/2005/8/layout/hList2"/>
-    <dgm:cxn modelId="{3DD32474-460A-4363-AA63-1C581D1A0969}" type="presOf" srcId="{1D0F9554-BEE4-4E67-8D3D-F6054757673C}" destId="{00F6B1FB-D5B7-4304-B517-F4F34AF352D6}" srcOrd="0" destOrd="0" presId="urn:microsoft.com/office/officeart/2005/8/layout/hList2"/>
-    <dgm:cxn modelId="{CC66380C-B58F-4317-BDC1-68F7835FC42C}" srcId="{1D0F9554-BEE4-4E67-8D3D-F6054757673C}" destId="{9B72DDB4-CBFE-4D1E-B619-51E0ADDCFEA8}" srcOrd="0" destOrd="0" parTransId="{083E22E7-E0D7-4874-A440-3FC31546273A}" sibTransId="{A83C7347-C2E6-4401-863F-3EE2ED122D06}"/>
-    <dgm:cxn modelId="{E319FA73-6A6B-4E90-8689-51E76885B6C9}" srcId="{31D452D9-8A41-408D-9ED8-828DD1FA91CC}" destId="{DA51A157-F484-4580-AEE9-58890F1B0F70}" srcOrd="0" destOrd="0" parTransId="{E9EFEE5F-B047-409F-BB62-04C85AD94758}" sibTransId="{677A0C01-BA08-4B27-A078-26574C2D1211}"/>
-    <dgm:cxn modelId="{F3AEF4E3-EFEC-46B5-B844-2FFE538EA03C}" type="presOf" srcId="{9B72DDB4-CBFE-4D1E-B619-51E0ADDCFEA8}" destId="{B716580A-0D31-4EEE-8B1F-A560443866CF}" srcOrd="0" destOrd="0" presId="urn:microsoft.com/office/officeart/2005/8/layout/hList2"/>
-    <dgm:cxn modelId="{A48A3F4F-2D2B-4090-8DAE-B3748ED52E72}" srcId="{5712CA28-1CFD-403D-BD5F-61C1100180E0}" destId="{93DB4C28-A738-4F7D-8363-851A863C24A0}" srcOrd="1" destOrd="0" parTransId="{D2F487E3-EDB5-42C5-B819-134B3E3895C4}" sibTransId="{AC1CBE6E-188A-45D8-8814-8D635709EC48}"/>
-    <dgm:cxn modelId="{B497FA28-EC82-4EFC-8A6C-63C525EBDE45}" srcId="{FBC77BE6-5C83-48F3-9EDF-ED67FE8DD5AC}" destId="{F3DEFC4D-41A2-48C9-8674-8AE5CD02FDE1}" srcOrd="0" destOrd="0" parTransId="{AB284C30-0E45-4DFC-A30A-2A6492E40A12}" sibTransId="{1B97DB0B-1013-4893-8D57-317FF86BCE47}"/>
-    <dgm:cxn modelId="{7F70BF2A-834F-4AFD-9CE1-4CABDAEAF3E1}" srcId="{38E2FA88-186C-403E-BAED-D15370A67C4B}" destId="{FBC77BE6-5C83-48F3-9EDF-ED67FE8DD5AC}" srcOrd="2" destOrd="0" parTransId="{642AC365-9BDF-466B-8A4C-A0146898359B}" sibTransId="{00680EC5-E51B-49BF-B85F-B4304BD9DE03}"/>
-    <dgm:cxn modelId="{F31508E8-3936-4BCA-AB98-3CD20816ED41}" type="presOf" srcId="{38E2FA88-186C-403E-BAED-D15370A67C4B}" destId="{8A35C4DA-1ACA-411E-BF33-FA64454AE01A}" srcOrd="0" destOrd="0" presId="urn:microsoft.com/office/officeart/2005/8/layout/hList2"/>
-    <dgm:cxn modelId="{4C47BF45-3B04-40FE-A7A7-6CFF6F1DF469}" type="presOf" srcId="{DA51A157-F484-4580-AEE9-58890F1B0F70}" destId="{2A48E52D-407B-40CC-ADD7-BBBB24A10A36}" srcOrd="0" destOrd="0" presId="urn:microsoft.com/office/officeart/2005/8/layout/hList2"/>
-    <dgm:cxn modelId="{019DE613-FB6D-4B07-A7A6-D96D8F7354EE}" type="presOf" srcId="{79E102AF-0E5E-4372-AAA4-456C5E81C1FC}" destId="{11209217-7506-44AF-A530-A882472310A0}" srcOrd="0" destOrd="0" presId="urn:microsoft.com/office/officeart/2005/8/layout/hList2"/>
-    <dgm:cxn modelId="{1E09AEFC-2BFB-40CC-A49F-CF6EC4A33AEE}" type="presOf" srcId="{F3DEFC4D-41A2-48C9-8674-8AE5CD02FDE1}" destId="{E5A601D7-3BE1-49B1-B9B3-4CBAE603BB8A}" srcOrd="0" destOrd="0" presId="urn:microsoft.com/office/officeart/2005/8/layout/hList2"/>
-    <dgm:cxn modelId="{DB3C8A18-46AF-4A7F-AEB0-D7CE47FF96A6}" srcId="{5712CA28-1CFD-403D-BD5F-61C1100180E0}" destId="{D7FA0168-223F-4513-80D4-56F3B081D541}" srcOrd="0" destOrd="0" parTransId="{F725B0D9-DFD9-4A52-93E7-5D705836FE28}" sibTransId="{7F1F4F99-2C6A-4F2C-AB2D-6EED79CA474A}"/>
-    <dgm:cxn modelId="{B60C5771-A9C6-47AD-808D-E5906309E6AF}" srcId="{FBC77BE6-5C83-48F3-9EDF-ED67FE8DD5AC}" destId="{5E652DE3-A867-41E8-AE56-8807BAF04198}" srcOrd="1" destOrd="0" parTransId="{6F9EA44E-06E7-4096-AD54-2342480609F1}" sibTransId="{6A47C694-5E12-4CC4-9B20-4B90CA6883BE}"/>
-    <dgm:cxn modelId="{3062774F-0D30-440D-951F-8B1BA366346E}" type="presOf" srcId="{A13C3BC0-21BA-4E3D-ADFC-E3B3A66514CC}" destId="{A8306976-DCA6-4952-88DE-06F3FFBF0A72}" srcOrd="0" destOrd="0" presId="urn:microsoft.com/office/officeart/2005/8/layout/hList2"/>
-    <dgm:cxn modelId="{92AB1F4C-0A91-4896-8C4A-430327B478E8}" type="presOf" srcId="{FBC77BE6-5C83-48F3-9EDF-ED67FE8DD5AC}" destId="{46163D27-828A-4962-927E-38FC7B508791}" srcOrd="0" destOrd="0" presId="urn:microsoft.com/office/officeart/2005/8/layout/hList2"/>
-    <dgm:cxn modelId="{C0803E0C-266C-45D4-A65B-9B2D98FC0D83}" srcId="{38E2FA88-186C-403E-BAED-D15370A67C4B}" destId="{31D452D9-8A41-408D-9ED8-828DD1FA91CC}" srcOrd="1" destOrd="0" parTransId="{559918AD-86F0-4FCA-9300-12272943088B}" sibTransId="{975094DF-6EAA-496D-B659-C010C21C7225}"/>
-    <dgm:cxn modelId="{5BA92637-00A7-4FB0-A050-CC2975A98398}" type="presOf" srcId="{5712CA28-1CFD-403D-BD5F-61C1100180E0}" destId="{0EEF8EC5-7964-4E0E-BD7B-C1C53D645835}" srcOrd="0" destOrd="0" presId="urn:microsoft.com/office/officeart/2005/8/layout/hList2"/>
-    <dgm:cxn modelId="{8956F9BC-E05C-4EA1-9929-86BCCF751BB7}" srcId="{38E2FA88-186C-403E-BAED-D15370A67C4B}" destId="{5712CA28-1CFD-403D-BD5F-61C1100180E0}" srcOrd="0" destOrd="0" parTransId="{00635322-5456-4E36-85FF-DD13787E7CEF}" sibTransId="{04D7095F-669E-4E5C-B447-1CC6CE859B41}"/>
     <dgm:cxn modelId="{1BE4265C-DF20-4272-A482-D29AA1FD4642}" type="presParOf" srcId="{8A35C4DA-1ACA-411E-BF33-FA64454AE01A}" destId="{B1F693E0-7B84-4565-822B-265515984AD0}" srcOrd="0" destOrd="0" presId="urn:microsoft.com/office/officeart/2005/8/layout/hList2"/>
     <dgm:cxn modelId="{D335A911-A262-4EDF-B281-1CF8A104BAF0}" type="presParOf" srcId="{B1F693E0-7B84-4565-822B-265515984AD0}" destId="{99C87182-14BF-496A-94EF-AD63D1E1EE32}" srcOrd="0" destOrd="0" presId="urn:microsoft.com/office/officeart/2005/8/layout/hList2"/>
     <dgm:cxn modelId="{D9FEDC7A-EC3F-404A-AF58-AF6CDE223DB7}" type="presParOf" srcId="{B1F693E0-7B84-4565-822B-265515984AD0}" destId="{F653438E-0FA6-4DA7-B2F1-24FBB8435511}" srcOrd="1" destOrd="0" presId="urn:microsoft.com/office/officeart/2005/8/layout/hList2"/>
@@ -4674,7 +4674,7 @@
           <p:cNvPr id="2" name="Header Placeholder 1">
             <a:extLst>
               <a:ext uri="{FF2B5EF4-FFF2-40B4-BE49-F238E27FC236}">
-                <a16:creationId xmlns="" xmlns:a16="http://schemas.microsoft.com/office/drawing/2014/main" id="{E8BEDA40-91A9-49DC-B402-0EBE674AAEA5}"/>
+                <a16:creationId xmlns:a16="http://schemas.microsoft.com/office/drawing/2014/main" xmlns="" id="{E8BEDA40-91A9-49DC-B402-0EBE674AAEA5}"/>
               </a:ext>
             </a:extLst>
           </p:cNvPr>
@@ -4711,7 +4711,7 @@
           <p:cNvPr id="3" name="Date Placeholder 2">
             <a:extLst>
               <a:ext uri="{FF2B5EF4-FFF2-40B4-BE49-F238E27FC236}">
-                <a16:creationId xmlns="" xmlns:a16="http://schemas.microsoft.com/office/drawing/2014/main" id="{E8CBB508-5589-42E7-A433-D119AC0FFB77}"/>
+                <a16:creationId xmlns:a16="http://schemas.microsoft.com/office/drawing/2014/main" xmlns="" id="{E8CBB508-5589-42E7-A433-D119AC0FFB77}"/>
               </a:ext>
             </a:extLst>
           </p:cNvPr>
@@ -4741,7 +4741,7 @@
           <a:p>
             <a:fld id="{872BFC85-49E4-447A-A7E3-16153CB2FE2A}" type="datetimeFigureOut">
               <a:rPr lang="en-US" smtClean="0"/>
-              <a:t>4/20/2024</a:t>
+              <a:t>4/21/2024</a:t>
             </a:fld>
             <a:endParaRPr lang="en-US" dirty="0"/>
           </a:p>
@@ -4752,7 +4752,7 @@
           <p:cNvPr id="4" name="Footer Placeholder 3">
             <a:extLst>
               <a:ext uri="{FF2B5EF4-FFF2-40B4-BE49-F238E27FC236}">
-                <a16:creationId xmlns="" xmlns:a16="http://schemas.microsoft.com/office/drawing/2014/main" id="{E9232ABA-B33A-4B3B-8412-C1773FBF3DB6}"/>
+                <a16:creationId xmlns:a16="http://schemas.microsoft.com/office/drawing/2014/main" xmlns="" id="{E9232ABA-B33A-4B3B-8412-C1773FBF3DB6}"/>
               </a:ext>
             </a:extLst>
           </p:cNvPr>
@@ -4789,7 +4789,7 @@
           <p:cNvPr id="5" name="Slide Number Placeholder 4">
             <a:extLst>
               <a:ext uri="{FF2B5EF4-FFF2-40B4-BE49-F238E27FC236}">
-                <a16:creationId xmlns="" xmlns:a16="http://schemas.microsoft.com/office/drawing/2014/main" id="{BAB1832E-3B48-42CB-80A7-CD8E48D52DDC}"/>
+                <a16:creationId xmlns:a16="http://schemas.microsoft.com/office/drawing/2014/main" xmlns="" id="{BAB1832E-3B48-42CB-80A7-CD8E48D52DDC}"/>
               </a:ext>
             </a:extLst>
           </p:cNvPr>
@@ -4918,7 +4918,7 @@
           <a:p>
             <a:fld id="{1071B50E-4C60-4F9E-B773-52059170945B}" type="datetimeFigureOut">
               <a:rPr lang="en-US" noProof="0" smtClean="0"/>
-              <a:t>4/20/2024</a:t>
+              <a:t>4/21/2024</a:t>
             </a:fld>
             <a:endParaRPr lang="en-US" noProof="0" dirty="0"/>
           </a:p>
@@ -5207,7 +5207,7 @@
           <p:cNvPr id="11" name="Right Triangle 10">
             <a:extLst>
               <a:ext uri="{FF2B5EF4-FFF2-40B4-BE49-F238E27FC236}">
-                <a16:creationId xmlns="" xmlns:a16="http://schemas.microsoft.com/office/drawing/2014/main" id="{037924D2-2AB4-4BE1-9687-836615C72DFC}"/>
+                <a16:creationId xmlns:a16="http://schemas.microsoft.com/office/drawing/2014/main" xmlns="" id="{037924D2-2AB4-4BE1-9687-836615C72DFC}"/>
               </a:ext>
             </a:extLst>
           </p:cNvPr>
@@ -5259,7 +5259,7 @@
           <p:cNvPr id="16" name="Straight Connector 15">
             <a:extLst>
               <a:ext uri="{FF2B5EF4-FFF2-40B4-BE49-F238E27FC236}">
-                <a16:creationId xmlns="" xmlns:a16="http://schemas.microsoft.com/office/drawing/2014/main" id="{A93BC534-BFA1-4292-899F-03AC711BF7C5}"/>
+                <a16:creationId xmlns:a16="http://schemas.microsoft.com/office/drawing/2014/main" xmlns="" id="{A93BC534-BFA1-4292-899F-03AC711BF7C5}"/>
               </a:ext>
             </a:extLst>
           </p:cNvPr>
@@ -5304,7 +5304,7 @@
           <p:cNvPr id="25" name="Picture Placeholder 24">
             <a:extLst>
               <a:ext uri="{FF2B5EF4-FFF2-40B4-BE49-F238E27FC236}">
-                <a16:creationId xmlns="" xmlns:a16="http://schemas.microsoft.com/office/drawing/2014/main" id="{73B47EE6-EDE6-4881-B456-B37D9C1ADE38}"/>
+                <a16:creationId xmlns:a16="http://schemas.microsoft.com/office/drawing/2014/main" xmlns="" id="{73B47EE6-EDE6-4881-B456-B37D9C1ADE38}"/>
               </a:ext>
             </a:extLst>
           </p:cNvPr>
@@ -5411,7 +5411,7 @@
           <p:cNvPr id="18" name="Straight Connector 17">
             <a:extLst>
               <a:ext uri="{FF2B5EF4-FFF2-40B4-BE49-F238E27FC236}">
-                <a16:creationId xmlns="" xmlns:a16="http://schemas.microsoft.com/office/drawing/2014/main" id="{EBEE4DB5-5DEF-4DDB-9764-FD834B9DCAEC}"/>
+                <a16:creationId xmlns:a16="http://schemas.microsoft.com/office/drawing/2014/main" xmlns="" id="{EBEE4DB5-5DEF-4DDB-9764-FD834B9DCAEC}"/>
               </a:ext>
             </a:extLst>
           </p:cNvPr>
@@ -5454,7 +5454,7 @@
           <p:cNvPr id="2" name="Title 1" title="Title">
             <a:extLst>
               <a:ext uri="{FF2B5EF4-FFF2-40B4-BE49-F238E27FC236}">
-                <a16:creationId xmlns="" xmlns:a16="http://schemas.microsoft.com/office/drawing/2014/main" id="{A648E0EA-49ED-4F2D-A107-8FCE6301FC88}"/>
+                <a16:creationId xmlns:a16="http://schemas.microsoft.com/office/drawing/2014/main" xmlns="" id="{A648E0EA-49ED-4F2D-A107-8FCE6301FC88}"/>
               </a:ext>
             </a:extLst>
           </p:cNvPr>
@@ -5500,7 +5500,7 @@
           <p:cNvPr id="3" name="Subtitle 2" title="Subtitle">
             <a:extLst>
               <a:ext uri="{FF2B5EF4-FFF2-40B4-BE49-F238E27FC236}">
-                <a16:creationId xmlns="" xmlns:a16="http://schemas.microsoft.com/office/drawing/2014/main" id="{06317687-D49E-41F7-A330-C78C728F0D12}"/>
+                <a16:creationId xmlns:a16="http://schemas.microsoft.com/office/drawing/2014/main" xmlns="" id="{06317687-D49E-41F7-A330-C78C728F0D12}"/>
               </a:ext>
             </a:extLst>
           </p:cNvPr>
@@ -5579,7 +5579,7 @@
           <p:cNvPr id="9" name="Straight Connector 8">
             <a:extLst>
               <a:ext uri="{FF2B5EF4-FFF2-40B4-BE49-F238E27FC236}">
-                <a16:creationId xmlns="" xmlns:a16="http://schemas.microsoft.com/office/drawing/2014/main" id="{162849C0-AA0D-4E1A-B4B6-E6A5917AC0A5}"/>
+                <a16:creationId xmlns:a16="http://schemas.microsoft.com/office/drawing/2014/main" xmlns="" id="{162849C0-AA0D-4E1A-B4B6-E6A5917AC0A5}"/>
               </a:ext>
             </a:extLst>
           </p:cNvPr>
@@ -5693,7 +5693,7 @@
           <p:cNvPr id="11" name="Right Triangle 10">
             <a:extLst>
               <a:ext uri="{FF2B5EF4-FFF2-40B4-BE49-F238E27FC236}">
-                <a16:creationId xmlns="" xmlns:a16="http://schemas.microsoft.com/office/drawing/2014/main" id="{037924D2-2AB4-4BE1-9687-836615C72DFC}"/>
+                <a16:creationId xmlns:a16="http://schemas.microsoft.com/office/drawing/2014/main" xmlns="" id="{037924D2-2AB4-4BE1-9687-836615C72DFC}"/>
               </a:ext>
             </a:extLst>
           </p:cNvPr>
@@ -5745,7 +5745,7 @@
           <p:cNvPr id="16" name="Straight Connector 15">
             <a:extLst>
               <a:ext uri="{FF2B5EF4-FFF2-40B4-BE49-F238E27FC236}">
-                <a16:creationId xmlns="" xmlns:a16="http://schemas.microsoft.com/office/drawing/2014/main" id="{A93BC534-BFA1-4292-899F-03AC711BF7C5}"/>
+                <a16:creationId xmlns:a16="http://schemas.microsoft.com/office/drawing/2014/main" xmlns="" id="{A93BC534-BFA1-4292-899F-03AC711BF7C5}"/>
               </a:ext>
             </a:extLst>
           </p:cNvPr>
@@ -5790,7 +5790,7 @@
           <p:cNvPr id="18" name="Straight Connector 17">
             <a:extLst>
               <a:ext uri="{FF2B5EF4-FFF2-40B4-BE49-F238E27FC236}">
-                <a16:creationId xmlns="" xmlns:a16="http://schemas.microsoft.com/office/drawing/2014/main" id="{EBEE4DB5-5DEF-4DDB-9764-FD834B9DCAEC}"/>
+                <a16:creationId xmlns:a16="http://schemas.microsoft.com/office/drawing/2014/main" xmlns="" id="{EBEE4DB5-5DEF-4DDB-9764-FD834B9DCAEC}"/>
               </a:ext>
             </a:extLst>
           </p:cNvPr>
@@ -5833,7 +5833,7 @@
           <p:cNvPr id="2" name="Title 1" title="Title">
             <a:extLst>
               <a:ext uri="{FF2B5EF4-FFF2-40B4-BE49-F238E27FC236}">
-                <a16:creationId xmlns="" xmlns:a16="http://schemas.microsoft.com/office/drawing/2014/main" id="{A648E0EA-49ED-4F2D-A107-8FCE6301FC88}"/>
+                <a16:creationId xmlns:a16="http://schemas.microsoft.com/office/drawing/2014/main" xmlns="" id="{A648E0EA-49ED-4F2D-A107-8FCE6301FC88}"/>
               </a:ext>
             </a:extLst>
           </p:cNvPr>
@@ -5879,7 +5879,7 @@
           <p:cNvPr id="3" name="Subtitle 2" title="Subtitle">
             <a:extLst>
               <a:ext uri="{FF2B5EF4-FFF2-40B4-BE49-F238E27FC236}">
-                <a16:creationId xmlns="" xmlns:a16="http://schemas.microsoft.com/office/drawing/2014/main" id="{06317687-D49E-41F7-A330-C78C728F0D12}"/>
+                <a16:creationId xmlns:a16="http://schemas.microsoft.com/office/drawing/2014/main" xmlns="" id="{06317687-D49E-41F7-A330-C78C728F0D12}"/>
               </a:ext>
             </a:extLst>
           </p:cNvPr>
@@ -5958,7 +5958,7 @@
           <p:cNvPr id="9" name="Straight Connector 8">
             <a:extLst>
               <a:ext uri="{FF2B5EF4-FFF2-40B4-BE49-F238E27FC236}">
-                <a16:creationId xmlns="" xmlns:a16="http://schemas.microsoft.com/office/drawing/2014/main" id="{162849C0-AA0D-4E1A-B4B6-E6A5917AC0A5}"/>
+                <a16:creationId xmlns:a16="http://schemas.microsoft.com/office/drawing/2014/main" xmlns="" id="{162849C0-AA0D-4E1A-B4B6-E6A5917AC0A5}"/>
               </a:ext>
             </a:extLst>
           </p:cNvPr>
@@ -6072,7 +6072,7 @@
           <p:cNvPr id="19" name="Right Triangle 18">
             <a:extLst>
               <a:ext uri="{FF2B5EF4-FFF2-40B4-BE49-F238E27FC236}">
-                <a16:creationId xmlns="" xmlns:a16="http://schemas.microsoft.com/office/drawing/2014/main" id="{71D0E8AA-902F-440D-9C55-2A391C22396A}"/>
+                <a16:creationId xmlns:a16="http://schemas.microsoft.com/office/drawing/2014/main" xmlns="" id="{71D0E8AA-902F-440D-9C55-2A391C22396A}"/>
               </a:ext>
             </a:extLst>
           </p:cNvPr>
@@ -6124,7 +6124,7 @@
           <p:cNvPr id="17" name="Parallelogram 16">
             <a:extLst>
               <a:ext uri="{FF2B5EF4-FFF2-40B4-BE49-F238E27FC236}">
-                <a16:creationId xmlns="" xmlns:a16="http://schemas.microsoft.com/office/drawing/2014/main" id="{7D937721-835D-4D84-94A3-6C79D4639514}"/>
+                <a16:creationId xmlns:a16="http://schemas.microsoft.com/office/drawing/2014/main" xmlns="" id="{7D937721-835D-4D84-94A3-6C79D4639514}"/>
               </a:ext>
             </a:extLst>
           </p:cNvPr>
@@ -6178,7 +6178,7 @@
           <p:cNvPr id="18" name="Straight Connector 17">
             <a:extLst>
               <a:ext uri="{FF2B5EF4-FFF2-40B4-BE49-F238E27FC236}">
-                <a16:creationId xmlns="" xmlns:a16="http://schemas.microsoft.com/office/drawing/2014/main" id="{732BB30B-8262-4715-998F-AAF6A81ADFD3}"/>
+                <a16:creationId xmlns:a16="http://schemas.microsoft.com/office/drawing/2014/main" xmlns="" id="{732BB30B-8262-4715-998F-AAF6A81ADFD3}"/>
               </a:ext>
             </a:extLst>
           </p:cNvPr>
@@ -6223,7 +6223,7 @@
           <p:cNvPr id="100" name="Title 1" title="Title">
             <a:extLst>
               <a:ext uri="{FF2B5EF4-FFF2-40B4-BE49-F238E27FC236}">
-                <a16:creationId xmlns="" xmlns:a16="http://schemas.microsoft.com/office/drawing/2014/main" id="{4D7EF399-DAA5-44EC-B712-79C755FE84CB}"/>
+                <a16:creationId xmlns:a16="http://schemas.microsoft.com/office/drawing/2014/main" xmlns="" id="{4D7EF399-DAA5-44EC-B712-79C755FE84CB}"/>
               </a:ext>
             </a:extLst>
           </p:cNvPr>
@@ -6271,7 +6271,7 @@
           <p:cNvPr id="101" name="Text Placeholder 2" title="Subtitle">
             <a:extLst>
               <a:ext uri="{FF2B5EF4-FFF2-40B4-BE49-F238E27FC236}">
-                <a16:creationId xmlns="" xmlns:a16="http://schemas.microsoft.com/office/drawing/2014/main" id="{26D13BFA-61B0-402F-8611-02D3DFDBEBCB}"/>
+                <a16:creationId xmlns:a16="http://schemas.microsoft.com/office/drawing/2014/main" xmlns="" id="{26D13BFA-61B0-402F-8611-02D3DFDBEBCB}"/>
               </a:ext>
             </a:extLst>
           </p:cNvPr>
@@ -6401,7 +6401,7 @@
           <p:cNvPr id="21" name="Straight Connector 20">
             <a:extLst>
               <a:ext uri="{FF2B5EF4-FFF2-40B4-BE49-F238E27FC236}">
-                <a16:creationId xmlns="" xmlns:a16="http://schemas.microsoft.com/office/drawing/2014/main" id="{DA0A0C24-D997-4E78-951F-AFB51C70EFCC}"/>
+                <a16:creationId xmlns:a16="http://schemas.microsoft.com/office/drawing/2014/main" xmlns="" id="{DA0A0C24-D997-4E78-951F-AFB51C70EFCC}"/>
               </a:ext>
             </a:extLst>
           </p:cNvPr>
@@ -6444,7 +6444,7 @@
           <p:cNvPr id="25" name="Parallelogram 24">
             <a:extLst>
               <a:ext uri="{FF2B5EF4-FFF2-40B4-BE49-F238E27FC236}">
-                <a16:creationId xmlns="" xmlns:a16="http://schemas.microsoft.com/office/drawing/2014/main" id="{E123A0CF-50D6-46EC-8BF6-43E38AFCD588}"/>
+                <a16:creationId xmlns:a16="http://schemas.microsoft.com/office/drawing/2014/main" xmlns="" id="{E123A0CF-50D6-46EC-8BF6-43E38AFCD588}"/>
               </a:ext>
             </a:extLst>
           </p:cNvPr>
@@ -6503,7 +6503,7 @@
           <p:cNvPr id="26" name="Straight Connector 25">
             <a:extLst>
               <a:ext uri="{FF2B5EF4-FFF2-40B4-BE49-F238E27FC236}">
-                <a16:creationId xmlns="" xmlns:a16="http://schemas.microsoft.com/office/drawing/2014/main" id="{2B2F1D2E-B631-4CB1-9448-2B50F8C46316}"/>
+                <a16:creationId xmlns:a16="http://schemas.microsoft.com/office/drawing/2014/main" xmlns="" id="{2B2F1D2E-B631-4CB1-9448-2B50F8C46316}"/>
               </a:ext>
             </a:extLst>
           </p:cNvPr>
@@ -6548,7 +6548,7 @@
           <p:cNvPr id="16" name="Straight Connector 15">
             <a:extLst>
               <a:ext uri="{FF2B5EF4-FFF2-40B4-BE49-F238E27FC236}">
-                <a16:creationId xmlns="" xmlns:a16="http://schemas.microsoft.com/office/drawing/2014/main" id="{5CF69447-82AD-475F-A3AE-3D7FF61DBFE2}"/>
+                <a16:creationId xmlns:a16="http://schemas.microsoft.com/office/drawing/2014/main" xmlns="" id="{5CF69447-82AD-475F-A3AE-3D7FF61DBFE2}"/>
               </a:ext>
             </a:extLst>
           </p:cNvPr>
@@ -6591,7 +6591,7 @@
           <p:cNvPr id="24" name="Parallelogram 23">
             <a:extLst>
               <a:ext uri="{FF2B5EF4-FFF2-40B4-BE49-F238E27FC236}">
-                <a16:creationId xmlns="" xmlns:a16="http://schemas.microsoft.com/office/drawing/2014/main" id="{FC8C82F3-94EE-4B4F-A01D-993A41BC00B1}"/>
+                <a16:creationId xmlns:a16="http://schemas.microsoft.com/office/drawing/2014/main" xmlns="" id="{FC8C82F3-94EE-4B4F-A01D-993A41BC00B1}"/>
               </a:ext>
             </a:extLst>
           </p:cNvPr>
@@ -6711,7 +6711,7 @@
           <p:cNvPr id="22" name="Straight Connector 21">
             <a:extLst>
               <a:ext uri="{FF2B5EF4-FFF2-40B4-BE49-F238E27FC236}">
-                <a16:creationId xmlns="" xmlns:a16="http://schemas.microsoft.com/office/drawing/2014/main" id="{01AF1CF9-9F46-4541-8FF1-B9C53244EE1A}"/>
+                <a16:creationId xmlns:a16="http://schemas.microsoft.com/office/drawing/2014/main" xmlns="" id="{01AF1CF9-9F46-4541-8FF1-B9C53244EE1A}"/>
               </a:ext>
             </a:extLst>
           </p:cNvPr>
@@ -6754,7 +6754,7 @@
           <p:cNvPr id="23" name="Group 22">
             <a:extLst>
               <a:ext uri="{FF2B5EF4-FFF2-40B4-BE49-F238E27FC236}">
-                <a16:creationId xmlns="" xmlns:a16="http://schemas.microsoft.com/office/drawing/2014/main" id="{AB0E1BA4-80FE-4826-BA2F-083C3A5BB7FA}"/>
+                <a16:creationId xmlns:a16="http://schemas.microsoft.com/office/drawing/2014/main" xmlns="" id="{AB0E1BA4-80FE-4826-BA2F-083C3A5BB7FA}"/>
               </a:ext>
             </a:extLst>
           </p:cNvPr>
@@ -6774,7 +6774,7 @@
             <p:cNvPr id="26" name="Diagonal Stripe 25">
               <a:extLst>
                 <a:ext uri="{FF2B5EF4-FFF2-40B4-BE49-F238E27FC236}">
-                  <a16:creationId xmlns="" xmlns:a16="http://schemas.microsoft.com/office/drawing/2014/main" id="{0697993E-CD44-40B9-805C-77BC608618A7}"/>
+                  <a16:creationId xmlns:a16="http://schemas.microsoft.com/office/drawing/2014/main" xmlns="" id="{0697993E-CD44-40B9-805C-77BC608618A7}"/>
                 </a:ext>
               </a:extLst>
             </p:cNvPr>
@@ -6832,7 +6832,7 @@
             <p:cNvPr id="28" name="Straight Connector 27">
               <a:extLst>
                 <a:ext uri="{FF2B5EF4-FFF2-40B4-BE49-F238E27FC236}">
-                  <a16:creationId xmlns="" xmlns:a16="http://schemas.microsoft.com/office/drawing/2014/main" id="{DDBD869A-51AE-4AC9-A3E0-38E8C732B1E8}"/>
+                  <a16:creationId xmlns:a16="http://schemas.microsoft.com/office/drawing/2014/main" xmlns="" id="{DDBD869A-51AE-4AC9-A3E0-38E8C732B1E8}"/>
                 </a:ext>
               </a:extLst>
             </p:cNvPr>
@@ -6877,7 +6877,7 @@
             <p:cNvPr id="30" name="Parallelogram 29">
               <a:extLst>
                 <a:ext uri="{FF2B5EF4-FFF2-40B4-BE49-F238E27FC236}">
-                  <a16:creationId xmlns="" xmlns:a16="http://schemas.microsoft.com/office/drawing/2014/main" id="{DE18C3B6-28E6-4BBC-B634-F81DE5A9D13C}"/>
+                  <a16:creationId xmlns:a16="http://schemas.microsoft.com/office/drawing/2014/main" xmlns="" id="{DE18C3B6-28E6-4BBC-B634-F81DE5A9D13C}"/>
                 </a:ext>
               </a:extLst>
             </p:cNvPr>
@@ -6932,7 +6932,7 @@
           <p:cNvPr id="25" name="TextBox 24">
             <a:extLst>
               <a:ext uri="{FF2B5EF4-FFF2-40B4-BE49-F238E27FC236}">
-                <a16:creationId xmlns="" xmlns:a16="http://schemas.microsoft.com/office/drawing/2014/main" id="{F0BB4D3D-930C-4FF4-BB7C-2CB24208150C}"/>
+                <a16:creationId xmlns:a16="http://schemas.microsoft.com/office/drawing/2014/main" xmlns="" id="{F0BB4D3D-930C-4FF4-BB7C-2CB24208150C}"/>
               </a:ext>
             </a:extLst>
           </p:cNvPr>
@@ -6972,7 +6972,7 @@
           <p:cNvPr id="36" name="Parallelogram 35">
             <a:extLst>
               <a:ext uri="{FF2B5EF4-FFF2-40B4-BE49-F238E27FC236}">
-                <a16:creationId xmlns="" xmlns:a16="http://schemas.microsoft.com/office/drawing/2014/main" id="{4EBB76E7-943E-4038-B700-114F66FBC609}"/>
+                <a16:creationId xmlns:a16="http://schemas.microsoft.com/office/drawing/2014/main" xmlns="" id="{4EBB76E7-943E-4038-B700-114F66FBC609}"/>
               </a:ext>
             </a:extLst>
           </p:cNvPr>
@@ -7031,7 +7031,7 @@
           <p:cNvPr id="2" name="Footer Placeholder 1">
             <a:extLst>
               <a:ext uri="{FF2B5EF4-FFF2-40B4-BE49-F238E27FC236}">
-                <a16:creationId xmlns="" xmlns:a16="http://schemas.microsoft.com/office/drawing/2014/main" id="{03E79E9C-D961-6E47-A5C6-57689BAFF243}"/>
+                <a16:creationId xmlns:a16="http://schemas.microsoft.com/office/drawing/2014/main" xmlns="" id="{03E79E9C-D961-6E47-A5C6-57689BAFF243}"/>
               </a:ext>
             </a:extLst>
           </p:cNvPr>
@@ -7063,7 +7063,7 @@
           <p:cNvPr id="3" name="Slide Number Placeholder 2">
             <a:extLst>
               <a:ext uri="{FF2B5EF4-FFF2-40B4-BE49-F238E27FC236}">
-                <a16:creationId xmlns="" xmlns:a16="http://schemas.microsoft.com/office/drawing/2014/main" id="{B08BE157-60F2-194D-8C13-4AE120FC9EDE}"/>
+                <a16:creationId xmlns:a16="http://schemas.microsoft.com/office/drawing/2014/main" xmlns="" id="{B08BE157-60F2-194D-8C13-4AE120FC9EDE}"/>
               </a:ext>
             </a:extLst>
           </p:cNvPr>
@@ -7092,7 +7092,7 @@
           <p:cNvPr id="27" name="Title 1" title="Title ">
             <a:extLst>
               <a:ext uri="{FF2B5EF4-FFF2-40B4-BE49-F238E27FC236}">
-                <a16:creationId xmlns="" xmlns:a16="http://schemas.microsoft.com/office/drawing/2014/main" id="{C3CC34F4-862A-42E7-B2FA-7B511CC2E879}"/>
+                <a16:creationId xmlns:a16="http://schemas.microsoft.com/office/drawing/2014/main" xmlns="" id="{C3CC34F4-862A-42E7-B2FA-7B511CC2E879}"/>
               </a:ext>
             </a:extLst>
           </p:cNvPr>
@@ -7138,7 +7138,7 @@
           <p:cNvPr id="29" name="Content Placeholder 2">
             <a:extLst>
               <a:ext uri="{FF2B5EF4-FFF2-40B4-BE49-F238E27FC236}">
-                <a16:creationId xmlns="" xmlns:a16="http://schemas.microsoft.com/office/drawing/2014/main" id="{1FAE0C34-9220-45F0-9FC2-9FE7C994E7BD}"/>
+                <a16:creationId xmlns:a16="http://schemas.microsoft.com/office/drawing/2014/main" xmlns="" id="{1FAE0C34-9220-45F0-9FC2-9FE7C994E7BD}"/>
               </a:ext>
             </a:extLst>
           </p:cNvPr>
@@ -7316,7 +7316,7 @@
           <p:cNvPr id="22" name="Straight Connector 21">
             <a:extLst>
               <a:ext uri="{FF2B5EF4-FFF2-40B4-BE49-F238E27FC236}">
-                <a16:creationId xmlns="" xmlns:a16="http://schemas.microsoft.com/office/drawing/2014/main" id="{01AF1CF9-9F46-4541-8FF1-B9C53244EE1A}"/>
+                <a16:creationId xmlns:a16="http://schemas.microsoft.com/office/drawing/2014/main" xmlns="" id="{01AF1CF9-9F46-4541-8FF1-B9C53244EE1A}"/>
               </a:ext>
             </a:extLst>
           </p:cNvPr>
@@ -7359,7 +7359,7 @@
           <p:cNvPr id="23" name="Group 22">
             <a:extLst>
               <a:ext uri="{FF2B5EF4-FFF2-40B4-BE49-F238E27FC236}">
-                <a16:creationId xmlns="" xmlns:a16="http://schemas.microsoft.com/office/drawing/2014/main" id="{AB0E1BA4-80FE-4826-BA2F-083C3A5BB7FA}"/>
+                <a16:creationId xmlns:a16="http://schemas.microsoft.com/office/drawing/2014/main" xmlns="" id="{AB0E1BA4-80FE-4826-BA2F-083C3A5BB7FA}"/>
               </a:ext>
             </a:extLst>
           </p:cNvPr>
@@ -7379,7 +7379,7 @@
             <p:cNvPr id="26" name="Diagonal Stripe 25">
               <a:extLst>
                 <a:ext uri="{FF2B5EF4-FFF2-40B4-BE49-F238E27FC236}">
-                  <a16:creationId xmlns="" xmlns:a16="http://schemas.microsoft.com/office/drawing/2014/main" id="{0697993E-CD44-40B9-805C-77BC608618A7}"/>
+                  <a16:creationId xmlns:a16="http://schemas.microsoft.com/office/drawing/2014/main" xmlns="" id="{0697993E-CD44-40B9-805C-77BC608618A7}"/>
                 </a:ext>
               </a:extLst>
             </p:cNvPr>
@@ -7437,7 +7437,7 @@
             <p:cNvPr id="28" name="Straight Connector 27">
               <a:extLst>
                 <a:ext uri="{FF2B5EF4-FFF2-40B4-BE49-F238E27FC236}">
-                  <a16:creationId xmlns="" xmlns:a16="http://schemas.microsoft.com/office/drawing/2014/main" id="{DDBD869A-51AE-4AC9-A3E0-38E8C732B1E8}"/>
+                  <a16:creationId xmlns:a16="http://schemas.microsoft.com/office/drawing/2014/main" xmlns="" id="{DDBD869A-51AE-4AC9-A3E0-38E8C732B1E8}"/>
                 </a:ext>
               </a:extLst>
             </p:cNvPr>
@@ -7482,7 +7482,7 @@
             <p:cNvPr id="30" name="Parallelogram 29">
               <a:extLst>
                 <a:ext uri="{FF2B5EF4-FFF2-40B4-BE49-F238E27FC236}">
-                  <a16:creationId xmlns="" xmlns:a16="http://schemas.microsoft.com/office/drawing/2014/main" id="{DE18C3B6-28E6-4BBC-B634-F81DE5A9D13C}"/>
+                  <a16:creationId xmlns:a16="http://schemas.microsoft.com/office/drawing/2014/main" xmlns="" id="{DE18C3B6-28E6-4BBC-B634-F81DE5A9D13C}"/>
                 </a:ext>
               </a:extLst>
             </p:cNvPr>
@@ -7537,7 +7537,7 @@
           <p:cNvPr id="25" name="TextBox 24">
             <a:extLst>
               <a:ext uri="{FF2B5EF4-FFF2-40B4-BE49-F238E27FC236}">
-                <a16:creationId xmlns="" xmlns:a16="http://schemas.microsoft.com/office/drawing/2014/main" id="{F0BB4D3D-930C-4FF4-BB7C-2CB24208150C}"/>
+                <a16:creationId xmlns:a16="http://schemas.microsoft.com/office/drawing/2014/main" xmlns="" id="{F0BB4D3D-930C-4FF4-BB7C-2CB24208150C}"/>
               </a:ext>
             </a:extLst>
           </p:cNvPr>
@@ -7577,7 +7577,7 @@
           <p:cNvPr id="36" name="Parallelogram 35">
             <a:extLst>
               <a:ext uri="{FF2B5EF4-FFF2-40B4-BE49-F238E27FC236}">
-                <a16:creationId xmlns="" xmlns:a16="http://schemas.microsoft.com/office/drawing/2014/main" id="{4EBB76E7-943E-4038-B700-114F66FBC609}"/>
+                <a16:creationId xmlns:a16="http://schemas.microsoft.com/office/drawing/2014/main" xmlns="" id="{4EBB76E7-943E-4038-B700-114F66FBC609}"/>
               </a:ext>
             </a:extLst>
           </p:cNvPr>
@@ -7636,7 +7636,7 @@
           <p:cNvPr id="2" name="Footer Placeholder 1">
             <a:extLst>
               <a:ext uri="{FF2B5EF4-FFF2-40B4-BE49-F238E27FC236}">
-                <a16:creationId xmlns="" xmlns:a16="http://schemas.microsoft.com/office/drawing/2014/main" id="{03E79E9C-D961-6E47-A5C6-57689BAFF243}"/>
+                <a16:creationId xmlns:a16="http://schemas.microsoft.com/office/drawing/2014/main" xmlns="" id="{03E79E9C-D961-6E47-A5C6-57689BAFF243}"/>
               </a:ext>
             </a:extLst>
           </p:cNvPr>
@@ -7668,7 +7668,7 @@
           <p:cNvPr id="3" name="Slide Number Placeholder 2">
             <a:extLst>
               <a:ext uri="{FF2B5EF4-FFF2-40B4-BE49-F238E27FC236}">
-                <a16:creationId xmlns="" xmlns:a16="http://schemas.microsoft.com/office/drawing/2014/main" id="{B08BE157-60F2-194D-8C13-4AE120FC9EDE}"/>
+                <a16:creationId xmlns:a16="http://schemas.microsoft.com/office/drawing/2014/main" xmlns="" id="{B08BE157-60F2-194D-8C13-4AE120FC9EDE}"/>
               </a:ext>
             </a:extLst>
           </p:cNvPr>
@@ -7697,7 +7697,7 @@
           <p:cNvPr id="27" name="Title 1" title="Title ">
             <a:extLst>
               <a:ext uri="{FF2B5EF4-FFF2-40B4-BE49-F238E27FC236}">
-                <a16:creationId xmlns="" xmlns:a16="http://schemas.microsoft.com/office/drawing/2014/main" id="{C3CC34F4-862A-42E7-B2FA-7B511CC2E879}"/>
+                <a16:creationId xmlns:a16="http://schemas.microsoft.com/office/drawing/2014/main" xmlns="" id="{C3CC34F4-862A-42E7-B2FA-7B511CC2E879}"/>
               </a:ext>
             </a:extLst>
           </p:cNvPr>
@@ -7743,7 +7743,7 @@
           <p:cNvPr id="14" name="Content Placeholder 2">
             <a:extLst>
               <a:ext uri="{FF2B5EF4-FFF2-40B4-BE49-F238E27FC236}">
-                <a16:creationId xmlns="" xmlns:a16="http://schemas.microsoft.com/office/drawing/2014/main" id="{217F9213-0142-420B-A84D-C5627A0C81E4}"/>
+                <a16:creationId xmlns:a16="http://schemas.microsoft.com/office/drawing/2014/main" xmlns="" id="{217F9213-0142-420B-A84D-C5627A0C81E4}"/>
               </a:ext>
             </a:extLst>
           </p:cNvPr>
@@ -7860,7 +7860,7 @@
           <p:cNvPr id="15" name="Content Placeholder 3">
             <a:extLst>
               <a:ext uri="{FF2B5EF4-FFF2-40B4-BE49-F238E27FC236}">
-                <a16:creationId xmlns="" xmlns:a16="http://schemas.microsoft.com/office/drawing/2014/main" id="{8014328B-D576-4B5C-A4AE-CF98318929FE}"/>
+                <a16:creationId xmlns:a16="http://schemas.microsoft.com/office/drawing/2014/main" xmlns="" id="{8014328B-D576-4B5C-A4AE-CF98318929FE}"/>
               </a:ext>
             </a:extLst>
           </p:cNvPr>
@@ -8038,7 +8038,7 @@
           <p:cNvPr id="22" name="Straight Connector 21">
             <a:extLst>
               <a:ext uri="{FF2B5EF4-FFF2-40B4-BE49-F238E27FC236}">
-                <a16:creationId xmlns="" xmlns:a16="http://schemas.microsoft.com/office/drawing/2014/main" id="{01AF1CF9-9F46-4541-8FF1-B9C53244EE1A}"/>
+                <a16:creationId xmlns:a16="http://schemas.microsoft.com/office/drawing/2014/main" xmlns="" id="{01AF1CF9-9F46-4541-8FF1-B9C53244EE1A}"/>
               </a:ext>
             </a:extLst>
           </p:cNvPr>
@@ -8081,7 +8081,7 @@
           <p:cNvPr id="23" name="Group 22">
             <a:extLst>
               <a:ext uri="{FF2B5EF4-FFF2-40B4-BE49-F238E27FC236}">
-                <a16:creationId xmlns="" xmlns:a16="http://schemas.microsoft.com/office/drawing/2014/main" id="{AB0E1BA4-80FE-4826-BA2F-083C3A5BB7FA}"/>
+                <a16:creationId xmlns:a16="http://schemas.microsoft.com/office/drawing/2014/main" xmlns="" id="{AB0E1BA4-80FE-4826-BA2F-083C3A5BB7FA}"/>
               </a:ext>
             </a:extLst>
           </p:cNvPr>
@@ -8101,7 +8101,7 @@
             <p:cNvPr id="26" name="Diagonal Stripe 25">
               <a:extLst>
                 <a:ext uri="{FF2B5EF4-FFF2-40B4-BE49-F238E27FC236}">
-                  <a16:creationId xmlns="" xmlns:a16="http://schemas.microsoft.com/office/drawing/2014/main" id="{0697993E-CD44-40B9-805C-77BC608618A7}"/>
+                  <a16:creationId xmlns:a16="http://schemas.microsoft.com/office/drawing/2014/main" xmlns="" id="{0697993E-CD44-40B9-805C-77BC608618A7}"/>
                 </a:ext>
               </a:extLst>
             </p:cNvPr>
@@ -8159,7 +8159,7 @@
             <p:cNvPr id="28" name="Straight Connector 27">
               <a:extLst>
                 <a:ext uri="{FF2B5EF4-FFF2-40B4-BE49-F238E27FC236}">
-                  <a16:creationId xmlns="" xmlns:a16="http://schemas.microsoft.com/office/drawing/2014/main" id="{DDBD869A-51AE-4AC9-A3E0-38E8C732B1E8}"/>
+                  <a16:creationId xmlns:a16="http://schemas.microsoft.com/office/drawing/2014/main" xmlns="" id="{DDBD869A-51AE-4AC9-A3E0-38E8C732B1E8}"/>
                 </a:ext>
               </a:extLst>
             </p:cNvPr>
@@ -8204,7 +8204,7 @@
             <p:cNvPr id="30" name="Parallelogram 29">
               <a:extLst>
                 <a:ext uri="{FF2B5EF4-FFF2-40B4-BE49-F238E27FC236}">
-                  <a16:creationId xmlns="" xmlns:a16="http://schemas.microsoft.com/office/drawing/2014/main" id="{DE18C3B6-28E6-4BBC-B634-F81DE5A9D13C}"/>
+                  <a16:creationId xmlns:a16="http://schemas.microsoft.com/office/drawing/2014/main" xmlns="" id="{DE18C3B6-28E6-4BBC-B634-F81DE5A9D13C}"/>
                 </a:ext>
               </a:extLst>
             </p:cNvPr>
@@ -8259,7 +8259,7 @@
           <p:cNvPr id="25" name="TextBox 24">
             <a:extLst>
               <a:ext uri="{FF2B5EF4-FFF2-40B4-BE49-F238E27FC236}">
-                <a16:creationId xmlns="" xmlns:a16="http://schemas.microsoft.com/office/drawing/2014/main" id="{F0BB4D3D-930C-4FF4-BB7C-2CB24208150C}"/>
+                <a16:creationId xmlns:a16="http://schemas.microsoft.com/office/drawing/2014/main" xmlns="" id="{F0BB4D3D-930C-4FF4-BB7C-2CB24208150C}"/>
               </a:ext>
             </a:extLst>
           </p:cNvPr>
@@ -8299,7 +8299,7 @@
           <p:cNvPr id="36" name="Parallelogram 35">
             <a:extLst>
               <a:ext uri="{FF2B5EF4-FFF2-40B4-BE49-F238E27FC236}">
-                <a16:creationId xmlns="" xmlns:a16="http://schemas.microsoft.com/office/drawing/2014/main" id="{4EBB76E7-943E-4038-B700-114F66FBC609}"/>
+                <a16:creationId xmlns:a16="http://schemas.microsoft.com/office/drawing/2014/main" xmlns="" id="{4EBB76E7-943E-4038-B700-114F66FBC609}"/>
               </a:ext>
             </a:extLst>
           </p:cNvPr>
@@ -8358,7 +8358,7 @@
           <p:cNvPr id="2" name="Footer Placeholder 1">
             <a:extLst>
               <a:ext uri="{FF2B5EF4-FFF2-40B4-BE49-F238E27FC236}">
-                <a16:creationId xmlns="" xmlns:a16="http://schemas.microsoft.com/office/drawing/2014/main" id="{03E79E9C-D961-6E47-A5C6-57689BAFF243}"/>
+                <a16:creationId xmlns:a16="http://schemas.microsoft.com/office/drawing/2014/main" xmlns="" id="{03E79E9C-D961-6E47-A5C6-57689BAFF243}"/>
               </a:ext>
             </a:extLst>
           </p:cNvPr>
@@ -8390,7 +8390,7 @@
           <p:cNvPr id="3" name="Slide Number Placeholder 2">
             <a:extLst>
               <a:ext uri="{FF2B5EF4-FFF2-40B4-BE49-F238E27FC236}">
-                <a16:creationId xmlns="" xmlns:a16="http://schemas.microsoft.com/office/drawing/2014/main" id="{B08BE157-60F2-194D-8C13-4AE120FC9EDE}"/>
+                <a16:creationId xmlns:a16="http://schemas.microsoft.com/office/drawing/2014/main" xmlns="" id="{B08BE157-60F2-194D-8C13-4AE120FC9EDE}"/>
               </a:ext>
             </a:extLst>
           </p:cNvPr>
@@ -8419,7 +8419,7 @@
           <p:cNvPr id="27" name="Title 1" title="Title ">
             <a:extLst>
               <a:ext uri="{FF2B5EF4-FFF2-40B4-BE49-F238E27FC236}">
-                <a16:creationId xmlns="" xmlns:a16="http://schemas.microsoft.com/office/drawing/2014/main" id="{C3CC34F4-862A-42E7-B2FA-7B511CC2E879}"/>
+                <a16:creationId xmlns:a16="http://schemas.microsoft.com/office/drawing/2014/main" xmlns="" id="{C3CC34F4-862A-42E7-B2FA-7B511CC2E879}"/>
               </a:ext>
             </a:extLst>
           </p:cNvPr>
@@ -8465,7 +8465,7 @@
           <p:cNvPr id="18" name="Text Placeholder 2">
             <a:extLst>
               <a:ext uri="{FF2B5EF4-FFF2-40B4-BE49-F238E27FC236}">
-                <a16:creationId xmlns="" xmlns:a16="http://schemas.microsoft.com/office/drawing/2014/main" id="{82BFF385-445D-4DBB-9773-F99669415884}"/>
+                <a16:creationId xmlns:a16="http://schemas.microsoft.com/office/drawing/2014/main" xmlns="" id="{82BFF385-445D-4DBB-9773-F99669415884}"/>
               </a:ext>
             </a:extLst>
           </p:cNvPr>
@@ -8511,7 +8511,7 @@
           <p:cNvPr id="20" name="Text Placeholder 4">
             <a:extLst>
               <a:ext uri="{FF2B5EF4-FFF2-40B4-BE49-F238E27FC236}">
-                <a16:creationId xmlns="" xmlns:a16="http://schemas.microsoft.com/office/drawing/2014/main" id="{311B1CFE-1B35-4B5C-B40A-DC5ADF211B5C}"/>
+                <a16:creationId xmlns:a16="http://schemas.microsoft.com/office/drawing/2014/main" xmlns="" id="{311B1CFE-1B35-4B5C-B40A-DC5ADF211B5C}"/>
               </a:ext>
             </a:extLst>
           </p:cNvPr>
@@ -8589,7 +8589,7 @@
           <p:cNvPr id="21" name="Content Placeholder 5">
             <a:extLst>
               <a:ext uri="{FF2B5EF4-FFF2-40B4-BE49-F238E27FC236}">
-                <a16:creationId xmlns="" xmlns:a16="http://schemas.microsoft.com/office/drawing/2014/main" id="{1CE840E8-D596-479D-AE97-E88F42DC1B13}"/>
+                <a16:creationId xmlns:a16="http://schemas.microsoft.com/office/drawing/2014/main" xmlns="" id="{1CE840E8-D596-479D-AE97-E88F42DC1B13}"/>
               </a:ext>
             </a:extLst>
           </p:cNvPr>
@@ -8706,7 +8706,7 @@
           <p:cNvPr id="24" name="Content Placeholder 3">
             <a:extLst>
               <a:ext uri="{FF2B5EF4-FFF2-40B4-BE49-F238E27FC236}">
-                <a16:creationId xmlns="" xmlns:a16="http://schemas.microsoft.com/office/drawing/2014/main" id="{B9A68D25-B19E-4E84-B65D-596EE8382DAD}"/>
+                <a16:creationId xmlns:a16="http://schemas.microsoft.com/office/drawing/2014/main" xmlns="" id="{B9A68D25-B19E-4E84-B65D-596EE8382DAD}"/>
               </a:ext>
             </a:extLst>
           </p:cNvPr>
@@ -8884,7 +8884,7 @@
           <p:cNvPr id="11" name="Right Triangle 10">
             <a:extLst>
               <a:ext uri="{FF2B5EF4-FFF2-40B4-BE49-F238E27FC236}">
-                <a16:creationId xmlns="" xmlns:a16="http://schemas.microsoft.com/office/drawing/2014/main" id="{037924D2-2AB4-4BE1-9687-836615C72DFC}"/>
+                <a16:creationId xmlns:a16="http://schemas.microsoft.com/office/drawing/2014/main" xmlns="" id="{037924D2-2AB4-4BE1-9687-836615C72DFC}"/>
               </a:ext>
             </a:extLst>
           </p:cNvPr>
@@ -8936,7 +8936,7 @@
           <p:cNvPr id="16" name="Straight Connector 15">
             <a:extLst>
               <a:ext uri="{FF2B5EF4-FFF2-40B4-BE49-F238E27FC236}">
-                <a16:creationId xmlns="" xmlns:a16="http://schemas.microsoft.com/office/drawing/2014/main" id="{A93BC534-BFA1-4292-899F-03AC711BF7C5}"/>
+                <a16:creationId xmlns:a16="http://schemas.microsoft.com/office/drawing/2014/main" xmlns="" id="{A93BC534-BFA1-4292-899F-03AC711BF7C5}"/>
               </a:ext>
             </a:extLst>
           </p:cNvPr>
@@ -8981,7 +8981,7 @@
           <p:cNvPr id="18" name="Straight Connector 17">
             <a:extLst>
               <a:ext uri="{FF2B5EF4-FFF2-40B4-BE49-F238E27FC236}">
-                <a16:creationId xmlns="" xmlns:a16="http://schemas.microsoft.com/office/drawing/2014/main" id="{EBEE4DB5-5DEF-4DDB-9764-FD834B9DCAEC}"/>
+                <a16:creationId xmlns:a16="http://schemas.microsoft.com/office/drawing/2014/main" xmlns="" id="{EBEE4DB5-5DEF-4DDB-9764-FD834B9DCAEC}"/>
               </a:ext>
             </a:extLst>
           </p:cNvPr>
@@ -9024,7 +9024,7 @@
           <p:cNvPr id="2" name="Title 1" title="Title">
             <a:extLst>
               <a:ext uri="{FF2B5EF4-FFF2-40B4-BE49-F238E27FC236}">
-                <a16:creationId xmlns="" xmlns:a16="http://schemas.microsoft.com/office/drawing/2014/main" id="{A648E0EA-49ED-4F2D-A107-8FCE6301FC88}"/>
+                <a16:creationId xmlns:a16="http://schemas.microsoft.com/office/drawing/2014/main" xmlns="" id="{A648E0EA-49ED-4F2D-A107-8FCE6301FC88}"/>
               </a:ext>
             </a:extLst>
           </p:cNvPr>
@@ -9072,7 +9072,7 @@
           <p:cNvPr id="9" name="Straight Connector 8">
             <a:extLst>
               <a:ext uri="{FF2B5EF4-FFF2-40B4-BE49-F238E27FC236}">
-                <a16:creationId xmlns="" xmlns:a16="http://schemas.microsoft.com/office/drawing/2014/main" id="{162849C0-AA0D-4E1A-B4B6-E6A5917AC0A5}"/>
+                <a16:creationId xmlns:a16="http://schemas.microsoft.com/office/drawing/2014/main" xmlns="" id="{162849C0-AA0D-4E1A-B4B6-E6A5917AC0A5}"/>
               </a:ext>
             </a:extLst>
           </p:cNvPr>
@@ -9115,7 +9115,7 @@
           <p:cNvPr id="13" name="Text Placeholder 3">
             <a:extLst>
               <a:ext uri="{FF2B5EF4-FFF2-40B4-BE49-F238E27FC236}">
-                <a16:creationId xmlns="" xmlns:a16="http://schemas.microsoft.com/office/drawing/2014/main" id="{BDEAC3CA-E21C-4A63-BE7D-DCC820552AB7}"/>
+                <a16:creationId xmlns:a16="http://schemas.microsoft.com/office/drawing/2014/main" xmlns="" id="{BDEAC3CA-E21C-4A63-BE7D-DCC820552AB7}"/>
               </a:ext>
             </a:extLst>
           </p:cNvPr>
@@ -9194,7 +9194,7 @@
           <p:cNvPr id="14" name="Content Placeholder 2">
             <a:extLst>
               <a:ext uri="{FF2B5EF4-FFF2-40B4-BE49-F238E27FC236}">
-                <a16:creationId xmlns="" xmlns:a16="http://schemas.microsoft.com/office/drawing/2014/main" id="{C9A1E80C-1A76-4D3E-92A1-846866867DE1}"/>
+                <a16:creationId xmlns:a16="http://schemas.microsoft.com/office/drawing/2014/main" xmlns="" id="{C9A1E80C-1A76-4D3E-92A1-846866867DE1}"/>
               </a:ext>
             </a:extLst>
           </p:cNvPr>
@@ -9374,7 +9374,7 @@
           <p:cNvPr id="11" name="Right Triangle 10">
             <a:extLst>
               <a:ext uri="{FF2B5EF4-FFF2-40B4-BE49-F238E27FC236}">
-                <a16:creationId xmlns="" xmlns:a16="http://schemas.microsoft.com/office/drawing/2014/main" id="{037924D2-2AB4-4BE1-9687-836615C72DFC}"/>
+                <a16:creationId xmlns:a16="http://schemas.microsoft.com/office/drawing/2014/main" xmlns="" id="{037924D2-2AB4-4BE1-9687-836615C72DFC}"/>
               </a:ext>
             </a:extLst>
           </p:cNvPr>
@@ -9426,7 +9426,7 @@
           <p:cNvPr id="16" name="Straight Connector 15">
             <a:extLst>
               <a:ext uri="{FF2B5EF4-FFF2-40B4-BE49-F238E27FC236}">
-                <a16:creationId xmlns="" xmlns:a16="http://schemas.microsoft.com/office/drawing/2014/main" id="{A93BC534-BFA1-4292-899F-03AC711BF7C5}"/>
+                <a16:creationId xmlns:a16="http://schemas.microsoft.com/office/drawing/2014/main" xmlns="" id="{A93BC534-BFA1-4292-899F-03AC711BF7C5}"/>
               </a:ext>
             </a:extLst>
           </p:cNvPr>
@@ -9471,7 +9471,7 @@
           <p:cNvPr id="18" name="Straight Connector 17">
             <a:extLst>
               <a:ext uri="{FF2B5EF4-FFF2-40B4-BE49-F238E27FC236}">
-                <a16:creationId xmlns="" xmlns:a16="http://schemas.microsoft.com/office/drawing/2014/main" id="{EBEE4DB5-5DEF-4DDB-9764-FD834B9DCAEC}"/>
+                <a16:creationId xmlns:a16="http://schemas.microsoft.com/office/drawing/2014/main" xmlns="" id="{EBEE4DB5-5DEF-4DDB-9764-FD834B9DCAEC}"/>
               </a:ext>
             </a:extLst>
           </p:cNvPr>
@@ -9514,7 +9514,7 @@
           <p:cNvPr id="2" name="Title 1" title="Title">
             <a:extLst>
               <a:ext uri="{FF2B5EF4-FFF2-40B4-BE49-F238E27FC236}">
-                <a16:creationId xmlns="" xmlns:a16="http://schemas.microsoft.com/office/drawing/2014/main" id="{A648E0EA-49ED-4F2D-A107-8FCE6301FC88}"/>
+                <a16:creationId xmlns:a16="http://schemas.microsoft.com/office/drawing/2014/main" xmlns="" id="{A648E0EA-49ED-4F2D-A107-8FCE6301FC88}"/>
               </a:ext>
             </a:extLst>
           </p:cNvPr>
@@ -9562,7 +9562,7 @@
           <p:cNvPr id="9" name="Straight Connector 8">
             <a:extLst>
               <a:ext uri="{FF2B5EF4-FFF2-40B4-BE49-F238E27FC236}">
-                <a16:creationId xmlns="" xmlns:a16="http://schemas.microsoft.com/office/drawing/2014/main" id="{162849C0-AA0D-4E1A-B4B6-E6A5917AC0A5}"/>
+                <a16:creationId xmlns:a16="http://schemas.microsoft.com/office/drawing/2014/main" xmlns="" id="{162849C0-AA0D-4E1A-B4B6-E6A5917AC0A5}"/>
               </a:ext>
             </a:extLst>
           </p:cNvPr>
@@ -9605,7 +9605,7 @@
           <p:cNvPr id="13" name="Text Placeholder 3">
             <a:extLst>
               <a:ext uri="{FF2B5EF4-FFF2-40B4-BE49-F238E27FC236}">
-                <a16:creationId xmlns="" xmlns:a16="http://schemas.microsoft.com/office/drawing/2014/main" id="{BDEAC3CA-E21C-4A63-BE7D-DCC820552AB7}"/>
+                <a16:creationId xmlns:a16="http://schemas.microsoft.com/office/drawing/2014/main" xmlns="" id="{BDEAC3CA-E21C-4A63-BE7D-DCC820552AB7}"/>
               </a:ext>
             </a:extLst>
           </p:cNvPr>
@@ -9684,7 +9684,7 @@
           <p:cNvPr id="12" name="Picture Placeholder 2">
             <a:extLst>
               <a:ext uri="{FF2B5EF4-FFF2-40B4-BE49-F238E27FC236}">
-                <a16:creationId xmlns="" xmlns:a16="http://schemas.microsoft.com/office/drawing/2014/main" id="{22728E0A-430E-4C6A-BF56-06FA8510F29F}"/>
+                <a16:creationId xmlns:a16="http://schemas.microsoft.com/office/drawing/2014/main" xmlns="" id="{22728E0A-430E-4C6A-BF56-06FA8510F29F}"/>
               </a:ext>
             </a:extLst>
           </p:cNvPr>
@@ -9829,7 +9829,7 @@
           <p:cNvPr id="18" name="TextBox 17">
             <a:extLst>
               <a:ext uri="{FF2B5EF4-FFF2-40B4-BE49-F238E27FC236}">
-                <a16:creationId xmlns="" xmlns:a16="http://schemas.microsoft.com/office/drawing/2014/main" id="{CC52C5C1-EC33-44C1-9D54-A1058BBF1812}"/>
+                <a16:creationId xmlns:a16="http://schemas.microsoft.com/office/drawing/2014/main" xmlns="" id="{CC52C5C1-EC33-44C1-9D54-A1058BBF1812}"/>
               </a:ext>
             </a:extLst>
           </p:cNvPr>
@@ -9869,7 +9869,7 @@
           <p:cNvPr id="26" name="Group 25">
             <a:extLst>
               <a:ext uri="{FF2B5EF4-FFF2-40B4-BE49-F238E27FC236}">
-                <a16:creationId xmlns="" xmlns:a16="http://schemas.microsoft.com/office/drawing/2014/main" id="{8A0030CD-8C9E-4AA5-8C5D-F9B2EDB7E17A}"/>
+                <a16:creationId xmlns:a16="http://schemas.microsoft.com/office/drawing/2014/main" xmlns="" id="{8A0030CD-8C9E-4AA5-8C5D-F9B2EDB7E17A}"/>
               </a:ext>
             </a:extLst>
           </p:cNvPr>
@@ -9889,7 +9889,7 @@
             <p:cNvPr id="27" name="Diagonal Stripe 26">
               <a:extLst>
                 <a:ext uri="{FF2B5EF4-FFF2-40B4-BE49-F238E27FC236}">
-                  <a16:creationId xmlns="" xmlns:a16="http://schemas.microsoft.com/office/drawing/2014/main" id="{872EE65E-EE50-4A3E-861E-1D6C241CB8EA}"/>
+                  <a16:creationId xmlns:a16="http://schemas.microsoft.com/office/drawing/2014/main" xmlns="" id="{872EE65E-EE50-4A3E-861E-1D6C241CB8EA}"/>
                 </a:ext>
               </a:extLst>
             </p:cNvPr>
@@ -9947,7 +9947,7 @@
             <p:cNvPr id="28" name="Straight Connector 27">
               <a:extLst>
                 <a:ext uri="{FF2B5EF4-FFF2-40B4-BE49-F238E27FC236}">
-                  <a16:creationId xmlns="" xmlns:a16="http://schemas.microsoft.com/office/drawing/2014/main" id="{E76AD1EF-E06C-4D3C-9693-26844D01C83C}"/>
+                  <a16:creationId xmlns:a16="http://schemas.microsoft.com/office/drawing/2014/main" xmlns="" id="{E76AD1EF-E06C-4D3C-9693-26844D01C83C}"/>
                 </a:ext>
               </a:extLst>
             </p:cNvPr>
@@ -9992,7 +9992,7 @@
             <p:cNvPr id="29" name="Parallelogram 28">
               <a:extLst>
                 <a:ext uri="{FF2B5EF4-FFF2-40B4-BE49-F238E27FC236}">
-                  <a16:creationId xmlns="" xmlns:a16="http://schemas.microsoft.com/office/drawing/2014/main" id="{57D44C42-44C0-420A-A125-9B1A979D4F56}"/>
+                  <a16:creationId xmlns:a16="http://schemas.microsoft.com/office/drawing/2014/main" xmlns="" id="{57D44C42-44C0-420A-A125-9B1A979D4F56}"/>
                 </a:ext>
               </a:extLst>
             </p:cNvPr>
@@ -10047,7 +10047,7 @@
           <p:cNvPr id="30" name="Parallelogram 29">
             <a:extLst>
               <a:ext uri="{FF2B5EF4-FFF2-40B4-BE49-F238E27FC236}">
-                <a16:creationId xmlns="" xmlns:a16="http://schemas.microsoft.com/office/drawing/2014/main" id="{406089BB-36DC-4E23-B215-527A8A18FCFB}"/>
+                <a16:creationId xmlns:a16="http://schemas.microsoft.com/office/drawing/2014/main" xmlns="" id="{406089BB-36DC-4E23-B215-527A8A18FCFB}"/>
               </a:ext>
             </a:extLst>
           </p:cNvPr>
@@ -10106,7 +10106,7 @@
           <p:cNvPr id="2" name="Footer Placeholder 1">
             <a:extLst>
               <a:ext uri="{FF2B5EF4-FFF2-40B4-BE49-F238E27FC236}">
-                <a16:creationId xmlns="" xmlns:a16="http://schemas.microsoft.com/office/drawing/2014/main" id="{578C43A6-50C6-704E-BADC-6D83BADE7316}"/>
+                <a16:creationId xmlns:a16="http://schemas.microsoft.com/office/drawing/2014/main" xmlns="" id="{578C43A6-50C6-704E-BADC-6D83BADE7316}"/>
               </a:ext>
             </a:extLst>
           </p:cNvPr>
@@ -10134,7 +10134,7 @@
           <p:cNvPr id="3" name="Slide Number Placeholder 2">
             <a:extLst>
               <a:ext uri="{FF2B5EF4-FFF2-40B4-BE49-F238E27FC236}">
-                <a16:creationId xmlns="" xmlns:a16="http://schemas.microsoft.com/office/drawing/2014/main" id="{ED91439B-965F-3548-AF77-89501B24F600}"/>
+                <a16:creationId xmlns:a16="http://schemas.microsoft.com/office/drawing/2014/main" xmlns="" id="{ED91439B-965F-3548-AF77-89501B24F600}"/>
               </a:ext>
             </a:extLst>
           </p:cNvPr>
@@ -10214,7 +10214,7 @@
           <p:cNvPr id="21" name="TextBox 20">
             <a:extLst>
               <a:ext uri="{FF2B5EF4-FFF2-40B4-BE49-F238E27FC236}">
-                <a16:creationId xmlns="" xmlns:a16="http://schemas.microsoft.com/office/drawing/2014/main" id="{7E8A2C98-F26E-415A-B931-1B89CA46C1CF}"/>
+                <a16:creationId xmlns:a16="http://schemas.microsoft.com/office/drawing/2014/main" xmlns="" id="{7E8A2C98-F26E-415A-B931-1B89CA46C1CF}"/>
               </a:ext>
             </a:extLst>
           </p:cNvPr>
@@ -10254,7 +10254,7 @@
           <p:cNvPr id="27" name="Group 26">
             <a:extLst>
               <a:ext uri="{FF2B5EF4-FFF2-40B4-BE49-F238E27FC236}">
-                <a16:creationId xmlns="" xmlns:a16="http://schemas.microsoft.com/office/drawing/2014/main" id="{1B2FB48C-0C70-4DBE-B904-A134B6644DD3}"/>
+                <a16:creationId xmlns:a16="http://schemas.microsoft.com/office/drawing/2014/main" xmlns="" id="{1B2FB48C-0C70-4DBE-B904-A134B6644DD3}"/>
               </a:ext>
             </a:extLst>
           </p:cNvPr>
@@ -10274,7 +10274,7 @@
             <p:cNvPr id="28" name="Diagonal Stripe 27">
               <a:extLst>
                 <a:ext uri="{FF2B5EF4-FFF2-40B4-BE49-F238E27FC236}">
-                  <a16:creationId xmlns="" xmlns:a16="http://schemas.microsoft.com/office/drawing/2014/main" id="{4F2E2158-1E6E-4E0D-BDAB-B20041C73615}"/>
+                  <a16:creationId xmlns:a16="http://schemas.microsoft.com/office/drawing/2014/main" xmlns="" id="{4F2E2158-1E6E-4E0D-BDAB-B20041C73615}"/>
                 </a:ext>
               </a:extLst>
             </p:cNvPr>
@@ -10332,7 +10332,7 @@
             <p:cNvPr id="29" name="Straight Connector 28">
               <a:extLst>
                 <a:ext uri="{FF2B5EF4-FFF2-40B4-BE49-F238E27FC236}">
-                  <a16:creationId xmlns="" xmlns:a16="http://schemas.microsoft.com/office/drawing/2014/main" id="{626D62DB-3A5A-4DA1-BFA4-D9E58676E86A}"/>
+                  <a16:creationId xmlns:a16="http://schemas.microsoft.com/office/drawing/2014/main" xmlns="" id="{626D62DB-3A5A-4DA1-BFA4-D9E58676E86A}"/>
                 </a:ext>
               </a:extLst>
             </p:cNvPr>
@@ -10377,7 +10377,7 @@
             <p:cNvPr id="30" name="Parallelogram 29">
               <a:extLst>
                 <a:ext uri="{FF2B5EF4-FFF2-40B4-BE49-F238E27FC236}">
-                  <a16:creationId xmlns="" xmlns:a16="http://schemas.microsoft.com/office/drawing/2014/main" id="{F5A729A7-3A5C-405C-AE06-180E7529E477}"/>
+                  <a16:creationId xmlns:a16="http://schemas.microsoft.com/office/drawing/2014/main" xmlns="" id="{F5A729A7-3A5C-405C-AE06-180E7529E477}"/>
                 </a:ext>
               </a:extLst>
             </p:cNvPr>
@@ -10432,7 +10432,7 @@
           <p:cNvPr id="31" name="Parallelogram 30">
             <a:extLst>
               <a:ext uri="{FF2B5EF4-FFF2-40B4-BE49-F238E27FC236}">
-                <a16:creationId xmlns="" xmlns:a16="http://schemas.microsoft.com/office/drawing/2014/main" id="{41E23981-B12A-4AC3-A030-337BBBA5E45B}"/>
+                <a16:creationId xmlns:a16="http://schemas.microsoft.com/office/drawing/2014/main" xmlns="" id="{41E23981-B12A-4AC3-A030-337BBBA5E45B}"/>
               </a:ext>
             </a:extLst>
           </p:cNvPr>
@@ -10491,7 +10491,7 @@
           <p:cNvPr id="33" name="Title 1" title="Title ">
             <a:extLst>
               <a:ext uri="{FF2B5EF4-FFF2-40B4-BE49-F238E27FC236}">
-                <a16:creationId xmlns="" xmlns:a16="http://schemas.microsoft.com/office/drawing/2014/main" id="{59067A2C-FE71-4381-BE51-08DAC5E4354A}"/>
+                <a16:creationId xmlns:a16="http://schemas.microsoft.com/office/drawing/2014/main" xmlns="" id="{59067A2C-FE71-4381-BE51-08DAC5E4354A}"/>
               </a:ext>
             </a:extLst>
           </p:cNvPr>
@@ -10537,7 +10537,7 @@
           <p:cNvPr id="2" name="Footer Placeholder 1">
             <a:extLst>
               <a:ext uri="{FF2B5EF4-FFF2-40B4-BE49-F238E27FC236}">
-                <a16:creationId xmlns="" xmlns:a16="http://schemas.microsoft.com/office/drawing/2014/main" id="{CB69A007-934D-7A4B-9EFA-82044EF4DC33}"/>
+                <a16:creationId xmlns:a16="http://schemas.microsoft.com/office/drawing/2014/main" xmlns="" id="{CB69A007-934D-7A4B-9EFA-82044EF4DC33}"/>
               </a:ext>
             </a:extLst>
           </p:cNvPr>
@@ -10565,7 +10565,7 @@
           <p:cNvPr id="3" name="Slide Number Placeholder 2">
             <a:extLst>
               <a:ext uri="{FF2B5EF4-FFF2-40B4-BE49-F238E27FC236}">
-                <a16:creationId xmlns="" xmlns:a16="http://schemas.microsoft.com/office/drawing/2014/main" id="{5A154DC2-98C7-4D4B-A17A-AA4731217F17}"/>
+                <a16:creationId xmlns:a16="http://schemas.microsoft.com/office/drawing/2014/main" xmlns="" id="{5A154DC2-98C7-4D4B-A17A-AA4731217F17}"/>
               </a:ext>
             </a:extLst>
           </p:cNvPr>
@@ -10645,7 +10645,7 @@
           <p:cNvPr id="2" name="Title 1">
             <a:extLst>
               <a:ext uri="{FF2B5EF4-FFF2-40B4-BE49-F238E27FC236}">
-                <a16:creationId xmlns="" xmlns:a16="http://schemas.microsoft.com/office/drawing/2014/main" id="{325CE2EB-00DF-4EBA-BF1F-D37805D45585}"/>
+                <a16:creationId xmlns:a16="http://schemas.microsoft.com/office/drawing/2014/main" xmlns="" id="{325CE2EB-00DF-4EBA-BF1F-D37805D45585}"/>
               </a:ext>
             </a:extLst>
           </p:cNvPr>
@@ -10704,7 +10704,7 @@
           <p:cNvPr id="19" name="Right Triangle 18">
             <a:extLst>
               <a:ext uri="{FF2B5EF4-FFF2-40B4-BE49-F238E27FC236}">
-                <a16:creationId xmlns="" xmlns:a16="http://schemas.microsoft.com/office/drawing/2014/main" id="{71D0E8AA-902F-440D-9C55-2A391C22396A}"/>
+                <a16:creationId xmlns:a16="http://schemas.microsoft.com/office/drawing/2014/main" xmlns="" id="{71D0E8AA-902F-440D-9C55-2A391C22396A}"/>
               </a:ext>
             </a:extLst>
           </p:cNvPr>
@@ -10756,7 +10756,7 @@
           <p:cNvPr id="17" name="Parallelogram 16">
             <a:extLst>
               <a:ext uri="{FF2B5EF4-FFF2-40B4-BE49-F238E27FC236}">
-                <a16:creationId xmlns="" xmlns:a16="http://schemas.microsoft.com/office/drawing/2014/main" id="{7D937721-835D-4D84-94A3-6C79D4639514}"/>
+                <a16:creationId xmlns:a16="http://schemas.microsoft.com/office/drawing/2014/main" xmlns="" id="{7D937721-835D-4D84-94A3-6C79D4639514}"/>
               </a:ext>
             </a:extLst>
           </p:cNvPr>
@@ -10810,7 +10810,7 @@
           <p:cNvPr id="18" name="Straight Connector 17">
             <a:extLst>
               <a:ext uri="{FF2B5EF4-FFF2-40B4-BE49-F238E27FC236}">
-                <a16:creationId xmlns="" xmlns:a16="http://schemas.microsoft.com/office/drawing/2014/main" id="{732BB30B-8262-4715-998F-AAF6A81ADFD3}"/>
+                <a16:creationId xmlns:a16="http://schemas.microsoft.com/office/drawing/2014/main" xmlns="" id="{732BB30B-8262-4715-998F-AAF6A81ADFD3}"/>
               </a:ext>
             </a:extLst>
           </p:cNvPr>
@@ -10855,7 +10855,7 @@
           <p:cNvPr id="100" name="Title 1" title="Title">
             <a:extLst>
               <a:ext uri="{FF2B5EF4-FFF2-40B4-BE49-F238E27FC236}">
-                <a16:creationId xmlns="" xmlns:a16="http://schemas.microsoft.com/office/drawing/2014/main" id="{4D7EF399-DAA5-44EC-B712-79C755FE84CB}"/>
+                <a16:creationId xmlns:a16="http://schemas.microsoft.com/office/drawing/2014/main" xmlns="" id="{4D7EF399-DAA5-44EC-B712-79C755FE84CB}"/>
               </a:ext>
             </a:extLst>
           </p:cNvPr>
@@ -10903,7 +10903,7 @@
           <p:cNvPr id="101" name="Text Placeholder 2" title="Subtitle">
             <a:extLst>
               <a:ext uri="{FF2B5EF4-FFF2-40B4-BE49-F238E27FC236}">
-                <a16:creationId xmlns="" xmlns:a16="http://schemas.microsoft.com/office/drawing/2014/main" id="{26D13BFA-61B0-402F-8611-02D3DFDBEBCB}"/>
+                <a16:creationId xmlns:a16="http://schemas.microsoft.com/office/drawing/2014/main" xmlns="" id="{26D13BFA-61B0-402F-8611-02D3DFDBEBCB}"/>
               </a:ext>
             </a:extLst>
           </p:cNvPr>
@@ -11033,7 +11033,7 @@
           <p:cNvPr id="21" name="Straight Connector 20">
             <a:extLst>
               <a:ext uri="{FF2B5EF4-FFF2-40B4-BE49-F238E27FC236}">
-                <a16:creationId xmlns="" xmlns:a16="http://schemas.microsoft.com/office/drawing/2014/main" id="{DA0A0C24-D997-4E78-951F-AFB51C70EFCC}"/>
+                <a16:creationId xmlns:a16="http://schemas.microsoft.com/office/drawing/2014/main" xmlns="" id="{DA0A0C24-D997-4E78-951F-AFB51C70EFCC}"/>
               </a:ext>
             </a:extLst>
           </p:cNvPr>
@@ -11076,7 +11076,7 @@
           <p:cNvPr id="25" name="Parallelogram 24">
             <a:extLst>
               <a:ext uri="{FF2B5EF4-FFF2-40B4-BE49-F238E27FC236}">
-                <a16:creationId xmlns="" xmlns:a16="http://schemas.microsoft.com/office/drawing/2014/main" id="{E123A0CF-50D6-46EC-8BF6-43E38AFCD588}"/>
+                <a16:creationId xmlns:a16="http://schemas.microsoft.com/office/drawing/2014/main" xmlns="" id="{E123A0CF-50D6-46EC-8BF6-43E38AFCD588}"/>
               </a:ext>
             </a:extLst>
           </p:cNvPr>
@@ -11135,7 +11135,7 @@
           <p:cNvPr id="26" name="Straight Connector 25">
             <a:extLst>
               <a:ext uri="{FF2B5EF4-FFF2-40B4-BE49-F238E27FC236}">
-                <a16:creationId xmlns="" xmlns:a16="http://schemas.microsoft.com/office/drawing/2014/main" id="{2B2F1D2E-B631-4CB1-9448-2B50F8C46316}"/>
+                <a16:creationId xmlns:a16="http://schemas.microsoft.com/office/drawing/2014/main" xmlns="" id="{2B2F1D2E-B631-4CB1-9448-2B50F8C46316}"/>
               </a:ext>
             </a:extLst>
           </p:cNvPr>
@@ -11180,7 +11180,7 @@
           <p:cNvPr id="27" name="Picture Placeholder 26">
             <a:extLst>
               <a:ext uri="{FF2B5EF4-FFF2-40B4-BE49-F238E27FC236}">
-                <a16:creationId xmlns="" xmlns:a16="http://schemas.microsoft.com/office/drawing/2014/main" id="{95572AA9-EFAE-4771-B1EE-47E361173778}"/>
+                <a16:creationId xmlns:a16="http://schemas.microsoft.com/office/drawing/2014/main" xmlns="" id="{95572AA9-EFAE-4771-B1EE-47E361173778}"/>
               </a:ext>
             </a:extLst>
           </p:cNvPr>
@@ -11287,7 +11287,7 @@
           <p:cNvPr id="16" name="Straight Connector 15">
             <a:extLst>
               <a:ext uri="{FF2B5EF4-FFF2-40B4-BE49-F238E27FC236}">
-                <a16:creationId xmlns="" xmlns:a16="http://schemas.microsoft.com/office/drawing/2014/main" id="{5CF69447-82AD-475F-A3AE-3D7FF61DBFE2}"/>
+                <a16:creationId xmlns:a16="http://schemas.microsoft.com/office/drawing/2014/main" xmlns="" id="{5CF69447-82AD-475F-A3AE-3D7FF61DBFE2}"/>
               </a:ext>
             </a:extLst>
           </p:cNvPr>
@@ -11330,7 +11330,7 @@
           <p:cNvPr id="24" name="Parallelogram 23">
             <a:extLst>
               <a:ext uri="{FF2B5EF4-FFF2-40B4-BE49-F238E27FC236}">
-                <a16:creationId xmlns="" xmlns:a16="http://schemas.microsoft.com/office/drawing/2014/main" id="{FC8C82F3-94EE-4B4F-A01D-993A41BC00B1}"/>
+                <a16:creationId xmlns:a16="http://schemas.microsoft.com/office/drawing/2014/main" xmlns="" id="{FC8C82F3-94EE-4B4F-A01D-993A41BC00B1}"/>
               </a:ext>
             </a:extLst>
           </p:cNvPr>
@@ -11452,7 +11452,7 @@
           <p:cNvPr id="3" name="Content Placeholder 2" title="Bullet Points">
             <a:extLst>
               <a:ext uri="{FF2B5EF4-FFF2-40B4-BE49-F238E27FC236}">
-                <a16:creationId xmlns="" xmlns:a16="http://schemas.microsoft.com/office/drawing/2014/main" id="{BFD7EA17-BE66-4636-9684-F93562587911}"/>
+                <a16:creationId xmlns:a16="http://schemas.microsoft.com/office/drawing/2014/main" xmlns="" id="{BFD7EA17-BE66-4636-9684-F93562587911}"/>
               </a:ext>
             </a:extLst>
           </p:cNvPr>
@@ -11571,7 +11571,7 @@
           <p:cNvPr id="24" name="Right Triangle 23">
             <a:extLst>
               <a:ext uri="{FF2B5EF4-FFF2-40B4-BE49-F238E27FC236}">
-                <a16:creationId xmlns="" xmlns:a16="http://schemas.microsoft.com/office/drawing/2014/main" id="{BD6ACE60-499D-41AB-89C4-D537D7C3D22A}"/>
+                <a16:creationId xmlns:a16="http://schemas.microsoft.com/office/drawing/2014/main" xmlns="" id="{BD6ACE60-499D-41AB-89C4-D537D7C3D22A}"/>
               </a:ext>
             </a:extLst>
           </p:cNvPr>
@@ -11623,7 +11623,7 @@
           <p:cNvPr id="25" name="Parallelogram 24">
             <a:extLst>
               <a:ext uri="{FF2B5EF4-FFF2-40B4-BE49-F238E27FC236}">
-                <a16:creationId xmlns="" xmlns:a16="http://schemas.microsoft.com/office/drawing/2014/main" id="{18C08F43-D42B-4CF1-912F-BC83D72AB415}"/>
+                <a16:creationId xmlns:a16="http://schemas.microsoft.com/office/drawing/2014/main" xmlns="" id="{18C08F43-D42B-4CF1-912F-BC83D72AB415}"/>
               </a:ext>
             </a:extLst>
           </p:cNvPr>
@@ -11682,7 +11682,7 @@
           <p:cNvPr id="34" name="Straight Connector 33">
             <a:extLst>
               <a:ext uri="{FF2B5EF4-FFF2-40B4-BE49-F238E27FC236}">
-                <a16:creationId xmlns="" xmlns:a16="http://schemas.microsoft.com/office/drawing/2014/main" id="{1411C731-2333-41B0-927A-0A48EEC79964}"/>
+                <a16:creationId xmlns:a16="http://schemas.microsoft.com/office/drawing/2014/main" xmlns="" id="{1411C731-2333-41B0-927A-0A48EEC79964}"/>
               </a:ext>
             </a:extLst>
           </p:cNvPr>
@@ -11725,7 +11725,7 @@
           <p:cNvPr id="5" name="Text Placeholder 4" title="Subtitle">
             <a:extLst>
               <a:ext uri="{FF2B5EF4-FFF2-40B4-BE49-F238E27FC236}">
-                <a16:creationId xmlns="" xmlns:a16="http://schemas.microsoft.com/office/drawing/2014/main" id="{D71EE635-EA0C-4139-8160-AE1EAD13AAEB}"/>
+                <a16:creationId xmlns:a16="http://schemas.microsoft.com/office/drawing/2014/main" xmlns="" id="{D71EE635-EA0C-4139-8160-AE1EAD13AAEB}"/>
               </a:ext>
             </a:extLst>
           </p:cNvPr>
@@ -11775,7 +11775,7 @@
           <p:cNvPr id="2" name="Title 1" title="Title ">
             <a:extLst>
               <a:ext uri="{FF2B5EF4-FFF2-40B4-BE49-F238E27FC236}">
-                <a16:creationId xmlns="" xmlns:a16="http://schemas.microsoft.com/office/drawing/2014/main" id="{20237B57-91C6-4F8B-8AA0-18FA50B0FD1D}"/>
+                <a16:creationId xmlns:a16="http://schemas.microsoft.com/office/drawing/2014/main" xmlns="" id="{20237B57-91C6-4F8B-8AA0-18FA50B0FD1D}"/>
               </a:ext>
             </a:extLst>
           </p:cNvPr>
@@ -11828,7 +11828,7 @@
           <p:cNvPr id="15" name="Picture Placeholder 14">
             <a:extLst>
               <a:ext uri="{FF2B5EF4-FFF2-40B4-BE49-F238E27FC236}">
-                <a16:creationId xmlns="" xmlns:a16="http://schemas.microsoft.com/office/drawing/2014/main" id="{FE1FADFB-0A3D-40F7-9B40-368DECD971E1}"/>
+                <a16:creationId xmlns:a16="http://schemas.microsoft.com/office/drawing/2014/main" xmlns="" id="{FE1FADFB-0A3D-40F7-9B40-368DECD971E1}"/>
               </a:ext>
             </a:extLst>
           </p:cNvPr>
@@ -12023,7 +12023,7 @@
           <p:cNvPr id="4" name="Footer Placeholder 3">
             <a:extLst>
               <a:ext uri="{FF2B5EF4-FFF2-40B4-BE49-F238E27FC236}">
-                <a16:creationId xmlns="" xmlns:a16="http://schemas.microsoft.com/office/drawing/2014/main" id="{5ADB14A5-A767-774C-85B8-68EF914689F6}"/>
+                <a16:creationId xmlns:a16="http://schemas.microsoft.com/office/drawing/2014/main" xmlns="" id="{5ADB14A5-A767-774C-85B8-68EF914689F6}"/>
               </a:ext>
             </a:extLst>
           </p:cNvPr>
@@ -12051,7 +12051,7 @@
           <p:cNvPr id="6" name="Slide Number Placeholder 5">
             <a:extLst>
               <a:ext uri="{FF2B5EF4-FFF2-40B4-BE49-F238E27FC236}">
-                <a16:creationId xmlns="" xmlns:a16="http://schemas.microsoft.com/office/drawing/2014/main" id="{D4B9B51B-EAA9-4B4D-A4F6-470CD95DAA79}"/>
+                <a16:creationId xmlns:a16="http://schemas.microsoft.com/office/drawing/2014/main" xmlns="" id="{D4B9B51B-EAA9-4B4D-A4F6-470CD95DAA79}"/>
               </a:ext>
             </a:extLst>
           </p:cNvPr>
@@ -12131,7 +12131,7 @@
           <p:cNvPr id="35" name="Right Triangle 34">
             <a:extLst>
               <a:ext uri="{FF2B5EF4-FFF2-40B4-BE49-F238E27FC236}">
-                <a16:creationId xmlns="" xmlns:a16="http://schemas.microsoft.com/office/drawing/2014/main" id="{805F1696-7D6B-4055-94C3-E4C179F63596}"/>
+                <a16:creationId xmlns:a16="http://schemas.microsoft.com/office/drawing/2014/main" xmlns="" id="{805F1696-7D6B-4055-94C3-E4C179F63596}"/>
               </a:ext>
             </a:extLst>
           </p:cNvPr>
@@ -12183,7 +12183,7 @@
           <p:cNvPr id="18" name="Picture Placeholder 17">
             <a:extLst>
               <a:ext uri="{FF2B5EF4-FFF2-40B4-BE49-F238E27FC236}">
-                <a16:creationId xmlns="" xmlns:a16="http://schemas.microsoft.com/office/drawing/2014/main" id="{8B9EC3A9-7039-403A-9414-429521308AE7}"/>
+                <a16:creationId xmlns:a16="http://schemas.microsoft.com/office/drawing/2014/main" xmlns="" id="{8B9EC3A9-7039-403A-9414-429521308AE7}"/>
               </a:ext>
             </a:extLst>
           </p:cNvPr>
@@ -12271,7 +12271,7 @@
           <p:cNvPr id="3" name="Content Placeholder 2" title="Bullet Points">
             <a:extLst>
               <a:ext uri="{FF2B5EF4-FFF2-40B4-BE49-F238E27FC236}">
-                <a16:creationId xmlns="" xmlns:a16="http://schemas.microsoft.com/office/drawing/2014/main" id="{BFD7EA17-BE66-4636-9684-F93562587911}"/>
+                <a16:creationId xmlns:a16="http://schemas.microsoft.com/office/drawing/2014/main" xmlns="" id="{BFD7EA17-BE66-4636-9684-F93562587911}"/>
               </a:ext>
             </a:extLst>
           </p:cNvPr>
@@ -12390,7 +12390,7 @@
           <p:cNvPr id="25" name="Parallelogram 24">
             <a:extLst>
               <a:ext uri="{FF2B5EF4-FFF2-40B4-BE49-F238E27FC236}">
-                <a16:creationId xmlns="" xmlns:a16="http://schemas.microsoft.com/office/drawing/2014/main" id="{18C08F43-D42B-4CF1-912F-BC83D72AB415}"/>
+                <a16:creationId xmlns:a16="http://schemas.microsoft.com/office/drawing/2014/main" xmlns="" id="{18C08F43-D42B-4CF1-912F-BC83D72AB415}"/>
               </a:ext>
             </a:extLst>
           </p:cNvPr>
@@ -12449,7 +12449,7 @@
           <p:cNvPr id="34" name="Straight Connector 33">
             <a:extLst>
               <a:ext uri="{FF2B5EF4-FFF2-40B4-BE49-F238E27FC236}">
-                <a16:creationId xmlns="" xmlns:a16="http://schemas.microsoft.com/office/drawing/2014/main" id="{1411C731-2333-41B0-927A-0A48EEC79964}"/>
+                <a16:creationId xmlns:a16="http://schemas.microsoft.com/office/drawing/2014/main" xmlns="" id="{1411C731-2333-41B0-927A-0A48EEC79964}"/>
               </a:ext>
             </a:extLst>
           </p:cNvPr>
@@ -12492,7 +12492,7 @@
           <p:cNvPr id="5" name="Text Placeholder 4" title="Subtitle">
             <a:extLst>
               <a:ext uri="{FF2B5EF4-FFF2-40B4-BE49-F238E27FC236}">
-                <a16:creationId xmlns="" xmlns:a16="http://schemas.microsoft.com/office/drawing/2014/main" id="{D71EE635-EA0C-4139-8160-AE1EAD13AAEB}"/>
+                <a16:creationId xmlns:a16="http://schemas.microsoft.com/office/drawing/2014/main" xmlns="" id="{D71EE635-EA0C-4139-8160-AE1EAD13AAEB}"/>
               </a:ext>
             </a:extLst>
           </p:cNvPr>
@@ -12542,7 +12542,7 @@
           <p:cNvPr id="17" name="TextBox 16">
             <a:extLst>
               <a:ext uri="{FF2B5EF4-FFF2-40B4-BE49-F238E27FC236}">
-                <a16:creationId xmlns="" xmlns:a16="http://schemas.microsoft.com/office/drawing/2014/main" id="{3EB154C1-CE47-4220-9832-4FD0868A64A8}"/>
+                <a16:creationId xmlns:a16="http://schemas.microsoft.com/office/drawing/2014/main" xmlns="" id="{3EB154C1-CE47-4220-9832-4FD0868A64A8}"/>
               </a:ext>
             </a:extLst>
           </p:cNvPr>
@@ -12582,7 +12582,7 @@
           <p:cNvPr id="19" name="Title 1" title="Title ">
             <a:extLst>
               <a:ext uri="{FF2B5EF4-FFF2-40B4-BE49-F238E27FC236}">
-                <a16:creationId xmlns="" xmlns:a16="http://schemas.microsoft.com/office/drawing/2014/main" id="{2DB9D671-9FC8-4306-96B7-D9D585694B83}"/>
+                <a16:creationId xmlns:a16="http://schemas.microsoft.com/office/drawing/2014/main" xmlns="" id="{2DB9D671-9FC8-4306-96B7-D9D585694B83}"/>
               </a:ext>
             </a:extLst>
           </p:cNvPr>
@@ -12635,7 +12635,7 @@
           <p:cNvPr id="2" name="Footer Placeholder 1">
             <a:extLst>
               <a:ext uri="{FF2B5EF4-FFF2-40B4-BE49-F238E27FC236}">
-                <a16:creationId xmlns="" xmlns:a16="http://schemas.microsoft.com/office/drawing/2014/main" id="{6E55A0B9-F639-8643-9C4D-B93B8EE21A79}"/>
+                <a16:creationId xmlns:a16="http://schemas.microsoft.com/office/drawing/2014/main" xmlns="" id="{6E55A0B9-F639-8643-9C4D-B93B8EE21A79}"/>
               </a:ext>
             </a:extLst>
           </p:cNvPr>
@@ -12663,7 +12663,7 @@
           <p:cNvPr id="4" name="Slide Number Placeholder 3">
             <a:extLst>
               <a:ext uri="{FF2B5EF4-FFF2-40B4-BE49-F238E27FC236}">
-                <a16:creationId xmlns="" xmlns:a16="http://schemas.microsoft.com/office/drawing/2014/main" id="{D0C29282-8AC7-494D-9A8E-A26C7F69948F}"/>
+                <a16:creationId xmlns:a16="http://schemas.microsoft.com/office/drawing/2014/main" xmlns="" id="{D0C29282-8AC7-494D-9A8E-A26C7F69948F}"/>
               </a:ext>
             </a:extLst>
           </p:cNvPr>
@@ -12743,7 +12743,7 @@
           <p:cNvPr id="22" name="Straight Connector 21">
             <a:extLst>
               <a:ext uri="{FF2B5EF4-FFF2-40B4-BE49-F238E27FC236}">
-                <a16:creationId xmlns="" xmlns:a16="http://schemas.microsoft.com/office/drawing/2014/main" id="{01AF1CF9-9F46-4541-8FF1-B9C53244EE1A}"/>
+                <a16:creationId xmlns:a16="http://schemas.microsoft.com/office/drawing/2014/main" xmlns="" id="{01AF1CF9-9F46-4541-8FF1-B9C53244EE1A}"/>
               </a:ext>
             </a:extLst>
           </p:cNvPr>
@@ -12786,7 +12786,7 @@
           <p:cNvPr id="23" name="Group 22">
             <a:extLst>
               <a:ext uri="{FF2B5EF4-FFF2-40B4-BE49-F238E27FC236}">
-                <a16:creationId xmlns="" xmlns:a16="http://schemas.microsoft.com/office/drawing/2014/main" id="{AB0E1BA4-80FE-4826-BA2F-083C3A5BB7FA}"/>
+                <a16:creationId xmlns:a16="http://schemas.microsoft.com/office/drawing/2014/main" xmlns="" id="{AB0E1BA4-80FE-4826-BA2F-083C3A5BB7FA}"/>
               </a:ext>
             </a:extLst>
           </p:cNvPr>
@@ -12806,7 +12806,7 @@
             <p:cNvPr id="26" name="Diagonal Stripe 25">
               <a:extLst>
                 <a:ext uri="{FF2B5EF4-FFF2-40B4-BE49-F238E27FC236}">
-                  <a16:creationId xmlns="" xmlns:a16="http://schemas.microsoft.com/office/drawing/2014/main" id="{0697993E-CD44-40B9-805C-77BC608618A7}"/>
+                  <a16:creationId xmlns:a16="http://schemas.microsoft.com/office/drawing/2014/main" xmlns="" id="{0697993E-CD44-40B9-805C-77BC608618A7}"/>
                 </a:ext>
               </a:extLst>
             </p:cNvPr>
@@ -12864,7 +12864,7 @@
             <p:cNvPr id="28" name="Straight Connector 27">
               <a:extLst>
                 <a:ext uri="{FF2B5EF4-FFF2-40B4-BE49-F238E27FC236}">
-                  <a16:creationId xmlns="" xmlns:a16="http://schemas.microsoft.com/office/drawing/2014/main" id="{DDBD869A-51AE-4AC9-A3E0-38E8C732B1E8}"/>
+                  <a16:creationId xmlns:a16="http://schemas.microsoft.com/office/drawing/2014/main" xmlns="" id="{DDBD869A-51AE-4AC9-A3E0-38E8C732B1E8}"/>
                 </a:ext>
               </a:extLst>
             </p:cNvPr>
@@ -12909,7 +12909,7 @@
             <p:cNvPr id="30" name="Parallelogram 29">
               <a:extLst>
                 <a:ext uri="{FF2B5EF4-FFF2-40B4-BE49-F238E27FC236}">
-                  <a16:creationId xmlns="" xmlns:a16="http://schemas.microsoft.com/office/drawing/2014/main" id="{DE18C3B6-28E6-4BBC-B634-F81DE5A9D13C}"/>
+                  <a16:creationId xmlns:a16="http://schemas.microsoft.com/office/drawing/2014/main" xmlns="" id="{DE18C3B6-28E6-4BBC-B634-F81DE5A9D13C}"/>
                 </a:ext>
               </a:extLst>
             </p:cNvPr>
@@ -12964,7 +12964,7 @@
           <p:cNvPr id="17" name="Text Placeholder 2">
             <a:extLst>
               <a:ext uri="{FF2B5EF4-FFF2-40B4-BE49-F238E27FC236}">
-                <a16:creationId xmlns="" xmlns:a16="http://schemas.microsoft.com/office/drawing/2014/main" id="{B2E19FBD-2379-4B3B-910D-F51E007CB63F}"/>
+                <a16:creationId xmlns:a16="http://schemas.microsoft.com/office/drawing/2014/main" xmlns="" id="{B2E19FBD-2379-4B3B-910D-F51E007CB63F}"/>
               </a:ext>
             </a:extLst>
           </p:cNvPr>
@@ -13050,7 +13050,7 @@
           <p:cNvPr id="18" name="Content Placeholder 3" title="Bullet Points">
             <a:extLst>
               <a:ext uri="{FF2B5EF4-FFF2-40B4-BE49-F238E27FC236}">
-                <a16:creationId xmlns="" xmlns:a16="http://schemas.microsoft.com/office/drawing/2014/main" id="{8715E757-6584-4841-8154-C92E70E0CD6B}"/>
+                <a16:creationId xmlns:a16="http://schemas.microsoft.com/office/drawing/2014/main" xmlns="" id="{8715E757-6584-4841-8154-C92E70E0CD6B}"/>
               </a:ext>
             </a:extLst>
           </p:cNvPr>
@@ -13174,7 +13174,7 @@
           <p:cNvPr id="19" name="Text Placeholder 4">
             <a:extLst>
               <a:ext uri="{FF2B5EF4-FFF2-40B4-BE49-F238E27FC236}">
-                <a16:creationId xmlns="" xmlns:a16="http://schemas.microsoft.com/office/drawing/2014/main" id="{47CDC5A2-8836-4ED3-8E78-18C24853D882}"/>
+                <a16:creationId xmlns:a16="http://schemas.microsoft.com/office/drawing/2014/main" xmlns="" id="{47CDC5A2-8836-4ED3-8E78-18C24853D882}"/>
               </a:ext>
             </a:extLst>
           </p:cNvPr>
@@ -13257,7 +13257,7 @@
           <p:cNvPr id="20" name="Content Placeholder 5" title="Bullet Points">
             <a:extLst>
               <a:ext uri="{FF2B5EF4-FFF2-40B4-BE49-F238E27FC236}">
-                <a16:creationId xmlns="" xmlns:a16="http://schemas.microsoft.com/office/drawing/2014/main" id="{D957FBD7-2C3C-4DD1-954F-DF1E007BE590}"/>
+                <a16:creationId xmlns:a16="http://schemas.microsoft.com/office/drawing/2014/main" xmlns="" id="{D957FBD7-2C3C-4DD1-954F-DF1E007BE590}"/>
               </a:ext>
             </a:extLst>
           </p:cNvPr>
@@ -13381,7 +13381,7 @@
           <p:cNvPr id="24" name="Text Placeholder 4" title="Subtitle">
             <a:extLst>
               <a:ext uri="{FF2B5EF4-FFF2-40B4-BE49-F238E27FC236}">
-                <a16:creationId xmlns="" xmlns:a16="http://schemas.microsoft.com/office/drawing/2014/main" id="{77DB65FF-A89E-4562-8251-2BB63EFDD28E}"/>
+                <a16:creationId xmlns:a16="http://schemas.microsoft.com/office/drawing/2014/main" xmlns="" id="{77DB65FF-A89E-4562-8251-2BB63EFDD28E}"/>
               </a:ext>
             </a:extLst>
           </p:cNvPr>
@@ -13431,7 +13431,7 @@
           <p:cNvPr id="25" name="TextBox 24">
             <a:extLst>
               <a:ext uri="{FF2B5EF4-FFF2-40B4-BE49-F238E27FC236}">
-                <a16:creationId xmlns="" xmlns:a16="http://schemas.microsoft.com/office/drawing/2014/main" id="{F0BB4D3D-930C-4FF4-BB7C-2CB24208150C}"/>
+                <a16:creationId xmlns:a16="http://schemas.microsoft.com/office/drawing/2014/main" xmlns="" id="{F0BB4D3D-930C-4FF4-BB7C-2CB24208150C}"/>
               </a:ext>
             </a:extLst>
           </p:cNvPr>
@@ -13471,7 +13471,7 @@
           <p:cNvPr id="36" name="Parallelogram 35">
             <a:extLst>
               <a:ext uri="{FF2B5EF4-FFF2-40B4-BE49-F238E27FC236}">
-                <a16:creationId xmlns="" xmlns:a16="http://schemas.microsoft.com/office/drawing/2014/main" id="{4EBB76E7-943E-4038-B700-114F66FBC609}"/>
+                <a16:creationId xmlns:a16="http://schemas.microsoft.com/office/drawing/2014/main" xmlns="" id="{4EBB76E7-943E-4038-B700-114F66FBC609}"/>
               </a:ext>
             </a:extLst>
           </p:cNvPr>
@@ -13530,7 +13530,7 @@
           <p:cNvPr id="2" name="Footer Placeholder 1">
             <a:extLst>
               <a:ext uri="{FF2B5EF4-FFF2-40B4-BE49-F238E27FC236}">
-                <a16:creationId xmlns="" xmlns:a16="http://schemas.microsoft.com/office/drawing/2014/main" id="{03E79E9C-D961-6E47-A5C6-57689BAFF243}"/>
+                <a16:creationId xmlns:a16="http://schemas.microsoft.com/office/drawing/2014/main" xmlns="" id="{03E79E9C-D961-6E47-A5C6-57689BAFF243}"/>
               </a:ext>
             </a:extLst>
           </p:cNvPr>
@@ -13562,7 +13562,7 @@
           <p:cNvPr id="3" name="Slide Number Placeholder 2">
             <a:extLst>
               <a:ext uri="{FF2B5EF4-FFF2-40B4-BE49-F238E27FC236}">
-                <a16:creationId xmlns="" xmlns:a16="http://schemas.microsoft.com/office/drawing/2014/main" id="{B08BE157-60F2-194D-8C13-4AE120FC9EDE}"/>
+                <a16:creationId xmlns:a16="http://schemas.microsoft.com/office/drawing/2014/main" xmlns="" id="{B08BE157-60F2-194D-8C13-4AE120FC9EDE}"/>
               </a:ext>
             </a:extLst>
           </p:cNvPr>
@@ -13591,7 +13591,7 @@
           <p:cNvPr id="27" name="Title 1" title="Title ">
             <a:extLst>
               <a:ext uri="{FF2B5EF4-FFF2-40B4-BE49-F238E27FC236}">
-                <a16:creationId xmlns="" xmlns:a16="http://schemas.microsoft.com/office/drawing/2014/main" id="{C3CC34F4-862A-42E7-B2FA-7B511CC2E879}"/>
+                <a16:creationId xmlns:a16="http://schemas.microsoft.com/office/drawing/2014/main" xmlns="" id="{C3CC34F4-862A-42E7-B2FA-7B511CC2E879}"/>
               </a:ext>
             </a:extLst>
           </p:cNvPr>
@@ -13698,7 +13698,7 @@
           <p:cNvPr id="16" name="TextBox 15">
             <a:extLst>
               <a:ext uri="{FF2B5EF4-FFF2-40B4-BE49-F238E27FC236}">
-                <a16:creationId xmlns="" xmlns:a16="http://schemas.microsoft.com/office/drawing/2014/main" id="{A4F49194-9068-41AA-B460-962319BF96A4}"/>
+                <a16:creationId xmlns:a16="http://schemas.microsoft.com/office/drawing/2014/main" xmlns="" id="{A4F49194-9068-41AA-B460-962319BF96A4}"/>
               </a:ext>
             </a:extLst>
           </p:cNvPr>
@@ -13738,7 +13738,7 @@
           <p:cNvPr id="28" name="Group 27">
             <a:extLst>
               <a:ext uri="{FF2B5EF4-FFF2-40B4-BE49-F238E27FC236}">
-                <a16:creationId xmlns="" xmlns:a16="http://schemas.microsoft.com/office/drawing/2014/main" id="{5806E656-313A-47B1-B381-D004200F7A01}"/>
+                <a16:creationId xmlns:a16="http://schemas.microsoft.com/office/drawing/2014/main" xmlns="" id="{5806E656-313A-47B1-B381-D004200F7A01}"/>
               </a:ext>
             </a:extLst>
           </p:cNvPr>
@@ -13758,7 +13758,7 @@
             <p:cNvPr id="29" name="Diagonal Stripe 28">
               <a:extLst>
                 <a:ext uri="{FF2B5EF4-FFF2-40B4-BE49-F238E27FC236}">
-                  <a16:creationId xmlns="" xmlns:a16="http://schemas.microsoft.com/office/drawing/2014/main" id="{65F8E2DA-4BB4-4421-9172-A11AF38DFEF4}"/>
+                  <a16:creationId xmlns:a16="http://schemas.microsoft.com/office/drawing/2014/main" xmlns="" id="{65F8E2DA-4BB4-4421-9172-A11AF38DFEF4}"/>
                 </a:ext>
               </a:extLst>
             </p:cNvPr>
@@ -13816,7 +13816,7 @@
             <p:cNvPr id="30" name="Straight Connector 29">
               <a:extLst>
                 <a:ext uri="{FF2B5EF4-FFF2-40B4-BE49-F238E27FC236}">
-                  <a16:creationId xmlns="" xmlns:a16="http://schemas.microsoft.com/office/drawing/2014/main" id="{6EDB47F2-B6A7-40B4-8A2C-06719F75C085}"/>
+                  <a16:creationId xmlns:a16="http://schemas.microsoft.com/office/drawing/2014/main" xmlns="" id="{6EDB47F2-B6A7-40B4-8A2C-06719F75C085}"/>
                 </a:ext>
               </a:extLst>
             </p:cNvPr>
@@ -13861,7 +13861,7 @@
             <p:cNvPr id="31" name="Parallelogram 30">
               <a:extLst>
                 <a:ext uri="{FF2B5EF4-FFF2-40B4-BE49-F238E27FC236}">
-                  <a16:creationId xmlns="" xmlns:a16="http://schemas.microsoft.com/office/drawing/2014/main" id="{B188E7A9-2351-4B68-98B8-10099CB39CD2}"/>
+                  <a16:creationId xmlns:a16="http://schemas.microsoft.com/office/drawing/2014/main" xmlns="" id="{B188E7A9-2351-4B68-98B8-10099CB39CD2}"/>
                 </a:ext>
               </a:extLst>
             </p:cNvPr>
@@ -13916,7 +13916,7 @@
           <p:cNvPr id="33" name="Parallelogram 32">
             <a:extLst>
               <a:ext uri="{FF2B5EF4-FFF2-40B4-BE49-F238E27FC236}">
-                <a16:creationId xmlns="" xmlns:a16="http://schemas.microsoft.com/office/drawing/2014/main" id="{F088C182-BF10-45B2-B159-7702E00D31D4}"/>
+                <a16:creationId xmlns:a16="http://schemas.microsoft.com/office/drawing/2014/main" xmlns="" id="{F088C182-BF10-45B2-B159-7702E00D31D4}"/>
               </a:ext>
             </a:extLst>
           </p:cNvPr>
@@ -13975,7 +13975,7 @@
           <p:cNvPr id="34" name="Text Placeholder 4" title="Subtitle">
             <a:extLst>
               <a:ext uri="{FF2B5EF4-FFF2-40B4-BE49-F238E27FC236}">
-                <a16:creationId xmlns="" xmlns:a16="http://schemas.microsoft.com/office/drawing/2014/main" id="{FB561B16-2788-452A-B7AF-A482256DCDF2}"/>
+                <a16:creationId xmlns:a16="http://schemas.microsoft.com/office/drawing/2014/main" xmlns="" id="{FB561B16-2788-452A-B7AF-A482256DCDF2}"/>
               </a:ext>
             </a:extLst>
           </p:cNvPr>
@@ -14025,7 +14025,7 @@
           <p:cNvPr id="2" name="Footer Placeholder 1">
             <a:extLst>
               <a:ext uri="{FF2B5EF4-FFF2-40B4-BE49-F238E27FC236}">
-                <a16:creationId xmlns="" xmlns:a16="http://schemas.microsoft.com/office/drawing/2014/main" id="{D6990C03-1647-2044-B335-6F5F19E4E5FC}"/>
+                <a16:creationId xmlns:a16="http://schemas.microsoft.com/office/drawing/2014/main" xmlns="" id="{D6990C03-1647-2044-B335-6F5F19E4E5FC}"/>
               </a:ext>
             </a:extLst>
           </p:cNvPr>
@@ -14053,7 +14053,7 @@
           <p:cNvPr id="3" name="Slide Number Placeholder 2">
             <a:extLst>
               <a:ext uri="{FF2B5EF4-FFF2-40B4-BE49-F238E27FC236}">
-                <a16:creationId xmlns="" xmlns:a16="http://schemas.microsoft.com/office/drawing/2014/main" id="{4F03A7CC-E6DC-1544-BE55-15EC1718B77C}"/>
+                <a16:creationId xmlns:a16="http://schemas.microsoft.com/office/drawing/2014/main" xmlns="" id="{4F03A7CC-E6DC-1544-BE55-15EC1718B77C}"/>
               </a:ext>
             </a:extLst>
           </p:cNvPr>
@@ -14082,7 +14082,7 @@
           <p:cNvPr id="17" name="Title 1" title="Title ">
             <a:extLst>
               <a:ext uri="{FF2B5EF4-FFF2-40B4-BE49-F238E27FC236}">
-                <a16:creationId xmlns="" xmlns:a16="http://schemas.microsoft.com/office/drawing/2014/main" id="{BDEC780E-6412-1344-A62E-6B84E9CCB678}"/>
+                <a16:creationId xmlns:a16="http://schemas.microsoft.com/office/drawing/2014/main" xmlns="" id="{BDEC780E-6412-1344-A62E-6B84E9CCB678}"/>
               </a:ext>
             </a:extLst>
           </p:cNvPr>
@@ -14128,7 +14128,7 @@
           <p:cNvPr id="5" name="Text Placeholder 4">
             <a:extLst>
               <a:ext uri="{FF2B5EF4-FFF2-40B4-BE49-F238E27FC236}">
-                <a16:creationId xmlns="" xmlns:a16="http://schemas.microsoft.com/office/drawing/2014/main" id="{2C82AC85-33B6-2B49-8BF4-08414444375C}"/>
+                <a16:creationId xmlns:a16="http://schemas.microsoft.com/office/drawing/2014/main" xmlns="" id="{2C82AC85-33B6-2B49-8BF4-08414444375C}"/>
               </a:ext>
             </a:extLst>
           </p:cNvPr>
@@ -14206,7 +14206,7 @@
           <p:cNvPr id="20" name="Chart Placeholder 2" title="Chart">
             <a:extLst>
               <a:ext uri="{FF2B5EF4-FFF2-40B4-BE49-F238E27FC236}">
-                <a16:creationId xmlns="" xmlns:a16="http://schemas.microsoft.com/office/drawing/2014/main" id="{0EF0FD2A-B62A-4931-846D-2602DED26606}"/>
+                <a16:creationId xmlns:a16="http://schemas.microsoft.com/office/drawing/2014/main" xmlns="" id="{0EF0FD2A-B62A-4931-846D-2602DED26606}"/>
               </a:ext>
             </a:extLst>
           </p:cNvPr>
@@ -14308,7 +14308,7 @@
           <p:cNvPr id="15" name="Table Placeholder 11" title="Table">
             <a:extLst>
               <a:ext uri="{FF2B5EF4-FFF2-40B4-BE49-F238E27FC236}">
-                <a16:creationId xmlns="" xmlns:a16="http://schemas.microsoft.com/office/drawing/2014/main" id="{7CD3E31F-0AF8-4EB8-B6FA-BD95A2EDA63B}"/>
+                <a16:creationId xmlns:a16="http://schemas.microsoft.com/office/drawing/2014/main" xmlns="" id="{7CD3E31F-0AF8-4EB8-B6FA-BD95A2EDA63B}"/>
               </a:ext>
             </a:extLst>
           </p:cNvPr>
@@ -14358,7 +14358,7 @@
           <p:cNvPr id="16" name="TextBox 15">
             <a:extLst>
               <a:ext uri="{FF2B5EF4-FFF2-40B4-BE49-F238E27FC236}">
-                <a16:creationId xmlns="" xmlns:a16="http://schemas.microsoft.com/office/drawing/2014/main" id="{B84020D1-D35E-497E-97F1-84A6EA9D048E}"/>
+                <a16:creationId xmlns:a16="http://schemas.microsoft.com/office/drawing/2014/main" xmlns="" id="{B84020D1-D35E-497E-97F1-84A6EA9D048E}"/>
               </a:ext>
             </a:extLst>
           </p:cNvPr>
@@ -14398,7 +14398,7 @@
           <p:cNvPr id="26" name="Group 25">
             <a:extLst>
               <a:ext uri="{FF2B5EF4-FFF2-40B4-BE49-F238E27FC236}">
-                <a16:creationId xmlns="" xmlns:a16="http://schemas.microsoft.com/office/drawing/2014/main" id="{36C8A74F-FDDF-48E8-AC2B-A5BD59D7D6A3}"/>
+                <a16:creationId xmlns:a16="http://schemas.microsoft.com/office/drawing/2014/main" xmlns="" id="{36C8A74F-FDDF-48E8-AC2B-A5BD59D7D6A3}"/>
               </a:ext>
             </a:extLst>
           </p:cNvPr>
@@ -14418,7 +14418,7 @@
             <p:cNvPr id="27" name="Diagonal Stripe 26">
               <a:extLst>
                 <a:ext uri="{FF2B5EF4-FFF2-40B4-BE49-F238E27FC236}">
-                  <a16:creationId xmlns="" xmlns:a16="http://schemas.microsoft.com/office/drawing/2014/main" id="{2D5247F3-E6EB-4003-B1FD-F6200F0738E5}"/>
+                  <a16:creationId xmlns:a16="http://schemas.microsoft.com/office/drawing/2014/main" xmlns="" id="{2D5247F3-E6EB-4003-B1FD-F6200F0738E5}"/>
                 </a:ext>
               </a:extLst>
             </p:cNvPr>
@@ -14476,7 +14476,7 @@
             <p:cNvPr id="28" name="Straight Connector 27">
               <a:extLst>
                 <a:ext uri="{FF2B5EF4-FFF2-40B4-BE49-F238E27FC236}">
-                  <a16:creationId xmlns="" xmlns:a16="http://schemas.microsoft.com/office/drawing/2014/main" id="{E9B7D995-9FB8-4461-8AAA-FA8B9A145B6B}"/>
+                  <a16:creationId xmlns:a16="http://schemas.microsoft.com/office/drawing/2014/main" xmlns="" id="{E9B7D995-9FB8-4461-8AAA-FA8B9A145B6B}"/>
                 </a:ext>
               </a:extLst>
             </p:cNvPr>
@@ -14521,7 +14521,7 @@
             <p:cNvPr id="33" name="Parallelogram 32">
               <a:extLst>
                 <a:ext uri="{FF2B5EF4-FFF2-40B4-BE49-F238E27FC236}">
-                  <a16:creationId xmlns="" xmlns:a16="http://schemas.microsoft.com/office/drawing/2014/main" id="{849B962F-68BC-4B89-B4D8-D862517534DF}"/>
+                  <a16:creationId xmlns:a16="http://schemas.microsoft.com/office/drawing/2014/main" xmlns="" id="{849B962F-68BC-4B89-B4D8-D862517534DF}"/>
                 </a:ext>
               </a:extLst>
             </p:cNvPr>
@@ -14576,7 +14576,7 @@
           <p:cNvPr id="36" name="Parallelogram 35">
             <a:extLst>
               <a:ext uri="{FF2B5EF4-FFF2-40B4-BE49-F238E27FC236}">
-                <a16:creationId xmlns="" xmlns:a16="http://schemas.microsoft.com/office/drawing/2014/main" id="{8006416B-866C-47E5-8480-109B40F9EAA9}"/>
+                <a16:creationId xmlns:a16="http://schemas.microsoft.com/office/drawing/2014/main" xmlns="" id="{8006416B-866C-47E5-8480-109B40F9EAA9}"/>
               </a:ext>
             </a:extLst>
           </p:cNvPr>
@@ -14635,7 +14635,7 @@
           <p:cNvPr id="37" name="Text Placeholder 4" title="Subtitle">
             <a:extLst>
               <a:ext uri="{FF2B5EF4-FFF2-40B4-BE49-F238E27FC236}">
-                <a16:creationId xmlns="" xmlns:a16="http://schemas.microsoft.com/office/drawing/2014/main" id="{FE79FAE9-2A8C-46BA-8738-44CBCF7294A9}"/>
+                <a16:creationId xmlns:a16="http://schemas.microsoft.com/office/drawing/2014/main" xmlns="" id="{FE79FAE9-2A8C-46BA-8738-44CBCF7294A9}"/>
               </a:ext>
             </a:extLst>
           </p:cNvPr>
@@ -14685,7 +14685,7 @@
           <p:cNvPr id="2" name="Footer Placeholder 1">
             <a:extLst>
               <a:ext uri="{FF2B5EF4-FFF2-40B4-BE49-F238E27FC236}">
-                <a16:creationId xmlns="" xmlns:a16="http://schemas.microsoft.com/office/drawing/2014/main" id="{5750A33E-CEFE-4D43-9554-513B01B1D3D9}"/>
+                <a16:creationId xmlns:a16="http://schemas.microsoft.com/office/drawing/2014/main" xmlns="" id="{5750A33E-CEFE-4D43-9554-513B01B1D3D9}"/>
               </a:ext>
             </a:extLst>
           </p:cNvPr>
@@ -14713,7 +14713,7 @@
           <p:cNvPr id="3" name="Slide Number Placeholder 2">
             <a:extLst>
               <a:ext uri="{FF2B5EF4-FFF2-40B4-BE49-F238E27FC236}">
-                <a16:creationId xmlns="" xmlns:a16="http://schemas.microsoft.com/office/drawing/2014/main" id="{4A960C75-8FA7-5740-9388-2B5112B2C5B9}"/>
+                <a16:creationId xmlns:a16="http://schemas.microsoft.com/office/drawing/2014/main" xmlns="" id="{4A960C75-8FA7-5740-9388-2B5112B2C5B9}"/>
               </a:ext>
             </a:extLst>
           </p:cNvPr>
@@ -14742,7 +14742,7 @@
           <p:cNvPr id="17" name="Title 1" title="Title ">
             <a:extLst>
               <a:ext uri="{FF2B5EF4-FFF2-40B4-BE49-F238E27FC236}">
-                <a16:creationId xmlns="" xmlns:a16="http://schemas.microsoft.com/office/drawing/2014/main" id="{0F525D04-A814-7A4D-9732-11097EA76257}"/>
+                <a16:creationId xmlns:a16="http://schemas.microsoft.com/office/drawing/2014/main" xmlns="" id="{0F525D04-A814-7A4D-9732-11097EA76257}"/>
               </a:ext>
             </a:extLst>
           </p:cNvPr>
@@ -14839,7 +14839,7 @@
           <p:cNvPr id="4" name="Right Triangle 3">
             <a:extLst>
               <a:ext uri="{FF2B5EF4-FFF2-40B4-BE49-F238E27FC236}">
-                <a16:creationId xmlns="" xmlns:a16="http://schemas.microsoft.com/office/drawing/2014/main" id="{79ED029D-F488-47E5-B064-0E35B31D23A5}"/>
+                <a16:creationId xmlns:a16="http://schemas.microsoft.com/office/drawing/2014/main" xmlns="" id="{79ED029D-F488-47E5-B064-0E35B31D23A5}"/>
               </a:ext>
             </a:extLst>
           </p:cNvPr>
@@ -14891,7 +14891,7 @@
           <p:cNvPr id="5" name="Picture Placeholder 31" title="Image">
             <a:extLst>
               <a:ext uri="{FF2B5EF4-FFF2-40B4-BE49-F238E27FC236}">
-                <a16:creationId xmlns="" xmlns:a16="http://schemas.microsoft.com/office/drawing/2014/main" id="{D683190A-95C6-428D-AEE4-FC8350C3246D}"/>
+                <a16:creationId xmlns:a16="http://schemas.microsoft.com/office/drawing/2014/main" xmlns="" id="{D683190A-95C6-428D-AEE4-FC8350C3246D}"/>
               </a:ext>
             </a:extLst>
           </p:cNvPr>
@@ -14940,7 +14940,7 @@
           <p:cNvPr id="6" name="Straight Connector 5">
             <a:extLst>
               <a:ext uri="{FF2B5EF4-FFF2-40B4-BE49-F238E27FC236}">
-                <a16:creationId xmlns="" xmlns:a16="http://schemas.microsoft.com/office/drawing/2014/main" id="{F78F4957-6DDE-40CE-9D33-00B1434FA085}"/>
+                <a16:creationId xmlns:a16="http://schemas.microsoft.com/office/drawing/2014/main" xmlns="" id="{F78F4957-6DDE-40CE-9D33-00B1434FA085}"/>
               </a:ext>
             </a:extLst>
           </p:cNvPr>
@@ -14985,7 +14985,7 @@
           <p:cNvPr id="9" name="Title 1" title="Title ">
             <a:extLst>
               <a:ext uri="{FF2B5EF4-FFF2-40B4-BE49-F238E27FC236}">
-                <a16:creationId xmlns="" xmlns:a16="http://schemas.microsoft.com/office/drawing/2014/main" id="{D9A8085F-72C4-4DFB-813E-C5666B0CCF3A}"/>
+                <a16:creationId xmlns:a16="http://schemas.microsoft.com/office/drawing/2014/main" xmlns="" id="{D9A8085F-72C4-4DFB-813E-C5666B0CCF3A}"/>
               </a:ext>
             </a:extLst>
           </p:cNvPr>
@@ -15082,7 +15082,7 @@
           <p:cNvPr id="2" name="Title 1" title="Title">
             <a:extLst>
               <a:ext uri="{FF2B5EF4-FFF2-40B4-BE49-F238E27FC236}">
-                <a16:creationId xmlns="" xmlns:a16="http://schemas.microsoft.com/office/drawing/2014/main" id="{A648E0EA-49ED-4F2D-A107-8FCE6301FC88}"/>
+                <a16:creationId xmlns:a16="http://schemas.microsoft.com/office/drawing/2014/main" xmlns="" id="{A648E0EA-49ED-4F2D-A107-8FCE6301FC88}"/>
               </a:ext>
             </a:extLst>
           </p:cNvPr>
@@ -15128,7 +15128,7 @@
           <p:cNvPr id="9" name="Text Placeholder 3">
             <a:extLst>
               <a:ext uri="{FF2B5EF4-FFF2-40B4-BE49-F238E27FC236}">
-                <a16:creationId xmlns="" xmlns:a16="http://schemas.microsoft.com/office/drawing/2014/main" id="{A488AB73-8058-4FB5-9619-FCECCA9F3941}"/>
+                <a16:creationId xmlns:a16="http://schemas.microsoft.com/office/drawing/2014/main" xmlns="" id="{A488AB73-8058-4FB5-9619-FCECCA9F3941}"/>
               </a:ext>
             </a:extLst>
           </p:cNvPr>
@@ -15172,7 +15172,7 @@
           <p:cNvPr id="10" name="Text Placeholder 4">
             <a:extLst>
               <a:ext uri="{FF2B5EF4-FFF2-40B4-BE49-F238E27FC236}">
-                <a16:creationId xmlns="" xmlns:a16="http://schemas.microsoft.com/office/drawing/2014/main" id="{359BE165-3EB5-4C11-8B53-6E98C0BC2E65}"/>
+                <a16:creationId xmlns:a16="http://schemas.microsoft.com/office/drawing/2014/main" xmlns="" id="{359BE165-3EB5-4C11-8B53-6E98C0BC2E65}"/>
               </a:ext>
             </a:extLst>
           </p:cNvPr>
@@ -15216,7 +15216,7 @@
           <p:cNvPr id="11" name="Text Placeholder 5">
             <a:extLst>
               <a:ext uri="{FF2B5EF4-FFF2-40B4-BE49-F238E27FC236}">
-                <a16:creationId xmlns="" xmlns:a16="http://schemas.microsoft.com/office/drawing/2014/main" id="{79D05293-35AD-495F-A7AE-942398090B15}"/>
+                <a16:creationId xmlns:a16="http://schemas.microsoft.com/office/drawing/2014/main" xmlns="" id="{79D05293-35AD-495F-A7AE-942398090B15}"/>
               </a:ext>
             </a:extLst>
           </p:cNvPr>
@@ -15260,7 +15260,7 @@
           <p:cNvPr id="13" name="Text Placeholder 21">
             <a:extLst>
               <a:ext uri="{FF2B5EF4-FFF2-40B4-BE49-F238E27FC236}">
-                <a16:creationId xmlns="" xmlns:a16="http://schemas.microsoft.com/office/drawing/2014/main" id="{997A03F2-8D8A-4425-9F56-66DB33CE11A1}"/>
+                <a16:creationId xmlns:a16="http://schemas.microsoft.com/office/drawing/2014/main" xmlns="" id="{997A03F2-8D8A-4425-9F56-66DB33CE11A1}"/>
               </a:ext>
             </a:extLst>
           </p:cNvPr>
@@ -15304,7 +15304,7 @@
           <p:cNvPr id="14" name="Shape 4157">
             <a:extLst>
               <a:ext uri="{FF2B5EF4-FFF2-40B4-BE49-F238E27FC236}">
-                <a16:creationId xmlns="" xmlns:a16="http://schemas.microsoft.com/office/drawing/2014/main" id="{A30A8F28-98F4-425F-A750-78192A157DF4}"/>
+                <a16:creationId xmlns:a16="http://schemas.microsoft.com/office/drawing/2014/main" xmlns="" id="{A30A8F28-98F4-425F-A750-78192A157DF4}"/>
               </a:ext>
             </a:extLst>
           </p:cNvPr>
@@ -15570,7 +15570,7 @@
           <p:cNvPr id="15" name="Shape 4186">
             <a:extLst>
               <a:ext uri="{FF2B5EF4-FFF2-40B4-BE49-F238E27FC236}">
-                <a16:creationId xmlns="" xmlns:a16="http://schemas.microsoft.com/office/drawing/2014/main" id="{2F84D399-8148-4E86-A1E4-BE7D1D81383A}"/>
+                <a16:creationId xmlns:a16="http://schemas.microsoft.com/office/drawing/2014/main" xmlns="" id="{2F84D399-8148-4E86-A1E4-BE7D1D81383A}"/>
               </a:ext>
             </a:extLst>
           </p:cNvPr>
@@ -15808,7 +15808,7 @@
           <p:cNvPr id="19" name="Shape 4379">
             <a:extLst>
               <a:ext uri="{FF2B5EF4-FFF2-40B4-BE49-F238E27FC236}">
-                <a16:creationId xmlns="" xmlns:a16="http://schemas.microsoft.com/office/drawing/2014/main" id="{E4408FF8-E342-42F8-BBE9-1220822B5E99}"/>
+                <a16:creationId xmlns:a16="http://schemas.microsoft.com/office/drawing/2014/main" xmlns="" id="{E4408FF8-E342-42F8-BBE9-1220822B5E99}"/>
               </a:ext>
             </a:extLst>
           </p:cNvPr>
@@ -16037,7 +16037,7 @@
           <p:cNvPr id="20" name="Shape 4487">
             <a:extLst>
               <a:ext uri="{FF2B5EF4-FFF2-40B4-BE49-F238E27FC236}">
-                <a16:creationId xmlns="" xmlns:a16="http://schemas.microsoft.com/office/drawing/2014/main" id="{11D27456-C005-4109-9E74-0B692200A0B3}"/>
+                <a16:creationId xmlns:a16="http://schemas.microsoft.com/office/drawing/2014/main" xmlns="" id="{11D27456-C005-4109-9E74-0B692200A0B3}"/>
               </a:ext>
             </a:extLst>
           </p:cNvPr>
@@ -16634,7 +16634,7 @@
           <p:cNvPr id="21" name="Right Triangle 20">
             <a:extLst>
               <a:ext uri="{FF2B5EF4-FFF2-40B4-BE49-F238E27FC236}">
-                <a16:creationId xmlns="" xmlns:a16="http://schemas.microsoft.com/office/drawing/2014/main" id="{FDDD2B84-3CB9-4567-8C91-C538E8A1C89F}"/>
+                <a16:creationId xmlns:a16="http://schemas.microsoft.com/office/drawing/2014/main" xmlns="" id="{FDDD2B84-3CB9-4567-8C91-C538E8A1C89F}"/>
               </a:ext>
             </a:extLst>
           </p:cNvPr>
@@ -16686,7 +16686,7 @@
           <p:cNvPr id="22" name="Straight Connector 21">
             <a:extLst>
               <a:ext uri="{FF2B5EF4-FFF2-40B4-BE49-F238E27FC236}">
-                <a16:creationId xmlns="" xmlns:a16="http://schemas.microsoft.com/office/drawing/2014/main" id="{34EF3020-1476-41B1-9FE7-B476A25C53D3}"/>
+                <a16:creationId xmlns:a16="http://schemas.microsoft.com/office/drawing/2014/main" xmlns="" id="{34EF3020-1476-41B1-9FE7-B476A25C53D3}"/>
               </a:ext>
             </a:extLst>
           </p:cNvPr>
@@ -16731,7 +16731,7 @@
           <p:cNvPr id="23" name="Straight Connector 22">
             <a:extLst>
               <a:ext uri="{FF2B5EF4-FFF2-40B4-BE49-F238E27FC236}">
-                <a16:creationId xmlns="" xmlns:a16="http://schemas.microsoft.com/office/drawing/2014/main" id="{B1B64EC3-B232-415D-8E27-EB3E24D13922}"/>
+                <a16:creationId xmlns:a16="http://schemas.microsoft.com/office/drawing/2014/main" xmlns="" id="{B1B64EC3-B232-415D-8E27-EB3E24D13922}"/>
               </a:ext>
             </a:extLst>
           </p:cNvPr>
@@ -16774,7 +16774,7 @@
           <p:cNvPr id="24" name="Straight Connector 23">
             <a:extLst>
               <a:ext uri="{FF2B5EF4-FFF2-40B4-BE49-F238E27FC236}">
-                <a16:creationId xmlns="" xmlns:a16="http://schemas.microsoft.com/office/drawing/2014/main" id="{2261CE2F-F199-4242-AC6C-692676B81FF1}"/>
+                <a16:creationId xmlns:a16="http://schemas.microsoft.com/office/drawing/2014/main" xmlns="" id="{2261CE2F-F199-4242-AC6C-692676B81FF1}"/>
               </a:ext>
             </a:extLst>
           </p:cNvPr>
@@ -16817,7 +16817,7 @@
           <p:cNvPr id="27" name="Picture Placeholder 24">
             <a:extLst>
               <a:ext uri="{FF2B5EF4-FFF2-40B4-BE49-F238E27FC236}">
-                <a16:creationId xmlns="" xmlns:a16="http://schemas.microsoft.com/office/drawing/2014/main" id="{89C0506D-0CA6-4583-9D04-24E7F4D16AD8}"/>
+                <a16:creationId xmlns:a16="http://schemas.microsoft.com/office/drawing/2014/main" xmlns="" id="{89C0506D-0CA6-4583-9D04-24E7F4D16AD8}"/>
               </a:ext>
             </a:extLst>
           </p:cNvPr>
@@ -17000,7 +17000,7 @@
           <p:cNvPr id="5" name="Footer Placeholder 4">
             <a:extLst>
               <a:ext uri="{FF2B5EF4-FFF2-40B4-BE49-F238E27FC236}">
-                <a16:creationId xmlns="" xmlns:a16="http://schemas.microsoft.com/office/drawing/2014/main" id="{BDB16155-303B-403D-8B49-D4CEE47D6863}"/>
+                <a16:creationId xmlns:a16="http://schemas.microsoft.com/office/drawing/2014/main" xmlns="" id="{BDB16155-303B-403D-8B49-D4CEE47D6863}"/>
               </a:ext>
             </a:extLst>
           </p:cNvPr>
@@ -17044,7 +17044,7 @@
           <p:cNvPr id="6" name="Slide Number Placeholder 5">
             <a:extLst>
               <a:ext uri="{FF2B5EF4-FFF2-40B4-BE49-F238E27FC236}">
-                <a16:creationId xmlns="" xmlns:a16="http://schemas.microsoft.com/office/drawing/2014/main" id="{6B915EF5-4ABE-4759-AC09-679CD6083A55}"/>
+                <a16:creationId xmlns:a16="http://schemas.microsoft.com/office/drawing/2014/main" xmlns="" id="{6B915EF5-4ABE-4759-AC09-679CD6083A55}"/>
               </a:ext>
             </a:extLst>
           </p:cNvPr>
@@ -17090,7 +17090,7 @@
           <p:cNvPr id="9" name="Title Placeholder 8">
             <a:extLst>
               <a:ext uri="{FF2B5EF4-FFF2-40B4-BE49-F238E27FC236}">
-                <a16:creationId xmlns="" xmlns:a16="http://schemas.microsoft.com/office/drawing/2014/main" id="{AA2D2B61-D240-024D-AD60-4162EF1528B9}"/>
+                <a16:creationId xmlns:a16="http://schemas.microsoft.com/office/drawing/2014/main" xmlns="" id="{AA2D2B61-D240-024D-AD60-4162EF1528B9}"/>
               </a:ext>
             </a:extLst>
           </p:cNvPr>
@@ -17474,7 +17474,7 @@
           <p:cNvPr id="2" name="Title 1">
             <a:extLst>
               <a:ext uri="{FF2B5EF4-FFF2-40B4-BE49-F238E27FC236}">
-                <a16:creationId xmlns="" xmlns:a16="http://schemas.microsoft.com/office/drawing/2014/main" id="{3D638ACE-163E-40EB-A458-E794C67EA2A6}"/>
+                <a16:creationId xmlns:a16="http://schemas.microsoft.com/office/drawing/2014/main" xmlns="" id="{3D638ACE-163E-40EB-A458-E794C67EA2A6}"/>
               </a:ext>
             </a:extLst>
           </p:cNvPr>
@@ -17545,7 +17545,7 @@
           <p:cNvPr id="3" name="Subtitle 2">
             <a:extLst>
               <a:ext uri="{FF2B5EF4-FFF2-40B4-BE49-F238E27FC236}">
-                <a16:creationId xmlns="" xmlns:a16="http://schemas.microsoft.com/office/drawing/2014/main" id="{5C9205DF-8F5E-49F7-B00E-6F58293F5130}"/>
+                <a16:creationId xmlns:a16="http://schemas.microsoft.com/office/drawing/2014/main" xmlns="" id="{5C9205DF-8F5E-49F7-B00E-6F58293F5130}"/>
               </a:ext>
             </a:extLst>
           </p:cNvPr>
@@ -17612,6 +17612,13 @@
   <p:clrMapOvr>
     <a:masterClrMapping/>
   </p:clrMapOvr>
+  <p:timing>
+    <p:tnLst>
+      <p:par>
+        <p:cTn id="1" dur="indefinite" restart="never" nodeType="tmRoot"/>
+      </p:par>
+    </p:tnLst>
+  </p:timing>
 </p:sld>
 </file>
 
@@ -17637,7 +17644,7 @@
           <p:cNvPr id="4" name="Title 3">
             <a:extLst>
               <a:ext uri="{FF2B5EF4-FFF2-40B4-BE49-F238E27FC236}">
-                <a16:creationId xmlns="" xmlns:a16="http://schemas.microsoft.com/office/drawing/2014/main" id="{291CA16A-993E-43BA-BDDC-9E427CF951B2}"/>
+                <a16:creationId xmlns:a16="http://schemas.microsoft.com/office/drawing/2014/main" xmlns="" id="{291CA16A-993E-43BA-BDDC-9E427CF951B2}"/>
               </a:ext>
             </a:extLst>
           </p:cNvPr>
@@ -19052,7 +19059,6 @@
               <a:rPr lang="en-GB" dirty="0" smtClean="0"/>
               <a:t>.</a:t>
             </a:r>
-            <a:endParaRPr lang="en-GB" dirty="0" smtClean="0"/>
           </a:p>
           <a:p>
             <a:endParaRPr lang="en-GB" dirty="0"/>
@@ -20372,7 +20378,149 @@
             </a:r>
             <a:r>
               <a:rPr lang="en-GB" sz="1400" dirty="0" smtClean="0"/>
-              <a:t> Bitmap Scan</a:t>
+              <a:t> Bitmap Scan.</a:t>
+            </a:r>
+          </a:p>
+          <a:p>
+            <a:r>
+              <a:rPr lang="en-GB" sz="1400" dirty="0" err="1" smtClean="0"/>
+              <a:t>Sekvencijalno</a:t>
+            </a:r>
+            <a:r>
+              <a:rPr lang="en-GB" sz="1400" dirty="0" smtClean="0"/>
+              <a:t> </a:t>
+            </a:r>
+            <a:r>
+              <a:rPr lang="en-GB" sz="1400" dirty="0" err="1" smtClean="0"/>
+              <a:t>skeniranje:Prolazi</a:t>
+            </a:r>
+            <a:r>
+              <a:rPr lang="en-GB" sz="1400" dirty="0" smtClean="0"/>
+              <a:t> </a:t>
+            </a:r>
+            <a:r>
+              <a:rPr lang="en-GB" sz="1400" dirty="0" err="1"/>
+              <a:t>kroz</a:t>
+            </a:r>
+            <a:r>
+              <a:rPr lang="en-GB" sz="1400" dirty="0"/>
+              <a:t> </a:t>
+            </a:r>
+            <a:r>
+              <a:rPr lang="en-GB" sz="1400" dirty="0" err="1"/>
+              <a:t>svaki</a:t>
+            </a:r>
+            <a:r>
+              <a:rPr lang="en-GB" sz="1400" dirty="0"/>
+              <a:t> </a:t>
+            </a:r>
+            <a:r>
+              <a:rPr lang="en-GB" sz="1400" dirty="0" err="1"/>
+              <a:t>deo</a:t>
+            </a:r>
+            <a:r>
+              <a:rPr lang="en-GB" sz="1400" dirty="0"/>
+              <a:t> </a:t>
+            </a:r>
+            <a:r>
+              <a:rPr lang="en-GB" sz="1400" dirty="0" err="1"/>
+              <a:t>glavne</a:t>
+            </a:r>
+            <a:r>
+              <a:rPr lang="en-GB" sz="1400" dirty="0"/>
+              <a:t> </a:t>
+            </a:r>
+            <a:r>
+              <a:rPr lang="en-GB" sz="1400" dirty="0" err="1"/>
+              <a:t>tabele</a:t>
+            </a:r>
+            <a:r>
+              <a:rPr lang="en-GB" sz="1400" dirty="0"/>
+              <a:t> </a:t>
+            </a:r>
+            <a:r>
+              <a:rPr lang="en-GB" sz="1400" dirty="0" err="1"/>
+              <a:t>ili</a:t>
+            </a:r>
+            <a:r>
+              <a:rPr lang="en-GB" sz="1400" dirty="0"/>
+              <a:t> </a:t>
+            </a:r>
+            <a:r>
+              <a:rPr lang="en-GB" sz="1400" dirty="0" err="1"/>
+              <a:t>datoteke</a:t>
+            </a:r>
+            <a:r>
+              <a:rPr lang="en-GB" sz="1400" dirty="0"/>
+              <a:t> </a:t>
+            </a:r>
+            <a:r>
+              <a:rPr lang="en-GB" sz="1400" dirty="0" err="1"/>
+              <a:t>bez</a:t>
+            </a:r>
+            <a:r>
+              <a:rPr lang="en-GB" sz="1400" dirty="0"/>
+              <a:t> </a:t>
+            </a:r>
+            <a:r>
+              <a:rPr lang="en-GB" sz="1400" dirty="0" err="1"/>
+              <a:t>preskakanja</a:t>
+            </a:r>
+            <a:r>
+              <a:rPr lang="en-GB" sz="1400" dirty="0"/>
+              <a:t>, </a:t>
+            </a:r>
+            <a:r>
+              <a:rPr lang="en-GB" sz="1400" dirty="0" err="1"/>
+              <a:t>proveravajući</a:t>
+            </a:r>
+            <a:r>
+              <a:rPr lang="en-GB" sz="1400" dirty="0"/>
+              <a:t> </a:t>
+            </a:r>
+            <a:r>
+              <a:rPr lang="en-GB" sz="1400" dirty="0" err="1"/>
+              <a:t>pažljivo</a:t>
+            </a:r>
+            <a:r>
+              <a:rPr lang="en-GB" sz="1400" dirty="0"/>
+              <a:t> </a:t>
+            </a:r>
+            <a:r>
+              <a:rPr lang="en-GB" sz="1400" dirty="0" err="1"/>
+              <a:t>svaku</a:t>
+            </a:r>
+            <a:r>
+              <a:rPr lang="en-GB" sz="1400" dirty="0"/>
+              <a:t> </a:t>
+            </a:r>
+            <a:r>
+              <a:rPr lang="en-GB" sz="1400" dirty="0" err="1"/>
+              <a:t>vrstu</a:t>
+            </a:r>
+            <a:r>
+              <a:rPr lang="en-GB" sz="1400" dirty="0"/>
+              <a:t> </a:t>
+            </a:r>
+            <a:r>
+              <a:rPr lang="en-GB" sz="1400" dirty="0" err="1"/>
+              <a:t>na</a:t>
+            </a:r>
+            <a:r>
+              <a:rPr lang="en-GB" sz="1400" dirty="0"/>
+              <a:t> </a:t>
+            </a:r>
+            <a:r>
+              <a:rPr lang="en-GB" sz="1400" dirty="0" err="1"/>
+              <a:t>svakoj</a:t>
+            </a:r>
+            <a:r>
+              <a:rPr lang="en-GB" sz="1400" dirty="0"/>
+              <a:t> </a:t>
+            </a:r>
+            <a:r>
+              <a:rPr lang="en-GB" sz="1400" dirty="0" err="1" smtClean="0"/>
+              <a:t>stranici</a:t>
             </a:r>
             <a:r>
               <a:rPr lang="en-GB" sz="1400" dirty="0" smtClean="0"/>
@@ -20382,7 +20530,7 @@
           <a:p>
             <a:r>
               <a:rPr lang="en-GB" sz="1400" dirty="0" err="1" smtClean="0"/>
-              <a:t>Sekvencijalno</a:t>
+              <a:t>Indeksno</a:t>
             </a:r>
             <a:r>
               <a:rPr lang="en-GB" sz="1400" dirty="0" smtClean="0"/>
@@ -20390,23 +20538,43 @@
             </a:r>
             <a:r>
               <a:rPr lang="en-GB" sz="1400" dirty="0" err="1" smtClean="0"/>
-              <a:t>skeniranje:Prolazi</a:t>
+              <a:t>skeniranje</a:t>
             </a:r>
             <a:r>
               <a:rPr lang="en-GB" sz="1400" dirty="0" smtClean="0"/>
-              <a:t> </a:t>
+              <a:t> se </a:t>
+            </a:r>
+            <a:r>
+              <a:rPr lang="en-GB" sz="1400" dirty="0" err="1" smtClean="0"/>
+              <a:t>vrši</a:t>
+            </a:r>
+            <a:r>
+              <a:rPr lang="en-GB" sz="1400" dirty="0" smtClean="0"/>
+              <a:t> u </a:t>
+            </a:r>
+            <a:r>
+              <a:rPr lang="en-GB" sz="1400" dirty="0" err="1" smtClean="0"/>
+              <a:t>dva</a:t>
+            </a:r>
+            <a:r>
+              <a:rPr lang="en-GB" sz="1400" dirty="0" smtClean="0"/>
+              <a:t> </a:t>
+            </a:r>
+            <a:r>
+              <a:rPr lang="en-GB" sz="1400" dirty="0" err="1" smtClean="0"/>
+              <a:t>koraka:</a:t>
             </a:r>
             <a:r>
               <a:rPr lang="en-GB" sz="1400" dirty="0" err="1"/>
-              <a:t>kroz</a:t>
+              <a:t>prvo</a:t>
             </a:r>
             <a:r>
               <a:rPr lang="en-GB" sz="1400" dirty="0"/>
-              <a:t> </a:t>
+              <a:t> se </a:t>
             </a:r>
             <a:r>
               <a:rPr lang="en-GB" sz="1400" dirty="0" err="1"/>
-              <a:t>svaki</a:t>
+              <a:t>dobija</a:t>
             </a:r>
             <a:r>
               <a:rPr lang="en-GB" sz="1400" dirty="0"/>
@@ -20414,7 +20582,7 @@
             </a:r>
             <a:r>
               <a:rPr lang="en-GB" sz="1400" dirty="0" err="1"/>
-              <a:t>deo</a:t>
+              <a:t>lokacija</a:t>
             </a:r>
             <a:r>
               <a:rPr lang="en-GB" sz="1400" dirty="0"/>
@@ -20422,7 +20590,7 @@
             </a:r>
             <a:r>
               <a:rPr lang="en-GB" sz="1400" dirty="0" err="1"/>
-              <a:t>glavne</a:t>
+              <a:t>vrste</a:t>
             </a:r>
             <a:r>
               <a:rPr lang="en-GB" sz="1400" dirty="0"/>
@@ -20430,11 +20598,59 @@
             </a:r>
             <a:r>
               <a:rPr lang="en-GB" sz="1400" dirty="0" err="1"/>
-              <a:t>tabele</a:t>
+              <a:t>iz</a:t>
             </a:r>
             <a:r>
               <a:rPr lang="en-GB" sz="1400" dirty="0"/>
               <a:t> </a:t>
+            </a:r>
+            <a:r>
+              <a:rPr lang="en-GB" sz="1400" dirty="0" err="1"/>
+              <a:t>indeksa</a:t>
+            </a:r>
+            <a:r>
+              <a:rPr lang="en-GB" sz="1400" dirty="0"/>
+              <a:t>, a </a:t>
+            </a:r>
+            <a:r>
+              <a:rPr lang="en-GB" sz="1400" dirty="0" err="1"/>
+              <a:t>zatim</a:t>
+            </a:r>
+            <a:r>
+              <a:rPr lang="en-GB" sz="1400" dirty="0"/>
+              <a:t> se </a:t>
+            </a:r>
+            <a:r>
+              <a:rPr lang="en-GB" sz="1400" dirty="0" err="1"/>
+              <a:t>prikupljaju</a:t>
+            </a:r>
+            <a:r>
+              <a:rPr lang="en-GB" sz="1400" dirty="0"/>
+              <a:t> </a:t>
+            </a:r>
+            <a:r>
+              <a:rPr lang="en-GB" sz="1400" dirty="0" err="1"/>
+              <a:t>stvarni</a:t>
+            </a:r>
+            <a:r>
+              <a:rPr lang="en-GB" sz="1400" dirty="0"/>
+              <a:t> </a:t>
+            </a:r>
+            <a:r>
+              <a:rPr lang="en-GB" sz="1400" dirty="0" err="1"/>
+              <a:t>podaci</a:t>
+            </a:r>
+            <a:r>
+              <a:rPr lang="en-GB" sz="1400" dirty="0"/>
+              <a:t> </a:t>
+            </a:r>
+            <a:r>
+              <a:rPr lang="en-GB" sz="1400" dirty="0" err="1"/>
+              <a:t>iz</a:t>
+            </a:r>
+            <a:r>
+              <a:rPr lang="en-GB" sz="1400" dirty="0"/>
+              <a:t> heap-a </a:t>
             </a:r>
             <a:r>
               <a:rPr lang="en-GB" sz="1400" dirty="0" err="1"/>
@@ -20446,79 +20662,15 @@
             </a:r>
             <a:r>
               <a:rPr lang="en-GB" sz="1400" dirty="0" err="1"/>
-              <a:t>datoteke</a:t>
+              <a:t>stranica</a:t>
             </a:r>
             <a:r>
               <a:rPr lang="en-GB" sz="1400" dirty="0"/>
               <a:t> </a:t>
             </a:r>
             <a:r>
-              <a:rPr lang="en-GB" sz="1400" dirty="0" err="1"/>
-              <a:t>bez</a:t>
-            </a:r>
-            <a:r>
-              <a:rPr lang="en-GB" sz="1400" dirty="0"/>
-              <a:t> </a:t>
-            </a:r>
-            <a:r>
-              <a:rPr lang="en-GB" sz="1400" dirty="0" err="1"/>
-              <a:t>preskakanja</a:t>
-            </a:r>
-            <a:r>
-              <a:rPr lang="en-GB" sz="1400" dirty="0"/>
-              <a:t>, </a:t>
-            </a:r>
-            <a:r>
-              <a:rPr lang="en-GB" sz="1400" dirty="0" err="1"/>
-              <a:t>proveravajući</a:t>
-            </a:r>
-            <a:r>
-              <a:rPr lang="en-GB" sz="1400" dirty="0"/>
-              <a:t> </a:t>
-            </a:r>
-            <a:r>
-              <a:rPr lang="en-GB" sz="1400" dirty="0" err="1"/>
-              <a:t>pažljivo</a:t>
-            </a:r>
-            <a:r>
-              <a:rPr lang="en-GB" sz="1400" dirty="0"/>
-              <a:t> </a:t>
-            </a:r>
-            <a:r>
-              <a:rPr lang="en-GB" sz="1400" dirty="0" err="1"/>
-              <a:t>svaku</a:t>
-            </a:r>
-            <a:r>
-              <a:rPr lang="en-GB" sz="1400" dirty="0"/>
-              <a:t> </a:t>
-            </a:r>
-            <a:r>
-              <a:rPr lang="en-GB" sz="1400" dirty="0" err="1"/>
-              <a:t>vrstu</a:t>
-            </a:r>
-            <a:r>
-              <a:rPr lang="en-GB" sz="1400" dirty="0"/>
-              <a:t> </a:t>
-            </a:r>
-            <a:r>
-              <a:rPr lang="en-GB" sz="1400" dirty="0" err="1"/>
-              <a:t>na</a:t>
-            </a:r>
-            <a:r>
-              <a:rPr lang="en-GB" sz="1400" dirty="0"/>
-              <a:t> </a:t>
-            </a:r>
-            <a:r>
-              <a:rPr lang="en-GB" sz="1400" dirty="0" err="1"/>
-              <a:t>svakoj</a:t>
-            </a:r>
-            <a:r>
-              <a:rPr lang="en-GB" sz="1400" dirty="0"/>
-              <a:t> </a:t>
-            </a:r>
-            <a:r>
               <a:rPr lang="en-GB" sz="1400" dirty="0" err="1" smtClean="0"/>
-              <a:t>stranici</a:t>
+              <a:t>tabele</a:t>
             </a:r>
             <a:r>
               <a:rPr lang="en-GB" sz="1400" dirty="0" smtClean="0"/>
@@ -20527,8 +20679,12 @@
           </a:p>
           <a:p>
             <a:r>
+              <a:rPr lang="en-GB" sz="1400" dirty="0" smtClean="0"/>
+              <a:t>Bitmap </a:t>
+            </a:r>
+            <a:r>
               <a:rPr lang="en-GB" sz="1400" dirty="0" err="1" smtClean="0"/>
-              <a:t>Indeksno</a:t>
+              <a:t>indeksno</a:t>
             </a:r>
             <a:r>
               <a:rPr lang="en-GB" sz="1400" dirty="0" smtClean="0"/>
@@ -20536,15 +20692,7 @@
             </a:r>
             <a:r>
               <a:rPr lang="en-GB" sz="1400" dirty="0" err="1" smtClean="0"/>
-              <a:t>skeniranje</a:t>
-            </a:r>
-            <a:r>
-              <a:rPr lang="en-GB" sz="1400" dirty="0" smtClean="0"/>
-              <a:t> se </a:t>
-            </a:r>
-            <a:r>
-              <a:rPr lang="en-GB" sz="1400" dirty="0" err="1" smtClean="0"/>
-              <a:t>vrši</a:t>
+              <a:t>skeniranje:Uvek</a:t>
             </a:r>
             <a:r>
               <a:rPr lang="en-GB" sz="1400" dirty="0" smtClean="0"/>
@@ -20552,7 +20700,7 @@
             </a:r>
             <a:r>
               <a:rPr lang="en-GB" sz="1400" dirty="0" err="1" smtClean="0"/>
-              <a:t>dva</a:t>
+              <a:t>paru</a:t>
             </a:r>
             <a:r>
               <a:rPr lang="en-GB" sz="1400" dirty="0" smtClean="0"/>
@@ -20560,7 +20708,23 @@
             </a:r>
             <a:r>
               <a:rPr lang="en-GB" sz="1400" dirty="0" err="1" smtClean="0"/>
-              <a:t>koraka:</a:t>
+              <a:t>sa</a:t>
+            </a:r>
+            <a:r>
+              <a:rPr lang="en-GB" sz="1400" dirty="0" smtClean="0"/>
+              <a:t> Bitmap Heap </a:t>
+            </a:r>
+            <a:r>
+              <a:rPr lang="en-GB" sz="1400" dirty="0" err="1" smtClean="0"/>
+              <a:t>skeniranjem</a:t>
+            </a:r>
+            <a:r>
+              <a:rPr lang="en-GB" sz="1400" dirty="0" smtClean="0"/>
+              <a:t>;</a:t>
+            </a:r>
+            <a:r>
+              <a:rPr lang="en-GB" sz="1400" dirty="0"/>
+              <a:t> </a:t>
             </a:r>
             <a:r>
               <a:rPr lang="en-GB" sz="1400" dirty="0" err="1"/>
@@ -20568,11 +20732,11 @@
             </a:r>
             <a:r>
               <a:rPr lang="en-GB" sz="1400" dirty="0"/>
-              <a:t> se </a:t>
+              <a:t> </a:t>
             </a:r>
             <a:r>
               <a:rPr lang="en-GB" sz="1400" dirty="0" err="1"/>
-              <a:t>dobija</a:t>
+              <a:t>skeniranje</a:t>
             </a:r>
             <a:r>
               <a:rPr lang="en-GB" sz="1400" dirty="0"/>
@@ -20580,7 +20744,7 @@
             </a:r>
             <a:r>
               <a:rPr lang="en-GB" sz="1400" dirty="0" err="1"/>
-              <a:t>lokacija</a:t>
+              <a:t>pretražuje</a:t>
             </a:r>
             <a:r>
               <a:rPr lang="en-GB" sz="1400" dirty="0"/>
@@ -20588,7 +20752,7 @@
             </a:r>
             <a:r>
               <a:rPr lang="en-GB" sz="1400" dirty="0" err="1"/>
-              <a:t>vrste</a:t>
+              <a:t>indeks</a:t>
             </a:r>
             <a:r>
               <a:rPr lang="en-GB" sz="1400" dirty="0"/>
@@ -20596,15 +20760,71 @@
             </a:r>
             <a:r>
               <a:rPr lang="en-GB" sz="1400" dirty="0" err="1"/>
-              <a:t>iz</a:t>
+              <a:t>kako</a:t>
             </a:r>
             <a:r>
               <a:rPr lang="en-GB" sz="1400" dirty="0"/>
-              <a:t> </a:t>
+              <a:t> bi </a:t>
             </a:r>
             <a:r>
               <a:rPr lang="en-GB" sz="1400" dirty="0" err="1"/>
-              <a:t>indeksa</a:t>
+              <a:t>pronašao</a:t>
+            </a:r>
+            <a:r>
+              <a:rPr lang="en-GB" sz="1400" dirty="0"/>
+              <a:t> </a:t>
+            </a:r>
+            <a:r>
+              <a:rPr lang="en-GB" sz="1400" dirty="0" err="1"/>
+              <a:t>sve</a:t>
+            </a:r>
+            <a:r>
+              <a:rPr lang="en-GB" sz="1400" dirty="0"/>
+              <a:t> </a:t>
+            </a:r>
+            <a:r>
+              <a:rPr lang="en-GB" sz="1400" dirty="0" err="1"/>
+              <a:t>odgovarajuće</a:t>
+            </a:r>
+            <a:r>
+              <a:rPr lang="en-GB" sz="1400" dirty="0"/>
+              <a:t> </a:t>
+            </a:r>
+            <a:r>
+              <a:rPr lang="en-GB" sz="1400" dirty="0" err="1"/>
+              <a:t>lokacije</a:t>
+            </a:r>
+            <a:r>
+              <a:rPr lang="en-GB" sz="1400" dirty="0"/>
+              <a:t> </a:t>
+            </a:r>
+            <a:r>
+              <a:rPr lang="en-GB" sz="1400" dirty="0" err="1"/>
+              <a:t>vrsti</a:t>
+            </a:r>
+            <a:r>
+              <a:rPr lang="en-GB" sz="1400" dirty="0"/>
+              <a:t> </a:t>
+            </a:r>
+            <a:r>
+              <a:rPr lang="en-GB" sz="1400" dirty="0" err="1"/>
+              <a:t>i</a:t>
+            </a:r>
+            <a:r>
+              <a:rPr lang="en-GB" sz="1400" dirty="0"/>
+              <a:t> </a:t>
+            </a:r>
+            <a:r>
+              <a:rPr lang="en-GB" sz="1400" dirty="0" err="1"/>
+              <a:t>formirao</a:t>
+            </a:r>
+            <a:r>
+              <a:rPr lang="en-GB" sz="1400" dirty="0"/>
+              <a:t> bit-</a:t>
+            </a:r>
+            <a:r>
+              <a:rPr lang="en-GB" sz="1400" dirty="0" err="1"/>
+              <a:t>mapu</a:t>
             </a:r>
             <a:r>
               <a:rPr lang="en-GB" sz="1400" dirty="0"/>
@@ -20616,11 +20836,11 @@
             </a:r>
             <a:r>
               <a:rPr lang="en-GB" sz="1400" dirty="0"/>
-              <a:t> se </a:t>
+              <a:t> </a:t>
             </a:r>
             <a:r>
               <a:rPr lang="en-GB" sz="1400" dirty="0" err="1"/>
-              <a:t>prikupljaju</a:t>
+              <a:t>drugo</a:t>
             </a:r>
             <a:r>
               <a:rPr lang="en-GB" sz="1400" dirty="0"/>
@@ -20628,7 +20848,7 @@
             </a:r>
             <a:r>
               <a:rPr lang="en-GB" sz="1400" dirty="0" err="1"/>
-              <a:t>stvarni</a:t>
+              <a:t>skeniranje</a:t>
             </a:r>
             <a:r>
               <a:rPr lang="en-GB" sz="1400" dirty="0"/>
@@ -20636,7 +20856,7 @@
             </a:r>
             <a:r>
               <a:rPr lang="en-GB" sz="1400" dirty="0" err="1"/>
-              <a:t>podaci</a:t>
+              <a:t>koristi</a:t>
             </a:r>
             <a:r>
               <a:rPr lang="en-GB" sz="1400" dirty="0"/>
@@ -20644,7 +20864,31 @@
             </a:r>
             <a:r>
               <a:rPr lang="en-GB" sz="1400" dirty="0" err="1"/>
-              <a:t>iz</a:t>
+              <a:t>tu</a:t>
+            </a:r>
+            <a:r>
+              <a:rPr lang="en-GB" sz="1400" dirty="0"/>
+              <a:t> bit-</a:t>
+            </a:r>
+            <a:r>
+              <a:rPr lang="en-GB" sz="1400" dirty="0" err="1"/>
+              <a:t>mapu</a:t>
+            </a:r>
+            <a:r>
+              <a:rPr lang="en-GB" sz="1400" dirty="0"/>
+              <a:t> da </a:t>
+            </a:r>
+            <a:r>
+              <a:rPr lang="en-GB" sz="1400" dirty="0" err="1"/>
+              <a:t>pregleda</a:t>
+            </a:r>
+            <a:r>
+              <a:rPr lang="en-GB" sz="1400" dirty="0"/>
+              <a:t> </a:t>
+            </a:r>
+            <a:r>
+              <a:rPr lang="en-GB" sz="1400" dirty="0" err="1"/>
+              <a:t>stranice</a:t>
             </a:r>
             <a:r>
               <a:rPr lang="en-GB" sz="1400" dirty="0"/>
@@ -20652,7 +20896,7 @@
             </a:r>
             <a:r>
               <a:rPr lang="en-GB" sz="1400" dirty="0" err="1"/>
-              <a:t>ili</a:t>
+              <a:t>jednu</a:t>
             </a:r>
             <a:r>
               <a:rPr lang="en-GB" sz="1400" dirty="0"/>
@@ -20660,287 +20904,44 @@
             </a:r>
             <a:r>
               <a:rPr lang="en-GB" sz="1400" dirty="0" err="1"/>
-              <a:t>stranica</a:t>
+              <a:t>po</a:t>
             </a:r>
             <a:r>
               <a:rPr lang="en-GB" sz="1400" dirty="0"/>
               <a:t> </a:t>
             </a:r>
             <a:r>
+              <a:rPr lang="en-GB" sz="1400" dirty="0" err="1"/>
+              <a:t>jednu</a:t>
+            </a:r>
+            <a:r>
+              <a:rPr lang="en-GB" sz="1400" dirty="0"/>
+              <a:t> </a:t>
+            </a:r>
+            <a:r>
+              <a:rPr lang="en-GB" sz="1400" dirty="0" err="1"/>
+              <a:t>i</a:t>
+            </a:r>
+            <a:r>
+              <a:rPr lang="en-GB" sz="1400" dirty="0"/>
+              <a:t> </a:t>
+            </a:r>
+            <a:r>
+              <a:rPr lang="en-GB" sz="1400" dirty="0" err="1"/>
+              <a:t>sakuplja</a:t>
+            </a:r>
+            <a:r>
+              <a:rPr lang="en-GB" sz="1400" dirty="0"/>
+              <a:t> </a:t>
+            </a:r>
+            <a:r>
               <a:rPr lang="en-GB" sz="1400" dirty="0" err="1" smtClean="0"/>
-              <a:t>tabele</a:t>
+              <a:t>vrste</a:t>
             </a:r>
             <a:r>
               <a:rPr lang="en-GB" sz="1400" dirty="0" smtClean="0"/>
               <a:t>.</a:t>
             </a:r>
-          </a:p>
-          <a:p>
-            <a:r>
-              <a:rPr lang="en-GB" sz="1400" dirty="0" smtClean="0"/>
-              <a:t>Bitmap </a:t>
-            </a:r>
-            <a:r>
-              <a:rPr lang="en-GB" sz="1400" dirty="0" err="1" smtClean="0"/>
-              <a:t>indeksno</a:t>
-            </a:r>
-            <a:r>
-              <a:rPr lang="en-GB" sz="1400" dirty="0" smtClean="0"/>
-              <a:t> </a:t>
-            </a:r>
-            <a:r>
-              <a:rPr lang="en-GB" sz="1400" dirty="0" err="1" smtClean="0"/>
-              <a:t>skeniranje:Uvek</a:t>
-            </a:r>
-            <a:r>
-              <a:rPr lang="en-GB" sz="1400" dirty="0" smtClean="0"/>
-              <a:t> u </a:t>
-            </a:r>
-            <a:r>
-              <a:rPr lang="en-GB" sz="1400" dirty="0" err="1" smtClean="0"/>
-              <a:t>paru</a:t>
-            </a:r>
-            <a:r>
-              <a:rPr lang="en-GB" sz="1400" dirty="0" smtClean="0"/>
-              <a:t> </a:t>
-            </a:r>
-            <a:r>
-              <a:rPr lang="en-GB" sz="1400" dirty="0" err="1" smtClean="0"/>
-              <a:t>sa</a:t>
-            </a:r>
-            <a:r>
-              <a:rPr lang="en-GB" sz="1400" dirty="0" smtClean="0"/>
-              <a:t> Bitmap Heap </a:t>
-            </a:r>
-            <a:r>
-              <a:rPr lang="en-GB" sz="1400" dirty="0" err="1" smtClean="0"/>
-              <a:t>skeniranjem</a:t>
-            </a:r>
-            <a:r>
-              <a:rPr lang="en-GB" sz="1400" dirty="0" smtClean="0"/>
-              <a:t>;</a:t>
-            </a:r>
-            <a:r>
-              <a:rPr lang="en-GB" sz="1400" dirty="0"/>
-              <a:t> </a:t>
-            </a:r>
-            <a:r>
-              <a:rPr lang="en-GB" sz="1400" dirty="0" err="1"/>
-              <a:t>prvo</a:t>
-            </a:r>
-            <a:r>
-              <a:rPr lang="en-GB" sz="1400" dirty="0"/>
-              <a:t> </a:t>
-            </a:r>
-            <a:r>
-              <a:rPr lang="en-GB" sz="1400" dirty="0" err="1"/>
-              <a:t>skeniranje</a:t>
-            </a:r>
-            <a:r>
-              <a:rPr lang="en-GB" sz="1400" dirty="0"/>
-              <a:t> </a:t>
-            </a:r>
-            <a:r>
-              <a:rPr lang="en-GB" sz="1400" dirty="0" err="1"/>
-              <a:t>pretražuje</a:t>
-            </a:r>
-            <a:r>
-              <a:rPr lang="en-GB" sz="1400" dirty="0"/>
-              <a:t> </a:t>
-            </a:r>
-            <a:r>
-              <a:rPr lang="en-GB" sz="1400" dirty="0" err="1"/>
-              <a:t>indeks</a:t>
-            </a:r>
-            <a:r>
-              <a:rPr lang="en-GB" sz="1400" dirty="0"/>
-              <a:t> </a:t>
-            </a:r>
-            <a:r>
-              <a:rPr lang="en-GB" sz="1400" dirty="0" err="1"/>
-              <a:t>kako</a:t>
-            </a:r>
-            <a:r>
-              <a:rPr lang="en-GB" sz="1400" dirty="0"/>
-              <a:t> bi </a:t>
-            </a:r>
-            <a:r>
-              <a:rPr lang="en-GB" sz="1400" dirty="0" err="1"/>
-              <a:t>pronašao</a:t>
-            </a:r>
-            <a:r>
-              <a:rPr lang="en-GB" sz="1400" dirty="0"/>
-              <a:t> </a:t>
-            </a:r>
-            <a:r>
-              <a:rPr lang="en-GB" sz="1400" dirty="0" err="1"/>
-              <a:t>sve</a:t>
-            </a:r>
-            <a:r>
-              <a:rPr lang="en-GB" sz="1400" dirty="0"/>
-              <a:t> </a:t>
-            </a:r>
-            <a:r>
-              <a:rPr lang="en-GB" sz="1400" dirty="0" err="1"/>
-              <a:t>odgovarajuće</a:t>
-            </a:r>
-            <a:r>
-              <a:rPr lang="en-GB" sz="1400" dirty="0"/>
-              <a:t> </a:t>
-            </a:r>
-            <a:r>
-              <a:rPr lang="en-GB" sz="1400" dirty="0" err="1"/>
-              <a:t>lokacije</a:t>
-            </a:r>
-            <a:r>
-              <a:rPr lang="en-GB" sz="1400" dirty="0"/>
-              <a:t> </a:t>
-            </a:r>
-            <a:r>
-              <a:rPr lang="en-GB" sz="1400" dirty="0" err="1"/>
-              <a:t>vrsti</a:t>
-            </a:r>
-            <a:r>
-              <a:rPr lang="en-GB" sz="1400" dirty="0"/>
-              <a:t> </a:t>
-            </a:r>
-            <a:r>
-              <a:rPr lang="en-GB" sz="1400" dirty="0" err="1"/>
-              <a:t>i</a:t>
-            </a:r>
-            <a:r>
-              <a:rPr lang="en-GB" sz="1400" dirty="0"/>
-              <a:t> </a:t>
-            </a:r>
-            <a:r>
-              <a:rPr lang="en-GB" sz="1400" dirty="0" err="1"/>
-              <a:t>formirao</a:t>
-            </a:r>
-            <a:r>
-              <a:rPr lang="en-GB" sz="1400" dirty="0"/>
-              <a:t> bit-</a:t>
-            </a:r>
-            <a:r>
-              <a:rPr lang="en-GB" sz="1400" dirty="0" err="1"/>
-              <a:t>mapu</a:t>
-            </a:r>
-            <a:r>
-              <a:rPr lang="en-GB" sz="1400" dirty="0"/>
-              <a:t>, a </a:t>
-            </a:r>
-            <a:r>
-              <a:rPr lang="en-GB" sz="1400" dirty="0" err="1"/>
-              <a:t>zatim</a:t>
-            </a:r>
-            <a:r>
-              <a:rPr lang="en-GB" sz="1400" dirty="0"/>
-              <a:t> </a:t>
-            </a:r>
-            <a:r>
-              <a:rPr lang="en-GB" sz="1400" dirty="0" err="1"/>
-              <a:t>drugo</a:t>
-            </a:r>
-            <a:r>
-              <a:rPr lang="en-GB" sz="1400" dirty="0"/>
-              <a:t> </a:t>
-            </a:r>
-            <a:r>
-              <a:rPr lang="en-GB" sz="1400" dirty="0" err="1"/>
-              <a:t>skeniranje</a:t>
-            </a:r>
-            <a:r>
-              <a:rPr lang="en-GB" sz="1400" dirty="0"/>
-              <a:t> </a:t>
-            </a:r>
-            <a:r>
-              <a:rPr lang="en-GB" sz="1400" dirty="0" err="1"/>
-              <a:t>koristi</a:t>
-            </a:r>
-            <a:r>
-              <a:rPr lang="en-GB" sz="1400" dirty="0"/>
-              <a:t> </a:t>
-            </a:r>
-            <a:r>
-              <a:rPr lang="en-GB" sz="1400" dirty="0" err="1"/>
-              <a:t>tu</a:t>
-            </a:r>
-            <a:r>
-              <a:rPr lang="en-GB" sz="1400" dirty="0"/>
-              <a:t> bit-</a:t>
-            </a:r>
-            <a:r>
-              <a:rPr lang="en-GB" sz="1400" dirty="0" err="1"/>
-              <a:t>mapu</a:t>
-            </a:r>
-            <a:r>
-              <a:rPr lang="en-GB" sz="1400" dirty="0"/>
-              <a:t> da </a:t>
-            </a:r>
-            <a:r>
-              <a:rPr lang="en-GB" sz="1400" dirty="0" err="1"/>
-              <a:t>pregleda</a:t>
-            </a:r>
-            <a:r>
-              <a:rPr lang="en-GB" sz="1400" dirty="0"/>
-              <a:t> </a:t>
-            </a:r>
-            <a:r>
-              <a:rPr lang="en-GB" sz="1400" dirty="0" err="1"/>
-              <a:t>stranice</a:t>
-            </a:r>
-            <a:r>
-              <a:rPr lang="en-GB" sz="1400" dirty="0"/>
-              <a:t> heap-a </a:t>
-            </a:r>
-            <a:r>
-              <a:rPr lang="en-GB" sz="1400" dirty="0" err="1"/>
-              <a:t>jednu</a:t>
-            </a:r>
-            <a:r>
-              <a:rPr lang="en-GB" sz="1400" dirty="0"/>
-              <a:t> </a:t>
-            </a:r>
-            <a:r>
-              <a:rPr lang="en-GB" sz="1400" dirty="0" err="1"/>
-              <a:t>po</a:t>
-            </a:r>
-            <a:r>
-              <a:rPr lang="en-GB" sz="1400" dirty="0"/>
-              <a:t> </a:t>
-            </a:r>
-            <a:r>
-              <a:rPr lang="en-GB" sz="1400" dirty="0" err="1"/>
-              <a:t>jednu</a:t>
-            </a:r>
-            <a:r>
-              <a:rPr lang="en-GB" sz="1400" dirty="0"/>
-              <a:t> </a:t>
-            </a:r>
-            <a:r>
-              <a:rPr lang="en-GB" sz="1400" dirty="0" err="1"/>
-              <a:t>i</a:t>
-            </a:r>
-            <a:r>
-              <a:rPr lang="en-GB" sz="1400" dirty="0"/>
-              <a:t> </a:t>
-            </a:r>
-            <a:r>
-              <a:rPr lang="en-GB" sz="1400" dirty="0" err="1"/>
-              <a:t>sakuplja</a:t>
-            </a:r>
-            <a:r>
-              <a:rPr lang="en-GB" sz="1400" dirty="0"/>
-              <a:t> </a:t>
-            </a:r>
-            <a:r>
-              <a:rPr lang="en-GB" sz="1400" dirty="0" err="1" smtClean="0"/>
-              <a:t>vrste</a:t>
-            </a:r>
-            <a:r>
-              <a:rPr lang="en-GB" sz="1400" dirty="0" smtClean="0"/>
-              <a:t>.</a:t>
-            </a:r>
-            <a:endParaRPr lang="en-GB" sz="1400" dirty="0" smtClean="0"/>
           </a:p>
           <a:p>
             <a:pPr marL="0" indent="0">
@@ -21920,7 +21921,6 @@
               <a:rPr lang="en-GB" sz="1400" dirty="0" smtClean="0"/>
               <a:t>.</a:t>
             </a:r>
-            <a:endParaRPr lang="en-GB" sz="1400" dirty="0" smtClean="0"/>
           </a:p>
           <a:p>
             <a:r>
@@ -22487,7 +22487,6 @@
               <a:rPr lang="en-GB" sz="1600" dirty="0" smtClean="0"/>
               <a:t>.</a:t>
             </a:r>
-            <a:endParaRPr lang="en-GB" sz="1600" dirty="0" smtClean="0"/>
           </a:p>
           <a:p>
             <a:r>
@@ -22540,11 +22539,7 @@
             </a:r>
             <a:r>
               <a:rPr lang="en-GB" sz="1600" dirty="0" smtClean="0"/>
-              <a:t> Hash Left </a:t>
-            </a:r>
-            <a:r>
-              <a:rPr lang="en-GB" sz="1600" dirty="0" smtClean="0"/>
-              <a:t>Join-</a:t>
+              <a:t> Hash Left Join-</a:t>
             </a:r>
             <a:r>
               <a:rPr lang="en-GB" sz="1600" dirty="0" err="1" smtClean="0"/>
@@ -22600,15 +22595,7 @@
             </a:r>
             <a:r>
               <a:rPr lang="en-GB" sz="1600" dirty="0" smtClean="0"/>
-              <a:t> </a:t>
-            </a:r>
-            <a:r>
-              <a:rPr lang="en-GB" sz="1600" dirty="0" smtClean="0"/>
-              <a:t>, </a:t>
-            </a:r>
-            <a:r>
-              <a:rPr lang="en-GB" sz="1600" dirty="0" smtClean="0"/>
-              <a:t>a </a:t>
+              <a:t> , a </a:t>
             </a:r>
             <a:r>
               <a:rPr lang="en-GB" sz="1600" dirty="0" err="1" smtClean="0"/>
@@ -23098,7 +23085,6 @@
               <a:rPr lang="en-GB" sz="1600" dirty="0" smtClean="0"/>
               <a:t>.</a:t>
             </a:r>
-            <a:endParaRPr lang="en-GB" sz="1600" dirty="0" smtClean="0"/>
           </a:p>
           <a:p>
             <a:r>
@@ -23151,11 +23137,7 @@
             </a:r>
             <a:r>
               <a:rPr lang="en-GB" sz="1600" dirty="0" smtClean="0"/>
-              <a:t> Hash Right </a:t>
-            </a:r>
-            <a:r>
-              <a:rPr lang="en-GB" sz="1600" dirty="0" smtClean="0"/>
-              <a:t>Join-</a:t>
+              <a:t> Hash Right Join-</a:t>
             </a:r>
             <a:r>
               <a:rPr lang="en-GB" sz="1600" dirty="0" err="1" smtClean="0"/>
@@ -23219,11 +23201,7 @@
             </a:r>
             <a:r>
               <a:rPr lang="en-GB" sz="1600" dirty="0" smtClean="0"/>
-              <a:t>, </a:t>
-            </a:r>
-            <a:r>
-              <a:rPr lang="en-GB" sz="1600" dirty="0" smtClean="0"/>
-              <a:t>a </a:t>
+              <a:t>, a </a:t>
             </a:r>
             <a:r>
               <a:rPr lang="en-GB" sz="1600" dirty="0" err="1" smtClean="0"/>
@@ -23527,6 +23505,13 @@
   <p:clrMapOvr>
     <a:masterClrMapping/>
   </p:clrMapOvr>
+  <p:timing>
+    <p:tnLst>
+      <p:par>
+        <p:cTn id="1" dur="indefinite" restart="never" nodeType="tmRoot"/>
+      </p:par>
+    </p:tnLst>
+  </p:timing>
 </p:sld>
 </file>
 
@@ -23857,7 +23842,6 @@
               <a:rPr lang="en-GB" sz="1600" dirty="0" smtClean="0"/>
               <a:t>.</a:t>
             </a:r>
-            <a:endParaRPr lang="en-GB" sz="1600" dirty="0" smtClean="0"/>
           </a:p>
           <a:p>
             <a:r>
@@ -23910,11 +23894,7 @@
             </a:r>
             <a:r>
               <a:rPr lang="en-GB" sz="1600" dirty="0" smtClean="0"/>
-              <a:t> Hash Full </a:t>
-            </a:r>
-            <a:r>
-              <a:rPr lang="en-GB" sz="1600" dirty="0" smtClean="0"/>
-              <a:t>Join-</a:t>
+              <a:t> Hash Full Join-</a:t>
             </a:r>
             <a:r>
               <a:rPr lang="en-GB" sz="1600" dirty="0" err="1" smtClean="0"/>
@@ -24042,11 +24022,7 @@
             </a:r>
             <a:r>
               <a:rPr lang="en-GB" sz="1600" dirty="0" smtClean="0"/>
-              <a:t>, </a:t>
-            </a:r>
-            <a:r>
-              <a:rPr lang="en-GB" sz="1600" dirty="0" smtClean="0"/>
-              <a:t>a </a:t>
+              <a:t>, a </a:t>
             </a:r>
             <a:r>
               <a:rPr lang="en-GB" sz="1600" dirty="0" err="1" smtClean="0"/>
@@ -24988,7 +24964,6 @@
               <a:rPr lang="en-GB" sz="1400" dirty="0" smtClean="0"/>
               <a:t> from table2 WHERE condition); </a:t>
             </a:r>
-            <a:endParaRPr lang="en-GB" sz="1400" dirty="0" smtClean="0"/>
           </a:p>
           <a:p>
             <a:r>
@@ -25135,7 +25110,6 @@
               <a:rPr lang="en-GB" sz="1400" dirty="0" smtClean="0"/>
               <a:t>.</a:t>
             </a:r>
-            <a:endParaRPr lang="en-GB" sz="1400" dirty="0" smtClean="0"/>
           </a:p>
           <a:p>
             <a:pPr marL="0" indent="0">
@@ -25258,11 +25232,7 @@
             </a:r>
             <a:r>
               <a:rPr lang="en-GB" sz="1400" dirty="0" smtClean="0"/>
-              <a:t> </a:t>
-            </a:r>
-            <a:r>
-              <a:rPr lang="en-GB" sz="1400" dirty="0" smtClean="0"/>
-              <a:t>je </a:t>
+              <a:t> je </a:t>
             </a:r>
             <a:r>
               <a:rPr lang="en-GB" sz="1400" dirty="0" err="1" smtClean="0"/>
@@ -25665,40 +25635,342 @@
           </a:p>
           <a:p>
             <a:r>
+              <a:rPr lang="en-GB" sz="1400" dirty="0" err="1"/>
+              <a:t>Generisanje</a:t>
+            </a:r>
+            <a:r>
+              <a:rPr lang="en-GB" sz="1400" dirty="0"/>
+              <a:t> </a:t>
+            </a:r>
+            <a:r>
+              <a:rPr lang="en-GB" sz="1400" dirty="0" err="1"/>
+              <a:t>plana</a:t>
+            </a:r>
+            <a:r>
+              <a:rPr lang="en-GB" sz="1400" dirty="0"/>
+              <a:t> </a:t>
+            </a:r>
+            <a:r>
+              <a:rPr lang="en-GB" sz="1400" dirty="0" err="1"/>
+              <a:t>ovakvog</a:t>
+            </a:r>
+            <a:r>
+              <a:rPr lang="en-GB" sz="1400" dirty="0"/>
+              <a:t> </a:t>
+            </a:r>
+            <a:r>
+              <a:rPr lang="en-GB" sz="1400" dirty="0" err="1"/>
+              <a:t>upita</a:t>
+            </a:r>
+            <a:r>
+              <a:rPr lang="en-GB" sz="1400" dirty="0"/>
+              <a:t>, je </a:t>
+            </a:r>
+            <a:r>
+              <a:rPr lang="en-GB" sz="1400" dirty="0" err="1"/>
+              <a:t>slično</a:t>
+            </a:r>
+            <a:r>
+              <a:rPr lang="en-GB" sz="1400" dirty="0"/>
+              <a:t> </a:t>
+            </a:r>
+            <a:r>
+              <a:rPr lang="en-GB" sz="1400" dirty="0" err="1"/>
+              <a:t>kao</a:t>
+            </a:r>
+            <a:r>
+              <a:rPr lang="en-GB" sz="1400" dirty="0"/>
+              <a:t> </a:t>
+            </a:r>
+            <a:r>
+              <a:rPr lang="en-GB" sz="1400" dirty="0" err="1"/>
+              <a:t>i</a:t>
+            </a:r>
+            <a:r>
+              <a:rPr lang="en-GB" sz="1400" dirty="0"/>
+              <a:t> </a:t>
+            </a:r>
+            <a:r>
+              <a:rPr lang="en-GB" sz="1400" dirty="0" err="1"/>
+              <a:t>kada</a:t>
+            </a:r>
+            <a:r>
+              <a:rPr lang="en-GB" sz="1400" dirty="0"/>
+              <a:t> se </a:t>
+            </a:r>
+            <a:r>
+              <a:rPr lang="en-GB" sz="1400" dirty="0" err="1"/>
+              <a:t>radi</a:t>
+            </a:r>
+            <a:r>
+              <a:rPr lang="en-GB" sz="1400" dirty="0"/>
+              <a:t> </a:t>
+            </a:r>
+            <a:r>
+              <a:rPr lang="en-GB" sz="1400" dirty="0" err="1"/>
+              <a:t>sa</a:t>
+            </a:r>
+            <a:r>
+              <a:rPr lang="en-GB" sz="1400" dirty="0"/>
+              <a:t> </a:t>
+            </a:r>
+            <a:r>
+              <a:rPr lang="en-GB" sz="1400" dirty="0" err="1"/>
+              <a:t>dve</a:t>
+            </a:r>
+            <a:r>
+              <a:rPr lang="en-GB" sz="1400" dirty="0"/>
+              <a:t> </a:t>
+            </a:r>
+            <a:r>
+              <a:rPr lang="en-GB" sz="1400" dirty="0" err="1"/>
+              <a:t>tabele</a:t>
+            </a:r>
+            <a:r>
+              <a:rPr lang="en-GB" sz="1400" dirty="0"/>
+              <a:t>, </a:t>
+            </a:r>
+            <a:r>
+              <a:rPr lang="en-GB" sz="1400" dirty="0" err="1"/>
+              <a:t>osim</a:t>
+            </a:r>
+            <a:r>
+              <a:rPr lang="en-GB" sz="1400" dirty="0"/>
+              <a:t> </a:t>
+            </a:r>
+            <a:r>
+              <a:rPr lang="en-GB" sz="1400" dirty="0" err="1"/>
+              <a:t>što</a:t>
+            </a:r>
+            <a:r>
+              <a:rPr lang="en-GB" sz="1400" dirty="0"/>
+              <a:t> se </a:t>
+            </a:r>
+            <a:r>
+              <a:rPr lang="en-GB" sz="1400" dirty="0" err="1"/>
+              <a:t>sada</a:t>
+            </a:r>
+            <a:r>
+              <a:rPr lang="en-GB" sz="1400" dirty="0"/>
+              <a:t> </a:t>
+            </a:r>
+            <a:r>
+              <a:rPr lang="en-GB" sz="1400" dirty="0" err="1"/>
+              <a:t>najpre</a:t>
+            </a:r>
+            <a:r>
+              <a:rPr lang="en-GB" sz="1400" dirty="0"/>
+              <a:t> </a:t>
+            </a:r>
+            <a:r>
+              <a:rPr lang="en-GB" sz="1400" dirty="0" err="1"/>
+              <a:t>vrši</a:t>
+            </a:r>
+            <a:r>
+              <a:rPr lang="en-GB" sz="1400" dirty="0"/>
+              <a:t> </a:t>
+            </a:r>
+            <a:r>
+              <a:rPr lang="en-GB" sz="1400" dirty="0" err="1"/>
+              <a:t>izbor</a:t>
+            </a:r>
+            <a:r>
+              <a:rPr lang="en-GB" sz="1400" dirty="0"/>
+              <a:t> </a:t>
+            </a:r>
+            <a:r>
+              <a:rPr lang="en-GB" sz="1400" dirty="0" err="1"/>
+              <a:t>najjeftinijeg</a:t>
+            </a:r>
+            <a:r>
+              <a:rPr lang="en-GB" sz="1400" dirty="0"/>
+              <a:t> </a:t>
+            </a:r>
+            <a:r>
+              <a:rPr lang="en-GB" sz="1400" dirty="0" err="1"/>
+              <a:t>puta</a:t>
+            </a:r>
+            <a:r>
+              <a:rPr lang="en-GB" sz="1400" dirty="0"/>
+              <a:t> </a:t>
+            </a:r>
+            <a:r>
+              <a:rPr lang="en-GB" sz="1400" dirty="0" err="1"/>
+              <a:t>za</a:t>
+            </a:r>
+            <a:r>
+              <a:rPr lang="en-GB" sz="1400" dirty="0"/>
+              <a:t> </a:t>
+            </a:r>
+            <a:r>
+              <a:rPr lang="en-GB" sz="1400" dirty="0" err="1"/>
+              <a:t>sve</a:t>
+            </a:r>
+            <a:r>
+              <a:rPr lang="en-GB" sz="1400" dirty="0"/>
+              <a:t> tri </a:t>
+            </a:r>
+            <a:r>
+              <a:rPr lang="en-GB" sz="1400" dirty="0" err="1"/>
+              <a:t>tabele</a:t>
+            </a:r>
+            <a:r>
+              <a:rPr lang="en-GB" sz="1400" dirty="0"/>
+              <a:t> </a:t>
+            </a:r>
+            <a:r>
+              <a:rPr lang="en-GB" sz="1400" dirty="0" err="1"/>
+              <a:t>ponaosob</a:t>
+            </a:r>
+            <a:r>
+              <a:rPr lang="en-GB" sz="1400" dirty="0"/>
+              <a:t>, pa se </a:t>
+            </a:r>
+            <a:r>
+              <a:rPr lang="en-GB" sz="1400" dirty="0" err="1"/>
+              <a:t>zatim</a:t>
+            </a:r>
+            <a:r>
+              <a:rPr lang="en-GB" sz="1400" dirty="0"/>
+              <a:t> </a:t>
+            </a:r>
+            <a:r>
+              <a:rPr lang="en-GB" sz="1400" dirty="0" err="1"/>
+              <a:t>vrši</a:t>
+            </a:r>
+            <a:r>
+              <a:rPr lang="en-GB" sz="1400" dirty="0"/>
+              <a:t> </a:t>
+            </a:r>
+            <a:r>
+              <a:rPr lang="en-GB" sz="1400" dirty="0" err="1"/>
+              <a:t>izbor</a:t>
+            </a:r>
+            <a:r>
+              <a:rPr lang="en-GB" sz="1400" dirty="0"/>
+              <a:t> </a:t>
+            </a:r>
+            <a:r>
+              <a:rPr lang="en-GB" sz="1400" dirty="0" err="1"/>
+              <a:t>najjeftinijeg</a:t>
+            </a:r>
+            <a:r>
+              <a:rPr lang="en-GB" sz="1400" dirty="0"/>
+              <a:t> </a:t>
+            </a:r>
+            <a:r>
+              <a:rPr lang="en-GB" sz="1400" dirty="0" err="1"/>
+              <a:t>puta</a:t>
+            </a:r>
+            <a:r>
+              <a:rPr lang="en-GB" sz="1400" dirty="0"/>
+              <a:t> </a:t>
+            </a:r>
+            <a:r>
+              <a:rPr lang="en-GB" sz="1400" dirty="0" err="1"/>
+              <a:t>spajanja</a:t>
+            </a:r>
+            <a:r>
+              <a:rPr lang="en-GB" sz="1400" dirty="0"/>
+              <a:t> </a:t>
+            </a:r>
+            <a:r>
+              <a:rPr lang="en-GB" sz="1400" dirty="0" err="1"/>
+              <a:t>za</a:t>
+            </a:r>
+            <a:r>
+              <a:rPr lang="en-GB" sz="1400" dirty="0"/>
+              <a:t> </a:t>
+            </a:r>
+            <a:r>
+              <a:rPr lang="en-GB" sz="1400" dirty="0" err="1"/>
+              <a:t>svaku</a:t>
+            </a:r>
+            <a:r>
+              <a:rPr lang="en-GB" sz="1400" dirty="0"/>
+              <a:t> </a:t>
+            </a:r>
+            <a:r>
+              <a:rPr lang="en-GB" sz="1400" dirty="0" err="1"/>
+              <a:t>kombinaciju</a:t>
+            </a:r>
+            <a:r>
+              <a:rPr lang="en-GB" sz="1400" dirty="0"/>
+              <a:t> </a:t>
+            </a:r>
+            <a:r>
+              <a:rPr lang="en-GB" sz="1400" dirty="0" err="1"/>
+              <a:t>ove</a:t>
+            </a:r>
+            <a:r>
+              <a:rPr lang="en-GB" sz="1400" dirty="0"/>
+              <a:t> tri </a:t>
+            </a:r>
+            <a:r>
+              <a:rPr lang="en-GB" sz="1400" dirty="0" err="1"/>
+              <a:t>tabele</a:t>
+            </a:r>
+            <a:r>
+              <a:rPr lang="en-GB" sz="1400" dirty="0"/>
+              <a:t>, da bi se </a:t>
+            </a:r>
+            <a:r>
+              <a:rPr lang="en-GB" sz="1400" dirty="0" err="1"/>
+              <a:t>na</a:t>
+            </a:r>
+            <a:r>
+              <a:rPr lang="en-GB" sz="1400" dirty="0"/>
+              <a:t> </a:t>
+            </a:r>
+            <a:r>
+              <a:rPr lang="en-GB" sz="1400" dirty="0" err="1"/>
+              <a:t>kraju</a:t>
+            </a:r>
+            <a:r>
+              <a:rPr lang="en-GB" sz="1400" dirty="0"/>
+              <a:t> </a:t>
+            </a:r>
+            <a:r>
+              <a:rPr lang="en-GB" sz="1400" dirty="0" err="1"/>
+              <a:t>odbarao</a:t>
+            </a:r>
+            <a:r>
+              <a:rPr lang="en-GB" sz="1400" dirty="0"/>
+              <a:t> </a:t>
+            </a:r>
+            <a:r>
+              <a:rPr lang="en-GB" sz="1400" dirty="0" err="1"/>
+              <a:t>najjeftiniji</a:t>
+            </a:r>
+            <a:r>
+              <a:rPr lang="en-GB" sz="1400" dirty="0"/>
+              <a:t> </a:t>
+            </a:r>
+            <a:r>
+              <a:rPr lang="en-GB" sz="1400" dirty="0" smtClean="0"/>
+              <a:t>put</a:t>
+            </a:r>
+          </a:p>
+          <a:p>
+            <a:r>
               <a:rPr lang="en-GB" sz="1400" dirty="0" err="1" smtClean="0"/>
               <a:t>Spajanje</a:t>
             </a:r>
             <a:r>
               <a:rPr lang="en-GB" sz="1400" dirty="0" smtClean="0"/>
-              <a:t> tri </a:t>
+              <a:t> </a:t>
             </a:r>
             <a:r>
               <a:rPr lang="en-GB" sz="1400" dirty="0" err="1" smtClean="0"/>
-              <a:t>tabele</a:t>
+              <a:t>tabela</a:t>
             </a:r>
             <a:r>
               <a:rPr lang="en-GB" sz="1400" dirty="0" smtClean="0"/>
-              <a:t> se </a:t>
+              <a:t> </a:t>
             </a:r>
             <a:r>
               <a:rPr lang="en-GB" sz="1400" dirty="0" err="1" smtClean="0"/>
-              <a:t>vrši</a:t>
-            </a:r>
-            <a:r>
-              <a:rPr lang="en-GB" sz="1400" dirty="0" smtClean="0"/>
-              <a:t> </a:t>
-            </a:r>
-            <a:r>
-              <a:rPr lang="en-GB" sz="1400" dirty="0" err="1" smtClean="0"/>
-              <a:t>slično</a:t>
-            </a:r>
-            <a:r>
-              <a:rPr lang="en-GB" sz="1400" dirty="0" smtClean="0"/>
-              <a:t> </a:t>
-            </a:r>
-            <a:r>
-              <a:rPr lang="en-GB" sz="1400" dirty="0" err="1" smtClean="0"/>
-              <a:t>kao</a:t>
+              <a:t>zaposleni</a:t>
             </a:r>
             <a:r>
               <a:rPr lang="en-GB" sz="1400" dirty="0" smtClean="0"/>
@@ -25710,19 +25982,19 @@
             </a:r>
             <a:r>
               <a:rPr lang="en-GB" sz="1400" dirty="0" smtClean="0"/>
-              <a:t> </a:t>
+              <a:t> projekti3 </a:t>
             </a:r>
             <a:r>
               <a:rPr lang="en-GB" sz="1400" dirty="0" err="1" smtClean="0"/>
-              <a:t>spajanje</a:t>
+              <a:t>izvšeno</a:t>
             </a:r>
             <a:r>
               <a:rPr lang="en-GB" sz="1400" dirty="0" smtClean="0"/>
-              <a:t> </a:t>
+              <a:t> je Hash Join-</a:t>
             </a:r>
             <a:r>
               <a:rPr lang="en-GB" sz="1400" dirty="0" err="1" smtClean="0"/>
-              <a:t>dve</a:t>
+              <a:t>om,a</a:t>
             </a:r>
             <a:r>
               <a:rPr lang="en-GB" sz="1400" dirty="0" smtClean="0"/>
@@ -25730,261 +26002,7 @@
             </a:r>
             <a:r>
               <a:rPr lang="en-GB" sz="1400" dirty="0" err="1" smtClean="0"/>
-              <a:t>tabele</a:t>
-            </a:r>
-            <a:r>
-              <a:rPr lang="en-GB" sz="1400" dirty="0" smtClean="0"/>
-              <a:t>,</a:t>
-            </a:r>
-            <a:r>
-              <a:rPr lang="en-GB" sz="1400" dirty="0"/>
-              <a:t> </a:t>
-            </a:r>
-            <a:r>
-              <a:rPr lang="en-GB" sz="1400" dirty="0" err="1"/>
-              <a:t>osim</a:t>
-            </a:r>
-            <a:r>
-              <a:rPr lang="en-GB" sz="1400" dirty="0"/>
-              <a:t> </a:t>
-            </a:r>
-            <a:r>
-              <a:rPr lang="en-GB" sz="1400" dirty="0" err="1"/>
-              <a:t>što</a:t>
-            </a:r>
-            <a:r>
-              <a:rPr lang="en-GB" sz="1400" dirty="0"/>
-              <a:t> se </a:t>
-            </a:r>
-            <a:r>
-              <a:rPr lang="en-GB" sz="1400" dirty="0" err="1"/>
-              <a:t>sada</a:t>
-            </a:r>
-            <a:r>
-              <a:rPr lang="en-GB" sz="1400" dirty="0"/>
-              <a:t> </a:t>
-            </a:r>
-            <a:r>
-              <a:rPr lang="en-GB" sz="1400" dirty="0" err="1"/>
-              <a:t>najpre</a:t>
-            </a:r>
-            <a:r>
-              <a:rPr lang="en-GB" sz="1400" dirty="0"/>
-              <a:t> </a:t>
-            </a:r>
-            <a:r>
-              <a:rPr lang="en-GB" sz="1400" dirty="0" err="1"/>
-              <a:t>vrši</a:t>
-            </a:r>
-            <a:r>
-              <a:rPr lang="en-GB" sz="1400" dirty="0"/>
-              <a:t> </a:t>
-            </a:r>
-            <a:r>
-              <a:rPr lang="en-GB" sz="1400" dirty="0" err="1"/>
-              <a:t>izbor</a:t>
-            </a:r>
-            <a:r>
-              <a:rPr lang="en-GB" sz="1400" dirty="0"/>
-              <a:t> </a:t>
-            </a:r>
-            <a:r>
-              <a:rPr lang="en-GB" sz="1400" dirty="0" err="1"/>
-              <a:t>najjeftinijeg</a:t>
-            </a:r>
-            <a:r>
-              <a:rPr lang="en-GB" sz="1400" dirty="0"/>
-              <a:t> </a:t>
-            </a:r>
-            <a:r>
-              <a:rPr lang="en-GB" sz="1400" dirty="0" err="1"/>
-              <a:t>puta</a:t>
-            </a:r>
-            <a:r>
-              <a:rPr lang="en-GB" sz="1400" dirty="0"/>
-              <a:t> </a:t>
-            </a:r>
-            <a:r>
-              <a:rPr lang="en-GB" sz="1400" dirty="0" err="1"/>
-              <a:t>za</a:t>
-            </a:r>
-            <a:r>
-              <a:rPr lang="en-GB" sz="1400" dirty="0"/>
-              <a:t> </a:t>
-            </a:r>
-            <a:r>
-              <a:rPr lang="en-GB" sz="1400" dirty="0" err="1"/>
-              <a:t>sve</a:t>
-            </a:r>
-            <a:r>
-              <a:rPr lang="en-GB" sz="1400" dirty="0"/>
-              <a:t> tri </a:t>
-            </a:r>
-            <a:r>
-              <a:rPr lang="en-GB" sz="1400" dirty="0" err="1"/>
-              <a:t>tabele</a:t>
-            </a:r>
-            <a:r>
-              <a:rPr lang="en-GB" sz="1400" dirty="0"/>
-              <a:t> </a:t>
-            </a:r>
-            <a:r>
-              <a:rPr lang="en-GB" sz="1400" dirty="0" err="1"/>
-              <a:t>ponaosob</a:t>
-            </a:r>
-            <a:r>
-              <a:rPr lang="en-GB" sz="1400" dirty="0"/>
-              <a:t>, pa se </a:t>
-            </a:r>
-            <a:r>
-              <a:rPr lang="en-GB" sz="1400" dirty="0" err="1"/>
-              <a:t>zatim</a:t>
-            </a:r>
-            <a:r>
-              <a:rPr lang="en-GB" sz="1400" dirty="0"/>
-              <a:t> </a:t>
-            </a:r>
-            <a:r>
-              <a:rPr lang="en-GB" sz="1400" dirty="0" err="1"/>
-              <a:t>vrši</a:t>
-            </a:r>
-            <a:r>
-              <a:rPr lang="en-GB" sz="1400" dirty="0"/>
-              <a:t> </a:t>
-            </a:r>
-            <a:r>
-              <a:rPr lang="en-GB" sz="1400" dirty="0" err="1"/>
-              <a:t>izbor</a:t>
-            </a:r>
-            <a:r>
-              <a:rPr lang="en-GB" sz="1400" dirty="0"/>
-              <a:t> </a:t>
-            </a:r>
-            <a:r>
-              <a:rPr lang="en-GB" sz="1400" dirty="0" err="1"/>
-              <a:t>najjeftinijeg</a:t>
-            </a:r>
-            <a:r>
-              <a:rPr lang="en-GB" sz="1400" dirty="0"/>
-              <a:t> </a:t>
-            </a:r>
-            <a:r>
-              <a:rPr lang="en-GB" sz="1400" dirty="0" err="1"/>
-              <a:t>puta</a:t>
-            </a:r>
-            <a:r>
-              <a:rPr lang="en-GB" sz="1400" dirty="0"/>
-              <a:t> </a:t>
-            </a:r>
-            <a:r>
-              <a:rPr lang="en-GB" sz="1400" dirty="0" err="1"/>
-              <a:t>spajanja</a:t>
-            </a:r>
-            <a:r>
-              <a:rPr lang="en-GB" sz="1400" dirty="0"/>
-              <a:t> </a:t>
-            </a:r>
-            <a:r>
-              <a:rPr lang="en-GB" sz="1400" dirty="0" err="1"/>
-              <a:t>za</a:t>
-            </a:r>
-            <a:r>
-              <a:rPr lang="en-GB" sz="1400" dirty="0"/>
-              <a:t> </a:t>
-            </a:r>
-            <a:r>
-              <a:rPr lang="en-GB" sz="1400" dirty="0" err="1"/>
-              <a:t>svaku</a:t>
-            </a:r>
-            <a:r>
-              <a:rPr lang="en-GB" sz="1400" dirty="0"/>
-              <a:t> </a:t>
-            </a:r>
-            <a:r>
-              <a:rPr lang="en-GB" sz="1400" dirty="0" err="1"/>
-              <a:t>kombinaciju</a:t>
-            </a:r>
-            <a:r>
-              <a:rPr lang="en-GB" sz="1400" dirty="0"/>
-              <a:t> </a:t>
-            </a:r>
-            <a:r>
-              <a:rPr lang="en-GB" sz="1400" dirty="0" err="1"/>
-              <a:t>ove</a:t>
-            </a:r>
-            <a:r>
-              <a:rPr lang="en-GB" sz="1400" dirty="0"/>
-              <a:t> tri </a:t>
-            </a:r>
-            <a:r>
-              <a:rPr lang="en-GB" sz="1400" dirty="0" err="1"/>
-              <a:t>tabele</a:t>
-            </a:r>
-            <a:r>
-              <a:rPr lang="en-GB" sz="1400" dirty="0"/>
-              <a:t>, da bi se </a:t>
-            </a:r>
-            <a:r>
-              <a:rPr lang="en-GB" sz="1400" dirty="0" err="1"/>
-              <a:t>na</a:t>
-            </a:r>
-            <a:r>
-              <a:rPr lang="en-GB" sz="1400" dirty="0"/>
-              <a:t> </a:t>
-            </a:r>
-            <a:r>
-              <a:rPr lang="en-GB" sz="1400" dirty="0" err="1"/>
-              <a:t>kraju</a:t>
-            </a:r>
-            <a:r>
-              <a:rPr lang="en-GB" sz="1400" dirty="0"/>
-              <a:t> </a:t>
-            </a:r>
-            <a:r>
-              <a:rPr lang="en-GB" sz="1400" dirty="0" err="1"/>
-              <a:t>odbarao</a:t>
-            </a:r>
-            <a:r>
-              <a:rPr lang="en-GB" sz="1400" dirty="0"/>
-              <a:t> </a:t>
-            </a:r>
-            <a:r>
-              <a:rPr lang="en-GB" sz="1400" dirty="0" err="1"/>
-              <a:t>najjeftiniji</a:t>
-            </a:r>
-            <a:r>
-              <a:rPr lang="en-GB" sz="1400" dirty="0"/>
-              <a:t> </a:t>
-            </a:r>
-            <a:r>
-              <a:rPr lang="en-GB" sz="1400" dirty="0" smtClean="0"/>
-              <a:t>put</a:t>
-            </a:r>
-            <a:r>
-              <a:rPr lang="en-GB" sz="1400" dirty="0" smtClean="0"/>
-              <a:t>.</a:t>
-            </a:r>
-          </a:p>
-          <a:p>
-            <a:r>
-              <a:rPr lang="en-GB" sz="1400" dirty="0" err="1" smtClean="0"/>
-              <a:t>Spajanje</a:t>
-            </a:r>
-            <a:r>
-              <a:rPr lang="en-GB" sz="1400" dirty="0" smtClean="0"/>
-              <a:t> </a:t>
-            </a:r>
-            <a:r>
-              <a:rPr lang="en-GB" sz="1400" dirty="0" err="1" smtClean="0"/>
-              <a:t>tabela</a:t>
-            </a:r>
-            <a:r>
-              <a:rPr lang="en-GB" sz="1400" dirty="0" smtClean="0"/>
-              <a:t> </a:t>
-            </a:r>
-            <a:r>
-              <a:rPr lang="en-GB" sz="1400" dirty="0" err="1" smtClean="0"/>
-              <a:t>zaposleni</a:t>
+              <a:t>departmani</a:t>
             </a:r>
             <a:r>
               <a:rPr lang="en-GB" sz="1400" dirty="0" smtClean="0"/>
@@ -25996,38 +26014,6 @@
             </a:r>
             <a:r>
               <a:rPr lang="en-GB" sz="1400" dirty="0" smtClean="0"/>
-              <a:t> projekti3 </a:t>
-            </a:r>
-            <a:r>
-              <a:rPr lang="en-GB" sz="1400" dirty="0" err="1" smtClean="0"/>
-              <a:t>izvšeno</a:t>
-            </a:r>
-            <a:r>
-              <a:rPr lang="en-GB" sz="1400" dirty="0" smtClean="0"/>
-              <a:t> je Hash Join-</a:t>
-            </a:r>
-            <a:r>
-              <a:rPr lang="en-GB" sz="1400" dirty="0" err="1" smtClean="0"/>
-              <a:t>om,a</a:t>
-            </a:r>
-            <a:r>
-              <a:rPr lang="en-GB" sz="1400" dirty="0" smtClean="0"/>
-              <a:t> </a:t>
-            </a:r>
-            <a:r>
-              <a:rPr lang="en-GB" sz="1400" dirty="0" err="1" smtClean="0"/>
-              <a:t>departmani</a:t>
-            </a:r>
-            <a:r>
-              <a:rPr lang="en-GB" sz="1400" dirty="0" smtClean="0"/>
-              <a:t> </a:t>
-            </a:r>
-            <a:r>
-              <a:rPr lang="en-GB" sz="1400" dirty="0" err="1" smtClean="0"/>
-              <a:t>i</a:t>
-            </a:r>
-            <a:r>
-              <a:rPr lang="en-GB" sz="1400" dirty="0" smtClean="0"/>
               <a:t> projekti3 Merge Join-</a:t>
             </a:r>
             <a:r>
@@ -26059,11 +26045,7 @@
             </a:r>
             <a:r>
               <a:rPr lang="en-GB" sz="1400" dirty="0" smtClean="0"/>
-              <a:t> quicksort</a:t>
-            </a:r>
-            <a:r>
-              <a:rPr lang="en-GB" sz="1400" dirty="0" smtClean="0"/>
-              <a:t> .</a:t>
+              <a:t> quicksort .</a:t>
             </a:r>
             <a:endParaRPr lang="en-GB" sz="1400" dirty="0"/>
           </a:p>
@@ -26195,7 +26177,7 @@
           <p:cNvPr id="2" name="Title 1">
             <a:extLst>
               <a:ext uri="{FF2B5EF4-FFF2-40B4-BE49-F238E27FC236}">
-                <a16:creationId xmlns="" xmlns:a16="http://schemas.microsoft.com/office/drawing/2014/main" id="{3D638ACE-163E-40EB-A458-E794C67EA2A6}"/>
+                <a16:creationId xmlns:a16="http://schemas.microsoft.com/office/drawing/2014/main" xmlns="" id="{3D638ACE-163E-40EB-A458-E794C67EA2A6}"/>
               </a:ext>
             </a:extLst>
           </p:cNvPr>
@@ -26288,7 +26270,7 @@
           <p:cNvPr id="2" name="Title 1">
             <a:extLst>
               <a:ext uri="{FF2B5EF4-FFF2-40B4-BE49-F238E27FC236}">
-                <a16:creationId xmlns="" xmlns:a16="http://schemas.microsoft.com/office/drawing/2014/main" id="{3D638ACE-163E-40EB-A458-E794C67EA2A6}"/>
+                <a16:creationId xmlns:a16="http://schemas.microsoft.com/office/drawing/2014/main" xmlns="" id="{3D638ACE-163E-40EB-A458-E794C67EA2A6}"/>
               </a:ext>
             </a:extLst>
           </p:cNvPr>
@@ -26374,7 +26356,7 @@
           <p:cNvPr id="4" name="Title 3">
             <a:extLst>
               <a:ext uri="{FF2B5EF4-FFF2-40B4-BE49-F238E27FC236}">
-                <a16:creationId xmlns="" xmlns:a16="http://schemas.microsoft.com/office/drawing/2014/main" id="{291CA16A-993E-43BA-BDDC-9E427CF951B2}"/>
+                <a16:creationId xmlns:a16="http://schemas.microsoft.com/office/drawing/2014/main" xmlns="" id="{291CA16A-993E-43BA-BDDC-9E427CF951B2}"/>
               </a:ext>
             </a:extLst>
           </p:cNvPr>
@@ -26506,7 +26488,7 @@
           <p:cNvPr id="14" name="Title 13">
             <a:extLst>
               <a:ext uri="{FF2B5EF4-FFF2-40B4-BE49-F238E27FC236}">
-                <a16:creationId xmlns="" xmlns:a16="http://schemas.microsoft.com/office/drawing/2014/main" id="{E3E5EE03-FBF6-46F5-8085-716AC6CE1C8C}"/>
+                <a16:creationId xmlns:a16="http://schemas.microsoft.com/office/drawing/2014/main" xmlns="" id="{E3E5EE03-FBF6-46F5-8085-716AC6CE1C8C}"/>
               </a:ext>
             </a:extLst>
           </p:cNvPr>
@@ -26577,7 +26559,7 @@
           <p:cNvPr id="15" name="Text Placeholder 14">
             <a:extLst>
               <a:ext uri="{FF2B5EF4-FFF2-40B4-BE49-F238E27FC236}">
-                <a16:creationId xmlns="" xmlns:a16="http://schemas.microsoft.com/office/drawing/2014/main" id="{24E18385-8BEA-4522-ABAA-5AB38F0D4FC2}"/>
+                <a16:creationId xmlns:a16="http://schemas.microsoft.com/office/drawing/2014/main" xmlns="" id="{24E18385-8BEA-4522-ABAA-5AB38F0D4FC2}"/>
               </a:ext>
             </a:extLst>
           </p:cNvPr>
@@ -26661,7 +26643,7 @@
           <p:cNvPr id="16" name="Content Placeholder 15">
             <a:extLst>
               <a:ext uri="{FF2B5EF4-FFF2-40B4-BE49-F238E27FC236}">
-                <a16:creationId xmlns="" xmlns:a16="http://schemas.microsoft.com/office/drawing/2014/main" id="{1DCFA8A2-3FB8-48CA-933D-0800A9D2A2A2}"/>
+                <a16:creationId xmlns:a16="http://schemas.microsoft.com/office/drawing/2014/main" xmlns="" id="{1DCFA8A2-3FB8-48CA-933D-0800A9D2A2A2}"/>
               </a:ext>
             </a:extLst>
           </p:cNvPr>
@@ -26911,7 +26893,7 @@
           <p:cNvPr id="17" name="Text Placeholder 16">
             <a:extLst>
               <a:ext uri="{FF2B5EF4-FFF2-40B4-BE49-F238E27FC236}">
-                <a16:creationId xmlns="" xmlns:a16="http://schemas.microsoft.com/office/drawing/2014/main" id="{640A3223-3DA3-4CF2-82B6-1447667547BD}"/>
+                <a16:creationId xmlns:a16="http://schemas.microsoft.com/office/drawing/2014/main" xmlns="" id="{640A3223-3DA3-4CF2-82B6-1447667547BD}"/>
               </a:ext>
             </a:extLst>
           </p:cNvPr>
@@ -26987,7 +26969,7 @@
           <p:cNvPr id="18" name="Content Placeholder 17">
             <a:extLst>
               <a:ext uri="{FF2B5EF4-FFF2-40B4-BE49-F238E27FC236}">
-                <a16:creationId xmlns="" xmlns:a16="http://schemas.microsoft.com/office/drawing/2014/main" id="{C955AFB3-173C-4848-B3E9-1375591B297E}"/>
+                <a16:creationId xmlns:a16="http://schemas.microsoft.com/office/drawing/2014/main" xmlns="" id="{C955AFB3-173C-4848-B3E9-1375591B297E}"/>
               </a:ext>
             </a:extLst>
           </p:cNvPr>
@@ -27067,11 +27049,19 @@
             </a:r>
             <a:r>
               <a:rPr lang="en-US" dirty="0" smtClean="0"/>
-              <a:t> I  </a:t>
+              <a:t> </a:t>
             </a:r>
             <a:r>
               <a:rPr lang="en-US" dirty="0" err="1" smtClean="0"/>
-              <a:t>različizih</a:t>
+              <a:t>i</a:t>
+            </a:r>
+            <a:r>
+              <a:rPr lang="en-US" dirty="0" smtClean="0"/>
+              <a:t>  </a:t>
+            </a:r>
+            <a:r>
+              <a:rPr lang="en-US" dirty="0" err="1" smtClean="0"/>
+              <a:t>različitih</a:t>
             </a:r>
             <a:r>
               <a:rPr lang="en-US" dirty="0" smtClean="0"/>
@@ -27119,15 +27109,15 @@
             </a:r>
             <a:r>
               <a:rPr lang="en-US" dirty="0" smtClean="0"/>
-              <a:t> loop </a:t>
+              <a:t> </a:t>
             </a:r>
             <a:r>
               <a:rPr lang="en-US" dirty="0" smtClean="0"/>
-              <a:t>Join</a:t>
+              <a:t>Loop </a:t>
             </a:r>
             <a:r>
               <a:rPr lang="en-US" dirty="0" smtClean="0"/>
-              <a:t>, Sort-Merge Join, Hash </a:t>
+              <a:t>Join, Sort-Merge Join, Hash </a:t>
             </a:r>
             <a:r>
               <a:rPr lang="en-US" dirty="0" err="1" smtClean="0"/>
@@ -27146,7 +27136,7 @@
           <p:cNvPr id="20" name="Footer Placeholder 4">
             <a:extLst>
               <a:ext uri="{FF2B5EF4-FFF2-40B4-BE49-F238E27FC236}">
-                <a16:creationId xmlns="" xmlns:a16="http://schemas.microsoft.com/office/drawing/2014/main" id="{391D3201-20F9-4DD7-B4EB-F41AF17CA428}"/>
+                <a16:creationId xmlns:a16="http://schemas.microsoft.com/office/drawing/2014/main" xmlns="" id="{391D3201-20F9-4DD7-B4EB-F41AF17CA428}"/>
               </a:ext>
             </a:extLst>
           </p:cNvPr>
@@ -27186,7 +27176,7 @@
           <p:cNvPr id="21" name="Slide Number Placeholder 5">
             <a:extLst>
               <a:ext uri="{FF2B5EF4-FFF2-40B4-BE49-F238E27FC236}">
-                <a16:creationId xmlns="" xmlns:a16="http://schemas.microsoft.com/office/drawing/2014/main" id="{C7C65DDB-24F2-44CF-AE02-F3A6C8B1858B}"/>
+                <a16:creationId xmlns:a16="http://schemas.microsoft.com/office/drawing/2014/main" xmlns="" id="{C7C65DDB-24F2-44CF-AE02-F3A6C8B1858B}"/>
               </a:ext>
             </a:extLst>
           </p:cNvPr>
@@ -27264,7 +27254,7 @@
           <p:cNvPr id="4" name="Title 3">
             <a:extLst>
               <a:ext uri="{FF2B5EF4-FFF2-40B4-BE49-F238E27FC236}">
-                <a16:creationId xmlns="" xmlns:a16="http://schemas.microsoft.com/office/drawing/2014/main" id="{291CA16A-993E-43BA-BDDC-9E427CF951B2}"/>
+                <a16:creationId xmlns:a16="http://schemas.microsoft.com/office/drawing/2014/main" xmlns="" id="{291CA16A-993E-43BA-BDDC-9E427CF951B2}"/>
               </a:ext>
             </a:extLst>
           </p:cNvPr>
@@ -27617,7 +27607,7 @@
           <p:cNvPr id="4" name="Title 3">
             <a:extLst>
               <a:ext uri="{FF2B5EF4-FFF2-40B4-BE49-F238E27FC236}">
-                <a16:creationId xmlns="" xmlns:a16="http://schemas.microsoft.com/office/drawing/2014/main" id="{1ABE11BF-33A5-4653-A144-CCCBACF58C30}"/>
+                <a16:creationId xmlns:a16="http://schemas.microsoft.com/office/drawing/2014/main" xmlns="" id="{1ABE11BF-33A5-4653-A144-CCCBACF58C30}"/>
               </a:ext>
             </a:extLst>
           </p:cNvPr>
@@ -27677,7 +27667,7 @@
           <p:cNvPr id="7" name="Content Placeholder 6">
             <a:extLst>
               <a:ext uri="{FF2B5EF4-FFF2-40B4-BE49-F238E27FC236}">
-                <a16:creationId xmlns="" xmlns:a16="http://schemas.microsoft.com/office/drawing/2014/main" id="{2482DBEC-EE72-4155-ACC5-87E80C5606A9}"/>
+                <a16:creationId xmlns:a16="http://schemas.microsoft.com/office/drawing/2014/main" xmlns="" id="{2482DBEC-EE72-4155-ACC5-87E80C5606A9}"/>
               </a:ext>
             </a:extLst>
           </p:cNvPr>
@@ -27915,7 +27905,7 @@
           <p:cNvPr id="11" name="Footer Placeholder 10">
             <a:extLst>
               <a:ext uri="{FF2B5EF4-FFF2-40B4-BE49-F238E27FC236}">
-                <a16:creationId xmlns="" xmlns:a16="http://schemas.microsoft.com/office/drawing/2014/main" id="{47F4D2C2-B71A-4089-A3FE-603C32706CA6}"/>
+                <a16:creationId xmlns:a16="http://schemas.microsoft.com/office/drawing/2014/main" xmlns="" id="{47F4D2C2-B71A-4089-A3FE-603C32706CA6}"/>
               </a:ext>
             </a:extLst>
           </p:cNvPr>
@@ -27943,7 +27933,7 @@
           <p:cNvPr id="12" name="Slide Number Placeholder 11">
             <a:extLst>
               <a:ext uri="{FF2B5EF4-FFF2-40B4-BE49-F238E27FC236}">
-                <a16:creationId xmlns="" xmlns:a16="http://schemas.microsoft.com/office/drawing/2014/main" id="{FBA1BB58-7555-4382-B178-7ED04E137E77}"/>
+                <a16:creationId xmlns:a16="http://schemas.microsoft.com/office/drawing/2014/main" xmlns="" id="{FBA1BB58-7555-4382-B178-7ED04E137E77}"/>
               </a:ext>
             </a:extLst>
           </p:cNvPr>
@@ -28038,7 +28028,7 @@
           <p:cNvPr id="4" name="Title 3">
             <a:extLst>
               <a:ext uri="{FF2B5EF4-FFF2-40B4-BE49-F238E27FC236}">
-                <a16:creationId xmlns="" xmlns:a16="http://schemas.microsoft.com/office/drawing/2014/main" id="{291CA16A-993E-43BA-BDDC-9E427CF951B2}"/>
+                <a16:creationId xmlns:a16="http://schemas.microsoft.com/office/drawing/2014/main" xmlns="" id="{291CA16A-993E-43BA-BDDC-9E427CF951B2}"/>
               </a:ext>
             </a:extLst>
           </p:cNvPr>
@@ -28211,7 +28201,7 @@
           <p:cNvPr id="41" name="Title 3">
             <a:extLst>
               <a:ext uri="{FF2B5EF4-FFF2-40B4-BE49-F238E27FC236}">
-                <a16:creationId xmlns="" xmlns:a16="http://schemas.microsoft.com/office/drawing/2014/main" id="{1ABD613F-111C-41D6-9F8E-8B2C42A5E047}"/>
+                <a16:creationId xmlns:a16="http://schemas.microsoft.com/office/drawing/2014/main" xmlns="" id="{1ABD613F-111C-41D6-9F8E-8B2C42A5E047}"/>
               </a:ext>
             </a:extLst>
           </p:cNvPr>
@@ -28282,7 +28272,7 @@
           <p:cNvPr id="42" name="Content Placeholder 6">
             <a:extLst>
               <a:ext uri="{FF2B5EF4-FFF2-40B4-BE49-F238E27FC236}">
-                <a16:creationId xmlns="" xmlns:a16="http://schemas.microsoft.com/office/drawing/2014/main" id="{55EACD59-7C51-4810-94C6-BCB4D12346DC}"/>
+                <a16:creationId xmlns:a16="http://schemas.microsoft.com/office/drawing/2014/main" xmlns="" id="{55EACD59-7C51-4810-94C6-BCB4D12346DC}"/>
               </a:ext>
             </a:extLst>
           </p:cNvPr>
@@ -28398,7 +28388,7 @@
           <p:cNvPr id="35" name="Footer Placeholder 34">
             <a:extLst>
               <a:ext uri="{FF2B5EF4-FFF2-40B4-BE49-F238E27FC236}">
-                <a16:creationId xmlns="" xmlns:a16="http://schemas.microsoft.com/office/drawing/2014/main" id="{6390A22B-EC07-E942-A46F-F36FDD7FDB9D}"/>
+                <a16:creationId xmlns:a16="http://schemas.microsoft.com/office/drawing/2014/main" xmlns="" id="{6390A22B-EC07-E942-A46F-F36FDD7FDB9D}"/>
               </a:ext>
             </a:extLst>
           </p:cNvPr>
@@ -28426,7 +28416,7 @@
           <p:cNvPr id="10" name="Slide Number Placeholder 9">
             <a:extLst>
               <a:ext uri="{FF2B5EF4-FFF2-40B4-BE49-F238E27FC236}">
-                <a16:creationId xmlns="" xmlns:a16="http://schemas.microsoft.com/office/drawing/2014/main" id="{A267D224-5586-43DC-82CA-8605E158298B}"/>
+                <a16:creationId xmlns:a16="http://schemas.microsoft.com/office/drawing/2014/main" xmlns="" id="{A267D224-5586-43DC-82CA-8605E158298B}"/>
               </a:ext>
             </a:extLst>
           </p:cNvPr>
@@ -28521,7 +28511,7 @@
           <p:cNvPr id="14" name="Title 13">
             <a:extLst>
               <a:ext uri="{FF2B5EF4-FFF2-40B4-BE49-F238E27FC236}">
-                <a16:creationId xmlns="" xmlns:a16="http://schemas.microsoft.com/office/drawing/2014/main" id="{E3E5EE03-FBF6-46F5-8085-716AC6CE1C8C}"/>
+                <a16:creationId xmlns:a16="http://schemas.microsoft.com/office/drawing/2014/main" xmlns="" id="{E3E5EE03-FBF6-46F5-8085-716AC6CE1C8C}"/>
               </a:ext>
             </a:extLst>
           </p:cNvPr>
@@ -28580,7 +28570,7 @@
           <p:cNvPr id="20" name="Footer Placeholder 4">
             <a:extLst>
               <a:ext uri="{FF2B5EF4-FFF2-40B4-BE49-F238E27FC236}">
-                <a16:creationId xmlns="" xmlns:a16="http://schemas.microsoft.com/office/drawing/2014/main" id="{391D3201-20F9-4DD7-B4EB-F41AF17CA428}"/>
+                <a16:creationId xmlns:a16="http://schemas.microsoft.com/office/drawing/2014/main" xmlns="" id="{391D3201-20F9-4DD7-B4EB-F41AF17CA428}"/>
               </a:ext>
             </a:extLst>
           </p:cNvPr>
@@ -28620,7 +28610,7 @@
           <p:cNvPr id="21" name="Slide Number Placeholder 5">
             <a:extLst>
               <a:ext uri="{FF2B5EF4-FFF2-40B4-BE49-F238E27FC236}">
-                <a16:creationId xmlns="" xmlns:a16="http://schemas.microsoft.com/office/drawing/2014/main" id="{C7C65DDB-24F2-44CF-AE02-F3A6C8B1858B}"/>
+                <a16:creationId xmlns:a16="http://schemas.microsoft.com/office/drawing/2014/main" xmlns="" id="{C7C65DDB-24F2-44CF-AE02-F3A6C8B1858B}"/>
               </a:ext>
             </a:extLst>
           </p:cNvPr>
@@ -28725,9 +28715,22 @@
           <a:lstStyle/>
           <a:p>
             <a:r>
+              <a:rPr lang="en-GB" dirty="0" err="1" smtClean="0"/>
+              <a:t>Kreiranje</a:t>
+            </a:r>
+            <a:r>
               <a:rPr lang="en-GB" dirty="0" smtClean="0"/>
-              <a:t>Rewriter:</a:t>
-            </a:r>
+              <a:t> </a:t>
+            </a:r>
+            <a:r>
+              <a:rPr lang="en-GB" dirty="0" err="1" smtClean="0"/>
+              <a:t>pogleda</a:t>
+            </a:r>
+            <a:r>
+              <a:rPr lang="en-GB" dirty="0" smtClean="0"/>
+              <a:t>:</a:t>
+            </a:r>
+            <a:endParaRPr lang="en-GB" dirty="0" smtClean="0"/>
           </a:p>
           <a:p>
             <a:pPr marL="0" indent="0">
@@ -29721,6 +29724,23 @@
 </file>
 
 <file path=customXml/item1.xml><?xml version="1.0" encoding="utf-8"?>
+<p:properties xmlns:p="http://schemas.microsoft.com/office/2006/metadata/properties" xmlns:xsi="http://www.w3.org/2001/XMLSchema-instance" xmlns:pc="http://schemas.microsoft.com/office/infopath/2007/PartnerControls">
+  <documentManagement>
+    <MediaServiceKeyPoints xmlns="71af3243-3dd4-4a8d-8c0d-dd76da1f02a5" xsi:nil="true"/>
+  </documentManagement>
+</p:properties>
+</file>
+
+<file path=customXml/item2.xml><?xml version="1.0" encoding="utf-8"?>
+<?mso-contentType ?>
+<FormTemplates xmlns="http://schemas.microsoft.com/sharepoint/v3/contenttype/forms">
+  <Display>DocumentLibraryForm</Display>
+  <Edit>DocumentLibraryForm</Edit>
+  <New>DocumentLibraryForm</New>
+</FormTemplates>
+</file>
+
+<file path=customXml/item3.xml><?xml version="1.0" encoding="utf-8"?>
 <ct:contentTypeSchema xmlns:ct="http://schemas.microsoft.com/office/2006/metadata/contentType" xmlns:ma="http://schemas.microsoft.com/office/2006/metadata/properties/metaAttributes" ct:_="" ma:_="" ma:contentTypeName="Document" ma:contentTypeID="0x01010079F111ED35F8CC479449609E8A0923A6" ma:contentTypeVersion="11" ma:contentTypeDescription="Create a new document." ma:contentTypeScope="" ma:versionID="96291512c1ee715ab617f4c07df79fc1">
   <xsd:schema xmlns:xsd="http://www.w3.org/2001/XMLSchema" xmlns:xs="http://www.w3.org/2001/XMLSchema" xmlns:p="http://schemas.microsoft.com/office/2006/metadata/properties" xmlns:ns2="71af3243-3dd4-4a8d-8c0d-dd76da1f02a5" xmlns:ns3="16c05727-aa75-4e4a-9b5f-8a80a1165891" targetNamespace="http://schemas.microsoft.com/office/2006/metadata/properties" ma:root="true" ma:fieldsID="8256c27c40ca5c40ce1cf6c44f0205df" ns2:_="" ns3:_="">
     <xsd:import namespace="71af3243-3dd4-4a8d-8c0d-dd76da1f02a5"/>
@@ -29931,24 +29951,32 @@
 </ct:contentTypeSchema>
 </file>
 
-<file path=customXml/item2.xml><?xml version="1.0" encoding="utf-8"?>
-<?mso-contentType ?>
-<FormTemplates xmlns="http://schemas.microsoft.com/sharepoint/v3/contenttype/forms">
-  <Display>DocumentLibraryForm</Display>
-  <Edit>DocumentLibraryForm</Edit>
-  <New>DocumentLibraryForm</New>
-</FormTemplates>
+<file path=customXml/itemProps1.xml><?xml version="1.0" encoding="utf-8"?>
+<ds:datastoreItem xmlns:ds="http://schemas.openxmlformats.org/officeDocument/2006/customXml" ds:itemID="{C87F4215-C6BB-44A3-9A5E-9446E6835900}">
+  <ds:schemaRefs>
+    <ds:schemaRef ds:uri="http://purl.org/dc/terms/"/>
+    <ds:schemaRef ds:uri="http://schemas.openxmlformats.org/package/2006/metadata/core-properties"/>
+    <ds:schemaRef ds:uri="16c05727-aa75-4e4a-9b5f-8a80a1165891"/>
+    <ds:schemaRef ds:uri="http://schemas.microsoft.com/office/2006/documentManagement/types"/>
+    <ds:schemaRef ds:uri="http://schemas.microsoft.com/office/infopath/2007/PartnerControls"/>
+    <ds:schemaRef ds:uri="http://purl.org/dc/elements/1.1/"/>
+    <ds:schemaRef ds:uri="http://schemas.microsoft.com/office/2006/metadata/properties"/>
+    <ds:schemaRef ds:uri="71af3243-3dd4-4a8d-8c0d-dd76da1f02a5"/>
+    <ds:schemaRef ds:uri="http://www.w3.org/XML/1998/namespace"/>
+    <ds:schemaRef ds:uri="http://purl.org/dc/dcmitype/"/>
+  </ds:schemaRefs>
+</ds:datastoreItem>
 </file>
 
-<file path=customXml/item3.xml><?xml version="1.0" encoding="utf-8"?>
-<p:properties xmlns:p="http://schemas.microsoft.com/office/2006/metadata/properties" xmlns:xsi="http://www.w3.org/2001/XMLSchema-instance" xmlns:pc="http://schemas.microsoft.com/office/infopath/2007/PartnerControls">
-  <documentManagement>
-    <MediaServiceKeyPoints xmlns="71af3243-3dd4-4a8d-8c0d-dd76da1f02a5" xsi:nil="true"/>
-  </documentManagement>
-</p:properties>
+<file path=customXml/itemProps2.xml><?xml version="1.0" encoding="utf-8"?>
+<ds:datastoreItem xmlns:ds="http://schemas.openxmlformats.org/officeDocument/2006/customXml" ds:itemID="{A80A5AF1-8C57-4290-936E-5FD27C957251}">
+  <ds:schemaRefs>
+    <ds:schemaRef ds:uri="http://schemas.microsoft.com/sharepoint/v3/contenttype/forms"/>
+  </ds:schemaRefs>
+</ds:datastoreItem>
 </file>
 
-<file path=customXml/itemProps1.xml><?xml version="1.0" encoding="utf-8"?>
+<file path=customXml/itemProps3.xml><?xml version="1.0" encoding="utf-8"?>
 <ds:datastoreItem xmlns:ds="http://schemas.openxmlformats.org/officeDocument/2006/customXml" ds:itemID="{8F8919DE-9BD9-47A9-9F5D-16EBB9687974}">
   <ds:schemaRefs>
     <ds:schemaRef ds:uri="http://schemas.microsoft.com/office/2006/metadata/contentType"/>
@@ -29965,29 +29993,4 @@
     <ds:schemaRef ds:uri="http://schemas.microsoft.com/internal/obd"/>
   </ds:schemaRefs>
 </ds:datastoreItem>
-</file>
-
-<file path=customXml/itemProps2.xml><?xml version="1.0" encoding="utf-8"?>
-<ds:datastoreItem xmlns:ds="http://schemas.openxmlformats.org/officeDocument/2006/customXml" ds:itemID="{A80A5AF1-8C57-4290-936E-5FD27C957251}">
-  <ds:schemaRefs>
-    <ds:schemaRef ds:uri="http://schemas.microsoft.com/sharepoint/v3/contenttype/forms"/>
-  </ds:schemaRefs>
-</ds:datastoreItem>
-</file>
-
-<file path=customXml/itemProps3.xml><?xml version="1.0" encoding="utf-8"?>
-<ds:datastoreItem xmlns:ds="http://schemas.openxmlformats.org/officeDocument/2006/customXml" ds:itemID="{C87F4215-C6BB-44A3-9A5E-9446E6835900}">
-  <ds:schemaRefs>
-    <ds:schemaRef ds:uri="http://purl.org/dc/terms/"/>
-    <ds:schemaRef ds:uri="http://schemas.openxmlformats.org/package/2006/metadata/core-properties"/>
-    <ds:schemaRef ds:uri="16c05727-aa75-4e4a-9b5f-8a80a1165891"/>
-    <ds:schemaRef ds:uri="http://schemas.microsoft.com/office/2006/documentManagement/types"/>
-    <ds:schemaRef ds:uri="http://schemas.microsoft.com/office/infopath/2007/PartnerControls"/>
-    <ds:schemaRef ds:uri="http://purl.org/dc/elements/1.1/"/>
-    <ds:schemaRef ds:uri="http://schemas.microsoft.com/office/2006/metadata/properties"/>
-    <ds:schemaRef ds:uri="71af3243-3dd4-4a8d-8c0d-dd76da1f02a5"/>
-    <ds:schemaRef ds:uri="http://www.w3.org/XML/1998/namespace"/>
-    <ds:schemaRef ds:uri="http://purl.org/dc/dcmitype/"/>
-  </ds:schemaRefs>
-</ds:datastoreItem>
 </file>
--- a/Obrada upita kod PostgreSQL baze podataka.pptx
+++ b/Obrada upita kod PostgreSQL baze podataka.pptx
@@ -1980,33 +1980,33 @@
     </dgm:pt>
   </dgm:ptLst>
   <dgm:cxnLst>
+    <dgm:cxn modelId="{A3CB0B85-29FD-414D-A5CF-77372224EC69}" type="presOf" srcId="{93DB4C28-A738-4F7D-8363-851A863C24A0}" destId="{F653438E-0FA6-4DA7-B2F1-24FBB8435511}" srcOrd="0" destOrd="1" presId="urn:microsoft.com/office/officeart/2005/8/layout/hList2"/>
+    <dgm:cxn modelId="{24B46C01-36EE-4BE3-B7C9-6B0A6217E737}" srcId="{31D452D9-8A41-408D-9ED8-828DD1FA91CC}" destId="{1034AD6B-E3B7-41EC-B2A2-52C2F6653322}" srcOrd="1" destOrd="0" parTransId="{49C0B4BB-733D-4A9D-B26F-6917E93735B4}" sibTransId="{26A581CF-D059-4AAC-AE50-B24B25E066A6}"/>
+    <dgm:cxn modelId="{07431025-C853-4230-A0D5-B2457DF6E952}" srcId="{38E2FA88-186C-403E-BAED-D15370A67C4B}" destId="{1D0F9554-BEE4-4E67-8D3D-F6054757673C}" srcOrd="4" destOrd="0" parTransId="{671584EE-0BCB-4B00-8C43-22D10915F607}" sibTransId="{6871458D-B41F-4702-AF27-258308C75D33}"/>
+    <dgm:cxn modelId="{6195A2CD-B2DC-43BC-B3C0-E6FA6CF11526}" srcId="{38E2FA88-186C-403E-BAED-D15370A67C4B}" destId="{A13C3BC0-21BA-4E3D-ADFC-E3B3A66514CC}" srcOrd="3" destOrd="0" parTransId="{AFBCA951-7E3D-460F-93E4-704809E36A73}" sibTransId="{E80025AA-2A2E-40A5-9A42-048611B33F33}"/>
+    <dgm:cxn modelId="{9ED4485D-494E-48ED-9AD6-30D5EC00978E}" type="presOf" srcId="{D7FA0168-223F-4513-80D4-56F3B081D541}" destId="{F653438E-0FA6-4DA7-B2F1-24FBB8435511}" srcOrd="0" destOrd="0" presId="urn:microsoft.com/office/officeart/2005/8/layout/hList2"/>
+    <dgm:cxn modelId="{192F4EFF-311F-47EA-8773-3566756925D8}" type="presOf" srcId="{31D452D9-8A41-408D-9ED8-828DD1FA91CC}" destId="{211E1112-2E96-42C5-8907-9FD014DDF905}" srcOrd="0" destOrd="0" presId="urn:microsoft.com/office/officeart/2005/8/layout/hList2"/>
+    <dgm:cxn modelId="{CA9A7E0B-14A8-4D0F-827E-3EE58B3772C1}" type="presOf" srcId="{1034AD6B-E3B7-41EC-B2A2-52C2F6653322}" destId="{2A48E52D-407B-40CC-ADD7-BBBB24A10A36}" srcOrd="0" destOrd="1" presId="urn:microsoft.com/office/officeart/2005/8/layout/hList2"/>
+    <dgm:cxn modelId="{875734B1-FABE-4F7D-8032-A399574F16E6}" srcId="{A13C3BC0-21BA-4E3D-ADFC-E3B3A66514CC}" destId="{79E102AF-0E5E-4372-AAA4-456C5E81C1FC}" srcOrd="0" destOrd="0" parTransId="{99548DB3-F13F-45B3-927A-8F6EFFD6D18E}" sibTransId="{31DE9861-D8D1-4F50-A5EF-F1212200F5DF}"/>
+    <dgm:cxn modelId="{D94B8DB0-7831-42A1-AC81-4C27B94E094D}" type="presOf" srcId="{5E652DE3-A867-41E8-AE56-8807BAF04198}" destId="{E5A601D7-3BE1-49B1-B9B3-4CBAE603BB8A}" srcOrd="0" destOrd="1" presId="urn:microsoft.com/office/officeart/2005/8/layout/hList2"/>
+    <dgm:cxn modelId="{3DD32474-460A-4363-AA63-1C581D1A0969}" type="presOf" srcId="{1D0F9554-BEE4-4E67-8D3D-F6054757673C}" destId="{00F6B1FB-D5B7-4304-B517-F4F34AF352D6}" srcOrd="0" destOrd="0" presId="urn:microsoft.com/office/officeart/2005/8/layout/hList2"/>
+    <dgm:cxn modelId="{CC66380C-B58F-4317-BDC1-68F7835FC42C}" srcId="{1D0F9554-BEE4-4E67-8D3D-F6054757673C}" destId="{9B72DDB4-CBFE-4D1E-B619-51E0ADDCFEA8}" srcOrd="0" destOrd="0" parTransId="{083E22E7-E0D7-4874-A440-3FC31546273A}" sibTransId="{A83C7347-C2E6-4401-863F-3EE2ED122D06}"/>
+    <dgm:cxn modelId="{E319FA73-6A6B-4E90-8689-51E76885B6C9}" srcId="{31D452D9-8A41-408D-9ED8-828DD1FA91CC}" destId="{DA51A157-F484-4580-AEE9-58890F1B0F70}" srcOrd="0" destOrd="0" parTransId="{E9EFEE5F-B047-409F-BB62-04C85AD94758}" sibTransId="{677A0C01-BA08-4B27-A078-26574C2D1211}"/>
+    <dgm:cxn modelId="{F3AEF4E3-EFEC-46B5-B844-2FFE538EA03C}" type="presOf" srcId="{9B72DDB4-CBFE-4D1E-B619-51E0ADDCFEA8}" destId="{B716580A-0D31-4EEE-8B1F-A560443866CF}" srcOrd="0" destOrd="0" presId="urn:microsoft.com/office/officeart/2005/8/layout/hList2"/>
+    <dgm:cxn modelId="{A48A3F4F-2D2B-4090-8DAE-B3748ED52E72}" srcId="{5712CA28-1CFD-403D-BD5F-61C1100180E0}" destId="{93DB4C28-A738-4F7D-8363-851A863C24A0}" srcOrd="1" destOrd="0" parTransId="{D2F487E3-EDB5-42C5-B819-134B3E3895C4}" sibTransId="{AC1CBE6E-188A-45D8-8814-8D635709EC48}"/>
+    <dgm:cxn modelId="{B497FA28-EC82-4EFC-8A6C-63C525EBDE45}" srcId="{FBC77BE6-5C83-48F3-9EDF-ED67FE8DD5AC}" destId="{F3DEFC4D-41A2-48C9-8674-8AE5CD02FDE1}" srcOrd="0" destOrd="0" parTransId="{AB284C30-0E45-4DFC-A30A-2A6492E40A12}" sibTransId="{1B97DB0B-1013-4893-8D57-317FF86BCE47}"/>
+    <dgm:cxn modelId="{7F70BF2A-834F-4AFD-9CE1-4CABDAEAF3E1}" srcId="{38E2FA88-186C-403E-BAED-D15370A67C4B}" destId="{FBC77BE6-5C83-48F3-9EDF-ED67FE8DD5AC}" srcOrd="2" destOrd="0" parTransId="{642AC365-9BDF-466B-8A4C-A0146898359B}" sibTransId="{00680EC5-E51B-49BF-B85F-B4304BD9DE03}"/>
+    <dgm:cxn modelId="{F31508E8-3936-4BCA-AB98-3CD20816ED41}" type="presOf" srcId="{38E2FA88-186C-403E-BAED-D15370A67C4B}" destId="{8A35C4DA-1ACA-411E-BF33-FA64454AE01A}" srcOrd="0" destOrd="0" presId="urn:microsoft.com/office/officeart/2005/8/layout/hList2"/>
+    <dgm:cxn modelId="{4C47BF45-3B04-40FE-A7A7-6CFF6F1DF469}" type="presOf" srcId="{DA51A157-F484-4580-AEE9-58890F1B0F70}" destId="{2A48E52D-407B-40CC-ADD7-BBBB24A10A36}" srcOrd="0" destOrd="0" presId="urn:microsoft.com/office/officeart/2005/8/layout/hList2"/>
+    <dgm:cxn modelId="{019DE613-FB6D-4B07-A7A6-D96D8F7354EE}" type="presOf" srcId="{79E102AF-0E5E-4372-AAA4-456C5E81C1FC}" destId="{11209217-7506-44AF-A530-A882472310A0}" srcOrd="0" destOrd="0" presId="urn:microsoft.com/office/officeart/2005/8/layout/hList2"/>
+    <dgm:cxn modelId="{1E09AEFC-2BFB-40CC-A49F-CF6EC4A33AEE}" type="presOf" srcId="{F3DEFC4D-41A2-48C9-8674-8AE5CD02FDE1}" destId="{E5A601D7-3BE1-49B1-B9B3-4CBAE603BB8A}" srcOrd="0" destOrd="0" presId="urn:microsoft.com/office/officeart/2005/8/layout/hList2"/>
+    <dgm:cxn modelId="{DB3C8A18-46AF-4A7F-AEB0-D7CE47FF96A6}" srcId="{5712CA28-1CFD-403D-BD5F-61C1100180E0}" destId="{D7FA0168-223F-4513-80D4-56F3B081D541}" srcOrd="0" destOrd="0" parTransId="{F725B0D9-DFD9-4A52-93E7-5D705836FE28}" sibTransId="{7F1F4F99-2C6A-4F2C-AB2D-6EED79CA474A}"/>
+    <dgm:cxn modelId="{B60C5771-A9C6-47AD-808D-E5906309E6AF}" srcId="{FBC77BE6-5C83-48F3-9EDF-ED67FE8DD5AC}" destId="{5E652DE3-A867-41E8-AE56-8807BAF04198}" srcOrd="1" destOrd="0" parTransId="{6F9EA44E-06E7-4096-AD54-2342480609F1}" sibTransId="{6A47C694-5E12-4CC4-9B20-4B90CA6883BE}"/>
+    <dgm:cxn modelId="{3062774F-0D30-440D-951F-8B1BA366346E}" type="presOf" srcId="{A13C3BC0-21BA-4E3D-ADFC-E3B3A66514CC}" destId="{A8306976-DCA6-4952-88DE-06F3FFBF0A72}" srcOrd="0" destOrd="0" presId="urn:microsoft.com/office/officeart/2005/8/layout/hList2"/>
+    <dgm:cxn modelId="{92AB1F4C-0A91-4896-8C4A-430327B478E8}" type="presOf" srcId="{FBC77BE6-5C83-48F3-9EDF-ED67FE8DD5AC}" destId="{46163D27-828A-4962-927E-38FC7B508791}" srcOrd="0" destOrd="0" presId="urn:microsoft.com/office/officeart/2005/8/layout/hList2"/>
+    <dgm:cxn modelId="{C0803E0C-266C-45D4-A65B-9B2D98FC0D83}" srcId="{38E2FA88-186C-403E-BAED-D15370A67C4B}" destId="{31D452D9-8A41-408D-9ED8-828DD1FA91CC}" srcOrd="1" destOrd="0" parTransId="{559918AD-86F0-4FCA-9300-12272943088B}" sibTransId="{975094DF-6EAA-496D-B659-C010C21C7225}"/>
+    <dgm:cxn modelId="{5BA92637-00A7-4FB0-A050-CC2975A98398}" type="presOf" srcId="{5712CA28-1CFD-403D-BD5F-61C1100180E0}" destId="{0EEF8EC5-7964-4E0E-BD7B-C1C53D645835}" srcOrd="0" destOrd="0" presId="urn:microsoft.com/office/officeart/2005/8/layout/hList2"/>
     <dgm:cxn modelId="{8956F9BC-E05C-4EA1-9929-86BCCF751BB7}" srcId="{38E2FA88-186C-403E-BAED-D15370A67C4B}" destId="{5712CA28-1CFD-403D-BD5F-61C1100180E0}" srcOrd="0" destOrd="0" parTransId="{00635322-5456-4E36-85FF-DD13787E7CEF}" sibTransId="{04D7095F-669E-4E5C-B447-1CC6CE859B41}"/>
-    <dgm:cxn modelId="{019DE613-FB6D-4B07-A7A6-D96D8F7354EE}" type="presOf" srcId="{79E102AF-0E5E-4372-AAA4-456C5E81C1FC}" destId="{11209217-7506-44AF-A530-A882472310A0}" srcOrd="0" destOrd="0" presId="urn:microsoft.com/office/officeart/2005/8/layout/hList2"/>
-    <dgm:cxn modelId="{CC66380C-B58F-4317-BDC1-68F7835FC42C}" srcId="{1D0F9554-BEE4-4E67-8D3D-F6054757673C}" destId="{9B72DDB4-CBFE-4D1E-B619-51E0ADDCFEA8}" srcOrd="0" destOrd="0" parTransId="{083E22E7-E0D7-4874-A440-3FC31546273A}" sibTransId="{A83C7347-C2E6-4401-863F-3EE2ED122D06}"/>
-    <dgm:cxn modelId="{A48A3F4F-2D2B-4090-8DAE-B3748ED52E72}" srcId="{5712CA28-1CFD-403D-BD5F-61C1100180E0}" destId="{93DB4C28-A738-4F7D-8363-851A863C24A0}" srcOrd="1" destOrd="0" parTransId="{D2F487E3-EDB5-42C5-B819-134B3E3895C4}" sibTransId="{AC1CBE6E-188A-45D8-8814-8D635709EC48}"/>
-    <dgm:cxn modelId="{3DD32474-460A-4363-AA63-1C581D1A0969}" type="presOf" srcId="{1D0F9554-BEE4-4E67-8D3D-F6054757673C}" destId="{00F6B1FB-D5B7-4304-B517-F4F34AF352D6}" srcOrd="0" destOrd="0" presId="urn:microsoft.com/office/officeart/2005/8/layout/hList2"/>
-    <dgm:cxn modelId="{192F4EFF-311F-47EA-8773-3566756925D8}" type="presOf" srcId="{31D452D9-8A41-408D-9ED8-828DD1FA91CC}" destId="{211E1112-2E96-42C5-8907-9FD014DDF905}" srcOrd="0" destOrd="0" presId="urn:microsoft.com/office/officeart/2005/8/layout/hList2"/>
-    <dgm:cxn modelId="{A3CB0B85-29FD-414D-A5CF-77372224EC69}" type="presOf" srcId="{93DB4C28-A738-4F7D-8363-851A863C24A0}" destId="{F653438E-0FA6-4DA7-B2F1-24FBB8435511}" srcOrd="0" destOrd="1" presId="urn:microsoft.com/office/officeart/2005/8/layout/hList2"/>
-    <dgm:cxn modelId="{5BA92637-00A7-4FB0-A050-CC2975A98398}" type="presOf" srcId="{5712CA28-1CFD-403D-BD5F-61C1100180E0}" destId="{0EEF8EC5-7964-4E0E-BD7B-C1C53D645835}" srcOrd="0" destOrd="0" presId="urn:microsoft.com/office/officeart/2005/8/layout/hList2"/>
-    <dgm:cxn modelId="{D94B8DB0-7831-42A1-AC81-4C27B94E094D}" type="presOf" srcId="{5E652DE3-A867-41E8-AE56-8807BAF04198}" destId="{E5A601D7-3BE1-49B1-B9B3-4CBAE603BB8A}" srcOrd="0" destOrd="1" presId="urn:microsoft.com/office/officeart/2005/8/layout/hList2"/>
-    <dgm:cxn modelId="{92AB1F4C-0A91-4896-8C4A-430327B478E8}" type="presOf" srcId="{FBC77BE6-5C83-48F3-9EDF-ED67FE8DD5AC}" destId="{46163D27-828A-4962-927E-38FC7B508791}" srcOrd="0" destOrd="0" presId="urn:microsoft.com/office/officeart/2005/8/layout/hList2"/>
-    <dgm:cxn modelId="{DB3C8A18-46AF-4A7F-AEB0-D7CE47FF96A6}" srcId="{5712CA28-1CFD-403D-BD5F-61C1100180E0}" destId="{D7FA0168-223F-4513-80D4-56F3B081D541}" srcOrd="0" destOrd="0" parTransId="{F725B0D9-DFD9-4A52-93E7-5D705836FE28}" sibTransId="{7F1F4F99-2C6A-4F2C-AB2D-6EED79CA474A}"/>
-    <dgm:cxn modelId="{B497FA28-EC82-4EFC-8A6C-63C525EBDE45}" srcId="{FBC77BE6-5C83-48F3-9EDF-ED67FE8DD5AC}" destId="{F3DEFC4D-41A2-48C9-8674-8AE5CD02FDE1}" srcOrd="0" destOrd="0" parTransId="{AB284C30-0E45-4DFC-A30A-2A6492E40A12}" sibTransId="{1B97DB0B-1013-4893-8D57-317FF86BCE47}"/>
-    <dgm:cxn modelId="{24B46C01-36EE-4BE3-B7C9-6B0A6217E737}" srcId="{31D452D9-8A41-408D-9ED8-828DD1FA91CC}" destId="{1034AD6B-E3B7-41EC-B2A2-52C2F6653322}" srcOrd="1" destOrd="0" parTransId="{49C0B4BB-733D-4A9D-B26F-6917E93735B4}" sibTransId="{26A581CF-D059-4AAC-AE50-B24B25E066A6}"/>
-    <dgm:cxn modelId="{B60C5771-A9C6-47AD-808D-E5906309E6AF}" srcId="{FBC77BE6-5C83-48F3-9EDF-ED67FE8DD5AC}" destId="{5E652DE3-A867-41E8-AE56-8807BAF04198}" srcOrd="1" destOrd="0" parTransId="{6F9EA44E-06E7-4096-AD54-2342480609F1}" sibTransId="{6A47C694-5E12-4CC4-9B20-4B90CA6883BE}"/>
-    <dgm:cxn modelId="{F31508E8-3936-4BCA-AB98-3CD20816ED41}" type="presOf" srcId="{38E2FA88-186C-403E-BAED-D15370A67C4B}" destId="{8A35C4DA-1ACA-411E-BF33-FA64454AE01A}" srcOrd="0" destOrd="0" presId="urn:microsoft.com/office/officeart/2005/8/layout/hList2"/>
-    <dgm:cxn modelId="{E319FA73-6A6B-4E90-8689-51E76885B6C9}" srcId="{31D452D9-8A41-408D-9ED8-828DD1FA91CC}" destId="{DA51A157-F484-4580-AEE9-58890F1B0F70}" srcOrd="0" destOrd="0" parTransId="{E9EFEE5F-B047-409F-BB62-04C85AD94758}" sibTransId="{677A0C01-BA08-4B27-A078-26574C2D1211}"/>
-    <dgm:cxn modelId="{6195A2CD-B2DC-43BC-B3C0-E6FA6CF11526}" srcId="{38E2FA88-186C-403E-BAED-D15370A67C4B}" destId="{A13C3BC0-21BA-4E3D-ADFC-E3B3A66514CC}" srcOrd="3" destOrd="0" parTransId="{AFBCA951-7E3D-460F-93E4-704809E36A73}" sibTransId="{E80025AA-2A2E-40A5-9A42-048611B33F33}"/>
-    <dgm:cxn modelId="{3062774F-0D30-440D-951F-8B1BA366346E}" type="presOf" srcId="{A13C3BC0-21BA-4E3D-ADFC-E3B3A66514CC}" destId="{A8306976-DCA6-4952-88DE-06F3FFBF0A72}" srcOrd="0" destOrd="0" presId="urn:microsoft.com/office/officeart/2005/8/layout/hList2"/>
-    <dgm:cxn modelId="{4C47BF45-3B04-40FE-A7A7-6CFF6F1DF469}" type="presOf" srcId="{DA51A157-F484-4580-AEE9-58890F1B0F70}" destId="{2A48E52D-407B-40CC-ADD7-BBBB24A10A36}" srcOrd="0" destOrd="0" presId="urn:microsoft.com/office/officeart/2005/8/layout/hList2"/>
-    <dgm:cxn modelId="{7F70BF2A-834F-4AFD-9CE1-4CABDAEAF3E1}" srcId="{38E2FA88-186C-403E-BAED-D15370A67C4B}" destId="{FBC77BE6-5C83-48F3-9EDF-ED67FE8DD5AC}" srcOrd="2" destOrd="0" parTransId="{642AC365-9BDF-466B-8A4C-A0146898359B}" sibTransId="{00680EC5-E51B-49BF-B85F-B4304BD9DE03}"/>
-    <dgm:cxn modelId="{07431025-C853-4230-A0D5-B2457DF6E952}" srcId="{38E2FA88-186C-403E-BAED-D15370A67C4B}" destId="{1D0F9554-BEE4-4E67-8D3D-F6054757673C}" srcOrd="4" destOrd="0" parTransId="{671584EE-0BCB-4B00-8C43-22D10915F607}" sibTransId="{6871458D-B41F-4702-AF27-258308C75D33}"/>
-    <dgm:cxn modelId="{1E09AEFC-2BFB-40CC-A49F-CF6EC4A33AEE}" type="presOf" srcId="{F3DEFC4D-41A2-48C9-8674-8AE5CD02FDE1}" destId="{E5A601D7-3BE1-49B1-B9B3-4CBAE603BB8A}" srcOrd="0" destOrd="0" presId="urn:microsoft.com/office/officeart/2005/8/layout/hList2"/>
-    <dgm:cxn modelId="{F3AEF4E3-EFEC-46B5-B844-2FFE538EA03C}" type="presOf" srcId="{9B72DDB4-CBFE-4D1E-B619-51E0ADDCFEA8}" destId="{B716580A-0D31-4EEE-8B1F-A560443866CF}" srcOrd="0" destOrd="0" presId="urn:microsoft.com/office/officeart/2005/8/layout/hList2"/>
-    <dgm:cxn modelId="{9ED4485D-494E-48ED-9AD6-30D5EC00978E}" type="presOf" srcId="{D7FA0168-223F-4513-80D4-56F3B081D541}" destId="{F653438E-0FA6-4DA7-B2F1-24FBB8435511}" srcOrd="0" destOrd="0" presId="urn:microsoft.com/office/officeart/2005/8/layout/hList2"/>
-    <dgm:cxn modelId="{875734B1-FABE-4F7D-8032-A399574F16E6}" srcId="{A13C3BC0-21BA-4E3D-ADFC-E3B3A66514CC}" destId="{79E102AF-0E5E-4372-AAA4-456C5E81C1FC}" srcOrd="0" destOrd="0" parTransId="{99548DB3-F13F-45B3-927A-8F6EFFD6D18E}" sibTransId="{31DE9861-D8D1-4F50-A5EF-F1212200F5DF}"/>
-    <dgm:cxn modelId="{C0803E0C-266C-45D4-A65B-9B2D98FC0D83}" srcId="{38E2FA88-186C-403E-BAED-D15370A67C4B}" destId="{31D452D9-8A41-408D-9ED8-828DD1FA91CC}" srcOrd="1" destOrd="0" parTransId="{559918AD-86F0-4FCA-9300-12272943088B}" sibTransId="{975094DF-6EAA-496D-B659-C010C21C7225}"/>
-    <dgm:cxn modelId="{CA9A7E0B-14A8-4D0F-827E-3EE58B3772C1}" type="presOf" srcId="{1034AD6B-E3B7-41EC-B2A2-52C2F6653322}" destId="{2A48E52D-407B-40CC-ADD7-BBBB24A10A36}" srcOrd="0" destOrd="1" presId="urn:microsoft.com/office/officeart/2005/8/layout/hList2"/>
     <dgm:cxn modelId="{1BE4265C-DF20-4272-A482-D29AA1FD4642}" type="presParOf" srcId="{8A35C4DA-1ACA-411E-BF33-FA64454AE01A}" destId="{B1F693E0-7B84-4565-822B-265515984AD0}" srcOrd="0" destOrd="0" presId="urn:microsoft.com/office/officeart/2005/8/layout/hList2"/>
     <dgm:cxn modelId="{D335A911-A262-4EDF-B281-1CF8A104BAF0}" type="presParOf" srcId="{B1F693E0-7B84-4565-822B-265515984AD0}" destId="{99C87182-14BF-496A-94EF-AD63D1E1EE32}" srcOrd="0" destOrd="0" presId="urn:microsoft.com/office/officeart/2005/8/layout/hList2"/>
     <dgm:cxn modelId="{D9FEDC7A-EC3F-404A-AF58-AF6CDE223DB7}" type="presParOf" srcId="{B1F693E0-7B84-4565-822B-265515984AD0}" destId="{F653438E-0FA6-4DA7-B2F1-24FBB8435511}" srcOrd="1" destOrd="0" presId="urn:microsoft.com/office/officeart/2005/8/layout/hList2"/>
@@ -4674,7 +4674,7 @@
           <p:cNvPr id="2" name="Header Placeholder 1">
             <a:extLst>
               <a:ext uri="{FF2B5EF4-FFF2-40B4-BE49-F238E27FC236}">
-                <a16:creationId xmlns:a16="http://schemas.microsoft.com/office/drawing/2014/main" xmlns="" id="{E8BEDA40-91A9-49DC-B402-0EBE674AAEA5}"/>
+                <a16:creationId xmlns="" xmlns:a16="http://schemas.microsoft.com/office/drawing/2014/main" id="{E8BEDA40-91A9-49DC-B402-0EBE674AAEA5}"/>
               </a:ext>
             </a:extLst>
           </p:cNvPr>
@@ -4711,7 +4711,7 @@
           <p:cNvPr id="3" name="Date Placeholder 2">
             <a:extLst>
               <a:ext uri="{FF2B5EF4-FFF2-40B4-BE49-F238E27FC236}">
-                <a16:creationId xmlns:a16="http://schemas.microsoft.com/office/drawing/2014/main" xmlns="" id="{E8CBB508-5589-42E7-A433-D119AC0FFB77}"/>
+                <a16:creationId xmlns="" xmlns:a16="http://schemas.microsoft.com/office/drawing/2014/main" id="{E8CBB508-5589-42E7-A433-D119AC0FFB77}"/>
               </a:ext>
             </a:extLst>
           </p:cNvPr>
@@ -4752,7 +4752,7 @@
           <p:cNvPr id="4" name="Footer Placeholder 3">
             <a:extLst>
               <a:ext uri="{FF2B5EF4-FFF2-40B4-BE49-F238E27FC236}">
-                <a16:creationId xmlns:a16="http://schemas.microsoft.com/office/drawing/2014/main" xmlns="" id="{E9232ABA-B33A-4B3B-8412-C1773FBF3DB6}"/>
+                <a16:creationId xmlns="" xmlns:a16="http://schemas.microsoft.com/office/drawing/2014/main" id="{E9232ABA-B33A-4B3B-8412-C1773FBF3DB6}"/>
               </a:ext>
             </a:extLst>
           </p:cNvPr>
@@ -4789,7 +4789,7 @@
           <p:cNvPr id="5" name="Slide Number Placeholder 4">
             <a:extLst>
               <a:ext uri="{FF2B5EF4-FFF2-40B4-BE49-F238E27FC236}">
-                <a16:creationId xmlns:a16="http://schemas.microsoft.com/office/drawing/2014/main" xmlns="" id="{BAB1832E-3B48-42CB-80A7-CD8E48D52DDC}"/>
+                <a16:creationId xmlns="" xmlns:a16="http://schemas.microsoft.com/office/drawing/2014/main" id="{BAB1832E-3B48-42CB-80A7-CD8E48D52DDC}"/>
               </a:ext>
             </a:extLst>
           </p:cNvPr>
@@ -5207,7 +5207,7 @@
           <p:cNvPr id="11" name="Right Triangle 10">
             <a:extLst>
               <a:ext uri="{FF2B5EF4-FFF2-40B4-BE49-F238E27FC236}">
-                <a16:creationId xmlns:a16="http://schemas.microsoft.com/office/drawing/2014/main" xmlns="" id="{037924D2-2AB4-4BE1-9687-836615C72DFC}"/>
+                <a16:creationId xmlns="" xmlns:a16="http://schemas.microsoft.com/office/drawing/2014/main" id="{037924D2-2AB4-4BE1-9687-836615C72DFC}"/>
               </a:ext>
             </a:extLst>
           </p:cNvPr>
@@ -5259,7 +5259,7 @@
           <p:cNvPr id="16" name="Straight Connector 15">
             <a:extLst>
               <a:ext uri="{FF2B5EF4-FFF2-40B4-BE49-F238E27FC236}">
-                <a16:creationId xmlns:a16="http://schemas.microsoft.com/office/drawing/2014/main" xmlns="" id="{A93BC534-BFA1-4292-899F-03AC711BF7C5}"/>
+                <a16:creationId xmlns="" xmlns:a16="http://schemas.microsoft.com/office/drawing/2014/main" id="{A93BC534-BFA1-4292-899F-03AC711BF7C5}"/>
               </a:ext>
             </a:extLst>
           </p:cNvPr>
@@ -5304,7 +5304,7 @@
           <p:cNvPr id="25" name="Picture Placeholder 24">
             <a:extLst>
               <a:ext uri="{FF2B5EF4-FFF2-40B4-BE49-F238E27FC236}">
-                <a16:creationId xmlns:a16="http://schemas.microsoft.com/office/drawing/2014/main" xmlns="" id="{73B47EE6-EDE6-4881-B456-B37D9C1ADE38}"/>
+                <a16:creationId xmlns="" xmlns:a16="http://schemas.microsoft.com/office/drawing/2014/main" id="{73B47EE6-EDE6-4881-B456-B37D9C1ADE38}"/>
               </a:ext>
             </a:extLst>
           </p:cNvPr>
@@ -5411,7 +5411,7 @@
           <p:cNvPr id="18" name="Straight Connector 17">
             <a:extLst>
               <a:ext uri="{FF2B5EF4-FFF2-40B4-BE49-F238E27FC236}">
-                <a16:creationId xmlns:a16="http://schemas.microsoft.com/office/drawing/2014/main" xmlns="" id="{EBEE4DB5-5DEF-4DDB-9764-FD834B9DCAEC}"/>
+                <a16:creationId xmlns="" xmlns:a16="http://schemas.microsoft.com/office/drawing/2014/main" id="{EBEE4DB5-5DEF-4DDB-9764-FD834B9DCAEC}"/>
               </a:ext>
             </a:extLst>
           </p:cNvPr>
@@ -5454,7 +5454,7 @@
           <p:cNvPr id="2" name="Title 1" title="Title">
             <a:extLst>
               <a:ext uri="{FF2B5EF4-FFF2-40B4-BE49-F238E27FC236}">
-                <a16:creationId xmlns:a16="http://schemas.microsoft.com/office/drawing/2014/main" xmlns="" id="{A648E0EA-49ED-4F2D-A107-8FCE6301FC88}"/>
+                <a16:creationId xmlns="" xmlns:a16="http://schemas.microsoft.com/office/drawing/2014/main" id="{A648E0EA-49ED-4F2D-A107-8FCE6301FC88}"/>
               </a:ext>
             </a:extLst>
           </p:cNvPr>
@@ -5500,7 +5500,7 @@
           <p:cNvPr id="3" name="Subtitle 2" title="Subtitle">
             <a:extLst>
               <a:ext uri="{FF2B5EF4-FFF2-40B4-BE49-F238E27FC236}">
-                <a16:creationId xmlns:a16="http://schemas.microsoft.com/office/drawing/2014/main" xmlns="" id="{06317687-D49E-41F7-A330-C78C728F0D12}"/>
+                <a16:creationId xmlns="" xmlns:a16="http://schemas.microsoft.com/office/drawing/2014/main" id="{06317687-D49E-41F7-A330-C78C728F0D12}"/>
               </a:ext>
             </a:extLst>
           </p:cNvPr>
@@ -5579,7 +5579,7 @@
           <p:cNvPr id="9" name="Straight Connector 8">
             <a:extLst>
               <a:ext uri="{FF2B5EF4-FFF2-40B4-BE49-F238E27FC236}">
-                <a16:creationId xmlns:a16="http://schemas.microsoft.com/office/drawing/2014/main" xmlns="" id="{162849C0-AA0D-4E1A-B4B6-E6A5917AC0A5}"/>
+                <a16:creationId xmlns="" xmlns:a16="http://schemas.microsoft.com/office/drawing/2014/main" id="{162849C0-AA0D-4E1A-B4B6-E6A5917AC0A5}"/>
               </a:ext>
             </a:extLst>
           </p:cNvPr>
@@ -5693,7 +5693,7 @@
           <p:cNvPr id="11" name="Right Triangle 10">
             <a:extLst>
               <a:ext uri="{FF2B5EF4-FFF2-40B4-BE49-F238E27FC236}">
-                <a16:creationId xmlns:a16="http://schemas.microsoft.com/office/drawing/2014/main" xmlns="" id="{037924D2-2AB4-4BE1-9687-836615C72DFC}"/>
+                <a16:creationId xmlns="" xmlns:a16="http://schemas.microsoft.com/office/drawing/2014/main" id="{037924D2-2AB4-4BE1-9687-836615C72DFC}"/>
               </a:ext>
             </a:extLst>
           </p:cNvPr>
@@ -5745,7 +5745,7 @@
           <p:cNvPr id="16" name="Straight Connector 15">
             <a:extLst>
               <a:ext uri="{FF2B5EF4-FFF2-40B4-BE49-F238E27FC236}">
-                <a16:creationId xmlns:a16="http://schemas.microsoft.com/office/drawing/2014/main" xmlns="" id="{A93BC534-BFA1-4292-899F-03AC711BF7C5}"/>
+                <a16:creationId xmlns="" xmlns:a16="http://schemas.microsoft.com/office/drawing/2014/main" id="{A93BC534-BFA1-4292-899F-03AC711BF7C5}"/>
               </a:ext>
             </a:extLst>
           </p:cNvPr>
@@ -5790,7 +5790,7 @@
           <p:cNvPr id="18" name="Straight Connector 17">
             <a:extLst>
               <a:ext uri="{FF2B5EF4-FFF2-40B4-BE49-F238E27FC236}">
-                <a16:creationId xmlns:a16="http://schemas.microsoft.com/office/drawing/2014/main" xmlns="" id="{EBEE4DB5-5DEF-4DDB-9764-FD834B9DCAEC}"/>
+                <a16:creationId xmlns="" xmlns:a16="http://schemas.microsoft.com/office/drawing/2014/main" id="{EBEE4DB5-5DEF-4DDB-9764-FD834B9DCAEC}"/>
               </a:ext>
             </a:extLst>
           </p:cNvPr>
@@ -5833,7 +5833,7 @@
           <p:cNvPr id="2" name="Title 1" title="Title">
             <a:extLst>
               <a:ext uri="{FF2B5EF4-FFF2-40B4-BE49-F238E27FC236}">
-                <a16:creationId xmlns:a16="http://schemas.microsoft.com/office/drawing/2014/main" xmlns="" id="{A648E0EA-49ED-4F2D-A107-8FCE6301FC88}"/>
+                <a16:creationId xmlns="" xmlns:a16="http://schemas.microsoft.com/office/drawing/2014/main" id="{A648E0EA-49ED-4F2D-A107-8FCE6301FC88}"/>
               </a:ext>
             </a:extLst>
           </p:cNvPr>
@@ -5879,7 +5879,7 @@
           <p:cNvPr id="3" name="Subtitle 2" title="Subtitle">
             <a:extLst>
               <a:ext uri="{FF2B5EF4-FFF2-40B4-BE49-F238E27FC236}">
-                <a16:creationId xmlns:a16="http://schemas.microsoft.com/office/drawing/2014/main" xmlns="" id="{06317687-D49E-41F7-A330-C78C728F0D12}"/>
+                <a16:creationId xmlns="" xmlns:a16="http://schemas.microsoft.com/office/drawing/2014/main" id="{06317687-D49E-41F7-A330-C78C728F0D12}"/>
               </a:ext>
             </a:extLst>
           </p:cNvPr>
@@ -5958,7 +5958,7 @@
           <p:cNvPr id="9" name="Straight Connector 8">
             <a:extLst>
               <a:ext uri="{FF2B5EF4-FFF2-40B4-BE49-F238E27FC236}">
-                <a16:creationId xmlns:a16="http://schemas.microsoft.com/office/drawing/2014/main" xmlns="" id="{162849C0-AA0D-4E1A-B4B6-E6A5917AC0A5}"/>
+                <a16:creationId xmlns="" xmlns:a16="http://schemas.microsoft.com/office/drawing/2014/main" id="{162849C0-AA0D-4E1A-B4B6-E6A5917AC0A5}"/>
               </a:ext>
             </a:extLst>
           </p:cNvPr>
@@ -6072,7 +6072,7 @@
           <p:cNvPr id="19" name="Right Triangle 18">
             <a:extLst>
               <a:ext uri="{FF2B5EF4-FFF2-40B4-BE49-F238E27FC236}">
-                <a16:creationId xmlns:a16="http://schemas.microsoft.com/office/drawing/2014/main" xmlns="" id="{71D0E8AA-902F-440D-9C55-2A391C22396A}"/>
+                <a16:creationId xmlns="" xmlns:a16="http://schemas.microsoft.com/office/drawing/2014/main" id="{71D0E8AA-902F-440D-9C55-2A391C22396A}"/>
               </a:ext>
             </a:extLst>
           </p:cNvPr>
@@ -6124,7 +6124,7 @@
           <p:cNvPr id="17" name="Parallelogram 16">
             <a:extLst>
               <a:ext uri="{FF2B5EF4-FFF2-40B4-BE49-F238E27FC236}">
-                <a16:creationId xmlns:a16="http://schemas.microsoft.com/office/drawing/2014/main" xmlns="" id="{7D937721-835D-4D84-94A3-6C79D4639514}"/>
+                <a16:creationId xmlns="" xmlns:a16="http://schemas.microsoft.com/office/drawing/2014/main" id="{7D937721-835D-4D84-94A3-6C79D4639514}"/>
               </a:ext>
             </a:extLst>
           </p:cNvPr>
@@ -6178,7 +6178,7 @@
           <p:cNvPr id="18" name="Straight Connector 17">
             <a:extLst>
               <a:ext uri="{FF2B5EF4-FFF2-40B4-BE49-F238E27FC236}">
-                <a16:creationId xmlns:a16="http://schemas.microsoft.com/office/drawing/2014/main" xmlns="" id="{732BB30B-8262-4715-998F-AAF6A81ADFD3}"/>
+                <a16:creationId xmlns="" xmlns:a16="http://schemas.microsoft.com/office/drawing/2014/main" id="{732BB30B-8262-4715-998F-AAF6A81ADFD3}"/>
               </a:ext>
             </a:extLst>
           </p:cNvPr>
@@ -6223,7 +6223,7 @@
           <p:cNvPr id="100" name="Title 1" title="Title">
             <a:extLst>
               <a:ext uri="{FF2B5EF4-FFF2-40B4-BE49-F238E27FC236}">
-                <a16:creationId xmlns:a16="http://schemas.microsoft.com/office/drawing/2014/main" xmlns="" id="{4D7EF399-DAA5-44EC-B712-79C755FE84CB}"/>
+                <a16:creationId xmlns="" xmlns:a16="http://schemas.microsoft.com/office/drawing/2014/main" id="{4D7EF399-DAA5-44EC-B712-79C755FE84CB}"/>
               </a:ext>
             </a:extLst>
           </p:cNvPr>
@@ -6271,7 +6271,7 @@
           <p:cNvPr id="101" name="Text Placeholder 2" title="Subtitle">
             <a:extLst>
               <a:ext uri="{FF2B5EF4-FFF2-40B4-BE49-F238E27FC236}">
-                <a16:creationId xmlns:a16="http://schemas.microsoft.com/office/drawing/2014/main" xmlns="" id="{26D13BFA-61B0-402F-8611-02D3DFDBEBCB}"/>
+                <a16:creationId xmlns="" xmlns:a16="http://schemas.microsoft.com/office/drawing/2014/main" id="{26D13BFA-61B0-402F-8611-02D3DFDBEBCB}"/>
               </a:ext>
             </a:extLst>
           </p:cNvPr>
@@ -6401,7 +6401,7 @@
           <p:cNvPr id="21" name="Straight Connector 20">
             <a:extLst>
               <a:ext uri="{FF2B5EF4-FFF2-40B4-BE49-F238E27FC236}">
-                <a16:creationId xmlns:a16="http://schemas.microsoft.com/office/drawing/2014/main" xmlns="" id="{DA0A0C24-D997-4E78-951F-AFB51C70EFCC}"/>
+                <a16:creationId xmlns="" xmlns:a16="http://schemas.microsoft.com/office/drawing/2014/main" id="{DA0A0C24-D997-4E78-951F-AFB51C70EFCC}"/>
               </a:ext>
             </a:extLst>
           </p:cNvPr>
@@ -6444,7 +6444,7 @@
           <p:cNvPr id="25" name="Parallelogram 24">
             <a:extLst>
               <a:ext uri="{FF2B5EF4-FFF2-40B4-BE49-F238E27FC236}">
-                <a16:creationId xmlns:a16="http://schemas.microsoft.com/office/drawing/2014/main" xmlns="" id="{E123A0CF-50D6-46EC-8BF6-43E38AFCD588}"/>
+                <a16:creationId xmlns="" xmlns:a16="http://schemas.microsoft.com/office/drawing/2014/main" id="{E123A0CF-50D6-46EC-8BF6-43E38AFCD588}"/>
               </a:ext>
             </a:extLst>
           </p:cNvPr>
@@ -6503,7 +6503,7 @@
           <p:cNvPr id="26" name="Straight Connector 25">
             <a:extLst>
               <a:ext uri="{FF2B5EF4-FFF2-40B4-BE49-F238E27FC236}">
-                <a16:creationId xmlns:a16="http://schemas.microsoft.com/office/drawing/2014/main" xmlns="" id="{2B2F1D2E-B631-4CB1-9448-2B50F8C46316}"/>
+                <a16:creationId xmlns="" xmlns:a16="http://schemas.microsoft.com/office/drawing/2014/main" id="{2B2F1D2E-B631-4CB1-9448-2B50F8C46316}"/>
               </a:ext>
             </a:extLst>
           </p:cNvPr>
@@ -6548,7 +6548,7 @@
           <p:cNvPr id="16" name="Straight Connector 15">
             <a:extLst>
               <a:ext uri="{FF2B5EF4-FFF2-40B4-BE49-F238E27FC236}">
-                <a16:creationId xmlns:a16="http://schemas.microsoft.com/office/drawing/2014/main" xmlns="" id="{5CF69447-82AD-475F-A3AE-3D7FF61DBFE2}"/>
+                <a16:creationId xmlns="" xmlns:a16="http://schemas.microsoft.com/office/drawing/2014/main" id="{5CF69447-82AD-475F-A3AE-3D7FF61DBFE2}"/>
               </a:ext>
             </a:extLst>
           </p:cNvPr>
@@ -6591,7 +6591,7 @@
           <p:cNvPr id="24" name="Parallelogram 23">
             <a:extLst>
               <a:ext uri="{FF2B5EF4-FFF2-40B4-BE49-F238E27FC236}">
-                <a16:creationId xmlns:a16="http://schemas.microsoft.com/office/drawing/2014/main" xmlns="" id="{FC8C82F3-94EE-4B4F-A01D-993A41BC00B1}"/>
+                <a16:creationId xmlns="" xmlns:a16="http://schemas.microsoft.com/office/drawing/2014/main" id="{FC8C82F3-94EE-4B4F-A01D-993A41BC00B1}"/>
               </a:ext>
             </a:extLst>
           </p:cNvPr>
@@ -6711,7 +6711,7 @@
           <p:cNvPr id="22" name="Straight Connector 21">
             <a:extLst>
               <a:ext uri="{FF2B5EF4-FFF2-40B4-BE49-F238E27FC236}">
-                <a16:creationId xmlns:a16="http://schemas.microsoft.com/office/drawing/2014/main" xmlns="" id="{01AF1CF9-9F46-4541-8FF1-B9C53244EE1A}"/>
+                <a16:creationId xmlns="" xmlns:a16="http://schemas.microsoft.com/office/drawing/2014/main" id="{01AF1CF9-9F46-4541-8FF1-B9C53244EE1A}"/>
               </a:ext>
             </a:extLst>
           </p:cNvPr>
@@ -6754,7 +6754,7 @@
           <p:cNvPr id="23" name="Group 22">
             <a:extLst>
               <a:ext uri="{FF2B5EF4-FFF2-40B4-BE49-F238E27FC236}">
-                <a16:creationId xmlns:a16="http://schemas.microsoft.com/office/drawing/2014/main" xmlns="" id="{AB0E1BA4-80FE-4826-BA2F-083C3A5BB7FA}"/>
+                <a16:creationId xmlns="" xmlns:a16="http://schemas.microsoft.com/office/drawing/2014/main" id="{AB0E1BA4-80FE-4826-BA2F-083C3A5BB7FA}"/>
               </a:ext>
             </a:extLst>
           </p:cNvPr>
@@ -6774,7 +6774,7 @@
             <p:cNvPr id="26" name="Diagonal Stripe 25">
               <a:extLst>
                 <a:ext uri="{FF2B5EF4-FFF2-40B4-BE49-F238E27FC236}">
-                  <a16:creationId xmlns:a16="http://schemas.microsoft.com/office/drawing/2014/main" xmlns="" id="{0697993E-CD44-40B9-805C-77BC608618A7}"/>
+                  <a16:creationId xmlns="" xmlns:a16="http://schemas.microsoft.com/office/drawing/2014/main" id="{0697993E-CD44-40B9-805C-77BC608618A7}"/>
                 </a:ext>
               </a:extLst>
             </p:cNvPr>
@@ -6832,7 +6832,7 @@
             <p:cNvPr id="28" name="Straight Connector 27">
               <a:extLst>
                 <a:ext uri="{FF2B5EF4-FFF2-40B4-BE49-F238E27FC236}">
-                  <a16:creationId xmlns:a16="http://schemas.microsoft.com/office/drawing/2014/main" xmlns="" id="{DDBD869A-51AE-4AC9-A3E0-38E8C732B1E8}"/>
+                  <a16:creationId xmlns="" xmlns:a16="http://schemas.microsoft.com/office/drawing/2014/main" id="{DDBD869A-51AE-4AC9-A3E0-38E8C732B1E8}"/>
                 </a:ext>
               </a:extLst>
             </p:cNvPr>
@@ -6877,7 +6877,7 @@
             <p:cNvPr id="30" name="Parallelogram 29">
               <a:extLst>
                 <a:ext uri="{FF2B5EF4-FFF2-40B4-BE49-F238E27FC236}">
-                  <a16:creationId xmlns:a16="http://schemas.microsoft.com/office/drawing/2014/main" xmlns="" id="{DE18C3B6-28E6-4BBC-B634-F81DE5A9D13C}"/>
+                  <a16:creationId xmlns="" xmlns:a16="http://schemas.microsoft.com/office/drawing/2014/main" id="{DE18C3B6-28E6-4BBC-B634-F81DE5A9D13C}"/>
                 </a:ext>
               </a:extLst>
             </p:cNvPr>
@@ -6932,7 +6932,7 @@
           <p:cNvPr id="25" name="TextBox 24">
             <a:extLst>
               <a:ext uri="{FF2B5EF4-FFF2-40B4-BE49-F238E27FC236}">
-                <a16:creationId xmlns:a16="http://schemas.microsoft.com/office/drawing/2014/main" xmlns="" id="{F0BB4D3D-930C-4FF4-BB7C-2CB24208150C}"/>
+                <a16:creationId xmlns="" xmlns:a16="http://schemas.microsoft.com/office/drawing/2014/main" id="{F0BB4D3D-930C-4FF4-BB7C-2CB24208150C}"/>
               </a:ext>
             </a:extLst>
           </p:cNvPr>
@@ -6972,7 +6972,7 @@
           <p:cNvPr id="36" name="Parallelogram 35">
             <a:extLst>
               <a:ext uri="{FF2B5EF4-FFF2-40B4-BE49-F238E27FC236}">
-                <a16:creationId xmlns:a16="http://schemas.microsoft.com/office/drawing/2014/main" xmlns="" id="{4EBB76E7-943E-4038-B700-114F66FBC609}"/>
+                <a16:creationId xmlns="" xmlns:a16="http://schemas.microsoft.com/office/drawing/2014/main" id="{4EBB76E7-943E-4038-B700-114F66FBC609}"/>
               </a:ext>
             </a:extLst>
           </p:cNvPr>
@@ -7031,7 +7031,7 @@
           <p:cNvPr id="2" name="Footer Placeholder 1">
             <a:extLst>
               <a:ext uri="{FF2B5EF4-FFF2-40B4-BE49-F238E27FC236}">
-                <a16:creationId xmlns:a16="http://schemas.microsoft.com/office/drawing/2014/main" xmlns="" id="{03E79E9C-D961-6E47-A5C6-57689BAFF243}"/>
+                <a16:creationId xmlns="" xmlns:a16="http://schemas.microsoft.com/office/drawing/2014/main" id="{03E79E9C-D961-6E47-A5C6-57689BAFF243}"/>
               </a:ext>
             </a:extLst>
           </p:cNvPr>
@@ -7063,7 +7063,7 @@
           <p:cNvPr id="3" name="Slide Number Placeholder 2">
             <a:extLst>
               <a:ext uri="{FF2B5EF4-FFF2-40B4-BE49-F238E27FC236}">
-                <a16:creationId xmlns:a16="http://schemas.microsoft.com/office/drawing/2014/main" xmlns="" id="{B08BE157-60F2-194D-8C13-4AE120FC9EDE}"/>
+                <a16:creationId xmlns="" xmlns:a16="http://schemas.microsoft.com/office/drawing/2014/main" id="{B08BE157-60F2-194D-8C13-4AE120FC9EDE}"/>
               </a:ext>
             </a:extLst>
           </p:cNvPr>
@@ -7092,7 +7092,7 @@
           <p:cNvPr id="27" name="Title 1" title="Title ">
             <a:extLst>
               <a:ext uri="{FF2B5EF4-FFF2-40B4-BE49-F238E27FC236}">
-                <a16:creationId xmlns:a16="http://schemas.microsoft.com/office/drawing/2014/main" xmlns="" id="{C3CC34F4-862A-42E7-B2FA-7B511CC2E879}"/>
+                <a16:creationId xmlns="" xmlns:a16="http://schemas.microsoft.com/office/drawing/2014/main" id="{C3CC34F4-862A-42E7-B2FA-7B511CC2E879}"/>
               </a:ext>
             </a:extLst>
           </p:cNvPr>
@@ -7138,7 +7138,7 @@
           <p:cNvPr id="29" name="Content Placeholder 2">
             <a:extLst>
               <a:ext uri="{FF2B5EF4-FFF2-40B4-BE49-F238E27FC236}">
-                <a16:creationId xmlns:a16="http://schemas.microsoft.com/office/drawing/2014/main" xmlns="" id="{1FAE0C34-9220-45F0-9FC2-9FE7C994E7BD}"/>
+                <a16:creationId xmlns="" xmlns:a16="http://schemas.microsoft.com/office/drawing/2014/main" id="{1FAE0C34-9220-45F0-9FC2-9FE7C994E7BD}"/>
               </a:ext>
             </a:extLst>
           </p:cNvPr>
@@ -7316,7 +7316,7 @@
           <p:cNvPr id="22" name="Straight Connector 21">
             <a:extLst>
               <a:ext uri="{FF2B5EF4-FFF2-40B4-BE49-F238E27FC236}">
-                <a16:creationId xmlns:a16="http://schemas.microsoft.com/office/drawing/2014/main" xmlns="" id="{01AF1CF9-9F46-4541-8FF1-B9C53244EE1A}"/>
+                <a16:creationId xmlns="" xmlns:a16="http://schemas.microsoft.com/office/drawing/2014/main" id="{01AF1CF9-9F46-4541-8FF1-B9C53244EE1A}"/>
               </a:ext>
             </a:extLst>
           </p:cNvPr>
@@ -7359,7 +7359,7 @@
           <p:cNvPr id="23" name="Group 22">
             <a:extLst>
               <a:ext uri="{FF2B5EF4-FFF2-40B4-BE49-F238E27FC236}">
-                <a16:creationId xmlns:a16="http://schemas.microsoft.com/office/drawing/2014/main" xmlns="" id="{AB0E1BA4-80FE-4826-BA2F-083C3A5BB7FA}"/>
+                <a16:creationId xmlns="" xmlns:a16="http://schemas.microsoft.com/office/drawing/2014/main" id="{AB0E1BA4-80FE-4826-BA2F-083C3A5BB7FA}"/>
               </a:ext>
             </a:extLst>
           </p:cNvPr>
@@ -7379,7 +7379,7 @@
             <p:cNvPr id="26" name="Diagonal Stripe 25">
               <a:extLst>
                 <a:ext uri="{FF2B5EF4-FFF2-40B4-BE49-F238E27FC236}">
-                  <a16:creationId xmlns:a16="http://schemas.microsoft.com/office/drawing/2014/main" xmlns="" id="{0697993E-CD44-40B9-805C-77BC608618A7}"/>
+                  <a16:creationId xmlns="" xmlns:a16="http://schemas.microsoft.com/office/drawing/2014/main" id="{0697993E-CD44-40B9-805C-77BC608618A7}"/>
                 </a:ext>
               </a:extLst>
             </p:cNvPr>
@@ -7437,7 +7437,7 @@
             <p:cNvPr id="28" name="Straight Connector 27">
               <a:extLst>
                 <a:ext uri="{FF2B5EF4-FFF2-40B4-BE49-F238E27FC236}">
-                  <a16:creationId xmlns:a16="http://schemas.microsoft.com/office/drawing/2014/main" xmlns="" id="{DDBD869A-51AE-4AC9-A3E0-38E8C732B1E8}"/>
+                  <a16:creationId xmlns="" xmlns:a16="http://schemas.microsoft.com/office/drawing/2014/main" id="{DDBD869A-51AE-4AC9-A3E0-38E8C732B1E8}"/>
                 </a:ext>
               </a:extLst>
             </p:cNvPr>
@@ -7482,7 +7482,7 @@
             <p:cNvPr id="30" name="Parallelogram 29">
               <a:extLst>
                 <a:ext uri="{FF2B5EF4-FFF2-40B4-BE49-F238E27FC236}">
-                  <a16:creationId xmlns:a16="http://schemas.microsoft.com/office/drawing/2014/main" xmlns="" id="{DE18C3B6-28E6-4BBC-B634-F81DE5A9D13C}"/>
+                  <a16:creationId xmlns="" xmlns:a16="http://schemas.microsoft.com/office/drawing/2014/main" id="{DE18C3B6-28E6-4BBC-B634-F81DE5A9D13C}"/>
                 </a:ext>
               </a:extLst>
             </p:cNvPr>
@@ -7537,7 +7537,7 @@
           <p:cNvPr id="25" name="TextBox 24">
             <a:extLst>
               <a:ext uri="{FF2B5EF4-FFF2-40B4-BE49-F238E27FC236}">
-                <a16:creationId xmlns:a16="http://schemas.microsoft.com/office/drawing/2014/main" xmlns="" id="{F0BB4D3D-930C-4FF4-BB7C-2CB24208150C}"/>
+                <a16:creationId xmlns="" xmlns:a16="http://schemas.microsoft.com/office/drawing/2014/main" id="{F0BB4D3D-930C-4FF4-BB7C-2CB24208150C}"/>
               </a:ext>
             </a:extLst>
           </p:cNvPr>
@@ -7577,7 +7577,7 @@
           <p:cNvPr id="36" name="Parallelogram 35">
             <a:extLst>
               <a:ext uri="{FF2B5EF4-FFF2-40B4-BE49-F238E27FC236}">
-                <a16:creationId xmlns:a16="http://schemas.microsoft.com/office/drawing/2014/main" xmlns="" id="{4EBB76E7-943E-4038-B700-114F66FBC609}"/>
+                <a16:creationId xmlns="" xmlns:a16="http://schemas.microsoft.com/office/drawing/2014/main" id="{4EBB76E7-943E-4038-B700-114F66FBC609}"/>
               </a:ext>
             </a:extLst>
           </p:cNvPr>
@@ -7636,7 +7636,7 @@
           <p:cNvPr id="2" name="Footer Placeholder 1">
             <a:extLst>
               <a:ext uri="{FF2B5EF4-FFF2-40B4-BE49-F238E27FC236}">
-                <a16:creationId xmlns:a16="http://schemas.microsoft.com/office/drawing/2014/main" xmlns="" id="{03E79E9C-D961-6E47-A5C6-57689BAFF243}"/>
+                <a16:creationId xmlns="" xmlns:a16="http://schemas.microsoft.com/office/drawing/2014/main" id="{03E79E9C-D961-6E47-A5C6-57689BAFF243}"/>
               </a:ext>
             </a:extLst>
           </p:cNvPr>
@@ -7668,7 +7668,7 @@
           <p:cNvPr id="3" name="Slide Number Placeholder 2">
             <a:extLst>
               <a:ext uri="{FF2B5EF4-FFF2-40B4-BE49-F238E27FC236}">
-                <a16:creationId xmlns:a16="http://schemas.microsoft.com/office/drawing/2014/main" xmlns="" id="{B08BE157-60F2-194D-8C13-4AE120FC9EDE}"/>
+                <a16:creationId xmlns="" xmlns:a16="http://schemas.microsoft.com/office/drawing/2014/main" id="{B08BE157-60F2-194D-8C13-4AE120FC9EDE}"/>
               </a:ext>
             </a:extLst>
           </p:cNvPr>
@@ -7697,7 +7697,7 @@
           <p:cNvPr id="27" name="Title 1" title="Title ">
             <a:extLst>
               <a:ext uri="{FF2B5EF4-FFF2-40B4-BE49-F238E27FC236}">
-                <a16:creationId xmlns:a16="http://schemas.microsoft.com/office/drawing/2014/main" xmlns="" id="{C3CC34F4-862A-42E7-B2FA-7B511CC2E879}"/>
+                <a16:creationId xmlns="" xmlns:a16="http://schemas.microsoft.com/office/drawing/2014/main" id="{C3CC34F4-862A-42E7-B2FA-7B511CC2E879}"/>
               </a:ext>
             </a:extLst>
           </p:cNvPr>
@@ -7743,7 +7743,7 @@
           <p:cNvPr id="14" name="Content Placeholder 2">
             <a:extLst>
               <a:ext uri="{FF2B5EF4-FFF2-40B4-BE49-F238E27FC236}">
-                <a16:creationId xmlns:a16="http://schemas.microsoft.com/office/drawing/2014/main" xmlns="" id="{217F9213-0142-420B-A84D-C5627A0C81E4}"/>
+                <a16:creationId xmlns="" xmlns:a16="http://schemas.microsoft.com/office/drawing/2014/main" id="{217F9213-0142-420B-A84D-C5627A0C81E4}"/>
               </a:ext>
             </a:extLst>
           </p:cNvPr>
@@ -7860,7 +7860,7 @@
           <p:cNvPr id="15" name="Content Placeholder 3">
             <a:extLst>
               <a:ext uri="{FF2B5EF4-FFF2-40B4-BE49-F238E27FC236}">
-                <a16:creationId xmlns:a16="http://schemas.microsoft.com/office/drawing/2014/main" xmlns="" id="{8014328B-D576-4B5C-A4AE-CF98318929FE}"/>
+                <a16:creationId xmlns="" xmlns:a16="http://schemas.microsoft.com/office/drawing/2014/main" id="{8014328B-D576-4B5C-A4AE-CF98318929FE}"/>
               </a:ext>
             </a:extLst>
           </p:cNvPr>
@@ -8038,7 +8038,7 @@
           <p:cNvPr id="22" name="Straight Connector 21">
             <a:extLst>
               <a:ext uri="{FF2B5EF4-FFF2-40B4-BE49-F238E27FC236}">
-                <a16:creationId xmlns:a16="http://schemas.microsoft.com/office/drawing/2014/main" xmlns="" id="{01AF1CF9-9F46-4541-8FF1-B9C53244EE1A}"/>
+                <a16:creationId xmlns="" xmlns:a16="http://schemas.microsoft.com/office/drawing/2014/main" id="{01AF1CF9-9F46-4541-8FF1-B9C53244EE1A}"/>
               </a:ext>
             </a:extLst>
           </p:cNvPr>
@@ -8081,7 +8081,7 @@
           <p:cNvPr id="23" name="Group 22">
             <a:extLst>
               <a:ext uri="{FF2B5EF4-FFF2-40B4-BE49-F238E27FC236}">
-                <a16:creationId xmlns:a16="http://schemas.microsoft.com/office/drawing/2014/main" xmlns="" id="{AB0E1BA4-80FE-4826-BA2F-083C3A5BB7FA}"/>
+                <a16:creationId xmlns="" xmlns:a16="http://schemas.microsoft.com/office/drawing/2014/main" id="{AB0E1BA4-80FE-4826-BA2F-083C3A5BB7FA}"/>
               </a:ext>
             </a:extLst>
           </p:cNvPr>
@@ -8101,7 +8101,7 @@
             <p:cNvPr id="26" name="Diagonal Stripe 25">
               <a:extLst>
                 <a:ext uri="{FF2B5EF4-FFF2-40B4-BE49-F238E27FC236}">
-                  <a16:creationId xmlns:a16="http://schemas.microsoft.com/office/drawing/2014/main" xmlns="" id="{0697993E-CD44-40B9-805C-77BC608618A7}"/>
+                  <a16:creationId xmlns="" xmlns:a16="http://schemas.microsoft.com/office/drawing/2014/main" id="{0697993E-CD44-40B9-805C-77BC608618A7}"/>
                 </a:ext>
               </a:extLst>
             </p:cNvPr>
@@ -8159,7 +8159,7 @@
             <p:cNvPr id="28" name="Straight Connector 27">
               <a:extLst>
                 <a:ext uri="{FF2B5EF4-FFF2-40B4-BE49-F238E27FC236}">
-                  <a16:creationId xmlns:a16="http://schemas.microsoft.com/office/drawing/2014/main" xmlns="" id="{DDBD869A-51AE-4AC9-A3E0-38E8C732B1E8}"/>
+                  <a16:creationId xmlns="" xmlns:a16="http://schemas.microsoft.com/office/drawing/2014/main" id="{DDBD869A-51AE-4AC9-A3E0-38E8C732B1E8}"/>
                 </a:ext>
               </a:extLst>
             </p:cNvPr>
@@ -8204,7 +8204,7 @@
             <p:cNvPr id="30" name="Parallelogram 29">
               <a:extLst>
                 <a:ext uri="{FF2B5EF4-FFF2-40B4-BE49-F238E27FC236}">
-                  <a16:creationId xmlns:a16="http://schemas.microsoft.com/office/drawing/2014/main" xmlns="" id="{DE18C3B6-28E6-4BBC-B634-F81DE5A9D13C}"/>
+                  <a16:creationId xmlns="" xmlns:a16="http://schemas.microsoft.com/office/drawing/2014/main" id="{DE18C3B6-28E6-4BBC-B634-F81DE5A9D13C}"/>
                 </a:ext>
               </a:extLst>
             </p:cNvPr>
@@ -8259,7 +8259,7 @@
           <p:cNvPr id="25" name="TextBox 24">
             <a:extLst>
               <a:ext uri="{FF2B5EF4-FFF2-40B4-BE49-F238E27FC236}">
-                <a16:creationId xmlns:a16="http://schemas.microsoft.com/office/drawing/2014/main" xmlns="" id="{F0BB4D3D-930C-4FF4-BB7C-2CB24208150C}"/>
+                <a16:creationId xmlns="" xmlns:a16="http://schemas.microsoft.com/office/drawing/2014/main" id="{F0BB4D3D-930C-4FF4-BB7C-2CB24208150C}"/>
               </a:ext>
             </a:extLst>
           </p:cNvPr>
@@ -8299,7 +8299,7 @@
           <p:cNvPr id="36" name="Parallelogram 35">
             <a:extLst>
               <a:ext uri="{FF2B5EF4-FFF2-40B4-BE49-F238E27FC236}">
-                <a16:creationId xmlns:a16="http://schemas.microsoft.com/office/drawing/2014/main" xmlns="" id="{4EBB76E7-943E-4038-B700-114F66FBC609}"/>
+                <a16:creationId xmlns="" xmlns:a16="http://schemas.microsoft.com/office/drawing/2014/main" id="{4EBB76E7-943E-4038-B700-114F66FBC609}"/>
               </a:ext>
             </a:extLst>
           </p:cNvPr>
@@ -8358,7 +8358,7 @@
           <p:cNvPr id="2" name="Footer Placeholder 1">
             <a:extLst>
               <a:ext uri="{FF2B5EF4-FFF2-40B4-BE49-F238E27FC236}">
-                <a16:creationId xmlns:a16="http://schemas.microsoft.com/office/drawing/2014/main" xmlns="" id="{03E79E9C-D961-6E47-A5C6-57689BAFF243}"/>
+                <a16:creationId xmlns="" xmlns:a16="http://schemas.microsoft.com/office/drawing/2014/main" id="{03E79E9C-D961-6E47-A5C6-57689BAFF243}"/>
               </a:ext>
             </a:extLst>
           </p:cNvPr>
@@ -8390,7 +8390,7 @@
           <p:cNvPr id="3" name="Slide Number Placeholder 2">
             <a:extLst>
               <a:ext uri="{FF2B5EF4-FFF2-40B4-BE49-F238E27FC236}">
-                <a16:creationId xmlns:a16="http://schemas.microsoft.com/office/drawing/2014/main" xmlns="" id="{B08BE157-60F2-194D-8C13-4AE120FC9EDE}"/>
+                <a16:creationId xmlns="" xmlns:a16="http://schemas.microsoft.com/office/drawing/2014/main" id="{B08BE157-60F2-194D-8C13-4AE120FC9EDE}"/>
               </a:ext>
             </a:extLst>
           </p:cNvPr>
@@ -8419,7 +8419,7 @@
           <p:cNvPr id="27" name="Title 1" title="Title ">
             <a:extLst>
               <a:ext uri="{FF2B5EF4-FFF2-40B4-BE49-F238E27FC236}">
-                <a16:creationId xmlns:a16="http://schemas.microsoft.com/office/drawing/2014/main" xmlns="" id="{C3CC34F4-862A-42E7-B2FA-7B511CC2E879}"/>
+                <a16:creationId xmlns="" xmlns:a16="http://schemas.microsoft.com/office/drawing/2014/main" id="{C3CC34F4-862A-42E7-B2FA-7B511CC2E879}"/>
               </a:ext>
             </a:extLst>
           </p:cNvPr>
@@ -8465,7 +8465,7 @@
           <p:cNvPr id="18" name="Text Placeholder 2">
             <a:extLst>
               <a:ext uri="{FF2B5EF4-FFF2-40B4-BE49-F238E27FC236}">
-                <a16:creationId xmlns:a16="http://schemas.microsoft.com/office/drawing/2014/main" xmlns="" id="{82BFF385-445D-4DBB-9773-F99669415884}"/>
+                <a16:creationId xmlns="" xmlns:a16="http://schemas.microsoft.com/office/drawing/2014/main" id="{82BFF385-445D-4DBB-9773-F99669415884}"/>
               </a:ext>
             </a:extLst>
           </p:cNvPr>
@@ -8511,7 +8511,7 @@
           <p:cNvPr id="20" name="Text Placeholder 4">
             <a:extLst>
               <a:ext uri="{FF2B5EF4-FFF2-40B4-BE49-F238E27FC236}">
-                <a16:creationId xmlns:a16="http://schemas.microsoft.com/office/drawing/2014/main" xmlns="" id="{311B1CFE-1B35-4B5C-B40A-DC5ADF211B5C}"/>
+                <a16:creationId xmlns="" xmlns:a16="http://schemas.microsoft.com/office/drawing/2014/main" id="{311B1CFE-1B35-4B5C-B40A-DC5ADF211B5C}"/>
               </a:ext>
             </a:extLst>
           </p:cNvPr>
@@ -8589,7 +8589,7 @@
           <p:cNvPr id="21" name="Content Placeholder 5">
             <a:extLst>
               <a:ext uri="{FF2B5EF4-FFF2-40B4-BE49-F238E27FC236}">
-                <a16:creationId xmlns:a16="http://schemas.microsoft.com/office/drawing/2014/main" xmlns="" id="{1CE840E8-D596-479D-AE97-E88F42DC1B13}"/>
+                <a16:creationId xmlns="" xmlns:a16="http://schemas.microsoft.com/office/drawing/2014/main" id="{1CE840E8-D596-479D-AE97-E88F42DC1B13}"/>
               </a:ext>
             </a:extLst>
           </p:cNvPr>
@@ -8706,7 +8706,7 @@
           <p:cNvPr id="24" name="Content Placeholder 3">
             <a:extLst>
               <a:ext uri="{FF2B5EF4-FFF2-40B4-BE49-F238E27FC236}">
-                <a16:creationId xmlns:a16="http://schemas.microsoft.com/office/drawing/2014/main" xmlns="" id="{B9A68D25-B19E-4E84-B65D-596EE8382DAD}"/>
+                <a16:creationId xmlns="" xmlns:a16="http://schemas.microsoft.com/office/drawing/2014/main" id="{B9A68D25-B19E-4E84-B65D-596EE8382DAD}"/>
               </a:ext>
             </a:extLst>
           </p:cNvPr>
@@ -8884,7 +8884,7 @@
           <p:cNvPr id="11" name="Right Triangle 10">
             <a:extLst>
               <a:ext uri="{FF2B5EF4-FFF2-40B4-BE49-F238E27FC236}">
-                <a16:creationId xmlns:a16="http://schemas.microsoft.com/office/drawing/2014/main" xmlns="" id="{037924D2-2AB4-4BE1-9687-836615C72DFC}"/>
+                <a16:creationId xmlns="" xmlns:a16="http://schemas.microsoft.com/office/drawing/2014/main" id="{037924D2-2AB4-4BE1-9687-836615C72DFC}"/>
               </a:ext>
             </a:extLst>
           </p:cNvPr>
@@ -8936,7 +8936,7 @@
           <p:cNvPr id="16" name="Straight Connector 15">
             <a:extLst>
               <a:ext uri="{FF2B5EF4-FFF2-40B4-BE49-F238E27FC236}">
-                <a16:creationId xmlns:a16="http://schemas.microsoft.com/office/drawing/2014/main" xmlns="" id="{A93BC534-BFA1-4292-899F-03AC711BF7C5}"/>
+                <a16:creationId xmlns="" xmlns:a16="http://schemas.microsoft.com/office/drawing/2014/main" id="{A93BC534-BFA1-4292-899F-03AC711BF7C5}"/>
               </a:ext>
             </a:extLst>
           </p:cNvPr>
@@ -8981,7 +8981,7 @@
           <p:cNvPr id="18" name="Straight Connector 17">
             <a:extLst>
               <a:ext uri="{FF2B5EF4-FFF2-40B4-BE49-F238E27FC236}">
-                <a16:creationId xmlns:a16="http://schemas.microsoft.com/office/drawing/2014/main" xmlns="" id="{EBEE4DB5-5DEF-4DDB-9764-FD834B9DCAEC}"/>
+                <a16:creationId xmlns="" xmlns:a16="http://schemas.microsoft.com/office/drawing/2014/main" id="{EBEE4DB5-5DEF-4DDB-9764-FD834B9DCAEC}"/>
               </a:ext>
             </a:extLst>
           </p:cNvPr>
@@ -9024,7 +9024,7 @@
           <p:cNvPr id="2" name="Title 1" title="Title">
             <a:extLst>
               <a:ext uri="{FF2B5EF4-FFF2-40B4-BE49-F238E27FC236}">
-                <a16:creationId xmlns:a16="http://schemas.microsoft.com/office/drawing/2014/main" xmlns="" id="{A648E0EA-49ED-4F2D-A107-8FCE6301FC88}"/>
+                <a16:creationId xmlns="" xmlns:a16="http://schemas.microsoft.com/office/drawing/2014/main" id="{A648E0EA-49ED-4F2D-A107-8FCE6301FC88}"/>
               </a:ext>
             </a:extLst>
           </p:cNvPr>
@@ -9072,7 +9072,7 @@
           <p:cNvPr id="9" name="Straight Connector 8">
             <a:extLst>
               <a:ext uri="{FF2B5EF4-FFF2-40B4-BE49-F238E27FC236}">
-                <a16:creationId xmlns:a16="http://schemas.microsoft.com/office/drawing/2014/main" xmlns="" id="{162849C0-AA0D-4E1A-B4B6-E6A5917AC0A5}"/>
+                <a16:creationId xmlns="" xmlns:a16="http://schemas.microsoft.com/office/drawing/2014/main" id="{162849C0-AA0D-4E1A-B4B6-E6A5917AC0A5}"/>
               </a:ext>
             </a:extLst>
           </p:cNvPr>
@@ -9115,7 +9115,7 @@
           <p:cNvPr id="13" name="Text Placeholder 3">
             <a:extLst>
               <a:ext uri="{FF2B5EF4-FFF2-40B4-BE49-F238E27FC236}">
-                <a16:creationId xmlns:a16="http://schemas.microsoft.com/office/drawing/2014/main" xmlns="" id="{BDEAC3CA-E21C-4A63-BE7D-DCC820552AB7}"/>
+                <a16:creationId xmlns="" xmlns:a16="http://schemas.microsoft.com/office/drawing/2014/main" id="{BDEAC3CA-E21C-4A63-BE7D-DCC820552AB7}"/>
               </a:ext>
             </a:extLst>
           </p:cNvPr>
@@ -9194,7 +9194,7 @@
           <p:cNvPr id="14" name="Content Placeholder 2">
             <a:extLst>
               <a:ext uri="{FF2B5EF4-FFF2-40B4-BE49-F238E27FC236}">
-                <a16:creationId xmlns:a16="http://schemas.microsoft.com/office/drawing/2014/main" xmlns="" id="{C9A1E80C-1A76-4D3E-92A1-846866867DE1}"/>
+                <a16:creationId xmlns="" xmlns:a16="http://schemas.microsoft.com/office/drawing/2014/main" id="{C9A1E80C-1A76-4D3E-92A1-846866867DE1}"/>
               </a:ext>
             </a:extLst>
           </p:cNvPr>
@@ -9374,7 +9374,7 @@
           <p:cNvPr id="11" name="Right Triangle 10">
             <a:extLst>
               <a:ext uri="{FF2B5EF4-FFF2-40B4-BE49-F238E27FC236}">
-                <a16:creationId xmlns:a16="http://schemas.microsoft.com/office/drawing/2014/main" xmlns="" id="{037924D2-2AB4-4BE1-9687-836615C72DFC}"/>
+                <a16:creationId xmlns="" xmlns:a16="http://schemas.microsoft.com/office/drawing/2014/main" id="{037924D2-2AB4-4BE1-9687-836615C72DFC}"/>
               </a:ext>
             </a:extLst>
           </p:cNvPr>
@@ -9426,7 +9426,7 @@
           <p:cNvPr id="16" name="Straight Connector 15">
             <a:extLst>
               <a:ext uri="{FF2B5EF4-FFF2-40B4-BE49-F238E27FC236}">
-                <a16:creationId xmlns:a16="http://schemas.microsoft.com/office/drawing/2014/main" xmlns="" id="{A93BC534-BFA1-4292-899F-03AC711BF7C5}"/>
+                <a16:creationId xmlns="" xmlns:a16="http://schemas.microsoft.com/office/drawing/2014/main" id="{A93BC534-BFA1-4292-899F-03AC711BF7C5}"/>
               </a:ext>
             </a:extLst>
           </p:cNvPr>
@@ -9471,7 +9471,7 @@
           <p:cNvPr id="18" name="Straight Connector 17">
             <a:extLst>
               <a:ext uri="{FF2B5EF4-FFF2-40B4-BE49-F238E27FC236}">
-                <a16:creationId xmlns:a16="http://schemas.microsoft.com/office/drawing/2014/main" xmlns="" id="{EBEE4DB5-5DEF-4DDB-9764-FD834B9DCAEC}"/>
+                <a16:creationId xmlns="" xmlns:a16="http://schemas.microsoft.com/office/drawing/2014/main" id="{EBEE4DB5-5DEF-4DDB-9764-FD834B9DCAEC}"/>
               </a:ext>
             </a:extLst>
           </p:cNvPr>
@@ -9514,7 +9514,7 @@
           <p:cNvPr id="2" name="Title 1" title="Title">
             <a:extLst>
               <a:ext uri="{FF2B5EF4-FFF2-40B4-BE49-F238E27FC236}">
-                <a16:creationId xmlns:a16="http://schemas.microsoft.com/office/drawing/2014/main" xmlns="" id="{A648E0EA-49ED-4F2D-A107-8FCE6301FC88}"/>
+                <a16:creationId xmlns="" xmlns:a16="http://schemas.microsoft.com/office/drawing/2014/main" id="{A648E0EA-49ED-4F2D-A107-8FCE6301FC88}"/>
               </a:ext>
             </a:extLst>
           </p:cNvPr>
@@ -9562,7 +9562,7 @@
           <p:cNvPr id="9" name="Straight Connector 8">
             <a:extLst>
               <a:ext uri="{FF2B5EF4-FFF2-40B4-BE49-F238E27FC236}">
-                <a16:creationId xmlns:a16="http://schemas.microsoft.com/office/drawing/2014/main" xmlns="" id="{162849C0-AA0D-4E1A-B4B6-E6A5917AC0A5}"/>
+                <a16:creationId xmlns="" xmlns:a16="http://schemas.microsoft.com/office/drawing/2014/main" id="{162849C0-AA0D-4E1A-B4B6-E6A5917AC0A5}"/>
               </a:ext>
             </a:extLst>
           </p:cNvPr>
@@ -9605,7 +9605,7 @@
           <p:cNvPr id="13" name="Text Placeholder 3">
             <a:extLst>
               <a:ext uri="{FF2B5EF4-FFF2-40B4-BE49-F238E27FC236}">
-                <a16:creationId xmlns:a16="http://schemas.microsoft.com/office/drawing/2014/main" xmlns="" id="{BDEAC3CA-E21C-4A63-BE7D-DCC820552AB7}"/>
+                <a16:creationId xmlns="" xmlns:a16="http://schemas.microsoft.com/office/drawing/2014/main" id="{BDEAC3CA-E21C-4A63-BE7D-DCC820552AB7}"/>
               </a:ext>
             </a:extLst>
           </p:cNvPr>
@@ -9684,7 +9684,7 @@
           <p:cNvPr id="12" name="Picture Placeholder 2">
             <a:extLst>
               <a:ext uri="{FF2B5EF4-FFF2-40B4-BE49-F238E27FC236}">
-                <a16:creationId xmlns:a16="http://schemas.microsoft.com/office/drawing/2014/main" xmlns="" id="{22728E0A-430E-4C6A-BF56-06FA8510F29F}"/>
+                <a16:creationId xmlns="" xmlns:a16="http://schemas.microsoft.com/office/drawing/2014/main" id="{22728E0A-430E-4C6A-BF56-06FA8510F29F}"/>
               </a:ext>
             </a:extLst>
           </p:cNvPr>
@@ -9829,7 +9829,7 @@
           <p:cNvPr id="18" name="TextBox 17">
             <a:extLst>
               <a:ext uri="{FF2B5EF4-FFF2-40B4-BE49-F238E27FC236}">
-                <a16:creationId xmlns:a16="http://schemas.microsoft.com/office/drawing/2014/main" xmlns="" id="{CC52C5C1-EC33-44C1-9D54-A1058BBF1812}"/>
+                <a16:creationId xmlns="" xmlns:a16="http://schemas.microsoft.com/office/drawing/2014/main" id="{CC52C5C1-EC33-44C1-9D54-A1058BBF1812}"/>
               </a:ext>
             </a:extLst>
           </p:cNvPr>
@@ -9869,7 +9869,7 @@
           <p:cNvPr id="26" name="Group 25">
             <a:extLst>
               <a:ext uri="{FF2B5EF4-FFF2-40B4-BE49-F238E27FC236}">
-                <a16:creationId xmlns:a16="http://schemas.microsoft.com/office/drawing/2014/main" xmlns="" id="{8A0030CD-8C9E-4AA5-8C5D-F9B2EDB7E17A}"/>
+                <a16:creationId xmlns="" xmlns:a16="http://schemas.microsoft.com/office/drawing/2014/main" id="{8A0030CD-8C9E-4AA5-8C5D-F9B2EDB7E17A}"/>
               </a:ext>
             </a:extLst>
           </p:cNvPr>
@@ -9889,7 +9889,7 @@
             <p:cNvPr id="27" name="Diagonal Stripe 26">
               <a:extLst>
                 <a:ext uri="{FF2B5EF4-FFF2-40B4-BE49-F238E27FC236}">
-                  <a16:creationId xmlns:a16="http://schemas.microsoft.com/office/drawing/2014/main" xmlns="" id="{872EE65E-EE50-4A3E-861E-1D6C241CB8EA}"/>
+                  <a16:creationId xmlns="" xmlns:a16="http://schemas.microsoft.com/office/drawing/2014/main" id="{872EE65E-EE50-4A3E-861E-1D6C241CB8EA}"/>
                 </a:ext>
               </a:extLst>
             </p:cNvPr>
@@ -9947,7 +9947,7 @@
             <p:cNvPr id="28" name="Straight Connector 27">
               <a:extLst>
                 <a:ext uri="{FF2B5EF4-FFF2-40B4-BE49-F238E27FC236}">
-                  <a16:creationId xmlns:a16="http://schemas.microsoft.com/office/drawing/2014/main" xmlns="" id="{E76AD1EF-E06C-4D3C-9693-26844D01C83C}"/>
+                  <a16:creationId xmlns="" xmlns:a16="http://schemas.microsoft.com/office/drawing/2014/main" id="{E76AD1EF-E06C-4D3C-9693-26844D01C83C}"/>
                 </a:ext>
               </a:extLst>
             </p:cNvPr>
@@ -9992,7 +9992,7 @@
             <p:cNvPr id="29" name="Parallelogram 28">
               <a:extLst>
                 <a:ext uri="{FF2B5EF4-FFF2-40B4-BE49-F238E27FC236}">
-                  <a16:creationId xmlns:a16="http://schemas.microsoft.com/office/drawing/2014/main" xmlns="" id="{57D44C42-44C0-420A-A125-9B1A979D4F56}"/>
+                  <a16:creationId xmlns="" xmlns:a16="http://schemas.microsoft.com/office/drawing/2014/main" id="{57D44C42-44C0-420A-A125-9B1A979D4F56}"/>
                 </a:ext>
               </a:extLst>
             </p:cNvPr>
@@ -10047,7 +10047,7 @@
           <p:cNvPr id="30" name="Parallelogram 29">
             <a:extLst>
               <a:ext uri="{FF2B5EF4-FFF2-40B4-BE49-F238E27FC236}">
-                <a16:creationId xmlns:a16="http://schemas.microsoft.com/office/drawing/2014/main" xmlns="" id="{406089BB-36DC-4E23-B215-527A8A18FCFB}"/>
+                <a16:creationId xmlns="" xmlns:a16="http://schemas.microsoft.com/office/drawing/2014/main" id="{406089BB-36DC-4E23-B215-527A8A18FCFB}"/>
               </a:ext>
             </a:extLst>
           </p:cNvPr>
@@ -10106,7 +10106,7 @@
           <p:cNvPr id="2" name="Footer Placeholder 1">
             <a:extLst>
               <a:ext uri="{FF2B5EF4-FFF2-40B4-BE49-F238E27FC236}">
-                <a16:creationId xmlns:a16="http://schemas.microsoft.com/office/drawing/2014/main" xmlns="" id="{578C43A6-50C6-704E-BADC-6D83BADE7316}"/>
+                <a16:creationId xmlns="" xmlns:a16="http://schemas.microsoft.com/office/drawing/2014/main" id="{578C43A6-50C6-704E-BADC-6D83BADE7316}"/>
               </a:ext>
             </a:extLst>
           </p:cNvPr>
@@ -10134,7 +10134,7 @@
           <p:cNvPr id="3" name="Slide Number Placeholder 2">
             <a:extLst>
               <a:ext uri="{FF2B5EF4-FFF2-40B4-BE49-F238E27FC236}">
-                <a16:creationId xmlns:a16="http://schemas.microsoft.com/office/drawing/2014/main" xmlns="" id="{ED91439B-965F-3548-AF77-89501B24F600}"/>
+                <a16:creationId xmlns="" xmlns:a16="http://schemas.microsoft.com/office/drawing/2014/main" id="{ED91439B-965F-3548-AF77-89501B24F600}"/>
               </a:ext>
             </a:extLst>
           </p:cNvPr>
@@ -10214,7 +10214,7 @@
           <p:cNvPr id="21" name="TextBox 20">
             <a:extLst>
               <a:ext uri="{FF2B5EF4-FFF2-40B4-BE49-F238E27FC236}">
-                <a16:creationId xmlns:a16="http://schemas.microsoft.com/office/drawing/2014/main" xmlns="" id="{7E8A2C98-F26E-415A-B931-1B89CA46C1CF}"/>
+                <a16:creationId xmlns="" xmlns:a16="http://schemas.microsoft.com/office/drawing/2014/main" id="{7E8A2C98-F26E-415A-B931-1B89CA46C1CF}"/>
               </a:ext>
             </a:extLst>
           </p:cNvPr>
@@ -10254,7 +10254,7 @@
           <p:cNvPr id="27" name="Group 26">
             <a:extLst>
               <a:ext uri="{FF2B5EF4-FFF2-40B4-BE49-F238E27FC236}">
-                <a16:creationId xmlns:a16="http://schemas.microsoft.com/office/drawing/2014/main" xmlns="" id="{1B2FB48C-0C70-4DBE-B904-A134B6644DD3}"/>
+                <a16:creationId xmlns="" xmlns:a16="http://schemas.microsoft.com/office/drawing/2014/main" id="{1B2FB48C-0C70-4DBE-B904-A134B6644DD3}"/>
               </a:ext>
             </a:extLst>
           </p:cNvPr>
@@ -10274,7 +10274,7 @@
             <p:cNvPr id="28" name="Diagonal Stripe 27">
               <a:extLst>
                 <a:ext uri="{FF2B5EF4-FFF2-40B4-BE49-F238E27FC236}">
-                  <a16:creationId xmlns:a16="http://schemas.microsoft.com/office/drawing/2014/main" xmlns="" id="{4F2E2158-1E6E-4E0D-BDAB-B20041C73615}"/>
+                  <a16:creationId xmlns="" xmlns:a16="http://schemas.microsoft.com/office/drawing/2014/main" id="{4F2E2158-1E6E-4E0D-BDAB-B20041C73615}"/>
                 </a:ext>
               </a:extLst>
             </p:cNvPr>
@@ -10332,7 +10332,7 @@
             <p:cNvPr id="29" name="Straight Connector 28">
               <a:extLst>
                 <a:ext uri="{FF2B5EF4-FFF2-40B4-BE49-F238E27FC236}">
-                  <a16:creationId xmlns:a16="http://schemas.microsoft.com/office/drawing/2014/main" xmlns="" id="{626D62DB-3A5A-4DA1-BFA4-D9E58676E86A}"/>
+                  <a16:creationId xmlns="" xmlns:a16="http://schemas.microsoft.com/office/drawing/2014/main" id="{626D62DB-3A5A-4DA1-BFA4-D9E58676E86A}"/>
                 </a:ext>
               </a:extLst>
             </p:cNvPr>
@@ -10377,7 +10377,7 @@
             <p:cNvPr id="30" name="Parallelogram 29">
               <a:extLst>
                 <a:ext uri="{FF2B5EF4-FFF2-40B4-BE49-F238E27FC236}">
-                  <a16:creationId xmlns:a16="http://schemas.microsoft.com/office/drawing/2014/main" xmlns="" id="{F5A729A7-3A5C-405C-AE06-180E7529E477}"/>
+                  <a16:creationId xmlns="" xmlns:a16="http://schemas.microsoft.com/office/drawing/2014/main" id="{F5A729A7-3A5C-405C-AE06-180E7529E477}"/>
                 </a:ext>
               </a:extLst>
             </p:cNvPr>
@@ -10432,7 +10432,7 @@
           <p:cNvPr id="31" name="Parallelogram 30">
             <a:extLst>
               <a:ext uri="{FF2B5EF4-FFF2-40B4-BE49-F238E27FC236}">
-                <a16:creationId xmlns:a16="http://schemas.microsoft.com/office/drawing/2014/main" xmlns="" id="{41E23981-B12A-4AC3-A030-337BBBA5E45B}"/>
+                <a16:creationId xmlns="" xmlns:a16="http://schemas.microsoft.com/office/drawing/2014/main" id="{41E23981-B12A-4AC3-A030-337BBBA5E45B}"/>
               </a:ext>
             </a:extLst>
           </p:cNvPr>
@@ -10491,7 +10491,7 @@
           <p:cNvPr id="33" name="Title 1" title="Title ">
             <a:extLst>
               <a:ext uri="{FF2B5EF4-FFF2-40B4-BE49-F238E27FC236}">
-                <a16:creationId xmlns:a16="http://schemas.microsoft.com/office/drawing/2014/main" xmlns="" id="{59067A2C-FE71-4381-BE51-08DAC5E4354A}"/>
+                <a16:creationId xmlns="" xmlns:a16="http://schemas.microsoft.com/office/drawing/2014/main" id="{59067A2C-FE71-4381-BE51-08DAC5E4354A}"/>
               </a:ext>
             </a:extLst>
           </p:cNvPr>
@@ -10537,7 +10537,7 @@
           <p:cNvPr id="2" name="Footer Placeholder 1">
             <a:extLst>
               <a:ext uri="{FF2B5EF4-FFF2-40B4-BE49-F238E27FC236}">
-                <a16:creationId xmlns:a16="http://schemas.microsoft.com/office/drawing/2014/main" xmlns="" id="{CB69A007-934D-7A4B-9EFA-82044EF4DC33}"/>
+                <a16:creationId xmlns="" xmlns:a16="http://schemas.microsoft.com/office/drawing/2014/main" id="{CB69A007-934D-7A4B-9EFA-82044EF4DC33}"/>
               </a:ext>
             </a:extLst>
           </p:cNvPr>
@@ -10565,7 +10565,7 @@
           <p:cNvPr id="3" name="Slide Number Placeholder 2">
             <a:extLst>
               <a:ext uri="{FF2B5EF4-FFF2-40B4-BE49-F238E27FC236}">
-                <a16:creationId xmlns:a16="http://schemas.microsoft.com/office/drawing/2014/main" xmlns="" id="{5A154DC2-98C7-4D4B-A17A-AA4731217F17}"/>
+                <a16:creationId xmlns="" xmlns:a16="http://schemas.microsoft.com/office/drawing/2014/main" id="{5A154DC2-98C7-4D4B-A17A-AA4731217F17}"/>
               </a:ext>
             </a:extLst>
           </p:cNvPr>
@@ -10645,7 +10645,7 @@
           <p:cNvPr id="2" name="Title 1">
             <a:extLst>
               <a:ext uri="{FF2B5EF4-FFF2-40B4-BE49-F238E27FC236}">
-                <a16:creationId xmlns:a16="http://schemas.microsoft.com/office/drawing/2014/main" xmlns="" id="{325CE2EB-00DF-4EBA-BF1F-D37805D45585}"/>
+                <a16:creationId xmlns="" xmlns:a16="http://schemas.microsoft.com/office/drawing/2014/main" id="{325CE2EB-00DF-4EBA-BF1F-D37805D45585}"/>
               </a:ext>
             </a:extLst>
           </p:cNvPr>
@@ -10704,7 +10704,7 @@
           <p:cNvPr id="19" name="Right Triangle 18">
             <a:extLst>
               <a:ext uri="{FF2B5EF4-FFF2-40B4-BE49-F238E27FC236}">
-                <a16:creationId xmlns:a16="http://schemas.microsoft.com/office/drawing/2014/main" xmlns="" id="{71D0E8AA-902F-440D-9C55-2A391C22396A}"/>
+                <a16:creationId xmlns="" xmlns:a16="http://schemas.microsoft.com/office/drawing/2014/main" id="{71D0E8AA-902F-440D-9C55-2A391C22396A}"/>
               </a:ext>
             </a:extLst>
           </p:cNvPr>
@@ -10756,7 +10756,7 @@
           <p:cNvPr id="17" name="Parallelogram 16">
             <a:extLst>
               <a:ext uri="{FF2B5EF4-FFF2-40B4-BE49-F238E27FC236}">
-                <a16:creationId xmlns:a16="http://schemas.microsoft.com/office/drawing/2014/main" xmlns="" id="{7D937721-835D-4D84-94A3-6C79D4639514}"/>
+                <a16:creationId xmlns="" xmlns:a16="http://schemas.microsoft.com/office/drawing/2014/main" id="{7D937721-835D-4D84-94A3-6C79D4639514}"/>
               </a:ext>
             </a:extLst>
           </p:cNvPr>
@@ -10810,7 +10810,7 @@
           <p:cNvPr id="18" name="Straight Connector 17">
             <a:extLst>
               <a:ext uri="{FF2B5EF4-FFF2-40B4-BE49-F238E27FC236}">
-                <a16:creationId xmlns:a16="http://schemas.microsoft.com/office/drawing/2014/main" xmlns="" id="{732BB30B-8262-4715-998F-AAF6A81ADFD3}"/>
+                <a16:creationId xmlns="" xmlns:a16="http://schemas.microsoft.com/office/drawing/2014/main" id="{732BB30B-8262-4715-998F-AAF6A81ADFD3}"/>
               </a:ext>
             </a:extLst>
           </p:cNvPr>
@@ -10855,7 +10855,7 @@
           <p:cNvPr id="100" name="Title 1" title="Title">
             <a:extLst>
               <a:ext uri="{FF2B5EF4-FFF2-40B4-BE49-F238E27FC236}">
-                <a16:creationId xmlns:a16="http://schemas.microsoft.com/office/drawing/2014/main" xmlns="" id="{4D7EF399-DAA5-44EC-B712-79C755FE84CB}"/>
+                <a16:creationId xmlns="" xmlns:a16="http://schemas.microsoft.com/office/drawing/2014/main" id="{4D7EF399-DAA5-44EC-B712-79C755FE84CB}"/>
               </a:ext>
             </a:extLst>
           </p:cNvPr>
@@ -10903,7 +10903,7 @@
           <p:cNvPr id="101" name="Text Placeholder 2" title="Subtitle">
             <a:extLst>
               <a:ext uri="{FF2B5EF4-FFF2-40B4-BE49-F238E27FC236}">
-                <a16:creationId xmlns:a16="http://schemas.microsoft.com/office/drawing/2014/main" xmlns="" id="{26D13BFA-61B0-402F-8611-02D3DFDBEBCB}"/>
+                <a16:creationId xmlns="" xmlns:a16="http://schemas.microsoft.com/office/drawing/2014/main" id="{26D13BFA-61B0-402F-8611-02D3DFDBEBCB}"/>
               </a:ext>
             </a:extLst>
           </p:cNvPr>
@@ -11033,7 +11033,7 @@
           <p:cNvPr id="21" name="Straight Connector 20">
             <a:extLst>
               <a:ext uri="{FF2B5EF4-FFF2-40B4-BE49-F238E27FC236}">
-                <a16:creationId xmlns:a16="http://schemas.microsoft.com/office/drawing/2014/main" xmlns="" id="{DA0A0C24-D997-4E78-951F-AFB51C70EFCC}"/>
+                <a16:creationId xmlns="" xmlns:a16="http://schemas.microsoft.com/office/drawing/2014/main" id="{DA0A0C24-D997-4E78-951F-AFB51C70EFCC}"/>
               </a:ext>
             </a:extLst>
           </p:cNvPr>
@@ -11076,7 +11076,7 @@
           <p:cNvPr id="25" name="Parallelogram 24">
             <a:extLst>
               <a:ext uri="{FF2B5EF4-FFF2-40B4-BE49-F238E27FC236}">
-                <a16:creationId xmlns:a16="http://schemas.microsoft.com/office/drawing/2014/main" xmlns="" id="{E123A0CF-50D6-46EC-8BF6-43E38AFCD588}"/>
+                <a16:creationId xmlns="" xmlns:a16="http://schemas.microsoft.com/office/drawing/2014/main" id="{E123A0CF-50D6-46EC-8BF6-43E38AFCD588}"/>
               </a:ext>
             </a:extLst>
           </p:cNvPr>
@@ -11135,7 +11135,7 @@
           <p:cNvPr id="26" name="Straight Connector 25">
             <a:extLst>
               <a:ext uri="{FF2B5EF4-FFF2-40B4-BE49-F238E27FC236}">
-                <a16:creationId xmlns:a16="http://schemas.microsoft.com/office/drawing/2014/main" xmlns="" id="{2B2F1D2E-B631-4CB1-9448-2B50F8C46316}"/>
+                <a16:creationId xmlns="" xmlns:a16="http://schemas.microsoft.com/office/drawing/2014/main" id="{2B2F1D2E-B631-4CB1-9448-2B50F8C46316}"/>
               </a:ext>
             </a:extLst>
           </p:cNvPr>
@@ -11180,7 +11180,7 @@
           <p:cNvPr id="27" name="Picture Placeholder 26">
             <a:extLst>
               <a:ext uri="{FF2B5EF4-FFF2-40B4-BE49-F238E27FC236}">
-                <a16:creationId xmlns:a16="http://schemas.microsoft.com/office/drawing/2014/main" xmlns="" id="{95572AA9-EFAE-4771-B1EE-47E361173778}"/>
+                <a16:creationId xmlns="" xmlns:a16="http://schemas.microsoft.com/office/drawing/2014/main" id="{95572AA9-EFAE-4771-B1EE-47E361173778}"/>
               </a:ext>
             </a:extLst>
           </p:cNvPr>
@@ -11287,7 +11287,7 @@
           <p:cNvPr id="16" name="Straight Connector 15">
             <a:extLst>
               <a:ext uri="{FF2B5EF4-FFF2-40B4-BE49-F238E27FC236}">
-                <a16:creationId xmlns:a16="http://schemas.microsoft.com/office/drawing/2014/main" xmlns="" id="{5CF69447-82AD-475F-A3AE-3D7FF61DBFE2}"/>
+                <a16:creationId xmlns="" xmlns:a16="http://schemas.microsoft.com/office/drawing/2014/main" id="{5CF69447-82AD-475F-A3AE-3D7FF61DBFE2}"/>
               </a:ext>
             </a:extLst>
           </p:cNvPr>
@@ -11330,7 +11330,7 @@
           <p:cNvPr id="24" name="Parallelogram 23">
             <a:extLst>
               <a:ext uri="{FF2B5EF4-FFF2-40B4-BE49-F238E27FC236}">
-                <a16:creationId xmlns:a16="http://schemas.microsoft.com/office/drawing/2014/main" xmlns="" id="{FC8C82F3-94EE-4B4F-A01D-993A41BC00B1}"/>
+                <a16:creationId xmlns="" xmlns:a16="http://schemas.microsoft.com/office/drawing/2014/main" id="{FC8C82F3-94EE-4B4F-A01D-993A41BC00B1}"/>
               </a:ext>
             </a:extLst>
           </p:cNvPr>
@@ -11452,7 +11452,7 @@
           <p:cNvPr id="3" name="Content Placeholder 2" title="Bullet Points">
             <a:extLst>
               <a:ext uri="{FF2B5EF4-FFF2-40B4-BE49-F238E27FC236}">
-                <a16:creationId xmlns:a16="http://schemas.microsoft.com/office/drawing/2014/main" xmlns="" id="{BFD7EA17-BE66-4636-9684-F93562587911}"/>
+                <a16:creationId xmlns="" xmlns:a16="http://schemas.microsoft.com/office/drawing/2014/main" id="{BFD7EA17-BE66-4636-9684-F93562587911}"/>
               </a:ext>
             </a:extLst>
           </p:cNvPr>
@@ -11571,7 +11571,7 @@
           <p:cNvPr id="24" name="Right Triangle 23">
             <a:extLst>
               <a:ext uri="{FF2B5EF4-FFF2-40B4-BE49-F238E27FC236}">
-                <a16:creationId xmlns:a16="http://schemas.microsoft.com/office/drawing/2014/main" xmlns="" id="{BD6ACE60-499D-41AB-89C4-D537D7C3D22A}"/>
+                <a16:creationId xmlns="" xmlns:a16="http://schemas.microsoft.com/office/drawing/2014/main" id="{BD6ACE60-499D-41AB-89C4-D537D7C3D22A}"/>
               </a:ext>
             </a:extLst>
           </p:cNvPr>
@@ -11623,7 +11623,7 @@
           <p:cNvPr id="25" name="Parallelogram 24">
             <a:extLst>
               <a:ext uri="{FF2B5EF4-FFF2-40B4-BE49-F238E27FC236}">
-                <a16:creationId xmlns:a16="http://schemas.microsoft.com/office/drawing/2014/main" xmlns="" id="{18C08F43-D42B-4CF1-912F-BC83D72AB415}"/>
+                <a16:creationId xmlns="" xmlns:a16="http://schemas.microsoft.com/office/drawing/2014/main" id="{18C08F43-D42B-4CF1-912F-BC83D72AB415}"/>
               </a:ext>
             </a:extLst>
           </p:cNvPr>
@@ -11682,7 +11682,7 @@
           <p:cNvPr id="34" name="Straight Connector 33">
             <a:extLst>
               <a:ext uri="{FF2B5EF4-FFF2-40B4-BE49-F238E27FC236}">
-                <a16:creationId xmlns:a16="http://schemas.microsoft.com/office/drawing/2014/main" xmlns="" id="{1411C731-2333-41B0-927A-0A48EEC79964}"/>
+                <a16:creationId xmlns="" xmlns:a16="http://schemas.microsoft.com/office/drawing/2014/main" id="{1411C731-2333-41B0-927A-0A48EEC79964}"/>
               </a:ext>
             </a:extLst>
           </p:cNvPr>
@@ -11725,7 +11725,7 @@
           <p:cNvPr id="5" name="Text Placeholder 4" title="Subtitle">
             <a:extLst>
               <a:ext uri="{FF2B5EF4-FFF2-40B4-BE49-F238E27FC236}">
-                <a16:creationId xmlns:a16="http://schemas.microsoft.com/office/drawing/2014/main" xmlns="" id="{D71EE635-EA0C-4139-8160-AE1EAD13AAEB}"/>
+                <a16:creationId xmlns="" xmlns:a16="http://schemas.microsoft.com/office/drawing/2014/main" id="{D71EE635-EA0C-4139-8160-AE1EAD13AAEB}"/>
               </a:ext>
             </a:extLst>
           </p:cNvPr>
@@ -11775,7 +11775,7 @@
           <p:cNvPr id="2" name="Title 1" title="Title ">
             <a:extLst>
               <a:ext uri="{FF2B5EF4-FFF2-40B4-BE49-F238E27FC236}">
-                <a16:creationId xmlns:a16="http://schemas.microsoft.com/office/drawing/2014/main" xmlns="" id="{20237B57-91C6-4F8B-8AA0-18FA50B0FD1D}"/>
+                <a16:creationId xmlns="" xmlns:a16="http://schemas.microsoft.com/office/drawing/2014/main" id="{20237B57-91C6-4F8B-8AA0-18FA50B0FD1D}"/>
               </a:ext>
             </a:extLst>
           </p:cNvPr>
@@ -11828,7 +11828,7 @@
           <p:cNvPr id="15" name="Picture Placeholder 14">
             <a:extLst>
               <a:ext uri="{FF2B5EF4-FFF2-40B4-BE49-F238E27FC236}">
-                <a16:creationId xmlns:a16="http://schemas.microsoft.com/office/drawing/2014/main" xmlns="" id="{FE1FADFB-0A3D-40F7-9B40-368DECD971E1}"/>
+                <a16:creationId xmlns="" xmlns:a16="http://schemas.microsoft.com/office/drawing/2014/main" id="{FE1FADFB-0A3D-40F7-9B40-368DECD971E1}"/>
               </a:ext>
             </a:extLst>
           </p:cNvPr>
@@ -12023,7 +12023,7 @@
           <p:cNvPr id="4" name="Footer Placeholder 3">
             <a:extLst>
               <a:ext uri="{FF2B5EF4-FFF2-40B4-BE49-F238E27FC236}">
-                <a16:creationId xmlns:a16="http://schemas.microsoft.com/office/drawing/2014/main" xmlns="" id="{5ADB14A5-A767-774C-85B8-68EF914689F6}"/>
+                <a16:creationId xmlns="" xmlns:a16="http://schemas.microsoft.com/office/drawing/2014/main" id="{5ADB14A5-A767-774C-85B8-68EF914689F6}"/>
               </a:ext>
             </a:extLst>
           </p:cNvPr>
@@ -12051,7 +12051,7 @@
           <p:cNvPr id="6" name="Slide Number Placeholder 5">
             <a:extLst>
               <a:ext uri="{FF2B5EF4-FFF2-40B4-BE49-F238E27FC236}">
-                <a16:creationId xmlns:a16="http://schemas.microsoft.com/office/drawing/2014/main" xmlns="" id="{D4B9B51B-EAA9-4B4D-A4F6-470CD95DAA79}"/>
+                <a16:creationId xmlns="" xmlns:a16="http://schemas.microsoft.com/office/drawing/2014/main" id="{D4B9B51B-EAA9-4B4D-A4F6-470CD95DAA79}"/>
               </a:ext>
             </a:extLst>
           </p:cNvPr>
@@ -12131,7 +12131,7 @@
           <p:cNvPr id="35" name="Right Triangle 34">
             <a:extLst>
               <a:ext uri="{FF2B5EF4-FFF2-40B4-BE49-F238E27FC236}">
-                <a16:creationId xmlns:a16="http://schemas.microsoft.com/office/drawing/2014/main" xmlns="" id="{805F1696-7D6B-4055-94C3-E4C179F63596}"/>
+                <a16:creationId xmlns="" xmlns:a16="http://schemas.microsoft.com/office/drawing/2014/main" id="{805F1696-7D6B-4055-94C3-E4C179F63596}"/>
               </a:ext>
             </a:extLst>
           </p:cNvPr>
@@ -12183,7 +12183,7 @@
           <p:cNvPr id="18" name="Picture Placeholder 17">
             <a:extLst>
               <a:ext uri="{FF2B5EF4-FFF2-40B4-BE49-F238E27FC236}">
-                <a16:creationId xmlns:a16="http://schemas.microsoft.com/office/drawing/2014/main" xmlns="" id="{8B9EC3A9-7039-403A-9414-429521308AE7}"/>
+                <a16:creationId xmlns="" xmlns:a16="http://schemas.microsoft.com/office/drawing/2014/main" id="{8B9EC3A9-7039-403A-9414-429521308AE7}"/>
               </a:ext>
             </a:extLst>
           </p:cNvPr>
@@ -12271,7 +12271,7 @@
           <p:cNvPr id="3" name="Content Placeholder 2" title="Bullet Points">
             <a:extLst>
               <a:ext uri="{FF2B5EF4-FFF2-40B4-BE49-F238E27FC236}">
-                <a16:creationId xmlns:a16="http://schemas.microsoft.com/office/drawing/2014/main" xmlns="" id="{BFD7EA17-BE66-4636-9684-F93562587911}"/>
+                <a16:creationId xmlns="" xmlns:a16="http://schemas.microsoft.com/office/drawing/2014/main" id="{BFD7EA17-BE66-4636-9684-F93562587911}"/>
               </a:ext>
             </a:extLst>
           </p:cNvPr>
@@ -12390,7 +12390,7 @@
           <p:cNvPr id="25" name="Parallelogram 24">
             <a:extLst>
               <a:ext uri="{FF2B5EF4-FFF2-40B4-BE49-F238E27FC236}">
-                <a16:creationId xmlns:a16="http://schemas.microsoft.com/office/drawing/2014/main" xmlns="" id="{18C08F43-D42B-4CF1-912F-BC83D72AB415}"/>
+                <a16:creationId xmlns="" xmlns:a16="http://schemas.microsoft.com/office/drawing/2014/main" id="{18C08F43-D42B-4CF1-912F-BC83D72AB415}"/>
               </a:ext>
             </a:extLst>
           </p:cNvPr>
@@ -12449,7 +12449,7 @@
           <p:cNvPr id="34" name="Straight Connector 33">
             <a:extLst>
               <a:ext uri="{FF2B5EF4-FFF2-40B4-BE49-F238E27FC236}">
-                <a16:creationId xmlns:a16="http://schemas.microsoft.com/office/drawing/2014/main" xmlns="" id="{1411C731-2333-41B0-927A-0A48EEC79964}"/>
+                <a16:creationId xmlns="" xmlns:a16="http://schemas.microsoft.com/office/drawing/2014/main" id="{1411C731-2333-41B0-927A-0A48EEC79964}"/>
               </a:ext>
             </a:extLst>
           </p:cNvPr>
@@ -12492,7 +12492,7 @@
           <p:cNvPr id="5" name="Text Placeholder 4" title="Subtitle">
             <a:extLst>
               <a:ext uri="{FF2B5EF4-FFF2-40B4-BE49-F238E27FC236}">
-                <a16:creationId xmlns:a16="http://schemas.microsoft.com/office/drawing/2014/main" xmlns="" id="{D71EE635-EA0C-4139-8160-AE1EAD13AAEB}"/>
+                <a16:creationId xmlns="" xmlns:a16="http://schemas.microsoft.com/office/drawing/2014/main" id="{D71EE635-EA0C-4139-8160-AE1EAD13AAEB}"/>
               </a:ext>
             </a:extLst>
           </p:cNvPr>
@@ -12542,7 +12542,7 @@
           <p:cNvPr id="17" name="TextBox 16">
             <a:extLst>
               <a:ext uri="{FF2B5EF4-FFF2-40B4-BE49-F238E27FC236}">
-                <a16:creationId xmlns:a16="http://schemas.microsoft.com/office/drawing/2014/main" xmlns="" id="{3EB154C1-CE47-4220-9832-4FD0868A64A8}"/>
+                <a16:creationId xmlns="" xmlns:a16="http://schemas.microsoft.com/office/drawing/2014/main" id="{3EB154C1-CE47-4220-9832-4FD0868A64A8}"/>
               </a:ext>
             </a:extLst>
           </p:cNvPr>
@@ -12582,7 +12582,7 @@
           <p:cNvPr id="19" name="Title 1" title="Title ">
             <a:extLst>
               <a:ext uri="{FF2B5EF4-FFF2-40B4-BE49-F238E27FC236}">
-                <a16:creationId xmlns:a16="http://schemas.microsoft.com/office/drawing/2014/main" xmlns="" id="{2DB9D671-9FC8-4306-96B7-D9D585694B83}"/>
+                <a16:creationId xmlns="" xmlns:a16="http://schemas.microsoft.com/office/drawing/2014/main" id="{2DB9D671-9FC8-4306-96B7-D9D585694B83}"/>
               </a:ext>
             </a:extLst>
           </p:cNvPr>
@@ -12635,7 +12635,7 @@
           <p:cNvPr id="2" name="Footer Placeholder 1">
             <a:extLst>
               <a:ext uri="{FF2B5EF4-FFF2-40B4-BE49-F238E27FC236}">
-                <a16:creationId xmlns:a16="http://schemas.microsoft.com/office/drawing/2014/main" xmlns="" id="{6E55A0B9-F639-8643-9C4D-B93B8EE21A79}"/>
+                <a16:creationId xmlns="" xmlns:a16="http://schemas.microsoft.com/office/drawing/2014/main" id="{6E55A0B9-F639-8643-9C4D-B93B8EE21A79}"/>
               </a:ext>
             </a:extLst>
           </p:cNvPr>
@@ -12663,7 +12663,7 @@
           <p:cNvPr id="4" name="Slide Number Placeholder 3">
             <a:extLst>
               <a:ext uri="{FF2B5EF4-FFF2-40B4-BE49-F238E27FC236}">
-                <a16:creationId xmlns:a16="http://schemas.microsoft.com/office/drawing/2014/main" xmlns="" id="{D0C29282-8AC7-494D-9A8E-A26C7F69948F}"/>
+                <a16:creationId xmlns="" xmlns:a16="http://schemas.microsoft.com/office/drawing/2014/main" id="{D0C29282-8AC7-494D-9A8E-A26C7F69948F}"/>
               </a:ext>
             </a:extLst>
           </p:cNvPr>
@@ -12743,7 +12743,7 @@
           <p:cNvPr id="22" name="Straight Connector 21">
             <a:extLst>
               <a:ext uri="{FF2B5EF4-FFF2-40B4-BE49-F238E27FC236}">
-                <a16:creationId xmlns:a16="http://schemas.microsoft.com/office/drawing/2014/main" xmlns="" id="{01AF1CF9-9F46-4541-8FF1-B9C53244EE1A}"/>
+                <a16:creationId xmlns="" xmlns:a16="http://schemas.microsoft.com/office/drawing/2014/main" id="{01AF1CF9-9F46-4541-8FF1-B9C53244EE1A}"/>
               </a:ext>
             </a:extLst>
           </p:cNvPr>
@@ -12786,7 +12786,7 @@
           <p:cNvPr id="23" name="Group 22">
             <a:extLst>
               <a:ext uri="{FF2B5EF4-FFF2-40B4-BE49-F238E27FC236}">
-                <a16:creationId xmlns:a16="http://schemas.microsoft.com/office/drawing/2014/main" xmlns="" id="{AB0E1BA4-80FE-4826-BA2F-083C3A5BB7FA}"/>
+                <a16:creationId xmlns="" xmlns:a16="http://schemas.microsoft.com/office/drawing/2014/main" id="{AB0E1BA4-80FE-4826-BA2F-083C3A5BB7FA}"/>
               </a:ext>
             </a:extLst>
           </p:cNvPr>
@@ -12806,7 +12806,7 @@
             <p:cNvPr id="26" name="Diagonal Stripe 25">
               <a:extLst>
                 <a:ext uri="{FF2B5EF4-FFF2-40B4-BE49-F238E27FC236}">
-                  <a16:creationId xmlns:a16="http://schemas.microsoft.com/office/drawing/2014/main" xmlns="" id="{0697993E-CD44-40B9-805C-77BC608618A7}"/>
+                  <a16:creationId xmlns="" xmlns:a16="http://schemas.microsoft.com/office/drawing/2014/main" id="{0697993E-CD44-40B9-805C-77BC608618A7}"/>
                 </a:ext>
               </a:extLst>
             </p:cNvPr>
@@ -12864,7 +12864,7 @@
             <p:cNvPr id="28" name="Straight Connector 27">
               <a:extLst>
                 <a:ext uri="{FF2B5EF4-FFF2-40B4-BE49-F238E27FC236}">
-                  <a16:creationId xmlns:a16="http://schemas.microsoft.com/office/drawing/2014/main" xmlns="" id="{DDBD869A-51AE-4AC9-A3E0-38E8C732B1E8}"/>
+                  <a16:creationId xmlns="" xmlns:a16="http://schemas.microsoft.com/office/drawing/2014/main" id="{DDBD869A-51AE-4AC9-A3E0-38E8C732B1E8}"/>
                 </a:ext>
               </a:extLst>
             </p:cNvPr>
@@ -12909,7 +12909,7 @@
             <p:cNvPr id="30" name="Parallelogram 29">
               <a:extLst>
                 <a:ext uri="{FF2B5EF4-FFF2-40B4-BE49-F238E27FC236}">
-                  <a16:creationId xmlns:a16="http://schemas.microsoft.com/office/drawing/2014/main" xmlns="" id="{DE18C3B6-28E6-4BBC-B634-F81DE5A9D13C}"/>
+                  <a16:creationId xmlns="" xmlns:a16="http://schemas.microsoft.com/office/drawing/2014/main" id="{DE18C3B6-28E6-4BBC-B634-F81DE5A9D13C}"/>
                 </a:ext>
               </a:extLst>
             </p:cNvPr>
@@ -12964,7 +12964,7 @@
           <p:cNvPr id="17" name="Text Placeholder 2">
             <a:extLst>
               <a:ext uri="{FF2B5EF4-FFF2-40B4-BE49-F238E27FC236}">
-                <a16:creationId xmlns:a16="http://schemas.microsoft.com/office/drawing/2014/main" xmlns="" id="{B2E19FBD-2379-4B3B-910D-F51E007CB63F}"/>
+                <a16:creationId xmlns="" xmlns:a16="http://schemas.microsoft.com/office/drawing/2014/main" id="{B2E19FBD-2379-4B3B-910D-F51E007CB63F}"/>
               </a:ext>
             </a:extLst>
           </p:cNvPr>
@@ -13050,7 +13050,7 @@
           <p:cNvPr id="18" name="Content Placeholder 3" title="Bullet Points">
             <a:extLst>
               <a:ext uri="{FF2B5EF4-FFF2-40B4-BE49-F238E27FC236}">
-                <a16:creationId xmlns:a16="http://schemas.microsoft.com/office/drawing/2014/main" xmlns="" id="{8715E757-6584-4841-8154-C92E70E0CD6B}"/>
+                <a16:creationId xmlns="" xmlns:a16="http://schemas.microsoft.com/office/drawing/2014/main" id="{8715E757-6584-4841-8154-C92E70E0CD6B}"/>
               </a:ext>
             </a:extLst>
           </p:cNvPr>
@@ -13174,7 +13174,7 @@
           <p:cNvPr id="19" name="Text Placeholder 4">
             <a:extLst>
               <a:ext uri="{FF2B5EF4-FFF2-40B4-BE49-F238E27FC236}">
-                <a16:creationId xmlns:a16="http://schemas.microsoft.com/office/drawing/2014/main" xmlns="" id="{47CDC5A2-8836-4ED3-8E78-18C24853D882}"/>
+                <a16:creationId xmlns="" xmlns:a16="http://schemas.microsoft.com/office/drawing/2014/main" id="{47CDC5A2-8836-4ED3-8E78-18C24853D882}"/>
               </a:ext>
             </a:extLst>
           </p:cNvPr>
@@ -13257,7 +13257,7 @@
           <p:cNvPr id="20" name="Content Placeholder 5" title="Bullet Points">
             <a:extLst>
               <a:ext uri="{FF2B5EF4-FFF2-40B4-BE49-F238E27FC236}">
-                <a16:creationId xmlns:a16="http://schemas.microsoft.com/office/drawing/2014/main" xmlns="" id="{D957FBD7-2C3C-4DD1-954F-DF1E007BE590}"/>
+                <a16:creationId xmlns="" xmlns:a16="http://schemas.microsoft.com/office/drawing/2014/main" id="{D957FBD7-2C3C-4DD1-954F-DF1E007BE590}"/>
               </a:ext>
             </a:extLst>
           </p:cNvPr>
@@ -13381,7 +13381,7 @@
           <p:cNvPr id="24" name="Text Placeholder 4" title="Subtitle">
             <a:extLst>
               <a:ext uri="{FF2B5EF4-FFF2-40B4-BE49-F238E27FC236}">
-                <a16:creationId xmlns:a16="http://schemas.microsoft.com/office/drawing/2014/main" xmlns="" id="{77DB65FF-A89E-4562-8251-2BB63EFDD28E}"/>
+                <a16:creationId xmlns="" xmlns:a16="http://schemas.microsoft.com/office/drawing/2014/main" id="{77DB65FF-A89E-4562-8251-2BB63EFDD28E}"/>
               </a:ext>
             </a:extLst>
           </p:cNvPr>
@@ -13431,7 +13431,7 @@
           <p:cNvPr id="25" name="TextBox 24">
             <a:extLst>
               <a:ext uri="{FF2B5EF4-FFF2-40B4-BE49-F238E27FC236}">
-                <a16:creationId xmlns:a16="http://schemas.microsoft.com/office/drawing/2014/main" xmlns="" id="{F0BB4D3D-930C-4FF4-BB7C-2CB24208150C}"/>
+                <a16:creationId xmlns="" xmlns:a16="http://schemas.microsoft.com/office/drawing/2014/main" id="{F0BB4D3D-930C-4FF4-BB7C-2CB24208150C}"/>
               </a:ext>
             </a:extLst>
           </p:cNvPr>
@@ -13471,7 +13471,7 @@
           <p:cNvPr id="36" name="Parallelogram 35">
             <a:extLst>
               <a:ext uri="{FF2B5EF4-FFF2-40B4-BE49-F238E27FC236}">
-                <a16:creationId xmlns:a16="http://schemas.microsoft.com/office/drawing/2014/main" xmlns="" id="{4EBB76E7-943E-4038-B700-114F66FBC609}"/>
+                <a16:creationId xmlns="" xmlns:a16="http://schemas.microsoft.com/office/drawing/2014/main" id="{4EBB76E7-943E-4038-B700-114F66FBC609}"/>
               </a:ext>
             </a:extLst>
           </p:cNvPr>
@@ -13530,7 +13530,7 @@
           <p:cNvPr id="2" name="Footer Placeholder 1">
             <a:extLst>
               <a:ext uri="{FF2B5EF4-FFF2-40B4-BE49-F238E27FC236}">
-                <a16:creationId xmlns:a16="http://schemas.microsoft.com/office/drawing/2014/main" xmlns="" id="{03E79E9C-D961-6E47-A5C6-57689BAFF243}"/>
+                <a16:creationId xmlns="" xmlns:a16="http://schemas.microsoft.com/office/drawing/2014/main" id="{03E79E9C-D961-6E47-A5C6-57689BAFF243}"/>
               </a:ext>
             </a:extLst>
           </p:cNvPr>
@@ -13562,7 +13562,7 @@
           <p:cNvPr id="3" name="Slide Number Placeholder 2">
             <a:extLst>
               <a:ext uri="{FF2B5EF4-FFF2-40B4-BE49-F238E27FC236}">
-                <a16:creationId xmlns:a16="http://schemas.microsoft.com/office/drawing/2014/main" xmlns="" id="{B08BE157-60F2-194D-8C13-4AE120FC9EDE}"/>
+                <a16:creationId xmlns="" xmlns:a16="http://schemas.microsoft.com/office/drawing/2014/main" id="{B08BE157-60F2-194D-8C13-4AE120FC9EDE}"/>
               </a:ext>
             </a:extLst>
           </p:cNvPr>
@@ -13591,7 +13591,7 @@
           <p:cNvPr id="27" name="Title 1" title="Title ">
             <a:extLst>
               <a:ext uri="{FF2B5EF4-FFF2-40B4-BE49-F238E27FC236}">
-                <a16:creationId xmlns:a16="http://schemas.microsoft.com/office/drawing/2014/main" xmlns="" id="{C3CC34F4-862A-42E7-B2FA-7B511CC2E879}"/>
+                <a16:creationId xmlns="" xmlns:a16="http://schemas.microsoft.com/office/drawing/2014/main" id="{C3CC34F4-862A-42E7-B2FA-7B511CC2E879}"/>
               </a:ext>
             </a:extLst>
           </p:cNvPr>
@@ -13698,7 +13698,7 @@
           <p:cNvPr id="16" name="TextBox 15">
             <a:extLst>
               <a:ext uri="{FF2B5EF4-FFF2-40B4-BE49-F238E27FC236}">
-                <a16:creationId xmlns:a16="http://schemas.microsoft.com/office/drawing/2014/main" xmlns="" id="{A4F49194-9068-41AA-B460-962319BF96A4}"/>
+                <a16:creationId xmlns="" xmlns:a16="http://schemas.microsoft.com/office/drawing/2014/main" id="{A4F49194-9068-41AA-B460-962319BF96A4}"/>
               </a:ext>
             </a:extLst>
           </p:cNvPr>
@@ -13738,7 +13738,7 @@
           <p:cNvPr id="28" name="Group 27">
             <a:extLst>
               <a:ext uri="{FF2B5EF4-FFF2-40B4-BE49-F238E27FC236}">
-                <a16:creationId xmlns:a16="http://schemas.microsoft.com/office/drawing/2014/main" xmlns="" id="{5806E656-313A-47B1-B381-D004200F7A01}"/>
+                <a16:creationId xmlns="" xmlns:a16="http://schemas.microsoft.com/office/drawing/2014/main" id="{5806E656-313A-47B1-B381-D004200F7A01}"/>
               </a:ext>
             </a:extLst>
           </p:cNvPr>
@@ -13758,7 +13758,7 @@
             <p:cNvPr id="29" name="Diagonal Stripe 28">
               <a:extLst>
                 <a:ext uri="{FF2B5EF4-FFF2-40B4-BE49-F238E27FC236}">
-                  <a16:creationId xmlns:a16="http://schemas.microsoft.com/office/drawing/2014/main" xmlns="" id="{65F8E2DA-4BB4-4421-9172-A11AF38DFEF4}"/>
+                  <a16:creationId xmlns="" xmlns:a16="http://schemas.microsoft.com/office/drawing/2014/main" id="{65F8E2DA-4BB4-4421-9172-A11AF38DFEF4}"/>
                 </a:ext>
               </a:extLst>
             </p:cNvPr>
@@ -13816,7 +13816,7 @@
             <p:cNvPr id="30" name="Straight Connector 29">
               <a:extLst>
                 <a:ext uri="{FF2B5EF4-FFF2-40B4-BE49-F238E27FC236}">
-                  <a16:creationId xmlns:a16="http://schemas.microsoft.com/office/drawing/2014/main" xmlns="" id="{6EDB47F2-B6A7-40B4-8A2C-06719F75C085}"/>
+                  <a16:creationId xmlns="" xmlns:a16="http://schemas.microsoft.com/office/drawing/2014/main" id="{6EDB47F2-B6A7-40B4-8A2C-06719F75C085}"/>
                 </a:ext>
               </a:extLst>
             </p:cNvPr>
@@ -13861,7 +13861,7 @@
             <p:cNvPr id="31" name="Parallelogram 30">
               <a:extLst>
                 <a:ext uri="{FF2B5EF4-FFF2-40B4-BE49-F238E27FC236}">
-                  <a16:creationId xmlns:a16="http://schemas.microsoft.com/office/drawing/2014/main" xmlns="" id="{B188E7A9-2351-4B68-98B8-10099CB39CD2}"/>
+                  <a16:creationId xmlns="" xmlns:a16="http://schemas.microsoft.com/office/drawing/2014/main" id="{B188E7A9-2351-4B68-98B8-10099CB39CD2}"/>
                 </a:ext>
               </a:extLst>
             </p:cNvPr>
@@ -13916,7 +13916,7 @@
           <p:cNvPr id="33" name="Parallelogram 32">
             <a:extLst>
               <a:ext uri="{FF2B5EF4-FFF2-40B4-BE49-F238E27FC236}">
-                <a16:creationId xmlns:a16="http://schemas.microsoft.com/office/drawing/2014/main" xmlns="" id="{F088C182-BF10-45B2-B159-7702E00D31D4}"/>
+                <a16:creationId xmlns="" xmlns:a16="http://schemas.microsoft.com/office/drawing/2014/main" id="{F088C182-BF10-45B2-B159-7702E00D31D4}"/>
               </a:ext>
             </a:extLst>
           </p:cNvPr>
@@ -13975,7 +13975,7 @@
           <p:cNvPr id="34" name="Text Placeholder 4" title="Subtitle">
             <a:extLst>
               <a:ext uri="{FF2B5EF4-FFF2-40B4-BE49-F238E27FC236}">
-                <a16:creationId xmlns:a16="http://schemas.microsoft.com/office/drawing/2014/main" xmlns="" id="{FB561B16-2788-452A-B7AF-A482256DCDF2}"/>
+                <a16:creationId xmlns="" xmlns:a16="http://schemas.microsoft.com/office/drawing/2014/main" id="{FB561B16-2788-452A-B7AF-A482256DCDF2}"/>
               </a:ext>
             </a:extLst>
           </p:cNvPr>
@@ -14025,7 +14025,7 @@
           <p:cNvPr id="2" name="Footer Placeholder 1">
             <a:extLst>
               <a:ext uri="{FF2B5EF4-FFF2-40B4-BE49-F238E27FC236}">
-                <a16:creationId xmlns:a16="http://schemas.microsoft.com/office/drawing/2014/main" xmlns="" id="{D6990C03-1647-2044-B335-6F5F19E4E5FC}"/>
+                <a16:creationId xmlns="" xmlns:a16="http://schemas.microsoft.com/office/drawing/2014/main" id="{D6990C03-1647-2044-B335-6F5F19E4E5FC}"/>
               </a:ext>
             </a:extLst>
           </p:cNvPr>
@@ -14053,7 +14053,7 @@
           <p:cNvPr id="3" name="Slide Number Placeholder 2">
             <a:extLst>
               <a:ext uri="{FF2B5EF4-FFF2-40B4-BE49-F238E27FC236}">
-                <a16:creationId xmlns:a16="http://schemas.microsoft.com/office/drawing/2014/main" xmlns="" id="{4F03A7CC-E6DC-1544-BE55-15EC1718B77C}"/>
+                <a16:creationId xmlns="" xmlns:a16="http://schemas.microsoft.com/office/drawing/2014/main" id="{4F03A7CC-E6DC-1544-BE55-15EC1718B77C}"/>
               </a:ext>
             </a:extLst>
           </p:cNvPr>
@@ -14082,7 +14082,7 @@
           <p:cNvPr id="17" name="Title 1" title="Title ">
             <a:extLst>
               <a:ext uri="{FF2B5EF4-FFF2-40B4-BE49-F238E27FC236}">
-                <a16:creationId xmlns:a16="http://schemas.microsoft.com/office/drawing/2014/main" xmlns="" id="{BDEC780E-6412-1344-A62E-6B84E9CCB678}"/>
+                <a16:creationId xmlns="" xmlns:a16="http://schemas.microsoft.com/office/drawing/2014/main" id="{BDEC780E-6412-1344-A62E-6B84E9CCB678}"/>
               </a:ext>
             </a:extLst>
           </p:cNvPr>
@@ -14128,7 +14128,7 @@
           <p:cNvPr id="5" name="Text Placeholder 4">
             <a:extLst>
               <a:ext uri="{FF2B5EF4-FFF2-40B4-BE49-F238E27FC236}">
-                <a16:creationId xmlns:a16="http://schemas.microsoft.com/office/drawing/2014/main" xmlns="" id="{2C82AC85-33B6-2B49-8BF4-08414444375C}"/>
+                <a16:creationId xmlns="" xmlns:a16="http://schemas.microsoft.com/office/drawing/2014/main" id="{2C82AC85-33B6-2B49-8BF4-08414444375C}"/>
               </a:ext>
             </a:extLst>
           </p:cNvPr>
@@ -14206,7 +14206,7 @@
           <p:cNvPr id="20" name="Chart Placeholder 2" title="Chart">
             <a:extLst>
               <a:ext uri="{FF2B5EF4-FFF2-40B4-BE49-F238E27FC236}">
-                <a16:creationId xmlns:a16="http://schemas.microsoft.com/office/drawing/2014/main" xmlns="" id="{0EF0FD2A-B62A-4931-846D-2602DED26606}"/>
+                <a16:creationId xmlns="" xmlns:a16="http://schemas.microsoft.com/office/drawing/2014/main" id="{0EF0FD2A-B62A-4931-846D-2602DED26606}"/>
               </a:ext>
             </a:extLst>
           </p:cNvPr>
@@ -14308,7 +14308,7 @@
           <p:cNvPr id="15" name="Table Placeholder 11" title="Table">
             <a:extLst>
               <a:ext uri="{FF2B5EF4-FFF2-40B4-BE49-F238E27FC236}">
-                <a16:creationId xmlns:a16="http://schemas.microsoft.com/office/drawing/2014/main" xmlns="" id="{7CD3E31F-0AF8-4EB8-B6FA-BD95A2EDA63B}"/>
+                <a16:creationId xmlns="" xmlns:a16="http://schemas.microsoft.com/office/drawing/2014/main" id="{7CD3E31F-0AF8-4EB8-B6FA-BD95A2EDA63B}"/>
               </a:ext>
             </a:extLst>
           </p:cNvPr>
@@ -14358,7 +14358,7 @@
           <p:cNvPr id="16" name="TextBox 15">
             <a:extLst>
               <a:ext uri="{FF2B5EF4-FFF2-40B4-BE49-F238E27FC236}">
-                <a16:creationId xmlns:a16="http://schemas.microsoft.com/office/drawing/2014/main" xmlns="" id="{B84020D1-D35E-497E-97F1-84A6EA9D048E}"/>
+                <a16:creationId xmlns="" xmlns:a16="http://schemas.microsoft.com/office/drawing/2014/main" id="{B84020D1-D35E-497E-97F1-84A6EA9D048E}"/>
               </a:ext>
             </a:extLst>
           </p:cNvPr>
@@ -14398,7 +14398,7 @@
           <p:cNvPr id="26" name="Group 25">
             <a:extLst>
               <a:ext uri="{FF2B5EF4-FFF2-40B4-BE49-F238E27FC236}">
-                <a16:creationId xmlns:a16="http://schemas.microsoft.com/office/drawing/2014/main" xmlns="" id="{36C8A74F-FDDF-48E8-AC2B-A5BD59D7D6A3}"/>
+                <a16:creationId xmlns="" xmlns:a16="http://schemas.microsoft.com/office/drawing/2014/main" id="{36C8A74F-FDDF-48E8-AC2B-A5BD59D7D6A3}"/>
               </a:ext>
             </a:extLst>
           </p:cNvPr>
@@ -14418,7 +14418,7 @@
             <p:cNvPr id="27" name="Diagonal Stripe 26">
               <a:extLst>
                 <a:ext uri="{FF2B5EF4-FFF2-40B4-BE49-F238E27FC236}">
-                  <a16:creationId xmlns:a16="http://schemas.microsoft.com/office/drawing/2014/main" xmlns="" id="{2D5247F3-E6EB-4003-B1FD-F6200F0738E5}"/>
+                  <a16:creationId xmlns="" xmlns:a16="http://schemas.microsoft.com/office/drawing/2014/main" id="{2D5247F3-E6EB-4003-B1FD-F6200F0738E5}"/>
                 </a:ext>
               </a:extLst>
             </p:cNvPr>
@@ -14476,7 +14476,7 @@
             <p:cNvPr id="28" name="Straight Connector 27">
               <a:extLst>
                 <a:ext uri="{FF2B5EF4-FFF2-40B4-BE49-F238E27FC236}">
-                  <a16:creationId xmlns:a16="http://schemas.microsoft.com/office/drawing/2014/main" xmlns="" id="{E9B7D995-9FB8-4461-8AAA-FA8B9A145B6B}"/>
+                  <a16:creationId xmlns="" xmlns:a16="http://schemas.microsoft.com/office/drawing/2014/main" id="{E9B7D995-9FB8-4461-8AAA-FA8B9A145B6B}"/>
                 </a:ext>
               </a:extLst>
             </p:cNvPr>
@@ -14521,7 +14521,7 @@
             <p:cNvPr id="33" name="Parallelogram 32">
               <a:extLst>
                 <a:ext uri="{FF2B5EF4-FFF2-40B4-BE49-F238E27FC236}">
-                  <a16:creationId xmlns:a16="http://schemas.microsoft.com/office/drawing/2014/main" xmlns="" id="{849B962F-68BC-4B89-B4D8-D862517534DF}"/>
+                  <a16:creationId xmlns="" xmlns:a16="http://schemas.microsoft.com/office/drawing/2014/main" id="{849B962F-68BC-4B89-B4D8-D862517534DF}"/>
                 </a:ext>
               </a:extLst>
             </p:cNvPr>
@@ -14576,7 +14576,7 @@
           <p:cNvPr id="36" name="Parallelogram 35">
             <a:extLst>
               <a:ext uri="{FF2B5EF4-FFF2-40B4-BE49-F238E27FC236}">
-                <a16:creationId xmlns:a16="http://schemas.microsoft.com/office/drawing/2014/main" xmlns="" id="{8006416B-866C-47E5-8480-109B40F9EAA9}"/>
+                <a16:creationId xmlns="" xmlns:a16="http://schemas.microsoft.com/office/drawing/2014/main" id="{8006416B-866C-47E5-8480-109B40F9EAA9}"/>
               </a:ext>
             </a:extLst>
           </p:cNvPr>
@@ -14635,7 +14635,7 @@
           <p:cNvPr id="37" name="Text Placeholder 4" title="Subtitle">
             <a:extLst>
               <a:ext uri="{FF2B5EF4-FFF2-40B4-BE49-F238E27FC236}">
-                <a16:creationId xmlns:a16="http://schemas.microsoft.com/office/drawing/2014/main" xmlns="" id="{FE79FAE9-2A8C-46BA-8738-44CBCF7294A9}"/>
+                <a16:creationId xmlns="" xmlns:a16="http://schemas.microsoft.com/office/drawing/2014/main" id="{FE79FAE9-2A8C-46BA-8738-44CBCF7294A9}"/>
               </a:ext>
             </a:extLst>
           </p:cNvPr>
@@ -14685,7 +14685,7 @@
           <p:cNvPr id="2" name="Footer Placeholder 1">
             <a:extLst>
               <a:ext uri="{FF2B5EF4-FFF2-40B4-BE49-F238E27FC236}">
-                <a16:creationId xmlns:a16="http://schemas.microsoft.com/office/drawing/2014/main" xmlns="" id="{5750A33E-CEFE-4D43-9554-513B01B1D3D9}"/>
+                <a16:creationId xmlns="" xmlns:a16="http://schemas.microsoft.com/office/drawing/2014/main" id="{5750A33E-CEFE-4D43-9554-513B01B1D3D9}"/>
               </a:ext>
             </a:extLst>
           </p:cNvPr>
@@ -14713,7 +14713,7 @@
           <p:cNvPr id="3" name="Slide Number Placeholder 2">
             <a:extLst>
               <a:ext uri="{FF2B5EF4-FFF2-40B4-BE49-F238E27FC236}">
-                <a16:creationId xmlns:a16="http://schemas.microsoft.com/office/drawing/2014/main" xmlns="" id="{4A960C75-8FA7-5740-9388-2B5112B2C5B9}"/>
+                <a16:creationId xmlns="" xmlns:a16="http://schemas.microsoft.com/office/drawing/2014/main" id="{4A960C75-8FA7-5740-9388-2B5112B2C5B9}"/>
               </a:ext>
             </a:extLst>
           </p:cNvPr>
@@ -14742,7 +14742,7 @@
           <p:cNvPr id="17" name="Title 1" title="Title ">
             <a:extLst>
               <a:ext uri="{FF2B5EF4-FFF2-40B4-BE49-F238E27FC236}">
-                <a16:creationId xmlns:a16="http://schemas.microsoft.com/office/drawing/2014/main" xmlns="" id="{0F525D04-A814-7A4D-9732-11097EA76257}"/>
+                <a16:creationId xmlns="" xmlns:a16="http://schemas.microsoft.com/office/drawing/2014/main" id="{0F525D04-A814-7A4D-9732-11097EA76257}"/>
               </a:ext>
             </a:extLst>
           </p:cNvPr>
@@ -14839,7 +14839,7 @@
           <p:cNvPr id="4" name="Right Triangle 3">
             <a:extLst>
               <a:ext uri="{FF2B5EF4-FFF2-40B4-BE49-F238E27FC236}">
-                <a16:creationId xmlns:a16="http://schemas.microsoft.com/office/drawing/2014/main" xmlns="" id="{79ED029D-F488-47E5-B064-0E35B31D23A5}"/>
+                <a16:creationId xmlns="" xmlns:a16="http://schemas.microsoft.com/office/drawing/2014/main" id="{79ED029D-F488-47E5-B064-0E35B31D23A5}"/>
               </a:ext>
             </a:extLst>
           </p:cNvPr>
@@ -14891,7 +14891,7 @@
           <p:cNvPr id="5" name="Picture Placeholder 31" title="Image">
             <a:extLst>
               <a:ext uri="{FF2B5EF4-FFF2-40B4-BE49-F238E27FC236}">
-                <a16:creationId xmlns:a16="http://schemas.microsoft.com/office/drawing/2014/main" xmlns="" id="{D683190A-95C6-428D-AEE4-FC8350C3246D}"/>
+                <a16:creationId xmlns="" xmlns:a16="http://schemas.microsoft.com/office/drawing/2014/main" id="{D683190A-95C6-428D-AEE4-FC8350C3246D}"/>
               </a:ext>
             </a:extLst>
           </p:cNvPr>
@@ -14940,7 +14940,7 @@
           <p:cNvPr id="6" name="Straight Connector 5">
             <a:extLst>
               <a:ext uri="{FF2B5EF4-FFF2-40B4-BE49-F238E27FC236}">
-                <a16:creationId xmlns:a16="http://schemas.microsoft.com/office/drawing/2014/main" xmlns="" id="{F78F4957-6DDE-40CE-9D33-00B1434FA085}"/>
+                <a16:creationId xmlns="" xmlns:a16="http://schemas.microsoft.com/office/drawing/2014/main" id="{F78F4957-6DDE-40CE-9D33-00B1434FA085}"/>
               </a:ext>
             </a:extLst>
           </p:cNvPr>
@@ -14985,7 +14985,7 @@
           <p:cNvPr id="9" name="Title 1" title="Title ">
             <a:extLst>
               <a:ext uri="{FF2B5EF4-FFF2-40B4-BE49-F238E27FC236}">
-                <a16:creationId xmlns:a16="http://schemas.microsoft.com/office/drawing/2014/main" xmlns="" id="{D9A8085F-72C4-4DFB-813E-C5666B0CCF3A}"/>
+                <a16:creationId xmlns="" xmlns:a16="http://schemas.microsoft.com/office/drawing/2014/main" id="{D9A8085F-72C4-4DFB-813E-C5666B0CCF3A}"/>
               </a:ext>
             </a:extLst>
           </p:cNvPr>
@@ -15082,7 +15082,7 @@
           <p:cNvPr id="2" name="Title 1" title="Title">
             <a:extLst>
               <a:ext uri="{FF2B5EF4-FFF2-40B4-BE49-F238E27FC236}">
-                <a16:creationId xmlns:a16="http://schemas.microsoft.com/office/drawing/2014/main" xmlns="" id="{A648E0EA-49ED-4F2D-A107-8FCE6301FC88}"/>
+                <a16:creationId xmlns="" xmlns:a16="http://schemas.microsoft.com/office/drawing/2014/main" id="{A648E0EA-49ED-4F2D-A107-8FCE6301FC88}"/>
               </a:ext>
             </a:extLst>
           </p:cNvPr>
@@ -15128,7 +15128,7 @@
           <p:cNvPr id="9" name="Text Placeholder 3">
             <a:extLst>
               <a:ext uri="{FF2B5EF4-FFF2-40B4-BE49-F238E27FC236}">
-                <a16:creationId xmlns:a16="http://schemas.microsoft.com/office/drawing/2014/main" xmlns="" id="{A488AB73-8058-4FB5-9619-FCECCA9F3941}"/>
+                <a16:creationId xmlns="" xmlns:a16="http://schemas.microsoft.com/office/drawing/2014/main" id="{A488AB73-8058-4FB5-9619-FCECCA9F3941}"/>
               </a:ext>
             </a:extLst>
           </p:cNvPr>
@@ -15172,7 +15172,7 @@
           <p:cNvPr id="10" name="Text Placeholder 4">
             <a:extLst>
               <a:ext uri="{FF2B5EF4-FFF2-40B4-BE49-F238E27FC236}">
-                <a16:creationId xmlns:a16="http://schemas.microsoft.com/office/drawing/2014/main" xmlns="" id="{359BE165-3EB5-4C11-8B53-6E98C0BC2E65}"/>
+                <a16:creationId xmlns="" xmlns:a16="http://schemas.microsoft.com/office/drawing/2014/main" id="{359BE165-3EB5-4C11-8B53-6E98C0BC2E65}"/>
               </a:ext>
             </a:extLst>
           </p:cNvPr>
@@ -15216,7 +15216,7 @@
           <p:cNvPr id="11" name="Text Placeholder 5">
             <a:extLst>
               <a:ext uri="{FF2B5EF4-FFF2-40B4-BE49-F238E27FC236}">
-                <a16:creationId xmlns:a16="http://schemas.microsoft.com/office/drawing/2014/main" xmlns="" id="{79D05293-35AD-495F-A7AE-942398090B15}"/>
+                <a16:creationId xmlns="" xmlns:a16="http://schemas.microsoft.com/office/drawing/2014/main" id="{79D05293-35AD-495F-A7AE-942398090B15}"/>
               </a:ext>
             </a:extLst>
           </p:cNvPr>
@@ -15260,7 +15260,7 @@
           <p:cNvPr id="13" name="Text Placeholder 21">
             <a:extLst>
               <a:ext uri="{FF2B5EF4-FFF2-40B4-BE49-F238E27FC236}">
-                <a16:creationId xmlns:a16="http://schemas.microsoft.com/office/drawing/2014/main" xmlns="" id="{997A03F2-8D8A-4425-9F56-66DB33CE11A1}"/>
+                <a16:creationId xmlns="" xmlns:a16="http://schemas.microsoft.com/office/drawing/2014/main" id="{997A03F2-8D8A-4425-9F56-66DB33CE11A1}"/>
               </a:ext>
             </a:extLst>
           </p:cNvPr>
@@ -15304,7 +15304,7 @@
           <p:cNvPr id="14" name="Shape 4157">
             <a:extLst>
               <a:ext uri="{FF2B5EF4-FFF2-40B4-BE49-F238E27FC236}">
-                <a16:creationId xmlns:a16="http://schemas.microsoft.com/office/drawing/2014/main" xmlns="" id="{A30A8F28-98F4-425F-A750-78192A157DF4}"/>
+                <a16:creationId xmlns="" xmlns:a16="http://schemas.microsoft.com/office/drawing/2014/main" id="{A30A8F28-98F4-425F-A750-78192A157DF4}"/>
               </a:ext>
             </a:extLst>
           </p:cNvPr>
@@ -15570,7 +15570,7 @@
           <p:cNvPr id="15" name="Shape 4186">
             <a:extLst>
               <a:ext uri="{FF2B5EF4-FFF2-40B4-BE49-F238E27FC236}">
-                <a16:creationId xmlns:a16="http://schemas.microsoft.com/office/drawing/2014/main" xmlns="" id="{2F84D399-8148-4E86-A1E4-BE7D1D81383A}"/>
+                <a16:creationId xmlns="" xmlns:a16="http://schemas.microsoft.com/office/drawing/2014/main" id="{2F84D399-8148-4E86-A1E4-BE7D1D81383A}"/>
               </a:ext>
             </a:extLst>
           </p:cNvPr>
@@ -15808,7 +15808,7 @@
           <p:cNvPr id="19" name="Shape 4379">
             <a:extLst>
               <a:ext uri="{FF2B5EF4-FFF2-40B4-BE49-F238E27FC236}">
-                <a16:creationId xmlns:a16="http://schemas.microsoft.com/office/drawing/2014/main" xmlns="" id="{E4408FF8-E342-42F8-BBE9-1220822B5E99}"/>
+                <a16:creationId xmlns="" xmlns:a16="http://schemas.microsoft.com/office/drawing/2014/main" id="{E4408FF8-E342-42F8-BBE9-1220822B5E99}"/>
               </a:ext>
             </a:extLst>
           </p:cNvPr>
@@ -16037,7 +16037,7 @@
           <p:cNvPr id="20" name="Shape 4487">
             <a:extLst>
               <a:ext uri="{FF2B5EF4-FFF2-40B4-BE49-F238E27FC236}">
-                <a16:creationId xmlns:a16="http://schemas.microsoft.com/office/drawing/2014/main" xmlns="" id="{11D27456-C005-4109-9E74-0B692200A0B3}"/>
+                <a16:creationId xmlns="" xmlns:a16="http://schemas.microsoft.com/office/drawing/2014/main" id="{11D27456-C005-4109-9E74-0B692200A0B3}"/>
               </a:ext>
             </a:extLst>
           </p:cNvPr>
@@ -16634,7 +16634,7 @@
           <p:cNvPr id="21" name="Right Triangle 20">
             <a:extLst>
               <a:ext uri="{FF2B5EF4-FFF2-40B4-BE49-F238E27FC236}">
-                <a16:creationId xmlns:a16="http://schemas.microsoft.com/office/drawing/2014/main" xmlns="" id="{FDDD2B84-3CB9-4567-8C91-C538E8A1C89F}"/>
+                <a16:creationId xmlns="" xmlns:a16="http://schemas.microsoft.com/office/drawing/2014/main" id="{FDDD2B84-3CB9-4567-8C91-C538E8A1C89F}"/>
               </a:ext>
             </a:extLst>
           </p:cNvPr>
@@ -16686,7 +16686,7 @@
           <p:cNvPr id="22" name="Straight Connector 21">
             <a:extLst>
               <a:ext uri="{FF2B5EF4-FFF2-40B4-BE49-F238E27FC236}">
-                <a16:creationId xmlns:a16="http://schemas.microsoft.com/office/drawing/2014/main" xmlns="" id="{34EF3020-1476-41B1-9FE7-B476A25C53D3}"/>
+                <a16:creationId xmlns="" xmlns:a16="http://schemas.microsoft.com/office/drawing/2014/main" id="{34EF3020-1476-41B1-9FE7-B476A25C53D3}"/>
               </a:ext>
             </a:extLst>
           </p:cNvPr>
@@ -16731,7 +16731,7 @@
           <p:cNvPr id="23" name="Straight Connector 22">
             <a:extLst>
               <a:ext uri="{FF2B5EF4-FFF2-40B4-BE49-F238E27FC236}">
-                <a16:creationId xmlns:a16="http://schemas.microsoft.com/office/drawing/2014/main" xmlns="" id="{B1B64EC3-B232-415D-8E27-EB3E24D13922}"/>
+                <a16:creationId xmlns="" xmlns:a16="http://schemas.microsoft.com/office/drawing/2014/main" id="{B1B64EC3-B232-415D-8E27-EB3E24D13922}"/>
               </a:ext>
             </a:extLst>
           </p:cNvPr>
@@ -16774,7 +16774,7 @@
           <p:cNvPr id="24" name="Straight Connector 23">
             <a:extLst>
               <a:ext uri="{FF2B5EF4-FFF2-40B4-BE49-F238E27FC236}">
-                <a16:creationId xmlns:a16="http://schemas.microsoft.com/office/drawing/2014/main" xmlns="" id="{2261CE2F-F199-4242-AC6C-692676B81FF1}"/>
+                <a16:creationId xmlns="" xmlns:a16="http://schemas.microsoft.com/office/drawing/2014/main" id="{2261CE2F-F199-4242-AC6C-692676B81FF1}"/>
               </a:ext>
             </a:extLst>
           </p:cNvPr>
@@ -16817,7 +16817,7 @@
           <p:cNvPr id="27" name="Picture Placeholder 24">
             <a:extLst>
               <a:ext uri="{FF2B5EF4-FFF2-40B4-BE49-F238E27FC236}">
-                <a16:creationId xmlns:a16="http://schemas.microsoft.com/office/drawing/2014/main" xmlns="" id="{89C0506D-0CA6-4583-9D04-24E7F4D16AD8}"/>
+                <a16:creationId xmlns="" xmlns:a16="http://schemas.microsoft.com/office/drawing/2014/main" id="{89C0506D-0CA6-4583-9D04-24E7F4D16AD8}"/>
               </a:ext>
             </a:extLst>
           </p:cNvPr>
@@ -17000,7 +17000,7 @@
           <p:cNvPr id="5" name="Footer Placeholder 4">
             <a:extLst>
               <a:ext uri="{FF2B5EF4-FFF2-40B4-BE49-F238E27FC236}">
-                <a16:creationId xmlns:a16="http://schemas.microsoft.com/office/drawing/2014/main" xmlns="" id="{BDB16155-303B-403D-8B49-D4CEE47D6863}"/>
+                <a16:creationId xmlns="" xmlns:a16="http://schemas.microsoft.com/office/drawing/2014/main" id="{BDB16155-303B-403D-8B49-D4CEE47D6863}"/>
               </a:ext>
             </a:extLst>
           </p:cNvPr>
@@ -17044,7 +17044,7 @@
           <p:cNvPr id="6" name="Slide Number Placeholder 5">
             <a:extLst>
               <a:ext uri="{FF2B5EF4-FFF2-40B4-BE49-F238E27FC236}">
-                <a16:creationId xmlns:a16="http://schemas.microsoft.com/office/drawing/2014/main" xmlns="" id="{6B915EF5-4ABE-4759-AC09-679CD6083A55}"/>
+                <a16:creationId xmlns="" xmlns:a16="http://schemas.microsoft.com/office/drawing/2014/main" id="{6B915EF5-4ABE-4759-AC09-679CD6083A55}"/>
               </a:ext>
             </a:extLst>
           </p:cNvPr>
@@ -17090,7 +17090,7 @@
           <p:cNvPr id="9" name="Title Placeholder 8">
             <a:extLst>
               <a:ext uri="{FF2B5EF4-FFF2-40B4-BE49-F238E27FC236}">
-                <a16:creationId xmlns:a16="http://schemas.microsoft.com/office/drawing/2014/main" xmlns="" id="{AA2D2B61-D240-024D-AD60-4162EF1528B9}"/>
+                <a16:creationId xmlns="" xmlns:a16="http://schemas.microsoft.com/office/drawing/2014/main" id="{AA2D2B61-D240-024D-AD60-4162EF1528B9}"/>
               </a:ext>
             </a:extLst>
           </p:cNvPr>
@@ -17474,7 +17474,7 @@
           <p:cNvPr id="2" name="Title 1">
             <a:extLst>
               <a:ext uri="{FF2B5EF4-FFF2-40B4-BE49-F238E27FC236}">
-                <a16:creationId xmlns:a16="http://schemas.microsoft.com/office/drawing/2014/main" xmlns="" id="{3D638ACE-163E-40EB-A458-E794C67EA2A6}"/>
+                <a16:creationId xmlns="" xmlns:a16="http://schemas.microsoft.com/office/drawing/2014/main" id="{3D638ACE-163E-40EB-A458-E794C67EA2A6}"/>
               </a:ext>
             </a:extLst>
           </p:cNvPr>
@@ -17545,7 +17545,7 @@
           <p:cNvPr id="3" name="Subtitle 2">
             <a:extLst>
               <a:ext uri="{FF2B5EF4-FFF2-40B4-BE49-F238E27FC236}">
-                <a16:creationId xmlns:a16="http://schemas.microsoft.com/office/drawing/2014/main" xmlns="" id="{5C9205DF-8F5E-49F7-B00E-6F58293F5130}"/>
+                <a16:creationId xmlns="" xmlns:a16="http://schemas.microsoft.com/office/drawing/2014/main" id="{5C9205DF-8F5E-49F7-B00E-6F58293F5130}"/>
               </a:ext>
             </a:extLst>
           </p:cNvPr>
@@ -17644,7 +17644,7 @@
           <p:cNvPr id="4" name="Title 3">
             <a:extLst>
               <a:ext uri="{FF2B5EF4-FFF2-40B4-BE49-F238E27FC236}">
-                <a16:creationId xmlns:a16="http://schemas.microsoft.com/office/drawing/2014/main" xmlns="" id="{291CA16A-993E-43BA-BDDC-9E427CF951B2}"/>
+                <a16:creationId xmlns="" xmlns:a16="http://schemas.microsoft.com/office/drawing/2014/main" id="{291CA16A-993E-43BA-BDDC-9E427CF951B2}"/>
               </a:ext>
             </a:extLst>
           </p:cNvPr>
@@ -26177,7 +26177,7 @@
           <p:cNvPr id="2" name="Title 1">
             <a:extLst>
               <a:ext uri="{FF2B5EF4-FFF2-40B4-BE49-F238E27FC236}">
-                <a16:creationId xmlns:a16="http://schemas.microsoft.com/office/drawing/2014/main" xmlns="" id="{3D638ACE-163E-40EB-A458-E794C67EA2A6}"/>
+                <a16:creationId xmlns="" xmlns:a16="http://schemas.microsoft.com/office/drawing/2014/main" id="{3D638ACE-163E-40EB-A458-E794C67EA2A6}"/>
               </a:ext>
             </a:extLst>
           </p:cNvPr>
@@ -26270,7 +26270,7 @@
           <p:cNvPr id="2" name="Title 1">
             <a:extLst>
               <a:ext uri="{FF2B5EF4-FFF2-40B4-BE49-F238E27FC236}">
-                <a16:creationId xmlns:a16="http://schemas.microsoft.com/office/drawing/2014/main" xmlns="" id="{3D638ACE-163E-40EB-A458-E794C67EA2A6}"/>
+                <a16:creationId xmlns="" xmlns:a16="http://schemas.microsoft.com/office/drawing/2014/main" id="{3D638ACE-163E-40EB-A458-E794C67EA2A6}"/>
               </a:ext>
             </a:extLst>
           </p:cNvPr>
@@ -26356,7 +26356,7 @@
           <p:cNvPr id="4" name="Title 3">
             <a:extLst>
               <a:ext uri="{FF2B5EF4-FFF2-40B4-BE49-F238E27FC236}">
-                <a16:creationId xmlns:a16="http://schemas.microsoft.com/office/drawing/2014/main" xmlns="" id="{291CA16A-993E-43BA-BDDC-9E427CF951B2}"/>
+                <a16:creationId xmlns="" xmlns:a16="http://schemas.microsoft.com/office/drawing/2014/main" id="{291CA16A-993E-43BA-BDDC-9E427CF951B2}"/>
               </a:ext>
             </a:extLst>
           </p:cNvPr>
@@ -26488,7 +26488,7 @@
           <p:cNvPr id="14" name="Title 13">
             <a:extLst>
               <a:ext uri="{FF2B5EF4-FFF2-40B4-BE49-F238E27FC236}">
-                <a16:creationId xmlns:a16="http://schemas.microsoft.com/office/drawing/2014/main" xmlns="" id="{E3E5EE03-FBF6-46F5-8085-716AC6CE1C8C}"/>
+                <a16:creationId xmlns="" xmlns:a16="http://schemas.microsoft.com/office/drawing/2014/main" id="{E3E5EE03-FBF6-46F5-8085-716AC6CE1C8C}"/>
               </a:ext>
             </a:extLst>
           </p:cNvPr>
@@ -26559,7 +26559,7 @@
           <p:cNvPr id="15" name="Text Placeholder 14">
             <a:extLst>
               <a:ext uri="{FF2B5EF4-FFF2-40B4-BE49-F238E27FC236}">
-                <a16:creationId xmlns:a16="http://schemas.microsoft.com/office/drawing/2014/main" xmlns="" id="{24E18385-8BEA-4522-ABAA-5AB38F0D4FC2}"/>
+                <a16:creationId xmlns="" xmlns:a16="http://schemas.microsoft.com/office/drawing/2014/main" id="{24E18385-8BEA-4522-ABAA-5AB38F0D4FC2}"/>
               </a:ext>
             </a:extLst>
           </p:cNvPr>
@@ -26643,7 +26643,7 @@
           <p:cNvPr id="16" name="Content Placeholder 15">
             <a:extLst>
               <a:ext uri="{FF2B5EF4-FFF2-40B4-BE49-F238E27FC236}">
-                <a16:creationId xmlns:a16="http://schemas.microsoft.com/office/drawing/2014/main" xmlns="" id="{1DCFA8A2-3FB8-48CA-933D-0800A9D2A2A2}"/>
+                <a16:creationId xmlns="" xmlns:a16="http://schemas.microsoft.com/office/drawing/2014/main" id="{1DCFA8A2-3FB8-48CA-933D-0800A9D2A2A2}"/>
               </a:ext>
             </a:extLst>
           </p:cNvPr>
@@ -26893,7 +26893,7 @@
           <p:cNvPr id="17" name="Text Placeholder 16">
             <a:extLst>
               <a:ext uri="{FF2B5EF4-FFF2-40B4-BE49-F238E27FC236}">
-                <a16:creationId xmlns:a16="http://schemas.microsoft.com/office/drawing/2014/main" xmlns="" id="{640A3223-3DA3-4CF2-82B6-1447667547BD}"/>
+                <a16:creationId xmlns="" xmlns:a16="http://schemas.microsoft.com/office/drawing/2014/main" id="{640A3223-3DA3-4CF2-82B6-1447667547BD}"/>
               </a:ext>
             </a:extLst>
           </p:cNvPr>
@@ -26969,7 +26969,7 @@
           <p:cNvPr id="18" name="Content Placeholder 17">
             <a:extLst>
               <a:ext uri="{FF2B5EF4-FFF2-40B4-BE49-F238E27FC236}">
-                <a16:creationId xmlns:a16="http://schemas.microsoft.com/office/drawing/2014/main" xmlns="" id="{C955AFB3-173C-4848-B3E9-1375591B297E}"/>
+                <a16:creationId xmlns="" xmlns:a16="http://schemas.microsoft.com/office/drawing/2014/main" id="{C955AFB3-173C-4848-B3E9-1375591B297E}"/>
               </a:ext>
             </a:extLst>
           </p:cNvPr>
@@ -27109,15 +27109,7 @@
             </a:r>
             <a:r>
               <a:rPr lang="en-US" dirty="0" smtClean="0"/>
-              <a:t> </a:t>
-            </a:r>
-            <a:r>
-              <a:rPr lang="en-US" dirty="0" smtClean="0"/>
-              <a:t>Loop </a:t>
-            </a:r>
-            <a:r>
-              <a:rPr lang="en-US" dirty="0" smtClean="0"/>
-              <a:t>Join, Sort-Merge Join, Hash </a:t>
+              <a:t> Loop Join, Sort-Merge Join, Hash </a:t>
             </a:r>
             <a:r>
               <a:rPr lang="en-US" dirty="0" err="1" smtClean="0"/>
@@ -27136,7 +27128,7 @@
           <p:cNvPr id="20" name="Footer Placeholder 4">
             <a:extLst>
               <a:ext uri="{FF2B5EF4-FFF2-40B4-BE49-F238E27FC236}">
-                <a16:creationId xmlns:a16="http://schemas.microsoft.com/office/drawing/2014/main" xmlns="" id="{391D3201-20F9-4DD7-B4EB-F41AF17CA428}"/>
+                <a16:creationId xmlns="" xmlns:a16="http://schemas.microsoft.com/office/drawing/2014/main" id="{391D3201-20F9-4DD7-B4EB-F41AF17CA428}"/>
               </a:ext>
             </a:extLst>
           </p:cNvPr>
@@ -27176,7 +27168,7 @@
           <p:cNvPr id="21" name="Slide Number Placeholder 5">
             <a:extLst>
               <a:ext uri="{FF2B5EF4-FFF2-40B4-BE49-F238E27FC236}">
-                <a16:creationId xmlns:a16="http://schemas.microsoft.com/office/drawing/2014/main" xmlns="" id="{C7C65DDB-24F2-44CF-AE02-F3A6C8B1858B}"/>
+                <a16:creationId xmlns="" xmlns:a16="http://schemas.microsoft.com/office/drawing/2014/main" id="{C7C65DDB-24F2-44CF-AE02-F3A6C8B1858B}"/>
               </a:ext>
             </a:extLst>
           </p:cNvPr>
@@ -27254,7 +27246,7 @@
           <p:cNvPr id="4" name="Title 3">
             <a:extLst>
               <a:ext uri="{FF2B5EF4-FFF2-40B4-BE49-F238E27FC236}">
-                <a16:creationId xmlns:a16="http://schemas.microsoft.com/office/drawing/2014/main" xmlns="" id="{291CA16A-993E-43BA-BDDC-9E427CF951B2}"/>
+                <a16:creationId xmlns="" xmlns:a16="http://schemas.microsoft.com/office/drawing/2014/main" id="{291CA16A-993E-43BA-BDDC-9E427CF951B2}"/>
               </a:ext>
             </a:extLst>
           </p:cNvPr>
@@ -27607,7 +27599,7 @@
           <p:cNvPr id="4" name="Title 3">
             <a:extLst>
               <a:ext uri="{FF2B5EF4-FFF2-40B4-BE49-F238E27FC236}">
-                <a16:creationId xmlns:a16="http://schemas.microsoft.com/office/drawing/2014/main" xmlns="" id="{1ABE11BF-33A5-4653-A144-CCCBACF58C30}"/>
+                <a16:creationId xmlns="" xmlns:a16="http://schemas.microsoft.com/office/drawing/2014/main" id="{1ABE11BF-33A5-4653-A144-CCCBACF58C30}"/>
               </a:ext>
             </a:extLst>
           </p:cNvPr>
@@ -27667,7 +27659,7 @@
           <p:cNvPr id="7" name="Content Placeholder 6">
             <a:extLst>
               <a:ext uri="{FF2B5EF4-FFF2-40B4-BE49-F238E27FC236}">
-                <a16:creationId xmlns:a16="http://schemas.microsoft.com/office/drawing/2014/main" xmlns="" id="{2482DBEC-EE72-4155-ACC5-87E80C5606A9}"/>
+                <a16:creationId xmlns="" xmlns:a16="http://schemas.microsoft.com/office/drawing/2014/main" id="{2482DBEC-EE72-4155-ACC5-87E80C5606A9}"/>
               </a:ext>
             </a:extLst>
           </p:cNvPr>
@@ -27905,7 +27897,7 @@
           <p:cNvPr id="11" name="Footer Placeholder 10">
             <a:extLst>
               <a:ext uri="{FF2B5EF4-FFF2-40B4-BE49-F238E27FC236}">
-                <a16:creationId xmlns:a16="http://schemas.microsoft.com/office/drawing/2014/main" xmlns="" id="{47F4D2C2-B71A-4089-A3FE-603C32706CA6}"/>
+                <a16:creationId xmlns="" xmlns:a16="http://schemas.microsoft.com/office/drawing/2014/main" id="{47F4D2C2-B71A-4089-A3FE-603C32706CA6}"/>
               </a:ext>
             </a:extLst>
           </p:cNvPr>
@@ -27933,7 +27925,7 @@
           <p:cNvPr id="12" name="Slide Number Placeholder 11">
             <a:extLst>
               <a:ext uri="{FF2B5EF4-FFF2-40B4-BE49-F238E27FC236}">
-                <a16:creationId xmlns:a16="http://schemas.microsoft.com/office/drawing/2014/main" xmlns="" id="{FBA1BB58-7555-4382-B178-7ED04E137E77}"/>
+                <a16:creationId xmlns="" xmlns:a16="http://schemas.microsoft.com/office/drawing/2014/main" id="{FBA1BB58-7555-4382-B178-7ED04E137E77}"/>
               </a:ext>
             </a:extLst>
           </p:cNvPr>
@@ -28028,7 +28020,7 @@
           <p:cNvPr id="4" name="Title 3">
             <a:extLst>
               <a:ext uri="{FF2B5EF4-FFF2-40B4-BE49-F238E27FC236}">
-                <a16:creationId xmlns:a16="http://schemas.microsoft.com/office/drawing/2014/main" xmlns="" id="{291CA16A-993E-43BA-BDDC-9E427CF951B2}"/>
+                <a16:creationId xmlns="" xmlns:a16="http://schemas.microsoft.com/office/drawing/2014/main" id="{291CA16A-993E-43BA-BDDC-9E427CF951B2}"/>
               </a:ext>
             </a:extLst>
           </p:cNvPr>
@@ -28201,7 +28193,7 @@
           <p:cNvPr id="41" name="Title 3">
             <a:extLst>
               <a:ext uri="{FF2B5EF4-FFF2-40B4-BE49-F238E27FC236}">
-                <a16:creationId xmlns:a16="http://schemas.microsoft.com/office/drawing/2014/main" xmlns="" id="{1ABD613F-111C-41D6-9F8E-8B2C42A5E047}"/>
+                <a16:creationId xmlns="" xmlns:a16="http://schemas.microsoft.com/office/drawing/2014/main" id="{1ABD613F-111C-41D6-9F8E-8B2C42A5E047}"/>
               </a:ext>
             </a:extLst>
           </p:cNvPr>
@@ -28272,7 +28264,7 @@
           <p:cNvPr id="42" name="Content Placeholder 6">
             <a:extLst>
               <a:ext uri="{FF2B5EF4-FFF2-40B4-BE49-F238E27FC236}">
-                <a16:creationId xmlns:a16="http://schemas.microsoft.com/office/drawing/2014/main" xmlns="" id="{55EACD59-7C51-4810-94C6-BCB4D12346DC}"/>
+                <a16:creationId xmlns="" xmlns:a16="http://schemas.microsoft.com/office/drawing/2014/main" id="{55EACD59-7C51-4810-94C6-BCB4D12346DC}"/>
               </a:ext>
             </a:extLst>
           </p:cNvPr>
@@ -28388,7 +28380,7 @@
           <p:cNvPr id="35" name="Footer Placeholder 34">
             <a:extLst>
               <a:ext uri="{FF2B5EF4-FFF2-40B4-BE49-F238E27FC236}">
-                <a16:creationId xmlns:a16="http://schemas.microsoft.com/office/drawing/2014/main" xmlns="" id="{6390A22B-EC07-E942-A46F-F36FDD7FDB9D}"/>
+                <a16:creationId xmlns="" xmlns:a16="http://schemas.microsoft.com/office/drawing/2014/main" id="{6390A22B-EC07-E942-A46F-F36FDD7FDB9D}"/>
               </a:ext>
             </a:extLst>
           </p:cNvPr>
@@ -28416,7 +28408,7 @@
           <p:cNvPr id="10" name="Slide Number Placeholder 9">
             <a:extLst>
               <a:ext uri="{FF2B5EF4-FFF2-40B4-BE49-F238E27FC236}">
-                <a16:creationId xmlns:a16="http://schemas.microsoft.com/office/drawing/2014/main" xmlns="" id="{A267D224-5586-43DC-82CA-8605E158298B}"/>
+                <a16:creationId xmlns="" xmlns:a16="http://schemas.microsoft.com/office/drawing/2014/main" id="{A267D224-5586-43DC-82CA-8605E158298B}"/>
               </a:ext>
             </a:extLst>
           </p:cNvPr>
@@ -28511,7 +28503,7 @@
           <p:cNvPr id="14" name="Title 13">
             <a:extLst>
               <a:ext uri="{FF2B5EF4-FFF2-40B4-BE49-F238E27FC236}">
-                <a16:creationId xmlns:a16="http://schemas.microsoft.com/office/drawing/2014/main" xmlns="" id="{E3E5EE03-FBF6-46F5-8085-716AC6CE1C8C}"/>
+                <a16:creationId xmlns="" xmlns:a16="http://schemas.microsoft.com/office/drawing/2014/main" id="{E3E5EE03-FBF6-46F5-8085-716AC6CE1C8C}"/>
               </a:ext>
             </a:extLst>
           </p:cNvPr>
@@ -28570,7 +28562,7 @@
           <p:cNvPr id="20" name="Footer Placeholder 4">
             <a:extLst>
               <a:ext uri="{FF2B5EF4-FFF2-40B4-BE49-F238E27FC236}">
-                <a16:creationId xmlns:a16="http://schemas.microsoft.com/office/drawing/2014/main" xmlns="" id="{391D3201-20F9-4DD7-B4EB-F41AF17CA428}"/>
+                <a16:creationId xmlns="" xmlns:a16="http://schemas.microsoft.com/office/drawing/2014/main" id="{391D3201-20F9-4DD7-B4EB-F41AF17CA428}"/>
               </a:ext>
             </a:extLst>
           </p:cNvPr>
@@ -28610,7 +28602,7 @@
           <p:cNvPr id="21" name="Slide Number Placeholder 5">
             <a:extLst>
               <a:ext uri="{FF2B5EF4-FFF2-40B4-BE49-F238E27FC236}">
-                <a16:creationId xmlns:a16="http://schemas.microsoft.com/office/drawing/2014/main" xmlns="" id="{C7C65DDB-24F2-44CF-AE02-F3A6C8B1858B}"/>
+                <a16:creationId xmlns="" xmlns:a16="http://schemas.microsoft.com/office/drawing/2014/main" id="{C7C65DDB-24F2-44CF-AE02-F3A6C8B1858B}"/>
               </a:ext>
             </a:extLst>
           </p:cNvPr>
@@ -28730,7 +28722,6 @@
               <a:rPr lang="en-GB" dirty="0" smtClean="0"/>
               <a:t>:</a:t>
             </a:r>
-            <a:endParaRPr lang="en-GB" dirty="0" smtClean="0"/>
           </a:p>
           <a:p>
             <a:pPr marL="0" indent="0">
@@ -29724,23 +29715,6 @@
 </file>
 
 <file path=customXml/item1.xml><?xml version="1.0" encoding="utf-8"?>
-<p:properties xmlns:p="http://schemas.microsoft.com/office/2006/metadata/properties" xmlns:xsi="http://www.w3.org/2001/XMLSchema-instance" xmlns:pc="http://schemas.microsoft.com/office/infopath/2007/PartnerControls">
-  <documentManagement>
-    <MediaServiceKeyPoints xmlns="71af3243-3dd4-4a8d-8c0d-dd76da1f02a5" xsi:nil="true"/>
-  </documentManagement>
-</p:properties>
-</file>
-
-<file path=customXml/item2.xml><?xml version="1.0" encoding="utf-8"?>
-<?mso-contentType ?>
-<FormTemplates xmlns="http://schemas.microsoft.com/sharepoint/v3/contenttype/forms">
-  <Display>DocumentLibraryForm</Display>
-  <Edit>DocumentLibraryForm</Edit>
-  <New>DocumentLibraryForm</New>
-</FormTemplates>
-</file>
-
-<file path=customXml/item3.xml><?xml version="1.0" encoding="utf-8"?>
 <ct:contentTypeSchema xmlns:ct="http://schemas.microsoft.com/office/2006/metadata/contentType" xmlns:ma="http://schemas.microsoft.com/office/2006/metadata/properties/metaAttributes" ct:_="" ma:_="" ma:contentTypeName="Document" ma:contentTypeID="0x01010079F111ED35F8CC479449609E8A0923A6" ma:contentTypeVersion="11" ma:contentTypeDescription="Create a new document." ma:contentTypeScope="" ma:versionID="96291512c1ee715ab617f4c07df79fc1">
   <xsd:schema xmlns:xsd="http://www.w3.org/2001/XMLSchema" xmlns:xs="http://www.w3.org/2001/XMLSchema" xmlns:p="http://schemas.microsoft.com/office/2006/metadata/properties" xmlns:ns2="71af3243-3dd4-4a8d-8c0d-dd76da1f02a5" xmlns:ns3="16c05727-aa75-4e4a-9b5f-8a80a1165891" targetNamespace="http://schemas.microsoft.com/office/2006/metadata/properties" ma:root="true" ma:fieldsID="8256c27c40ca5c40ce1cf6c44f0205df" ns2:_="" ns3:_="">
     <xsd:import namespace="71af3243-3dd4-4a8d-8c0d-dd76da1f02a5"/>
@@ -29951,32 +29925,24 @@
 </ct:contentTypeSchema>
 </file>
 
-<file path=customXml/itemProps1.xml><?xml version="1.0" encoding="utf-8"?>
-<ds:datastoreItem xmlns:ds="http://schemas.openxmlformats.org/officeDocument/2006/customXml" ds:itemID="{C87F4215-C6BB-44A3-9A5E-9446E6835900}">
-  <ds:schemaRefs>
-    <ds:schemaRef ds:uri="http://purl.org/dc/terms/"/>
-    <ds:schemaRef ds:uri="http://schemas.openxmlformats.org/package/2006/metadata/core-properties"/>
-    <ds:schemaRef ds:uri="16c05727-aa75-4e4a-9b5f-8a80a1165891"/>
-    <ds:schemaRef ds:uri="http://schemas.microsoft.com/office/2006/documentManagement/types"/>
-    <ds:schemaRef ds:uri="http://schemas.microsoft.com/office/infopath/2007/PartnerControls"/>
-    <ds:schemaRef ds:uri="http://purl.org/dc/elements/1.1/"/>
-    <ds:schemaRef ds:uri="http://schemas.microsoft.com/office/2006/metadata/properties"/>
-    <ds:schemaRef ds:uri="71af3243-3dd4-4a8d-8c0d-dd76da1f02a5"/>
-    <ds:schemaRef ds:uri="http://www.w3.org/XML/1998/namespace"/>
-    <ds:schemaRef ds:uri="http://purl.org/dc/dcmitype/"/>
-  </ds:schemaRefs>
-</ds:datastoreItem>
+<file path=customXml/item2.xml><?xml version="1.0" encoding="utf-8"?>
+<?mso-contentType ?>
+<FormTemplates xmlns="http://schemas.microsoft.com/sharepoint/v3/contenttype/forms">
+  <Display>DocumentLibraryForm</Display>
+  <Edit>DocumentLibraryForm</Edit>
+  <New>DocumentLibraryForm</New>
+</FormTemplates>
 </file>
 
-<file path=customXml/itemProps2.xml><?xml version="1.0" encoding="utf-8"?>
-<ds:datastoreItem xmlns:ds="http://schemas.openxmlformats.org/officeDocument/2006/customXml" ds:itemID="{A80A5AF1-8C57-4290-936E-5FD27C957251}">
-  <ds:schemaRefs>
-    <ds:schemaRef ds:uri="http://schemas.microsoft.com/sharepoint/v3/contenttype/forms"/>
-  </ds:schemaRefs>
-</ds:datastoreItem>
+<file path=customXml/item3.xml><?xml version="1.0" encoding="utf-8"?>
+<p:properties xmlns:p="http://schemas.microsoft.com/office/2006/metadata/properties" xmlns:xsi="http://www.w3.org/2001/XMLSchema-instance" xmlns:pc="http://schemas.microsoft.com/office/infopath/2007/PartnerControls">
+  <documentManagement>
+    <MediaServiceKeyPoints xmlns="71af3243-3dd4-4a8d-8c0d-dd76da1f02a5" xsi:nil="true"/>
+  </documentManagement>
+</p:properties>
 </file>
 
-<file path=customXml/itemProps3.xml><?xml version="1.0" encoding="utf-8"?>
+<file path=customXml/itemProps1.xml><?xml version="1.0" encoding="utf-8"?>
 <ds:datastoreItem xmlns:ds="http://schemas.openxmlformats.org/officeDocument/2006/customXml" ds:itemID="{8F8919DE-9BD9-47A9-9F5D-16EBB9687974}">
   <ds:schemaRefs>
     <ds:schemaRef ds:uri="http://schemas.microsoft.com/office/2006/metadata/contentType"/>
@@ -29993,4 +29959,29 @@
     <ds:schemaRef ds:uri="http://schemas.microsoft.com/internal/obd"/>
   </ds:schemaRefs>
 </ds:datastoreItem>
+</file>
+
+<file path=customXml/itemProps2.xml><?xml version="1.0" encoding="utf-8"?>
+<ds:datastoreItem xmlns:ds="http://schemas.openxmlformats.org/officeDocument/2006/customXml" ds:itemID="{A80A5AF1-8C57-4290-936E-5FD27C957251}">
+  <ds:schemaRefs>
+    <ds:schemaRef ds:uri="http://schemas.microsoft.com/sharepoint/v3/contenttype/forms"/>
+  </ds:schemaRefs>
+</ds:datastoreItem>
+</file>
+
+<file path=customXml/itemProps3.xml><?xml version="1.0" encoding="utf-8"?>
+<ds:datastoreItem xmlns:ds="http://schemas.openxmlformats.org/officeDocument/2006/customXml" ds:itemID="{C87F4215-C6BB-44A3-9A5E-9446E6835900}">
+  <ds:schemaRefs>
+    <ds:schemaRef ds:uri="http://purl.org/dc/terms/"/>
+    <ds:schemaRef ds:uri="http://schemas.openxmlformats.org/package/2006/metadata/core-properties"/>
+    <ds:schemaRef ds:uri="16c05727-aa75-4e4a-9b5f-8a80a1165891"/>
+    <ds:schemaRef ds:uri="http://schemas.microsoft.com/office/2006/documentManagement/types"/>
+    <ds:schemaRef ds:uri="http://schemas.microsoft.com/office/infopath/2007/PartnerControls"/>
+    <ds:schemaRef ds:uri="http://purl.org/dc/elements/1.1/"/>
+    <ds:schemaRef ds:uri="http://schemas.microsoft.com/office/2006/metadata/properties"/>
+    <ds:schemaRef ds:uri="71af3243-3dd4-4a8d-8c0d-dd76da1f02a5"/>
+    <ds:schemaRef ds:uri="http://www.w3.org/XML/1998/namespace"/>
+    <ds:schemaRef ds:uri="http://purl.org/dc/dcmitype/"/>
+  </ds:schemaRefs>
+</ds:datastoreItem>
 </file>
--- a/Obrada upita kod PostgreSQL baze podataka.pptx
+++ b/Obrada upita kod PostgreSQL baze podataka.pptx
@@ -26002,23 +26002,43 @@
             </a:r>
             <a:r>
               <a:rPr lang="en-GB" sz="1400" dirty="0" err="1" smtClean="0"/>
+              <a:t>spajanje</a:t>
+            </a:r>
+            <a:r>
+              <a:rPr lang="en-GB" sz="1400" dirty="0" smtClean="0"/>
+              <a:t> </a:t>
+            </a:r>
+            <a:r>
+              <a:rPr lang="en-GB" sz="1400" dirty="0" err="1" smtClean="0"/>
+              <a:t>sa</a:t>
+            </a:r>
+            <a:r>
+              <a:rPr lang="en-GB" sz="1400" dirty="0" smtClean="0"/>
+              <a:t> </a:t>
+            </a:r>
+            <a:r>
+              <a:rPr lang="en-GB" sz="1400" dirty="0" err="1" smtClean="0"/>
+              <a:t>tabelom</a:t>
+            </a:r>
+            <a:r>
+              <a:rPr lang="en-GB" sz="1400" dirty="0" smtClean="0"/>
+              <a:t> </a:t>
+            </a:r>
+            <a:r>
+              <a:rPr lang="en-GB" sz="1400" dirty="0" err="1" smtClean="0"/>
               <a:t>departmani</a:t>
             </a:r>
             <a:r>
               <a:rPr lang="en-GB" sz="1400" dirty="0" smtClean="0"/>
-              <a:t> </a:t>
-            </a:r>
-            <a:r>
-              <a:rPr lang="en-GB" sz="1400" dirty="0" err="1" smtClean="0"/>
-              <a:t>i</a:t>
+              <a:t> Merge </a:t>
             </a:r>
             <a:r>
               <a:rPr lang="en-GB" sz="1400" dirty="0" smtClean="0"/>
-              <a:t> projekti3 Merge Join-</a:t>
-            </a:r>
-            <a:r>
-              <a:rPr lang="en-GB" sz="1400" dirty="0" err="1" smtClean="0"/>
-              <a:t>om</a:t>
+              <a:t>Join-</a:t>
+            </a:r>
+            <a:r>
+              <a:rPr lang="en-GB" sz="1400" smtClean="0"/>
+              <a:t>om.</a:t>
             </a:r>
             <a:endParaRPr lang="en-GB" sz="1400" dirty="0" smtClean="0"/>
           </a:p>
